--- a/Final/Presentation_Equipe9.pptx
+++ b/Final/Presentation_Equipe9.pptx
@@ -7,8 +7,24 @@
   <p:sldIdLst>
     <p:sldId id="257" r:id="rId2"/>
     <p:sldId id="260" r:id="rId3"/>
-    <p:sldId id="258" r:id="rId4"/>
-    <p:sldId id="259" r:id="rId5"/>
+    <p:sldId id="261" r:id="rId4"/>
+    <p:sldId id="267" r:id="rId5"/>
+    <p:sldId id="262" r:id="rId6"/>
+    <p:sldId id="263" r:id="rId7"/>
+    <p:sldId id="264" r:id="rId8"/>
+    <p:sldId id="268" r:id="rId9"/>
+    <p:sldId id="265" r:id="rId10"/>
+    <p:sldId id="269" r:id="rId11"/>
+    <p:sldId id="270" r:id="rId12"/>
+    <p:sldId id="271" r:id="rId13"/>
+    <p:sldId id="272" r:id="rId14"/>
+    <p:sldId id="266" r:id="rId15"/>
+    <p:sldId id="273" r:id="rId16"/>
+    <p:sldId id="274" r:id="rId17"/>
+    <p:sldId id="275" r:id="rId18"/>
+    <p:sldId id="276" r:id="rId19"/>
+    <p:sldId id="277" r:id="rId20"/>
+    <p:sldId id="278" r:id="rId21"/>
   </p:sldIdLst>
   <p:sldSz cx="12192000" cy="6858000"/>
   <p:notesSz cx="6858000" cy="9144000"/>
@@ -4070,6 +4086,850 @@
 </p:sld>
 </file>
 
+<file path=ppt/slides/slide10.xml><?xml version="1.0" encoding="utf-8"?>
+<p:sld xmlns:a="http://schemas.openxmlformats.org/drawingml/2006/main" xmlns:r="http://schemas.openxmlformats.org/officeDocument/2006/relationships" xmlns:p="http://schemas.openxmlformats.org/presentationml/2006/main">
+  <p:cSld>
+    <p:spTree>
+      <p:nvGrpSpPr>
+        <p:cNvPr id="1" name=""/>
+        <p:cNvGrpSpPr/>
+        <p:nvPr/>
+      </p:nvGrpSpPr>
+      <p:grpSpPr>
+        <a:xfrm>
+          <a:off x="0" y="0"/>
+          <a:ext cx="0" cy="0"/>
+          <a:chOff x="0" y="0"/>
+          <a:chExt cx="0" cy="0"/>
+        </a:xfrm>
+      </p:grpSpPr>
+      <p:sp>
+        <p:nvSpPr>
+          <p:cNvPr id="2" name="Title 1">
+            <a:extLst>
+              <a:ext uri="{FF2B5EF4-FFF2-40B4-BE49-F238E27FC236}">
+                <a16:creationId xmlns:a16="http://schemas.microsoft.com/office/drawing/2014/main" id="{2972E3D2-B3C5-FB56-6BD1-0BD8DD76CCA3}"/>
+              </a:ext>
+            </a:extLst>
+          </p:cNvPr>
+          <p:cNvSpPr>
+            <a:spLocks noGrp="1"/>
+          </p:cNvSpPr>
+          <p:nvPr>
+            <p:ph type="title"/>
+          </p:nvPr>
+        </p:nvSpPr>
+        <p:spPr/>
+        <p:txBody>
+          <a:bodyPr/>
+          <a:lstStyle/>
+          <a:p>
+            <a:r>
+              <a:rPr lang="fr-CA" dirty="0"/>
+              <a:t>K plus proches voisins</a:t>
+            </a:r>
+            <a:endParaRPr lang="en-CA" dirty="0"/>
+          </a:p>
+        </p:txBody>
+      </p:sp>
+      <p:sp>
+        <p:nvSpPr>
+          <p:cNvPr id="3" name="Content Placeholder 2">
+            <a:extLst>
+              <a:ext uri="{FF2B5EF4-FFF2-40B4-BE49-F238E27FC236}">
+                <a16:creationId xmlns:a16="http://schemas.microsoft.com/office/drawing/2014/main" id="{9983E910-59CB-7ECB-46A9-68D73D0A7492}"/>
+              </a:ext>
+            </a:extLst>
+          </p:cNvPr>
+          <p:cNvSpPr>
+            <a:spLocks noGrp="1"/>
+          </p:cNvSpPr>
+          <p:nvPr>
+            <p:ph idx="1"/>
+          </p:nvPr>
+        </p:nvSpPr>
+        <p:spPr/>
+        <p:txBody>
+          <a:bodyPr/>
+          <a:lstStyle/>
+          <a:p>
+            <a:endParaRPr lang="en-CA" dirty="0"/>
+          </a:p>
+        </p:txBody>
+      </p:sp>
+    </p:spTree>
+    <p:extLst>
+      <p:ext uri="{BB962C8B-B14F-4D97-AF65-F5344CB8AC3E}">
+        <p14:creationId xmlns:p14="http://schemas.microsoft.com/office/powerpoint/2010/main" val="779475053"/>
+      </p:ext>
+    </p:extLst>
+  </p:cSld>
+  <p:clrMapOvr>
+    <a:masterClrMapping/>
+  </p:clrMapOvr>
+</p:sld>
+</file>
+
+<file path=ppt/slides/slide11.xml><?xml version="1.0" encoding="utf-8"?>
+<p:sld xmlns:a="http://schemas.openxmlformats.org/drawingml/2006/main" xmlns:r="http://schemas.openxmlformats.org/officeDocument/2006/relationships" xmlns:p="http://schemas.openxmlformats.org/presentationml/2006/main">
+  <p:cSld>
+    <p:spTree>
+      <p:nvGrpSpPr>
+        <p:cNvPr id="1" name=""/>
+        <p:cNvGrpSpPr/>
+        <p:nvPr/>
+      </p:nvGrpSpPr>
+      <p:grpSpPr>
+        <a:xfrm>
+          <a:off x="0" y="0"/>
+          <a:ext cx="0" cy="0"/>
+          <a:chOff x="0" y="0"/>
+          <a:chExt cx="0" cy="0"/>
+        </a:xfrm>
+      </p:grpSpPr>
+      <p:sp>
+        <p:nvSpPr>
+          <p:cNvPr id="2" name="Title 1">
+            <a:extLst>
+              <a:ext uri="{FF2B5EF4-FFF2-40B4-BE49-F238E27FC236}">
+                <a16:creationId xmlns:a16="http://schemas.microsoft.com/office/drawing/2014/main" id="{2972E3D2-B3C5-FB56-6BD1-0BD8DD76CCA3}"/>
+              </a:ext>
+            </a:extLst>
+          </p:cNvPr>
+          <p:cNvSpPr>
+            <a:spLocks noGrp="1"/>
+          </p:cNvSpPr>
+          <p:nvPr>
+            <p:ph type="title"/>
+          </p:nvPr>
+        </p:nvSpPr>
+        <p:spPr/>
+        <p:txBody>
+          <a:bodyPr/>
+          <a:lstStyle/>
+          <a:p>
+            <a:r>
+              <a:rPr lang="fr-CA" dirty="0"/>
+              <a:t>Arbre de régression</a:t>
+            </a:r>
+            <a:endParaRPr lang="en-CA" dirty="0"/>
+          </a:p>
+        </p:txBody>
+      </p:sp>
+      <p:sp>
+        <p:nvSpPr>
+          <p:cNvPr id="3" name="Content Placeholder 2">
+            <a:extLst>
+              <a:ext uri="{FF2B5EF4-FFF2-40B4-BE49-F238E27FC236}">
+                <a16:creationId xmlns:a16="http://schemas.microsoft.com/office/drawing/2014/main" id="{9983E910-59CB-7ECB-46A9-68D73D0A7492}"/>
+              </a:ext>
+            </a:extLst>
+          </p:cNvPr>
+          <p:cNvSpPr>
+            <a:spLocks noGrp="1"/>
+          </p:cNvSpPr>
+          <p:nvPr>
+            <p:ph idx="1"/>
+          </p:nvPr>
+        </p:nvSpPr>
+        <p:spPr/>
+        <p:txBody>
+          <a:bodyPr/>
+          <a:lstStyle/>
+          <a:p>
+            <a:endParaRPr lang="en-CA" dirty="0"/>
+          </a:p>
+        </p:txBody>
+      </p:sp>
+    </p:spTree>
+    <p:extLst>
+      <p:ext uri="{BB962C8B-B14F-4D97-AF65-F5344CB8AC3E}">
+        <p14:creationId xmlns:p14="http://schemas.microsoft.com/office/powerpoint/2010/main" val="1507432823"/>
+      </p:ext>
+    </p:extLst>
+  </p:cSld>
+  <p:clrMapOvr>
+    <a:masterClrMapping/>
+  </p:clrMapOvr>
+</p:sld>
+</file>
+
+<file path=ppt/slides/slide12.xml><?xml version="1.0" encoding="utf-8"?>
+<p:sld xmlns:a="http://schemas.openxmlformats.org/drawingml/2006/main" xmlns:r="http://schemas.openxmlformats.org/officeDocument/2006/relationships" xmlns:p="http://schemas.openxmlformats.org/presentationml/2006/main">
+  <p:cSld>
+    <p:spTree>
+      <p:nvGrpSpPr>
+        <p:cNvPr id="1" name=""/>
+        <p:cNvGrpSpPr/>
+        <p:nvPr/>
+      </p:nvGrpSpPr>
+      <p:grpSpPr>
+        <a:xfrm>
+          <a:off x="0" y="0"/>
+          <a:ext cx="0" cy="0"/>
+          <a:chOff x="0" y="0"/>
+          <a:chExt cx="0" cy="0"/>
+        </a:xfrm>
+      </p:grpSpPr>
+      <p:sp>
+        <p:nvSpPr>
+          <p:cNvPr id="2" name="Title 1">
+            <a:extLst>
+              <a:ext uri="{FF2B5EF4-FFF2-40B4-BE49-F238E27FC236}">
+                <a16:creationId xmlns:a16="http://schemas.microsoft.com/office/drawing/2014/main" id="{2972E3D2-B3C5-FB56-6BD1-0BD8DD76CCA3}"/>
+              </a:ext>
+            </a:extLst>
+          </p:cNvPr>
+          <p:cNvSpPr>
+            <a:spLocks noGrp="1"/>
+          </p:cNvSpPr>
+          <p:nvPr>
+            <p:ph type="title"/>
+          </p:nvPr>
+        </p:nvSpPr>
+        <p:spPr/>
+        <p:txBody>
+          <a:bodyPr/>
+          <a:lstStyle/>
+          <a:p>
+            <a:r>
+              <a:rPr lang="fr-CA" dirty="0"/>
+              <a:t>Bagging</a:t>
+            </a:r>
+            <a:endParaRPr lang="en-CA" dirty="0"/>
+          </a:p>
+        </p:txBody>
+      </p:sp>
+      <p:sp>
+        <p:nvSpPr>
+          <p:cNvPr id="3" name="Content Placeholder 2">
+            <a:extLst>
+              <a:ext uri="{FF2B5EF4-FFF2-40B4-BE49-F238E27FC236}">
+                <a16:creationId xmlns:a16="http://schemas.microsoft.com/office/drawing/2014/main" id="{9983E910-59CB-7ECB-46A9-68D73D0A7492}"/>
+              </a:ext>
+            </a:extLst>
+          </p:cNvPr>
+          <p:cNvSpPr>
+            <a:spLocks noGrp="1"/>
+          </p:cNvSpPr>
+          <p:nvPr>
+            <p:ph idx="1"/>
+          </p:nvPr>
+        </p:nvSpPr>
+        <p:spPr/>
+        <p:txBody>
+          <a:bodyPr/>
+          <a:lstStyle/>
+          <a:p>
+            <a:endParaRPr lang="en-CA" dirty="0"/>
+          </a:p>
+        </p:txBody>
+      </p:sp>
+    </p:spTree>
+    <p:extLst>
+      <p:ext uri="{BB962C8B-B14F-4D97-AF65-F5344CB8AC3E}">
+        <p14:creationId xmlns:p14="http://schemas.microsoft.com/office/powerpoint/2010/main" val="1090383350"/>
+      </p:ext>
+    </p:extLst>
+  </p:cSld>
+  <p:clrMapOvr>
+    <a:masterClrMapping/>
+  </p:clrMapOvr>
+</p:sld>
+</file>
+
+<file path=ppt/slides/slide13.xml><?xml version="1.0" encoding="utf-8"?>
+<p:sld xmlns:a="http://schemas.openxmlformats.org/drawingml/2006/main" xmlns:r="http://schemas.openxmlformats.org/officeDocument/2006/relationships" xmlns:p="http://schemas.openxmlformats.org/presentationml/2006/main">
+  <p:cSld>
+    <p:spTree>
+      <p:nvGrpSpPr>
+        <p:cNvPr id="1" name=""/>
+        <p:cNvGrpSpPr/>
+        <p:nvPr/>
+      </p:nvGrpSpPr>
+      <p:grpSpPr>
+        <a:xfrm>
+          <a:off x="0" y="0"/>
+          <a:ext cx="0" cy="0"/>
+          <a:chOff x="0" y="0"/>
+          <a:chExt cx="0" cy="0"/>
+        </a:xfrm>
+      </p:grpSpPr>
+      <p:sp>
+        <p:nvSpPr>
+          <p:cNvPr id="2" name="Title 1">
+            <a:extLst>
+              <a:ext uri="{FF2B5EF4-FFF2-40B4-BE49-F238E27FC236}">
+                <a16:creationId xmlns:a16="http://schemas.microsoft.com/office/drawing/2014/main" id="{2972E3D2-B3C5-FB56-6BD1-0BD8DD76CCA3}"/>
+              </a:ext>
+            </a:extLst>
+          </p:cNvPr>
+          <p:cNvSpPr>
+            <a:spLocks noGrp="1"/>
+          </p:cNvSpPr>
+          <p:nvPr>
+            <p:ph type="title"/>
+          </p:nvPr>
+        </p:nvSpPr>
+        <p:spPr/>
+        <p:txBody>
+          <a:bodyPr/>
+          <a:lstStyle/>
+          <a:p>
+            <a:r>
+              <a:rPr lang="fr-CA" dirty="0"/>
+              <a:t>Forêt aléatoire</a:t>
+            </a:r>
+            <a:endParaRPr lang="en-CA" dirty="0"/>
+          </a:p>
+        </p:txBody>
+      </p:sp>
+      <p:sp>
+        <p:nvSpPr>
+          <p:cNvPr id="3" name="Content Placeholder 2">
+            <a:extLst>
+              <a:ext uri="{FF2B5EF4-FFF2-40B4-BE49-F238E27FC236}">
+                <a16:creationId xmlns:a16="http://schemas.microsoft.com/office/drawing/2014/main" id="{9983E910-59CB-7ECB-46A9-68D73D0A7492}"/>
+              </a:ext>
+            </a:extLst>
+          </p:cNvPr>
+          <p:cNvSpPr>
+            <a:spLocks noGrp="1"/>
+          </p:cNvSpPr>
+          <p:nvPr>
+            <p:ph idx="1"/>
+          </p:nvPr>
+        </p:nvSpPr>
+        <p:spPr/>
+        <p:txBody>
+          <a:bodyPr/>
+          <a:lstStyle/>
+          <a:p>
+            <a:endParaRPr lang="en-CA" dirty="0"/>
+          </a:p>
+        </p:txBody>
+      </p:sp>
+    </p:spTree>
+    <p:extLst>
+      <p:ext uri="{BB962C8B-B14F-4D97-AF65-F5344CB8AC3E}">
+        <p14:creationId xmlns:p14="http://schemas.microsoft.com/office/powerpoint/2010/main" val="1102128177"/>
+      </p:ext>
+    </p:extLst>
+  </p:cSld>
+  <p:clrMapOvr>
+    <a:masterClrMapping/>
+  </p:clrMapOvr>
+</p:sld>
+</file>
+
+<file path=ppt/slides/slide14.xml><?xml version="1.0" encoding="utf-8"?>
+<p:sld xmlns:a="http://schemas.openxmlformats.org/drawingml/2006/main" xmlns:r="http://schemas.openxmlformats.org/officeDocument/2006/relationships" xmlns:p="http://schemas.openxmlformats.org/presentationml/2006/main">
+  <p:cSld>
+    <p:spTree>
+      <p:nvGrpSpPr>
+        <p:cNvPr id="1" name=""/>
+        <p:cNvGrpSpPr/>
+        <p:nvPr/>
+      </p:nvGrpSpPr>
+      <p:grpSpPr>
+        <a:xfrm>
+          <a:off x="0" y="0"/>
+          <a:ext cx="0" cy="0"/>
+          <a:chOff x="0" y="0"/>
+          <a:chExt cx="0" cy="0"/>
+        </a:xfrm>
+      </p:grpSpPr>
+      <p:sp>
+        <p:nvSpPr>
+          <p:cNvPr id="2" name="Title 1">
+            <a:extLst>
+              <a:ext uri="{FF2B5EF4-FFF2-40B4-BE49-F238E27FC236}">
+                <a16:creationId xmlns:a16="http://schemas.microsoft.com/office/drawing/2014/main" id="{2972E3D2-B3C5-FB56-6BD1-0BD8DD76CCA3}"/>
+              </a:ext>
+            </a:extLst>
+          </p:cNvPr>
+          <p:cNvSpPr>
+            <a:spLocks noGrp="1"/>
+          </p:cNvSpPr>
+          <p:nvPr>
+            <p:ph type="title"/>
+          </p:nvPr>
+        </p:nvSpPr>
+        <p:spPr/>
+        <p:txBody>
+          <a:bodyPr/>
+          <a:lstStyle/>
+          <a:p>
+            <a:r>
+              <a:rPr lang="fr-CA" dirty="0"/>
+              <a:t>Gradient </a:t>
+            </a:r>
+            <a:r>
+              <a:rPr lang="fr-CA" dirty="0" err="1"/>
+              <a:t>Boosting</a:t>
+            </a:r>
+            <a:endParaRPr lang="en-CA" dirty="0"/>
+          </a:p>
+        </p:txBody>
+      </p:sp>
+      <p:sp>
+        <p:nvSpPr>
+          <p:cNvPr id="3" name="Content Placeholder 2">
+            <a:extLst>
+              <a:ext uri="{FF2B5EF4-FFF2-40B4-BE49-F238E27FC236}">
+                <a16:creationId xmlns:a16="http://schemas.microsoft.com/office/drawing/2014/main" id="{9983E910-59CB-7ECB-46A9-68D73D0A7492}"/>
+              </a:ext>
+            </a:extLst>
+          </p:cNvPr>
+          <p:cNvSpPr>
+            <a:spLocks noGrp="1"/>
+          </p:cNvSpPr>
+          <p:nvPr>
+            <p:ph idx="1"/>
+          </p:nvPr>
+        </p:nvSpPr>
+        <p:spPr/>
+        <p:txBody>
+          <a:bodyPr/>
+          <a:lstStyle/>
+          <a:p>
+            <a:endParaRPr lang="en-CA" dirty="0"/>
+          </a:p>
+        </p:txBody>
+      </p:sp>
+    </p:spTree>
+    <p:extLst>
+      <p:ext uri="{BB962C8B-B14F-4D97-AF65-F5344CB8AC3E}">
+        <p14:creationId xmlns:p14="http://schemas.microsoft.com/office/powerpoint/2010/main" val="1655170980"/>
+      </p:ext>
+    </p:extLst>
+  </p:cSld>
+  <p:clrMapOvr>
+    <a:masterClrMapping/>
+  </p:clrMapOvr>
+</p:sld>
+</file>
+
+<file path=ppt/slides/slide15.xml><?xml version="1.0" encoding="utf-8"?>
+<p:sld xmlns:a="http://schemas.openxmlformats.org/drawingml/2006/main" xmlns:r="http://schemas.openxmlformats.org/officeDocument/2006/relationships" xmlns:p="http://schemas.openxmlformats.org/presentationml/2006/main">
+  <p:cSld>
+    <p:spTree>
+      <p:nvGrpSpPr>
+        <p:cNvPr id="1" name=""/>
+        <p:cNvGrpSpPr/>
+        <p:nvPr/>
+      </p:nvGrpSpPr>
+      <p:grpSpPr>
+        <a:xfrm>
+          <a:off x="0" y="0"/>
+          <a:ext cx="0" cy="0"/>
+          <a:chOff x="0" y="0"/>
+          <a:chExt cx="0" cy="0"/>
+        </a:xfrm>
+      </p:grpSpPr>
+      <p:sp>
+        <p:nvSpPr>
+          <p:cNvPr id="2" name="Title 1">
+            <a:extLst>
+              <a:ext uri="{FF2B5EF4-FFF2-40B4-BE49-F238E27FC236}">
+                <a16:creationId xmlns:a16="http://schemas.microsoft.com/office/drawing/2014/main" id="{94951D72-9FC3-B808-3CC4-B291E4C2CC30}"/>
+              </a:ext>
+            </a:extLst>
+          </p:cNvPr>
+          <p:cNvSpPr>
+            <a:spLocks noGrp="1"/>
+          </p:cNvSpPr>
+          <p:nvPr>
+            <p:ph type="title"/>
+          </p:nvPr>
+        </p:nvSpPr>
+        <p:spPr/>
+        <p:txBody>
+          <a:bodyPr/>
+          <a:lstStyle/>
+          <a:p>
+            <a:r>
+              <a:rPr lang="fr-CA" dirty="0"/>
+              <a:t>Comparaison de la performance</a:t>
+            </a:r>
+            <a:endParaRPr lang="en-CA" dirty="0"/>
+          </a:p>
+        </p:txBody>
+      </p:sp>
+      <p:sp>
+        <p:nvSpPr>
+          <p:cNvPr id="3" name="Text Placeholder 2">
+            <a:extLst>
+              <a:ext uri="{FF2B5EF4-FFF2-40B4-BE49-F238E27FC236}">
+                <a16:creationId xmlns:a16="http://schemas.microsoft.com/office/drawing/2014/main" id="{397E5634-2FEB-D3EA-B3E3-4BCB908672E1}"/>
+              </a:ext>
+            </a:extLst>
+          </p:cNvPr>
+          <p:cNvSpPr>
+            <a:spLocks noGrp="1"/>
+          </p:cNvSpPr>
+          <p:nvPr>
+            <p:ph type="body" idx="1"/>
+          </p:nvPr>
+        </p:nvSpPr>
+        <p:spPr/>
+        <p:txBody>
+          <a:bodyPr/>
+          <a:lstStyle/>
+          <a:p>
+            <a:endParaRPr lang="en-CA"/>
+          </a:p>
+        </p:txBody>
+      </p:sp>
+    </p:spTree>
+    <p:extLst>
+      <p:ext uri="{BB962C8B-B14F-4D97-AF65-F5344CB8AC3E}">
+        <p14:creationId xmlns:p14="http://schemas.microsoft.com/office/powerpoint/2010/main" val="349769279"/>
+      </p:ext>
+    </p:extLst>
+  </p:cSld>
+  <p:clrMapOvr>
+    <a:masterClrMapping/>
+  </p:clrMapOvr>
+</p:sld>
+</file>
+
+<file path=ppt/slides/slide16.xml><?xml version="1.0" encoding="utf-8"?>
+<p:sld xmlns:a="http://schemas.openxmlformats.org/drawingml/2006/main" xmlns:r="http://schemas.openxmlformats.org/officeDocument/2006/relationships" xmlns:p="http://schemas.openxmlformats.org/presentationml/2006/main">
+  <p:cSld>
+    <p:spTree>
+      <p:nvGrpSpPr>
+        <p:cNvPr id="1" name=""/>
+        <p:cNvGrpSpPr/>
+        <p:nvPr/>
+      </p:nvGrpSpPr>
+      <p:grpSpPr>
+        <a:xfrm>
+          <a:off x="0" y="0"/>
+          <a:ext cx="0" cy="0"/>
+          <a:chOff x="0" y="0"/>
+          <a:chExt cx="0" cy="0"/>
+        </a:xfrm>
+      </p:grpSpPr>
+      <p:sp>
+        <p:nvSpPr>
+          <p:cNvPr id="2" name="Title 1">
+            <a:extLst>
+              <a:ext uri="{FF2B5EF4-FFF2-40B4-BE49-F238E27FC236}">
+                <a16:creationId xmlns:a16="http://schemas.microsoft.com/office/drawing/2014/main" id="{2972E3D2-B3C5-FB56-6BD1-0BD8DD76CCA3}"/>
+              </a:ext>
+            </a:extLst>
+          </p:cNvPr>
+          <p:cNvSpPr>
+            <a:spLocks noGrp="1"/>
+          </p:cNvSpPr>
+          <p:nvPr>
+            <p:ph type="title"/>
+          </p:nvPr>
+        </p:nvSpPr>
+        <p:spPr/>
+        <p:txBody>
+          <a:bodyPr/>
+          <a:lstStyle/>
+          <a:p>
+            <a:r>
+              <a:rPr lang="fr-CA" dirty="0"/>
+              <a:t>Comparaison des modèles</a:t>
+            </a:r>
+            <a:endParaRPr lang="en-CA" dirty="0"/>
+          </a:p>
+        </p:txBody>
+      </p:sp>
+      <p:sp>
+        <p:nvSpPr>
+          <p:cNvPr id="3" name="Content Placeholder 2">
+            <a:extLst>
+              <a:ext uri="{FF2B5EF4-FFF2-40B4-BE49-F238E27FC236}">
+                <a16:creationId xmlns:a16="http://schemas.microsoft.com/office/drawing/2014/main" id="{9983E910-59CB-7ECB-46A9-68D73D0A7492}"/>
+              </a:ext>
+            </a:extLst>
+          </p:cNvPr>
+          <p:cNvSpPr>
+            <a:spLocks noGrp="1"/>
+          </p:cNvSpPr>
+          <p:nvPr>
+            <p:ph idx="1"/>
+          </p:nvPr>
+        </p:nvSpPr>
+        <p:spPr/>
+        <p:txBody>
+          <a:bodyPr/>
+          <a:lstStyle/>
+          <a:p>
+            <a:endParaRPr lang="en-CA" dirty="0"/>
+          </a:p>
+        </p:txBody>
+      </p:sp>
+    </p:spTree>
+    <p:extLst>
+      <p:ext uri="{BB962C8B-B14F-4D97-AF65-F5344CB8AC3E}">
+        <p14:creationId xmlns:p14="http://schemas.microsoft.com/office/powerpoint/2010/main" val="3655165667"/>
+      </p:ext>
+    </p:extLst>
+  </p:cSld>
+  <p:clrMapOvr>
+    <a:masterClrMapping/>
+  </p:clrMapOvr>
+</p:sld>
+</file>
+
+<file path=ppt/slides/slide17.xml><?xml version="1.0" encoding="utf-8"?>
+<p:sld xmlns:a="http://schemas.openxmlformats.org/drawingml/2006/main" xmlns:r="http://schemas.openxmlformats.org/officeDocument/2006/relationships" xmlns:p="http://schemas.openxmlformats.org/presentationml/2006/main">
+  <p:cSld>
+    <p:spTree>
+      <p:nvGrpSpPr>
+        <p:cNvPr id="1" name=""/>
+        <p:cNvGrpSpPr/>
+        <p:nvPr/>
+      </p:nvGrpSpPr>
+      <p:grpSpPr>
+        <a:xfrm>
+          <a:off x="0" y="0"/>
+          <a:ext cx="0" cy="0"/>
+          <a:chOff x="0" y="0"/>
+          <a:chExt cx="0" cy="0"/>
+        </a:xfrm>
+      </p:grpSpPr>
+      <p:sp>
+        <p:nvSpPr>
+          <p:cNvPr id="2" name="Title 1">
+            <a:extLst>
+              <a:ext uri="{FF2B5EF4-FFF2-40B4-BE49-F238E27FC236}">
+                <a16:creationId xmlns:a16="http://schemas.microsoft.com/office/drawing/2014/main" id="{2972E3D2-B3C5-FB56-6BD1-0BD8DD76CCA3}"/>
+              </a:ext>
+            </a:extLst>
+          </p:cNvPr>
+          <p:cNvSpPr>
+            <a:spLocks noGrp="1"/>
+          </p:cNvSpPr>
+          <p:nvPr>
+            <p:ph type="title"/>
+          </p:nvPr>
+        </p:nvSpPr>
+        <p:spPr/>
+        <p:txBody>
+          <a:bodyPr/>
+          <a:lstStyle/>
+          <a:p>
+            <a:r>
+              <a:rPr lang="fr-CA" dirty="0"/>
+              <a:t>Analyse des résultats pour le meilleur modèle: XXX</a:t>
+            </a:r>
+            <a:endParaRPr lang="en-CA" dirty="0"/>
+          </a:p>
+        </p:txBody>
+      </p:sp>
+      <p:sp>
+        <p:nvSpPr>
+          <p:cNvPr id="3" name="Content Placeholder 2">
+            <a:extLst>
+              <a:ext uri="{FF2B5EF4-FFF2-40B4-BE49-F238E27FC236}">
+                <a16:creationId xmlns:a16="http://schemas.microsoft.com/office/drawing/2014/main" id="{9983E910-59CB-7ECB-46A9-68D73D0A7492}"/>
+              </a:ext>
+            </a:extLst>
+          </p:cNvPr>
+          <p:cNvSpPr>
+            <a:spLocks noGrp="1"/>
+          </p:cNvSpPr>
+          <p:nvPr>
+            <p:ph idx="1"/>
+          </p:nvPr>
+        </p:nvSpPr>
+        <p:spPr/>
+        <p:txBody>
+          <a:bodyPr/>
+          <a:lstStyle/>
+          <a:p>
+            <a:endParaRPr lang="en-CA" dirty="0"/>
+          </a:p>
+        </p:txBody>
+      </p:sp>
+    </p:spTree>
+    <p:extLst>
+      <p:ext uri="{BB962C8B-B14F-4D97-AF65-F5344CB8AC3E}">
+        <p14:creationId xmlns:p14="http://schemas.microsoft.com/office/powerpoint/2010/main" val="3969872878"/>
+      </p:ext>
+    </p:extLst>
+  </p:cSld>
+  <p:clrMapOvr>
+    <a:masterClrMapping/>
+  </p:clrMapOvr>
+</p:sld>
+</file>
+
+<file path=ppt/slides/slide18.xml><?xml version="1.0" encoding="utf-8"?>
+<p:sld xmlns:a="http://schemas.openxmlformats.org/drawingml/2006/main" xmlns:r="http://schemas.openxmlformats.org/officeDocument/2006/relationships" xmlns:p="http://schemas.openxmlformats.org/presentationml/2006/main">
+  <p:cSld>
+    <p:spTree>
+      <p:nvGrpSpPr>
+        <p:cNvPr id="1" name=""/>
+        <p:cNvGrpSpPr/>
+        <p:nvPr/>
+      </p:nvGrpSpPr>
+      <p:grpSpPr>
+        <a:xfrm>
+          <a:off x="0" y="0"/>
+          <a:ext cx="0" cy="0"/>
+          <a:chOff x="0" y="0"/>
+          <a:chExt cx="0" cy="0"/>
+        </a:xfrm>
+      </p:grpSpPr>
+      <p:sp>
+        <p:nvSpPr>
+          <p:cNvPr id="2" name="Title 1">
+            <a:extLst>
+              <a:ext uri="{FF2B5EF4-FFF2-40B4-BE49-F238E27FC236}">
+                <a16:creationId xmlns:a16="http://schemas.microsoft.com/office/drawing/2014/main" id="{2972E3D2-B3C5-FB56-6BD1-0BD8DD76CCA3}"/>
+              </a:ext>
+            </a:extLst>
+          </p:cNvPr>
+          <p:cNvSpPr>
+            <a:spLocks noGrp="1"/>
+          </p:cNvSpPr>
+          <p:nvPr>
+            <p:ph type="title"/>
+          </p:nvPr>
+        </p:nvSpPr>
+        <p:spPr/>
+        <p:txBody>
+          <a:bodyPr/>
+          <a:lstStyle/>
+          <a:p>
+            <a:r>
+              <a:rPr lang="fr-CA" dirty="0"/>
+              <a:t>Interprétation des résultats</a:t>
+            </a:r>
+            <a:endParaRPr lang="en-CA" dirty="0"/>
+          </a:p>
+        </p:txBody>
+      </p:sp>
+      <p:sp>
+        <p:nvSpPr>
+          <p:cNvPr id="3" name="Content Placeholder 2">
+            <a:extLst>
+              <a:ext uri="{FF2B5EF4-FFF2-40B4-BE49-F238E27FC236}">
+                <a16:creationId xmlns:a16="http://schemas.microsoft.com/office/drawing/2014/main" id="{9983E910-59CB-7ECB-46A9-68D73D0A7492}"/>
+              </a:ext>
+            </a:extLst>
+          </p:cNvPr>
+          <p:cNvSpPr>
+            <a:spLocks noGrp="1"/>
+          </p:cNvSpPr>
+          <p:nvPr>
+            <p:ph idx="1"/>
+          </p:nvPr>
+        </p:nvSpPr>
+        <p:spPr/>
+        <p:txBody>
+          <a:bodyPr/>
+          <a:lstStyle/>
+          <a:p>
+            <a:endParaRPr lang="en-CA" dirty="0"/>
+          </a:p>
+        </p:txBody>
+      </p:sp>
+    </p:spTree>
+    <p:extLst>
+      <p:ext uri="{BB962C8B-B14F-4D97-AF65-F5344CB8AC3E}">
+        <p14:creationId xmlns:p14="http://schemas.microsoft.com/office/powerpoint/2010/main" val="2094673800"/>
+      </p:ext>
+    </p:extLst>
+  </p:cSld>
+  <p:clrMapOvr>
+    <a:masterClrMapping/>
+  </p:clrMapOvr>
+</p:sld>
+</file>
+
+<file path=ppt/slides/slide19.xml><?xml version="1.0" encoding="utf-8"?>
+<p:sld xmlns:a="http://schemas.openxmlformats.org/drawingml/2006/main" xmlns:r="http://schemas.openxmlformats.org/officeDocument/2006/relationships" xmlns:p="http://schemas.openxmlformats.org/presentationml/2006/main">
+  <p:cSld>
+    <p:spTree>
+      <p:nvGrpSpPr>
+        <p:cNvPr id="1" name=""/>
+        <p:cNvGrpSpPr/>
+        <p:nvPr/>
+      </p:nvGrpSpPr>
+      <p:grpSpPr>
+        <a:xfrm>
+          <a:off x="0" y="0"/>
+          <a:ext cx="0" cy="0"/>
+          <a:chOff x="0" y="0"/>
+          <a:chExt cx="0" cy="0"/>
+        </a:xfrm>
+      </p:grpSpPr>
+      <p:sp>
+        <p:nvSpPr>
+          <p:cNvPr id="2" name="Title 1">
+            <a:extLst>
+              <a:ext uri="{FF2B5EF4-FFF2-40B4-BE49-F238E27FC236}">
+                <a16:creationId xmlns:a16="http://schemas.microsoft.com/office/drawing/2014/main" id="{94951D72-9FC3-B808-3CC4-B291E4C2CC30}"/>
+              </a:ext>
+            </a:extLst>
+          </p:cNvPr>
+          <p:cNvSpPr>
+            <a:spLocks noGrp="1"/>
+          </p:cNvSpPr>
+          <p:nvPr>
+            <p:ph type="title"/>
+          </p:nvPr>
+        </p:nvSpPr>
+        <p:spPr/>
+        <p:txBody>
+          <a:bodyPr/>
+          <a:lstStyle/>
+          <a:p>
+            <a:r>
+              <a:rPr lang="fr-CA" dirty="0"/>
+              <a:t>Conclusion</a:t>
+            </a:r>
+            <a:endParaRPr lang="en-CA" dirty="0"/>
+          </a:p>
+        </p:txBody>
+      </p:sp>
+      <p:sp>
+        <p:nvSpPr>
+          <p:cNvPr id="3" name="Text Placeholder 2">
+            <a:extLst>
+              <a:ext uri="{FF2B5EF4-FFF2-40B4-BE49-F238E27FC236}">
+                <a16:creationId xmlns:a16="http://schemas.microsoft.com/office/drawing/2014/main" id="{397E5634-2FEB-D3EA-B3E3-4BCB908672E1}"/>
+              </a:ext>
+            </a:extLst>
+          </p:cNvPr>
+          <p:cNvSpPr>
+            <a:spLocks noGrp="1"/>
+          </p:cNvSpPr>
+          <p:nvPr>
+            <p:ph type="body" idx="1"/>
+          </p:nvPr>
+        </p:nvSpPr>
+        <p:spPr/>
+        <p:txBody>
+          <a:bodyPr/>
+          <a:lstStyle/>
+          <a:p>
+            <a:endParaRPr lang="en-CA"/>
+          </a:p>
+        </p:txBody>
+      </p:sp>
+    </p:spTree>
+    <p:extLst>
+      <p:ext uri="{BB962C8B-B14F-4D97-AF65-F5344CB8AC3E}">
+        <p14:creationId xmlns:p14="http://schemas.microsoft.com/office/powerpoint/2010/main" val="1717889379"/>
+      </p:ext>
+    </p:extLst>
+  </p:cSld>
+  <p:clrMapOvr>
+    <a:masterClrMapping/>
+  </p:clrMapOvr>
+</p:sld>
+</file>
+
 <file path=ppt/slides/slide2.xml><?xml version="1.0" encoding="utf-8"?>
 <p:sld xmlns:a="http://schemas.openxmlformats.org/drawingml/2006/main" xmlns:r="http://schemas.openxmlformats.org/officeDocument/2006/relationships" xmlns:p="http://schemas.openxmlformats.org/presentationml/2006/main">
   <p:cSld>
@@ -4129,17 +4989,9 @@
 </p:sld>
 </file>
 
-<file path=ppt/slides/slide3.xml><?xml version="1.0" encoding="utf-8"?>
+<file path=ppt/slides/slide20.xml><?xml version="1.0" encoding="utf-8"?>
 <p:sld xmlns:a="http://schemas.openxmlformats.org/drawingml/2006/main" xmlns:r="http://schemas.openxmlformats.org/officeDocument/2006/relationships" xmlns:p="http://schemas.openxmlformats.org/presentationml/2006/main">
   <p:cSld>
-    <p:bg>
-      <p:bgPr>
-        <a:solidFill>
-          <a:schemeClr val="bg1"/>
-        </a:solidFill>
-        <a:effectLst/>
-      </p:bgPr>
-    </p:bg>
     <p:spTree>
       <p:nvGrpSpPr>
         <p:cNvPr id="1" name=""/>
@@ -4156,205 +5008,146 @@
       </p:grpSpPr>
       <p:sp>
         <p:nvSpPr>
-          <p:cNvPr id="47" name="Rectangle 46">
-            <a:extLst>
-              <a:ext uri="{FF2B5EF4-FFF2-40B4-BE49-F238E27FC236}">
-                <a16:creationId xmlns:a16="http://schemas.microsoft.com/office/drawing/2014/main" id="{FBDCECDC-EEE3-4128-AA5E-82A8C08796E8}"/>
-              </a:ext>
-              <a:ext uri="{C183D7F6-B498-43B3-948B-1728B52AA6E4}">
-                <adec:decorative xmlns:adec="http://schemas.microsoft.com/office/drawing/2017/decorative" val="1"/>
-              </a:ext>
-            </a:extLst>
-          </p:cNvPr>
-          <p:cNvSpPr>
-            <a:spLocks noGrp="1" noRot="1" noChangeAspect="1" noMove="1" noResize="1" noEditPoints="1" noAdjustHandles="1" noChangeArrowheads="1" noChangeShapeType="1" noTextEdit="1"/>
-          </p:cNvSpPr>
-          <p:nvPr>
-            <p:extLst>
-              <p:ext uri="{386F3935-93C4-4BCD-93E2-E3B085C9AB24}">
-                <p16:designElem xmlns:p16="http://schemas.microsoft.com/office/powerpoint/2015/main" val="1"/>
-              </p:ext>
-            </p:extLst>
-          </p:nvPr>
-        </p:nvSpPr>
-        <p:spPr>
-          <a:xfrm>
-            <a:off x="1507" y="0"/>
-            <a:ext cx="12192000" cy="6858000"/>
-          </a:xfrm>
-          <a:prstGeom prst="rect">
-            <a:avLst/>
-          </a:prstGeom>
-          <a:solidFill>
-            <a:schemeClr val="accent1"/>
-          </a:solidFill>
-          <a:ln>
-            <a:noFill/>
-          </a:ln>
-        </p:spPr>
-        <p:style>
-          <a:lnRef idx="2">
-            <a:schemeClr val="accent1">
-              <a:shade val="50000"/>
-            </a:schemeClr>
-          </a:lnRef>
-          <a:fillRef idx="1">
-            <a:schemeClr val="accent1"/>
-          </a:fillRef>
-          <a:effectRef idx="0">
-            <a:schemeClr val="accent1"/>
-          </a:effectRef>
-          <a:fontRef idx="minor">
-            <a:schemeClr val="lt1"/>
-          </a:fontRef>
-        </p:style>
-        <p:txBody>
-          <a:bodyPr rtlCol="0" anchor="ctr"/>
-          <a:lstStyle/>
-          <a:p>
-            <a:pPr algn="ctr"/>
-            <a:endParaRPr lang="en-US"/>
-          </a:p>
-        </p:txBody>
-      </p:sp>
-      <p:sp>
-        <p:nvSpPr>
           <p:cNvPr id="2" name="Title 1">
             <a:extLst>
               <a:ext uri="{FF2B5EF4-FFF2-40B4-BE49-F238E27FC236}">
-                <a16:creationId xmlns:a16="http://schemas.microsoft.com/office/drawing/2014/main" id="{9AB2EA78-AEB3-469B-9025-3B17201A457B}"/>
-              </a:ext>
-            </a:extLst>
-          </p:cNvPr>
-          <p:cNvSpPr>
-            <a:spLocks noGrp="1"/>
-          </p:cNvSpPr>
-          <p:nvPr>
-            <p:ph type="ctrTitle"/>
-          </p:nvPr>
-        </p:nvSpPr>
-        <p:spPr>
-          <a:xfrm>
-            <a:off x="1097280" y="758952"/>
-            <a:ext cx="10058400" cy="3892168"/>
-          </a:xfrm>
-        </p:spPr>
-        <p:txBody>
-          <a:bodyPr anchor="ctr">
-            <a:normAutofit/>
-          </a:bodyPr>
-          <a:lstStyle/>
-          <a:p>
-            <a:pPr lvl="0"/>
-            <a:r>
-              <a:rPr lang="en-US" sz="4800" i="1" dirty="0">
-                <a:solidFill>
-                  <a:srgbClr val="FFFFFF"/>
-                </a:solidFill>
-              </a:rPr>
-              <a:t>Your best quote that reflects your approach… “It’s one small step for man, one giant leap for mankind.”</a:t>
-            </a:r>
-          </a:p>
-        </p:txBody>
-      </p:sp>
-      <p:sp>
-        <p:nvSpPr>
-          <p:cNvPr id="49" name="Rectangle 48">
-            <a:extLst>
-              <a:ext uri="{FF2B5EF4-FFF2-40B4-BE49-F238E27FC236}">
-                <a16:creationId xmlns:a16="http://schemas.microsoft.com/office/drawing/2014/main" id="{4260EDE0-989C-4E16-AF94-F652294D828E}"/>
-              </a:ext>
-              <a:ext uri="{C183D7F6-B498-43B3-948B-1728B52AA6E4}">
-                <adec:decorative xmlns:adec="http://schemas.microsoft.com/office/drawing/2017/decorative" val="1"/>
-              </a:ext>
-            </a:extLst>
-          </p:cNvPr>
-          <p:cNvSpPr>
-            <a:spLocks noGrp="1" noRot="1" noChangeAspect="1" noMove="1" noResize="1" noEditPoints="1" noAdjustHandles="1" noChangeArrowheads="1" noChangeShapeType="1" noTextEdit="1"/>
-          </p:cNvSpPr>
-          <p:nvPr>
-            <p:extLst>
-              <p:ext uri="{386F3935-93C4-4BCD-93E2-E3B085C9AB24}">
-                <p16:designElem xmlns:p16="http://schemas.microsoft.com/office/powerpoint/2015/main" val="1"/>
-              </p:ext>
-            </p:extLst>
-          </p:nvPr>
-        </p:nvSpPr>
-        <p:spPr bwMode="white">
-          <a:xfrm>
-            <a:off x="1507" y="4953000"/>
-            <a:ext cx="12188952" cy="1905000"/>
-          </a:xfrm>
-          <a:prstGeom prst="rect">
-            <a:avLst/>
-          </a:prstGeom>
-          <a:solidFill>
-            <a:srgbClr val="262626"/>
-          </a:solidFill>
-          <a:ln>
-            <a:noFill/>
-          </a:ln>
-        </p:spPr>
-        <p:style>
-          <a:lnRef idx="2">
-            <a:schemeClr val="accent1">
-              <a:shade val="50000"/>
-            </a:schemeClr>
-          </a:lnRef>
-          <a:fillRef idx="1">
-            <a:schemeClr val="accent1"/>
-          </a:fillRef>
-          <a:effectRef idx="0">
-            <a:schemeClr val="accent1"/>
-          </a:effectRef>
-          <a:fontRef idx="minor">
-            <a:schemeClr val="lt1"/>
-          </a:fontRef>
-        </p:style>
-      </p:sp>
-      <p:sp>
-        <p:nvSpPr>
-          <p:cNvPr id="3" name="Subtitle 2">
-            <a:extLst>
-              <a:ext uri="{FF2B5EF4-FFF2-40B4-BE49-F238E27FC236}">
-                <a16:creationId xmlns:a16="http://schemas.microsoft.com/office/drawing/2014/main" id="{255E1F2F-E259-4EA8-9FFD-3A10AF541859}"/>
-              </a:ext>
-            </a:extLst>
-          </p:cNvPr>
-          <p:cNvSpPr>
-            <a:spLocks noGrp="1"/>
-          </p:cNvSpPr>
-          <p:nvPr>
-            <p:ph type="subTitle" idx="1"/>
-          </p:nvPr>
-        </p:nvSpPr>
-        <p:spPr>
-          <a:xfrm>
-            <a:off x="1100051" y="5225240"/>
-            <a:ext cx="10058400" cy="1143000"/>
-          </a:xfrm>
-        </p:spPr>
-        <p:txBody>
-          <a:bodyPr>
-            <a:normAutofit/>
-          </a:bodyPr>
-          <a:lstStyle/>
-          <a:p>
-            <a:r>
-              <a:rPr lang="en-US">
-                <a:solidFill>
-                  <a:srgbClr val="FFFFFF"/>
-                </a:solidFill>
-              </a:rPr>
-              <a:t>- Neil Armstrong</a:t>
-            </a:r>
+                <a16:creationId xmlns:a16="http://schemas.microsoft.com/office/drawing/2014/main" id="{2972E3D2-B3C5-FB56-6BD1-0BD8DD76CCA3}"/>
+              </a:ext>
+            </a:extLst>
+          </p:cNvPr>
+          <p:cNvSpPr>
+            <a:spLocks noGrp="1"/>
+          </p:cNvSpPr>
+          <p:nvPr>
+            <p:ph type="title"/>
+          </p:nvPr>
+        </p:nvSpPr>
+        <p:spPr/>
+        <p:txBody>
+          <a:bodyPr/>
+          <a:lstStyle/>
+          <a:p>
+            <a:r>
+              <a:rPr lang="fr-CA" dirty="0"/>
+              <a:t>Bibliographie</a:t>
+            </a:r>
+            <a:endParaRPr lang="en-CA" dirty="0"/>
+          </a:p>
+        </p:txBody>
+      </p:sp>
+      <p:sp>
+        <p:nvSpPr>
+          <p:cNvPr id="3" name="Content Placeholder 2">
+            <a:extLst>
+              <a:ext uri="{FF2B5EF4-FFF2-40B4-BE49-F238E27FC236}">
+                <a16:creationId xmlns:a16="http://schemas.microsoft.com/office/drawing/2014/main" id="{9983E910-59CB-7ECB-46A9-68D73D0A7492}"/>
+              </a:ext>
+            </a:extLst>
+          </p:cNvPr>
+          <p:cNvSpPr>
+            <a:spLocks noGrp="1"/>
+          </p:cNvSpPr>
+          <p:nvPr>
+            <p:ph idx="1"/>
+          </p:nvPr>
+        </p:nvSpPr>
+        <p:spPr/>
+        <p:txBody>
+          <a:bodyPr/>
+          <a:lstStyle/>
+          <a:p>
+            <a:endParaRPr lang="en-CA" dirty="0"/>
           </a:p>
         </p:txBody>
       </p:sp>
     </p:spTree>
     <p:extLst>
       <p:ext uri="{BB962C8B-B14F-4D97-AF65-F5344CB8AC3E}">
-        <p14:creationId xmlns:p14="http://schemas.microsoft.com/office/powerpoint/2010/main" val="191714609"/>
+        <p14:creationId xmlns:p14="http://schemas.microsoft.com/office/powerpoint/2010/main" val="1537499175"/>
+      </p:ext>
+    </p:extLst>
+  </p:cSld>
+  <p:clrMapOvr>
+    <a:masterClrMapping/>
+  </p:clrMapOvr>
+</p:sld>
+</file>
+
+<file path=ppt/slides/slide3.xml><?xml version="1.0" encoding="utf-8"?>
+<p:sld xmlns:a="http://schemas.openxmlformats.org/drawingml/2006/main" xmlns:r="http://schemas.openxmlformats.org/officeDocument/2006/relationships" xmlns:p="http://schemas.openxmlformats.org/presentationml/2006/main">
+  <p:cSld>
+    <p:spTree>
+      <p:nvGrpSpPr>
+        <p:cNvPr id="1" name=""/>
+        <p:cNvGrpSpPr/>
+        <p:nvPr/>
+      </p:nvGrpSpPr>
+      <p:grpSpPr>
+        <a:xfrm>
+          <a:off x="0" y="0"/>
+          <a:ext cx="0" cy="0"/>
+          <a:chOff x="0" y="0"/>
+          <a:chExt cx="0" cy="0"/>
+        </a:xfrm>
+      </p:grpSpPr>
+      <p:sp>
+        <p:nvSpPr>
+          <p:cNvPr id="2" name="Title 1">
+            <a:extLst>
+              <a:ext uri="{FF2B5EF4-FFF2-40B4-BE49-F238E27FC236}">
+                <a16:creationId xmlns:a16="http://schemas.microsoft.com/office/drawing/2014/main" id="{2972E3D2-B3C5-FB56-6BD1-0BD8DD76CCA3}"/>
+              </a:ext>
+            </a:extLst>
+          </p:cNvPr>
+          <p:cNvSpPr>
+            <a:spLocks noGrp="1"/>
+          </p:cNvSpPr>
+          <p:nvPr>
+            <p:ph type="title"/>
+          </p:nvPr>
+        </p:nvSpPr>
+        <p:spPr/>
+        <p:txBody>
+          <a:bodyPr/>
+          <a:lstStyle/>
+          <a:p>
+            <a:r>
+              <a:rPr lang="fr-CA" dirty="0"/>
+              <a:t>Problématique</a:t>
+            </a:r>
+            <a:endParaRPr lang="en-CA" dirty="0"/>
+          </a:p>
+        </p:txBody>
+      </p:sp>
+      <p:sp>
+        <p:nvSpPr>
+          <p:cNvPr id="3" name="Content Placeholder 2">
+            <a:extLst>
+              <a:ext uri="{FF2B5EF4-FFF2-40B4-BE49-F238E27FC236}">
+                <a16:creationId xmlns:a16="http://schemas.microsoft.com/office/drawing/2014/main" id="{9983E910-59CB-7ECB-46A9-68D73D0A7492}"/>
+              </a:ext>
+            </a:extLst>
+          </p:cNvPr>
+          <p:cNvSpPr>
+            <a:spLocks noGrp="1"/>
+          </p:cNvSpPr>
+          <p:nvPr>
+            <p:ph idx="1"/>
+          </p:nvPr>
+        </p:nvSpPr>
+        <p:spPr/>
+        <p:txBody>
+          <a:bodyPr/>
+          <a:lstStyle/>
+          <a:p>
+            <a:endParaRPr lang="en-CA" dirty="0"/>
+          </a:p>
+        </p:txBody>
+      </p:sp>
+    </p:spTree>
+    <p:extLst>
+      <p:ext uri="{BB962C8B-B14F-4D97-AF65-F5344CB8AC3E}">
+        <p14:creationId xmlns:p14="http://schemas.microsoft.com/office/powerpoint/2010/main" val="1479454944"/>
       </p:ext>
     </p:extLst>
   </p:cSld>
@@ -4383,28 +5176,10 @@
       </p:grpSpPr>
       <p:sp>
         <p:nvSpPr>
-          <p:cNvPr id="2" name="Picture Placeholder 1">
-            <a:extLst>
-              <a:ext uri="{FF2B5EF4-FFF2-40B4-BE49-F238E27FC236}">
-                <a16:creationId xmlns:a16="http://schemas.microsoft.com/office/drawing/2014/main" id="{D08293DA-D30F-EBEE-FB56-6DC9BD4FC382}"/>
-              </a:ext>
-            </a:extLst>
-          </p:cNvPr>
-          <p:cNvSpPr>
-            <a:spLocks noGrp="1"/>
-          </p:cNvSpPr>
-          <p:nvPr>
-            <p:ph type="pic" idx="1"/>
-          </p:nvPr>
-        </p:nvSpPr>
-        <p:spPr/>
-      </p:sp>
-      <p:sp>
-        <p:nvSpPr>
-          <p:cNvPr id="3" name="Title 2">
-            <a:extLst>
-              <a:ext uri="{FF2B5EF4-FFF2-40B4-BE49-F238E27FC236}">
-                <a16:creationId xmlns:a16="http://schemas.microsoft.com/office/drawing/2014/main" id="{FC8429B3-E0C7-1E4F-FECF-81940CC47E4E}"/>
+          <p:cNvPr id="2" name="Title 1">
+            <a:extLst>
+              <a:ext uri="{FF2B5EF4-FFF2-40B4-BE49-F238E27FC236}">
+                <a16:creationId xmlns:a16="http://schemas.microsoft.com/office/drawing/2014/main" id="{94951D72-9FC3-B808-3CC4-B291E4C2CC30}"/>
               </a:ext>
             </a:extLst>
           </p:cNvPr>
@@ -4420,24 +5195,28 @@
           <a:bodyPr/>
           <a:lstStyle/>
           <a:p>
-            <a:endParaRPr lang="en-CA"/>
-          </a:p>
-        </p:txBody>
-      </p:sp>
-      <p:sp>
-        <p:nvSpPr>
-          <p:cNvPr id="4" name="Text Placeholder 3">
-            <a:extLst>
-              <a:ext uri="{FF2B5EF4-FFF2-40B4-BE49-F238E27FC236}">
-                <a16:creationId xmlns:a16="http://schemas.microsoft.com/office/drawing/2014/main" id="{D61E93BB-0D0A-229F-99C0-47F8E1517404}"/>
-              </a:ext>
-            </a:extLst>
-          </p:cNvPr>
-          <p:cNvSpPr>
-            <a:spLocks noGrp="1"/>
-          </p:cNvSpPr>
-          <p:nvPr>
-            <p:ph type="body" sz="half" idx="2"/>
+            <a:r>
+              <a:rPr lang="fr-CA" dirty="0"/>
+              <a:t>Jeu de données</a:t>
+            </a:r>
+            <a:endParaRPr lang="en-CA" dirty="0"/>
+          </a:p>
+        </p:txBody>
+      </p:sp>
+      <p:sp>
+        <p:nvSpPr>
+          <p:cNvPr id="3" name="Text Placeholder 2">
+            <a:extLst>
+              <a:ext uri="{FF2B5EF4-FFF2-40B4-BE49-F238E27FC236}">
+                <a16:creationId xmlns:a16="http://schemas.microsoft.com/office/drawing/2014/main" id="{397E5634-2FEB-D3EA-B3E3-4BCB908672E1}"/>
+              </a:ext>
+            </a:extLst>
+          </p:cNvPr>
+          <p:cNvSpPr>
+            <a:spLocks noGrp="1"/>
+          </p:cNvSpPr>
+          <p:nvPr>
+            <p:ph type="body" idx="1"/>
           </p:nvPr>
         </p:nvSpPr>
         <p:spPr/>
@@ -4452,7 +5231,427 @@
     </p:spTree>
     <p:extLst>
       <p:ext uri="{BB962C8B-B14F-4D97-AF65-F5344CB8AC3E}">
-        <p14:creationId xmlns:p14="http://schemas.microsoft.com/office/powerpoint/2010/main" val="22408419"/>
+        <p14:creationId xmlns:p14="http://schemas.microsoft.com/office/powerpoint/2010/main" val="592475850"/>
+      </p:ext>
+    </p:extLst>
+  </p:cSld>
+  <p:clrMapOvr>
+    <a:masterClrMapping/>
+  </p:clrMapOvr>
+</p:sld>
+</file>
+
+<file path=ppt/slides/slide5.xml><?xml version="1.0" encoding="utf-8"?>
+<p:sld xmlns:a="http://schemas.openxmlformats.org/drawingml/2006/main" xmlns:r="http://schemas.openxmlformats.org/officeDocument/2006/relationships" xmlns:p="http://schemas.openxmlformats.org/presentationml/2006/main">
+  <p:cSld>
+    <p:spTree>
+      <p:nvGrpSpPr>
+        <p:cNvPr id="1" name=""/>
+        <p:cNvGrpSpPr/>
+        <p:nvPr/>
+      </p:nvGrpSpPr>
+      <p:grpSpPr>
+        <a:xfrm>
+          <a:off x="0" y="0"/>
+          <a:ext cx="0" cy="0"/>
+          <a:chOff x="0" y="0"/>
+          <a:chExt cx="0" cy="0"/>
+        </a:xfrm>
+      </p:grpSpPr>
+      <p:sp>
+        <p:nvSpPr>
+          <p:cNvPr id="2" name="Title 1">
+            <a:extLst>
+              <a:ext uri="{FF2B5EF4-FFF2-40B4-BE49-F238E27FC236}">
+                <a16:creationId xmlns:a16="http://schemas.microsoft.com/office/drawing/2014/main" id="{2972E3D2-B3C5-FB56-6BD1-0BD8DD76CCA3}"/>
+              </a:ext>
+            </a:extLst>
+          </p:cNvPr>
+          <p:cNvSpPr>
+            <a:spLocks noGrp="1"/>
+          </p:cNvSpPr>
+          <p:nvPr>
+            <p:ph type="title"/>
+          </p:nvPr>
+        </p:nvSpPr>
+        <p:spPr/>
+        <p:txBody>
+          <a:bodyPr/>
+          <a:lstStyle/>
+          <a:p>
+            <a:r>
+              <a:rPr lang="fr-CA" dirty="0"/>
+              <a:t>Description</a:t>
+            </a:r>
+            <a:endParaRPr lang="en-CA" dirty="0"/>
+          </a:p>
+        </p:txBody>
+      </p:sp>
+      <p:sp>
+        <p:nvSpPr>
+          <p:cNvPr id="3" name="Content Placeholder 2">
+            <a:extLst>
+              <a:ext uri="{FF2B5EF4-FFF2-40B4-BE49-F238E27FC236}">
+                <a16:creationId xmlns:a16="http://schemas.microsoft.com/office/drawing/2014/main" id="{9983E910-59CB-7ECB-46A9-68D73D0A7492}"/>
+              </a:ext>
+            </a:extLst>
+          </p:cNvPr>
+          <p:cNvSpPr>
+            <a:spLocks noGrp="1"/>
+          </p:cNvSpPr>
+          <p:nvPr>
+            <p:ph idx="1"/>
+          </p:nvPr>
+        </p:nvSpPr>
+        <p:spPr/>
+        <p:txBody>
+          <a:bodyPr/>
+          <a:lstStyle/>
+          <a:p>
+            <a:endParaRPr lang="en-CA" dirty="0"/>
+          </a:p>
+        </p:txBody>
+      </p:sp>
+    </p:spTree>
+    <p:extLst>
+      <p:ext uri="{BB962C8B-B14F-4D97-AF65-F5344CB8AC3E}">
+        <p14:creationId xmlns:p14="http://schemas.microsoft.com/office/powerpoint/2010/main" val="1978438662"/>
+      </p:ext>
+    </p:extLst>
+  </p:cSld>
+  <p:clrMapOvr>
+    <a:masterClrMapping/>
+  </p:clrMapOvr>
+</p:sld>
+</file>
+
+<file path=ppt/slides/slide6.xml><?xml version="1.0" encoding="utf-8"?>
+<p:sld xmlns:a="http://schemas.openxmlformats.org/drawingml/2006/main" xmlns:r="http://schemas.openxmlformats.org/officeDocument/2006/relationships" xmlns:p="http://schemas.openxmlformats.org/presentationml/2006/main">
+  <p:cSld>
+    <p:spTree>
+      <p:nvGrpSpPr>
+        <p:cNvPr id="1" name=""/>
+        <p:cNvGrpSpPr/>
+        <p:nvPr/>
+      </p:nvGrpSpPr>
+      <p:grpSpPr>
+        <a:xfrm>
+          <a:off x="0" y="0"/>
+          <a:ext cx="0" cy="0"/>
+          <a:chOff x="0" y="0"/>
+          <a:chExt cx="0" cy="0"/>
+        </a:xfrm>
+      </p:grpSpPr>
+      <p:sp>
+        <p:nvSpPr>
+          <p:cNvPr id="2" name="Title 1">
+            <a:extLst>
+              <a:ext uri="{FF2B5EF4-FFF2-40B4-BE49-F238E27FC236}">
+                <a16:creationId xmlns:a16="http://schemas.microsoft.com/office/drawing/2014/main" id="{2972E3D2-B3C5-FB56-6BD1-0BD8DD76CCA3}"/>
+              </a:ext>
+            </a:extLst>
+          </p:cNvPr>
+          <p:cNvSpPr>
+            <a:spLocks noGrp="1"/>
+          </p:cNvSpPr>
+          <p:nvPr>
+            <p:ph type="title"/>
+          </p:nvPr>
+        </p:nvSpPr>
+        <p:spPr/>
+        <p:txBody>
+          <a:bodyPr/>
+          <a:lstStyle/>
+          <a:p>
+            <a:r>
+              <a:rPr lang="fr-CA" dirty="0"/>
+              <a:t>Analyse préparatoire</a:t>
+            </a:r>
+            <a:endParaRPr lang="en-CA" dirty="0"/>
+          </a:p>
+        </p:txBody>
+      </p:sp>
+      <p:sp>
+        <p:nvSpPr>
+          <p:cNvPr id="3" name="Content Placeholder 2">
+            <a:extLst>
+              <a:ext uri="{FF2B5EF4-FFF2-40B4-BE49-F238E27FC236}">
+                <a16:creationId xmlns:a16="http://schemas.microsoft.com/office/drawing/2014/main" id="{9983E910-59CB-7ECB-46A9-68D73D0A7492}"/>
+              </a:ext>
+            </a:extLst>
+          </p:cNvPr>
+          <p:cNvSpPr>
+            <a:spLocks noGrp="1"/>
+          </p:cNvSpPr>
+          <p:nvPr>
+            <p:ph idx="1"/>
+          </p:nvPr>
+        </p:nvSpPr>
+        <p:spPr/>
+        <p:txBody>
+          <a:bodyPr/>
+          <a:lstStyle/>
+          <a:p>
+            <a:endParaRPr lang="en-CA" dirty="0"/>
+          </a:p>
+        </p:txBody>
+      </p:sp>
+    </p:spTree>
+    <p:extLst>
+      <p:ext uri="{BB962C8B-B14F-4D97-AF65-F5344CB8AC3E}">
+        <p14:creationId xmlns:p14="http://schemas.microsoft.com/office/powerpoint/2010/main" val="3955697919"/>
+      </p:ext>
+    </p:extLst>
+  </p:cSld>
+  <p:clrMapOvr>
+    <a:masterClrMapping/>
+  </p:clrMapOvr>
+</p:sld>
+</file>
+
+<file path=ppt/slides/slide7.xml><?xml version="1.0" encoding="utf-8"?>
+<p:sld xmlns:a="http://schemas.openxmlformats.org/drawingml/2006/main" xmlns:r="http://schemas.openxmlformats.org/officeDocument/2006/relationships" xmlns:p="http://schemas.openxmlformats.org/presentationml/2006/main">
+  <p:cSld>
+    <p:spTree>
+      <p:nvGrpSpPr>
+        <p:cNvPr id="1" name=""/>
+        <p:cNvGrpSpPr/>
+        <p:nvPr/>
+      </p:nvGrpSpPr>
+      <p:grpSpPr>
+        <a:xfrm>
+          <a:off x="0" y="0"/>
+          <a:ext cx="0" cy="0"/>
+          <a:chOff x="0" y="0"/>
+          <a:chExt cx="0" cy="0"/>
+        </a:xfrm>
+      </p:grpSpPr>
+      <p:sp>
+        <p:nvSpPr>
+          <p:cNvPr id="2" name="Title 1">
+            <a:extLst>
+              <a:ext uri="{FF2B5EF4-FFF2-40B4-BE49-F238E27FC236}">
+                <a16:creationId xmlns:a16="http://schemas.microsoft.com/office/drawing/2014/main" id="{2972E3D2-B3C5-FB56-6BD1-0BD8DD76CCA3}"/>
+              </a:ext>
+            </a:extLst>
+          </p:cNvPr>
+          <p:cNvSpPr>
+            <a:spLocks noGrp="1"/>
+          </p:cNvSpPr>
+          <p:nvPr>
+            <p:ph type="title"/>
+          </p:nvPr>
+        </p:nvSpPr>
+        <p:spPr/>
+        <p:txBody>
+          <a:bodyPr/>
+          <a:lstStyle/>
+          <a:p>
+            <a:r>
+              <a:rPr lang="fr-CA" dirty="0"/>
+              <a:t>Prétraitement</a:t>
+            </a:r>
+            <a:endParaRPr lang="en-CA" dirty="0"/>
+          </a:p>
+        </p:txBody>
+      </p:sp>
+      <p:sp>
+        <p:nvSpPr>
+          <p:cNvPr id="3" name="Content Placeholder 2">
+            <a:extLst>
+              <a:ext uri="{FF2B5EF4-FFF2-40B4-BE49-F238E27FC236}">
+                <a16:creationId xmlns:a16="http://schemas.microsoft.com/office/drawing/2014/main" id="{9983E910-59CB-7ECB-46A9-68D73D0A7492}"/>
+              </a:ext>
+            </a:extLst>
+          </p:cNvPr>
+          <p:cNvSpPr>
+            <a:spLocks noGrp="1"/>
+          </p:cNvSpPr>
+          <p:nvPr>
+            <p:ph idx="1"/>
+          </p:nvPr>
+        </p:nvSpPr>
+        <p:spPr/>
+        <p:txBody>
+          <a:bodyPr/>
+          <a:lstStyle/>
+          <a:p>
+            <a:endParaRPr lang="en-CA" dirty="0"/>
+          </a:p>
+        </p:txBody>
+      </p:sp>
+    </p:spTree>
+    <p:extLst>
+      <p:ext uri="{BB962C8B-B14F-4D97-AF65-F5344CB8AC3E}">
+        <p14:creationId xmlns:p14="http://schemas.microsoft.com/office/powerpoint/2010/main" val="3048402647"/>
+      </p:ext>
+    </p:extLst>
+  </p:cSld>
+  <p:clrMapOvr>
+    <a:masterClrMapping/>
+  </p:clrMapOvr>
+</p:sld>
+</file>
+
+<file path=ppt/slides/slide8.xml><?xml version="1.0" encoding="utf-8"?>
+<p:sld xmlns:a="http://schemas.openxmlformats.org/drawingml/2006/main" xmlns:r="http://schemas.openxmlformats.org/officeDocument/2006/relationships" xmlns:p="http://schemas.openxmlformats.org/presentationml/2006/main">
+  <p:cSld>
+    <p:spTree>
+      <p:nvGrpSpPr>
+        <p:cNvPr id="1" name=""/>
+        <p:cNvGrpSpPr/>
+        <p:nvPr/>
+      </p:nvGrpSpPr>
+      <p:grpSpPr>
+        <a:xfrm>
+          <a:off x="0" y="0"/>
+          <a:ext cx="0" cy="0"/>
+          <a:chOff x="0" y="0"/>
+          <a:chExt cx="0" cy="0"/>
+        </a:xfrm>
+      </p:grpSpPr>
+      <p:sp>
+        <p:nvSpPr>
+          <p:cNvPr id="2" name="Title 1">
+            <a:extLst>
+              <a:ext uri="{FF2B5EF4-FFF2-40B4-BE49-F238E27FC236}">
+                <a16:creationId xmlns:a16="http://schemas.microsoft.com/office/drawing/2014/main" id="{94951D72-9FC3-B808-3CC4-B291E4C2CC30}"/>
+              </a:ext>
+            </a:extLst>
+          </p:cNvPr>
+          <p:cNvSpPr>
+            <a:spLocks noGrp="1"/>
+          </p:cNvSpPr>
+          <p:nvPr>
+            <p:ph type="title"/>
+          </p:nvPr>
+        </p:nvSpPr>
+        <p:spPr/>
+        <p:txBody>
+          <a:bodyPr/>
+          <a:lstStyle/>
+          <a:p>
+            <a:r>
+              <a:rPr lang="fr-CA" dirty="0"/>
+              <a:t>Modèles prédictifs</a:t>
+            </a:r>
+            <a:endParaRPr lang="en-CA" dirty="0"/>
+          </a:p>
+        </p:txBody>
+      </p:sp>
+      <p:sp>
+        <p:nvSpPr>
+          <p:cNvPr id="3" name="Text Placeholder 2">
+            <a:extLst>
+              <a:ext uri="{FF2B5EF4-FFF2-40B4-BE49-F238E27FC236}">
+                <a16:creationId xmlns:a16="http://schemas.microsoft.com/office/drawing/2014/main" id="{397E5634-2FEB-D3EA-B3E3-4BCB908672E1}"/>
+              </a:ext>
+            </a:extLst>
+          </p:cNvPr>
+          <p:cNvSpPr>
+            <a:spLocks noGrp="1"/>
+          </p:cNvSpPr>
+          <p:nvPr>
+            <p:ph type="body" idx="1"/>
+          </p:nvPr>
+        </p:nvSpPr>
+        <p:spPr/>
+        <p:txBody>
+          <a:bodyPr/>
+          <a:lstStyle/>
+          <a:p>
+            <a:endParaRPr lang="en-CA"/>
+          </a:p>
+        </p:txBody>
+      </p:sp>
+    </p:spTree>
+    <p:extLst>
+      <p:ext uri="{BB962C8B-B14F-4D97-AF65-F5344CB8AC3E}">
+        <p14:creationId xmlns:p14="http://schemas.microsoft.com/office/powerpoint/2010/main" val="3961993818"/>
+      </p:ext>
+    </p:extLst>
+  </p:cSld>
+  <p:clrMapOvr>
+    <a:masterClrMapping/>
+  </p:clrMapOvr>
+</p:sld>
+</file>
+
+<file path=ppt/slides/slide9.xml><?xml version="1.0" encoding="utf-8"?>
+<p:sld xmlns:a="http://schemas.openxmlformats.org/drawingml/2006/main" xmlns:r="http://schemas.openxmlformats.org/officeDocument/2006/relationships" xmlns:p="http://schemas.openxmlformats.org/presentationml/2006/main">
+  <p:cSld>
+    <p:spTree>
+      <p:nvGrpSpPr>
+        <p:cNvPr id="1" name=""/>
+        <p:cNvGrpSpPr/>
+        <p:nvPr/>
+      </p:nvGrpSpPr>
+      <p:grpSpPr>
+        <a:xfrm>
+          <a:off x="0" y="0"/>
+          <a:ext cx="0" cy="0"/>
+          <a:chOff x="0" y="0"/>
+          <a:chExt cx="0" cy="0"/>
+        </a:xfrm>
+      </p:grpSpPr>
+      <p:sp>
+        <p:nvSpPr>
+          <p:cNvPr id="2" name="Title 1">
+            <a:extLst>
+              <a:ext uri="{FF2B5EF4-FFF2-40B4-BE49-F238E27FC236}">
+                <a16:creationId xmlns:a16="http://schemas.microsoft.com/office/drawing/2014/main" id="{2972E3D2-B3C5-FB56-6BD1-0BD8DD76CCA3}"/>
+              </a:ext>
+            </a:extLst>
+          </p:cNvPr>
+          <p:cNvSpPr>
+            <a:spLocks noGrp="1"/>
+          </p:cNvSpPr>
+          <p:nvPr>
+            <p:ph type="title"/>
+          </p:nvPr>
+        </p:nvSpPr>
+        <p:spPr/>
+        <p:txBody>
+          <a:bodyPr/>
+          <a:lstStyle/>
+          <a:p>
+            <a:r>
+              <a:rPr lang="fr-CA" dirty="0"/>
+              <a:t>Modèle de base</a:t>
+            </a:r>
+            <a:endParaRPr lang="en-CA" dirty="0"/>
+          </a:p>
+        </p:txBody>
+      </p:sp>
+      <p:sp>
+        <p:nvSpPr>
+          <p:cNvPr id="3" name="Content Placeholder 2">
+            <a:extLst>
+              <a:ext uri="{FF2B5EF4-FFF2-40B4-BE49-F238E27FC236}">
+                <a16:creationId xmlns:a16="http://schemas.microsoft.com/office/drawing/2014/main" id="{9983E910-59CB-7ECB-46A9-68D73D0A7492}"/>
+              </a:ext>
+            </a:extLst>
+          </p:cNvPr>
+          <p:cNvSpPr>
+            <a:spLocks noGrp="1"/>
+          </p:cNvSpPr>
+          <p:nvPr>
+            <p:ph idx="1"/>
+          </p:nvPr>
+        </p:nvSpPr>
+        <p:spPr/>
+        <p:txBody>
+          <a:bodyPr/>
+          <a:lstStyle/>
+          <a:p>
+            <a:endParaRPr lang="en-CA" dirty="0"/>
+          </a:p>
+        </p:txBody>
+      </p:sp>
+    </p:spTree>
+    <p:extLst>
+      <p:ext uri="{BB962C8B-B14F-4D97-AF65-F5344CB8AC3E}">
+        <p14:creationId xmlns:p14="http://schemas.microsoft.com/office/powerpoint/2010/main" val="1448961526"/>
       </p:ext>
     </p:extLst>
   </p:cSld>

--- a/Final/Presentation_Equipe9.pptx
+++ b/Final/Presentation_Equipe9.pptx
@@ -3838,7 +3838,7 @@
           <a:lstStyle/>
           <a:p>
             <a:pPr algn="ctr"/>
-            <a:endParaRPr lang="en-US"/>
+            <a:endParaRPr lang="en-US" dirty="0"/>
           </a:p>
         </p:txBody>
       </p:sp>
@@ -3872,20 +3872,25 @@
           <a:p>
             <a:r>
               <a:rPr lang="en-US" sz="8000" dirty="0" err="1"/>
-              <a:t>Prédiction</a:t>
-            </a:r>
-            <a:r>
-              <a:rPr lang="en-US" sz="8000" dirty="0"/>
-              <a:t> de </a:t>
-            </a:r>
-            <a:r>
-              <a:rPr lang="en-US" sz="8000" dirty="0" err="1"/>
-              <a:t>données</a:t>
+              <a:t>Inondations</a:t>
             </a:r>
             <a:r>
               <a:rPr lang="en-US" sz="8000" dirty="0"/>
               <a:t> </a:t>
             </a:r>
+            <a:r>
+              <a:rPr lang="en-US" sz="8000" dirty="0" err="1"/>
+              <a:t>en</a:t>
+            </a:r>
+            <a:r>
+              <a:rPr lang="en-US" sz="8000" dirty="0"/>
+              <a:t> </a:t>
+            </a:r>
+            <a:r>
+              <a:rPr lang="en-US" sz="8000" dirty="0" err="1"/>
+              <a:t>Californie</a:t>
+            </a:r>
+            <a:endParaRPr lang="en-US" sz="8000" dirty="0"/>
           </a:p>
         </p:txBody>
       </p:sp>
@@ -3917,6 +3922,17 @@
           </a:bodyPr>
           <a:lstStyle/>
           <a:p>
+            <a:r>
+              <a:rPr lang="en-US" sz="2400" dirty="0">
+                <a:solidFill>
+                  <a:schemeClr val="tx1">
+                    <a:lumMod val="85000"/>
+                    <a:lumOff val="15000"/>
+                  </a:schemeClr>
+                </a:solidFill>
+              </a:rPr>
+              <a:t>Et </a:t>
+            </a:r>
             <a:r>
               <a:rPr lang="en-US" sz="2400" dirty="0" err="1">
                 <a:solidFill>
@@ -3926,7 +3942,7 @@
                   </a:schemeClr>
                 </a:solidFill>
               </a:rPr>
-              <a:t>Sinistres</a:t>
+              <a:t>prédiction</a:t>
             </a:r>
             <a:r>
               <a:rPr lang="en-US" sz="2400" dirty="0">
@@ -3937,7 +3953,7 @@
                   </a:schemeClr>
                 </a:solidFill>
               </a:rPr>
-              <a:t> </a:t>
+              <a:t> de </a:t>
             </a:r>
             <a:r>
               <a:rPr lang="en-US" sz="2400" dirty="0" err="1">
@@ -3948,7 +3964,7 @@
                   </a:schemeClr>
                 </a:solidFill>
               </a:rPr>
-              <a:t>en</a:t>
+              <a:t>montants</a:t>
             </a:r>
             <a:r>
               <a:rPr lang="en-US" sz="2400" dirty="0">
@@ -3959,7 +3975,7 @@
                   </a:schemeClr>
                 </a:solidFill>
               </a:rPr>
-              <a:t> </a:t>
+              <a:t> de </a:t>
             </a:r>
             <a:r>
               <a:rPr lang="en-US" sz="2400" dirty="0" err="1">
@@ -3970,7 +3986,7 @@
                   </a:schemeClr>
                 </a:solidFill>
               </a:rPr>
-              <a:t>inondation</a:t>
+              <a:t>sinistres</a:t>
             </a:r>
             <a:endParaRPr lang="en-US" sz="2400" dirty="0">
               <a:solidFill>
@@ -4203,9 +4219,16 @@
             <p:ph type="title"/>
           </p:nvPr>
         </p:nvSpPr>
-        <p:spPr/>
-        <p:txBody>
-          <a:bodyPr/>
+        <p:spPr>
+          <a:xfrm>
+            <a:off x="1097280" y="286603"/>
+            <a:ext cx="10058400" cy="1450757"/>
+          </a:xfrm>
+        </p:spPr>
+        <p:txBody>
+          <a:bodyPr anchor="b">
+            <a:normAutofit/>
+          </a:bodyPr>
           <a:lstStyle/>
           <a:p>
             <a:r>
@@ -4218,29 +4241,214 @@
       </p:sp>
       <p:sp>
         <p:nvSpPr>
-          <p:cNvPr id="3" name="Content Placeholder 2">
-            <a:extLst>
-              <a:ext uri="{FF2B5EF4-FFF2-40B4-BE49-F238E27FC236}">
-                <a16:creationId xmlns:a16="http://schemas.microsoft.com/office/drawing/2014/main" id="{9983E910-59CB-7ECB-46A9-68D73D0A7492}"/>
-              </a:ext>
-            </a:extLst>
-          </p:cNvPr>
-          <p:cNvSpPr>
-            <a:spLocks noGrp="1"/>
-          </p:cNvSpPr>
-          <p:nvPr>
-            <p:ph idx="1"/>
-          </p:nvPr>
-        </p:nvSpPr>
-        <p:spPr/>
-        <p:txBody>
-          <a:bodyPr/>
-          <a:lstStyle/>
-          <a:p>
-            <a:endParaRPr lang="en-CA" dirty="0"/>
-          </a:p>
-        </p:txBody>
-      </p:sp>
+          <p:cNvPr id="12" name="Content Placeholder 2">
+            <a:extLst>
+              <a:ext uri="{FF2B5EF4-FFF2-40B4-BE49-F238E27FC236}">
+                <a16:creationId xmlns:a16="http://schemas.microsoft.com/office/drawing/2014/main" id="{5820F4BA-FC91-16C0-9630-B6EB888CC2A9}"/>
+              </a:ext>
+            </a:extLst>
+          </p:cNvPr>
+          <p:cNvSpPr>
+            <a:spLocks noGrp="1"/>
+          </p:cNvSpPr>
+          <p:nvPr>
+            <p:ph sz="half" idx="1"/>
+          </p:nvPr>
+        </p:nvSpPr>
+        <p:spPr>
+          <a:xfrm>
+            <a:off x="1097280" y="2120900"/>
+            <a:ext cx="4639736" cy="3748193"/>
+          </a:xfrm>
+        </p:spPr>
+        <p:txBody>
+          <a:bodyPr anchor="ctr"/>
+          <a:lstStyle/>
+          <a:p>
+            <a:pPr>
+              <a:buFont typeface="Wingdings" panose="05000000000000000000" pitchFamily="2" charset="2"/>
+              <a:buChar char="q"/>
+            </a:pPr>
+            <a:r>
+              <a:rPr lang="en-US" dirty="0"/>
+              <a:t> Le </a:t>
+            </a:r>
+            <a:r>
+              <a:rPr lang="en-US" dirty="0" err="1"/>
+              <a:t>paramètre</a:t>
+            </a:r>
+            <a:r>
+              <a:rPr lang="en-US" dirty="0"/>
+              <a:t> de </a:t>
+            </a:r>
+            <a:r>
+              <a:rPr lang="en-US" dirty="0" err="1"/>
+              <a:t>complexité</a:t>
+            </a:r>
+            <a:r>
+              <a:rPr lang="en-US" dirty="0"/>
+              <a:t> </a:t>
+            </a:r>
+            <a:r>
+              <a:rPr lang="en-US" dirty="0" err="1"/>
+              <a:t>est</a:t>
+            </a:r>
+            <a:r>
+              <a:rPr lang="en-US" dirty="0"/>
+              <a:t> </a:t>
+            </a:r>
+            <a:r>
+              <a:rPr lang="en-US" dirty="0" err="1"/>
+              <a:t>optimisé</a:t>
+            </a:r>
+            <a:r>
+              <a:rPr lang="en-US" dirty="0"/>
+              <a:t> par validation </a:t>
+            </a:r>
+            <a:r>
+              <a:rPr lang="en-US" dirty="0" err="1"/>
+              <a:t>croisée</a:t>
+            </a:r>
+            <a:r>
+              <a:rPr lang="en-US" dirty="0"/>
+              <a:t> de type “leave group out cross validation” à 10 ensembles avec un ensemble de validation de 10% des </a:t>
+            </a:r>
+            <a:r>
+              <a:rPr lang="en-US" dirty="0" err="1"/>
+              <a:t>données</a:t>
+            </a:r>
+            <a:r>
+              <a:rPr lang="en-US" dirty="0"/>
+              <a:t> </a:t>
+            </a:r>
+            <a:r>
+              <a:rPr lang="en-US" dirty="0" err="1"/>
+              <a:t>d’entraînement</a:t>
+            </a:r>
+            <a:r>
+              <a:rPr lang="en-US" dirty="0"/>
+              <a:t>.</a:t>
+            </a:r>
+          </a:p>
+          <a:p>
+            <a:pPr>
+              <a:buFont typeface="Wingdings" panose="05000000000000000000" pitchFamily="2" charset="2"/>
+              <a:buChar char="q"/>
+            </a:pPr>
+            <a:r>
+              <a:rPr lang="en-US" dirty="0"/>
+              <a:t>  La </a:t>
+            </a:r>
+            <a:r>
+              <a:rPr lang="en-US" dirty="0" err="1"/>
+              <a:t>valeur</a:t>
+            </a:r>
+            <a:r>
+              <a:rPr lang="en-US" dirty="0"/>
+              <a:t> </a:t>
+            </a:r>
+            <a:r>
+              <a:rPr lang="en-US" dirty="0" err="1"/>
+              <a:t>optimale</a:t>
+            </a:r>
+            <a:r>
+              <a:rPr lang="en-US" dirty="0"/>
+              <a:t> du </a:t>
+            </a:r>
+            <a:r>
+              <a:rPr lang="en-US" dirty="0" err="1"/>
+              <a:t>paramètre</a:t>
+            </a:r>
+            <a:r>
+              <a:rPr lang="en-US" dirty="0"/>
+              <a:t> cp </a:t>
+            </a:r>
+            <a:r>
+              <a:rPr lang="en-US" dirty="0" err="1"/>
+              <a:t>est</a:t>
+            </a:r>
+            <a:r>
+              <a:rPr lang="en-US" dirty="0"/>
+              <a:t> 0.0033459</a:t>
+            </a:r>
+          </a:p>
+          <a:p>
+            <a:pPr>
+              <a:buFont typeface="Wingdings" panose="05000000000000000000" pitchFamily="2" charset="2"/>
+              <a:buChar char="q"/>
+            </a:pPr>
+            <a:r>
+              <a:rPr lang="en-US" dirty="0"/>
+              <a:t>  </a:t>
+            </a:r>
+            <a:r>
+              <a:rPr lang="en-US" dirty="0" err="1"/>
+              <a:t>L’arbre</a:t>
+            </a:r>
+            <a:r>
+              <a:rPr lang="en-US" dirty="0"/>
+              <a:t> </a:t>
+            </a:r>
+            <a:r>
+              <a:rPr lang="en-US" dirty="0" err="1"/>
+              <a:t>élagué</a:t>
+            </a:r>
+            <a:r>
+              <a:rPr lang="en-US" dirty="0"/>
+              <a:t> a 17 </a:t>
+            </a:r>
+            <a:r>
+              <a:rPr lang="en-US" dirty="0" err="1"/>
+              <a:t>noeuds</a:t>
+            </a:r>
+            <a:r>
+              <a:rPr lang="en-US" dirty="0"/>
+              <a:t> </a:t>
+            </a:r>
+            <a:r>
+              <a:rPr lang="en-US" dirty="0" err="1"/>
+              <a:t>terminaux</a:t>
+            </a:r>
+            <a:endParaRPr lang="en-US" dirty="0"/>
+          </a:p>
+        </p:txBody>
+      </p:sp>
+      <p:pic>
+        <p:nvPicPr>
+          <p:cNvPr id="5" name="Content Placeholder 4" descr="Diagram&#10;&#10;Description automatically generated">
+            <a:extLst>
+              <a:ext uri="{FF2B5EF4-FFF2-40B4-BE49-F238E27FC236}">
+                <a16:creationId xmlns:a16="http://schemas.microsoft.com/office/drawing/2014/main" id="{6F215AED-8D54-924B-AB5F-39A83C5D7D57}"/>
+              </a:ext>
+            </a:extLst>
+          </p:cNvPr>
+          <p:cNvPicPr>
+            <a:picLocks noGrp="1" noChangeAspect="1"/>
+          </p:cNvPicPr>
+          <p:nvPr>
+            <p:ph sz="half" idx="2"/>
+          </p:nvPr>
+        </p:nvPicPr>
+        <p:blipFill>
+          <a:blip r:embed="rId2">
+            <a:extLst>
+              <a:ext uri="{28A0092B-C50C-407E-A947-70E740481C1C}">
+                <a14:useLocalDpi xmlns:a14="http://schemas.microsoft.com/office/drawing/2010/main" val="0"/>
+              </a:ext>
+            </a:extLst>
+          </a:blip>
+          <a:stretch>
+            <a:fillRect/>
+          </a:stretch>
+        </p:blipFill>
+        <p:spPr>
+          <a:xfrm>
+            <a:off x="6006173" y="2304287"/>
+            <a:ext cx="5966202" cy="3564805"/>
+          </a:xfrm>
+          <a:noFill/>
+        </p:spPr>
+      </p:pic>
     </p:spTree>
     <p:extLst>
       <p:ext uri="{BB962C8B-B14F-4D97-AF65-F5344CB8AC3E}">
@@ -5617,7 +5825,11 @@
           <a:p>
             <a:r>
               <a:rPr lang="fr-CA" dirty="0"/>
-              <a:t>Modèle de base</a:t>
+              <a:t>Modèle de base : GLM </a:t>
+            </a:r>
+            <a:r>
+              <a:rPr lang="fr-CA" dirty="0" err="1"/>
+              <a:t>Tweedie</a:t>
             </a:r>
             <a:endParaRPr lang="en-CA" dirty="0"/>
           </a:p>

--- a/Final/Presentation_Equipe9.pptx
+++ b/Final/Presentation_Equipe9.pptx
@@ -17,14 +17,17 @@
     <p:sldId id="269" r:id="rId11"/>
     <p:sldId id="270" r:id="rId12"/>
     <p:sldId id="271" r:id="rId13"/>
-    <p:sldId id="272" r:id="rId14"/>
-    <p:sldId id="266" r:id="rId15"/>
-    <p:sldId id="273" r:id="rId16"/>
-    <p:sldId id="274" r:id="rId17"/>
-    <p:sldId id="275" r:id="rId18"/>
-    <p:sldId id="276" r:id="rId19"/>
-    <p:sldId id="277" r:id="rId20"/>
-    <p:sldId id="278" r:id="rId21"/>
+    <p:sldId id="279" r:id="rId14"/>
+    <p:sldId id="280" r:id="rId15"/>
+    <p:sldId id="281" r:id="rId16"/>
+    <p:sldId id="272" r:id="rId17"/>
+    <p:sldId id="266" r:id="rId18"/>
+    <p:sldId id="273" r:id="rId19"/>
+    <p:sldId id="274" r:id="rId20"/>
+    <p:sldId id="275" r:id="rId21"/>
+    <p:sldId id="276" r:id="rId22"/>
+    <p:sldId id="277" r:id="rId23"/>
+    <p:sldId id="278" r:id="rId24"/>
   </p:sldIdLst>
   <p:sldSz cx="12192000" cy="6858000"/>
   <p:notesSz cx="6858000" cy="9144000"/>
@@ -375,7 +378,7 @@
           <a:p>
             <a:fld id="{9184DA70-C731-4C70-880D-CCD4705E623C}" type="datetime1">
               <a:rPr lang="en-US" smtClean="0"/>
-              <a:t>4/15/2023</a:t>
+              <a:t>4/16/2023</a:t>
             </a:fld>
             <a:endParaRPr lang="en-US" dirty="0"/>
           </a:p>
@@ -563,7 +566,7 @@
           <a:p>
             <a:fld id="{B612A279-0833-481D-8C56-F67FD0AC6C50}" type="datetime1">
               <a:rPr lang="en-US" smtClean="0"/>
-              <a:t>4/15/2023</a:t>
+              <a:t>4/16/2023</a:t>
             </a:fld>
             <a:endParaRPr lang="en-US" dirty="0"/>
           </a:p>
@@ -805,7 +808,7 @@
           <a:p>
             <a:fld id="{6587DA83-5663-4C9C-B9AA-0B40A3DAFF81}" type="datetime1">
               <a:rPr lang="en-US" smtClean="0"/>
-              <a:t>4/15/2023</a:t>
+              <a:t>4/16/2023</a:t>
             </a:fld>
             <a:endParaRPr lang="en-US" dirty="0"/>
           </a:p>
@@ -993,7 +996,7 @@
           <a:p>
             <a:fld id="{4BE1D723-8F53-4F53-90B0-1982A396982E}" type="datetime1">
               <a:rPr lang="en-US" smtClean="0"/>
-              <a:t>4/15/2023</a:t>
+              <a:t>4/16/2023</a:t>
             </a:fld>
             <a:endParaRPr lang="en-US" dirty="0"/>
           </a:p>
@@ -1366,7 +1369,7 @@
           <a:p>
             <a:fld id="{97669AF7-7BEB-44E4-9852-375E34362B5B}" type="datetime1">
               <a:rPr lang="en-US" smtClean="0"/>
-              <a:t>4/15/2023</a:t>
+              <a:t>4/16/2023</a:t>
             </a:fld>
             <a:endParaRPr lang="en-US" dirty="0"/>
           </a:p>
@@ -1621,7 +1624,7 @@
           <a:p>
             <a:fld id="{BAAAC38D-0552-4C82-B593-E6124DFADBE2}" type="datetime1">
               <a:rPr lang="en-US" smtClean="0"/>
-              <a:t>4/15/2023</a:t>
+              <a:t>4/16/2023</a:t>
             </a:fld>
             <a:endParaRPr lang="en-US" dirty="0"/>
           </a:p>
@@ -2018,7 +2021,7 @@
           <a:p>
             <a:fld id="{D9DF0F1C-5577-4ACB-BB62-DF8F3C494C7E}" type="datetime1">
               <a:rPr lang="en-US" smtClean="0"/>
-              <a:t>4/15/2023</a:t>
+              <a:t>4/16/2023</a:t>
             </a:fld>
             <a:endParaRPr lang="en-US" dirty="0"/>
           </a:p>
@@ -2154,7 +2157,7 @@
           <a:p>
             <a:fld id="{1775B394-D9F9-4F0C-B15D-605F45CB9E9F}" type="datetime1">
               <a:rPr lang="en-US" smtClean="0"/>
-              <a:t>4/15/2023</a:t>
+              <a:t>4/16/2023</a:t>
             </a:fld>
             <a:endParaRPr lang="en-US" dirty="0"/>
           </a:p>
@@ -2311,7 +2314,7 @@
           <a:p>
             <a:fld id="{39667345-2558-425A-8533-9BFDBCE15005}" type="datetime1">
               <a:rPr lang="en-US" smtClean="0"/>
-              <a:t>4/15/2023</a:t>
+              <a:t>4/16/2023</a:t>
             </a:fld>
             <a:endParaRPr lang="en-US" dirty="0"/>
           </a:p>
@@ -2640,7 +2643,7 @@
           <a:p>
             <a:fld id="{92BEA474-078D-4E9B-9B14-09A87B19DC46}" type="datetime1">
               <a:rPr lang="en-US" smtClean="0"/>
-              <a:t>4/15/2023</a:t>
+              <a:t>4/16/2023</a:t>
             </a:fld>
             <a:endParaRPr lang="en-US" dirty="0"/>
           </a:p>
@@ -2990,7 +2993,7 @@
           <a:p>
             <a:fld id="{4907D986-8816-4272-A432-0437A28A9828}" type="datetime1">
               <a:rPr lang="en-US" smtClean="0"/>
-              <a:t>4/15/2023</a:t>
+              <a:t>4/16/2023</a:t>
             </a:fld>
             <a:endParaRPr lang="en-US" dirty="0"/>
           </a:p>
@@ -3251,7 +3254,7 @@
           <a:p>
             <a:fld id="{62D6E202-B606-4609-B914-27C9371A1F6D}" type="datetime1">
               <a:rPr lang="en-US" smtClean="0"/>
-              <a:t>4/15/2023</a:t>
+              <a:t>4/16/2023</a:t>
             </a:fld>
             <a:endParaRPr lang="en-US" dirty="0"/>
           </a:p>
@@ -4135,9 +4138,16 @@
             <p:ph type="title"/>
           </p:nvPr>
         </p:nvSpPr>
-        <p:spPr/>
-        <p:txBody>
-          <a:bodyPr/>
+        <p:spPr>
+          <a:xfrm>
+            <a:off x="1097280" y="286603"/>
+            <a:ext cx="10058400" cy="1450757"/>
+          </a:xfrm>
+        </p:spPr>
+        <p:txBody>
+          <a:bodyPr anchor="b">
+            <a:normAutofit/>
+          </a:bodyPr>
           <a:lstStyle/>
           <a:p>
             <a:r>
@@ -4150,29 +4160,148 @@
       </p:sp>
       <p:sp>
         <p:nvSpPr>
-          <p:cNvPr id="3" name="Content Placeholder 2">
-            <a:extLst>
-              <a:ext uri="{FF2B5EF4-FFF2-40B4-BE49-F238E27FC236}">
-                <a16:creationId xmlns:a16="http://schemas.microsoft.com/office/drawing/2014/main" id="{9983E910-59CB-7ECB-46A9-68D73D0A7492}"/>
-              </a:ext>
-            </a:extLst>
-          </p:cNvPr>
-          <p:cNvSpPr>
-            <a:spLocks noGrp="1"/>
-          </p:cNvSpPr>
-          <p:nvPr>
-            <p:ph idx="1"/>
-          </p:nvPr>
-        </p:nvSpPr>
-        <p:spPr/>
-        <p:txBody>
-          <a:bodyPr/>
-          <a:lstStyle/>
-          <a:p>
-            <a:endParaRPr lang="en-CA" dirty="0"/>
-          </a:p>
-        </p:txBody>
-      </p:sp>
+          <p:cNvPr id="10" name="Content Placeholder 2">
+            <a:extLst>
+              <a:ext uri="{FF2B5EF4-FFF2-40B4-BE49-F238E27FC236}">
+                <a16:creationId xmlns:a16="http://schemas.microsoft.com/office/drawing/2014/main" id="{37229E06-B02E-7EE2-4DE0-B8DB8EC19592}"/>
+              </a:ext>
+            </a:extLst>
+          </p:cNvPr>
+          <p:cNvSpPr>
+            <a:spLocks noGrp="1"/>
+          </p:cNvSpPr>
+          <p:nvPr>
+            <p:ph sz="half" idx="1"/>
+          </p:nvPr>
+        </p:nvSpPr>
+        <p:spPr>
+          <a:xfrm>
+            <a:off x="1097280" y="2120900"/>
+            <a:ext cx="4639736" cy="3748193"/>
+          </a:xfrm>
+        </p:spPr>
+        <p:txBody>
+          <a:bodyPr anchor="ctr"/>
+          <a:lstStyle/>
+          <a:p>
+            <a:pPr>
+              <a:buFont typeface="Wingdings" panose="05000000000000000000" pitchFamily="2" charset="2"/>
+              <a:buChar char="q"/>
+            </a:pPr>
+            <a:r>
+              <a:rPr lang="en-US" dirty="0"/>
+              <a:t> </a:t>
+            </a:r>
+            <a:r>
+              <a:rPr lang="en-US" dirty="0" err="1"/>
+              <a:t>L’hyperparamètre</a:t>
+            </a:r>
+            <a:r>
+              <a:rPr lang="en-US" dirty="0"/>
+              <a:t> k </a:t>
+            </a:r>
+            <a:r>
+              <a:rPr lang="en-US" dirty="0" err="1"/>
+              <a:t>est</a:t>
+            </a:r>
+            <a:r>
+              <a:rPr lang="en-US" dirty="0"/>
+              <a:t> </a:t>
+            </a:r>
+            <a:r>
+              <a:rPr lang="en-US" dirty="0" err="1"/>
+              <a:t>optimisé</a:t>
+            </a:r>
+            <a:r>
+              <a:rPr lang="en-US" dirty="0"/>
+              <a:t> par la </a:t>
+            </a:r>
+            <a:r>
+              <a:rPr lang="en-US" dirty="0" err="1"/>
+              <a:t>méthode</a:t>
+            </a:r>
+            <a:r>
+              <a:rPr lang="en-US" dirty="0"/>
+              <a:t> de </a:t>
+            </a:r>
+            <a:r>
+              <a:rPr lang="en-US" dirty="0" err="1"/>
+              <a:t>l’EQM</a:t>
+            </a:r>
+            <a:endParaRPr lang="en-US" dirty="0"/>
+          </a:p>
+          <a:p>
+            <a:pPr>
+              <a:buFont typeface="Wingdings" panose="05000000000000000000" pitchFamily="2" charset="2"/>
+              <a:buChar char="q"/>
+            </a:pPr>
+            <a:r>
+              <a:rPr lang="en-US" dirty="0"/>
+              <a:t> La </a:t>
+            </a:r>
+            <a:r>
+              <a:rPr lang="en-US" dirty="0" err="1"/>
+              <a:t>valeur</a:t>
+            </a:r>
+            <a:r>
+              <a:rPr lang="en-US" dirty="0"/>
+              <a:t> </a:t>
+            </a:r>
+            <a:r>
+              <a:rPr lang="en-US" dirty="0" err="1"/>
+              <a:t>optimale</a:t>
+            </a:r>
+            <a:r>
+              <a:rPr lang="en-US" dirty="0"/>
+              <a:t> de K </a:t>
+            </a:r>
+            <a:r>
+              <a:rPr lang="en-US" dirty="0" err="1"/>
+              <a:t>est</a:t>
+            </a:r>
+            <a:r>
+              <a:rPr lang="en-US" dirty="0"/>
+              <a:t> 15</a:t>
+            </a:r>
+          </a:p>
+        </p:txBody>
+      </p:sp>
+      <p:pic>
+        <p:nvPicPr>
+          <p:cNvPr id="5" name="Content Placeholder 4" descr="Chart, histogram&#10;&#10;Description automatically generated">
+            <a:extLst>
+              <a:ext uri="{FF2B5EF4-FFF2-40B4-BE49-F238E27FC236}">
+                <a16:creationId xmlns:a16="http://schemas.microsoft.com/office/drawing/2014/main" id="{F2B9272C-BDE5-B03C-B819-8ED17EAD29B8}"/>
+              </a:ext>
+            </a:extLst>
+          </p:cNvPr>
+          <p:cNvPicPr>
+            <a:picLocks noGrp="1" noChangeAspect="1"/>
+          </p:cNvPicPr>
+          <p:nvPr>
+            <p:ph sz="half" idx="2"/>
+          </p:nvPr>
+        </p:nvPicPr>
+        <p:blipFill>
+          <a:blip r:embed="rId2">
+            <a:extLst>
+              <a:ext uri="{28A0092B-C50C-407E-A947-70E740481C1C}">
+                <a14:useLocalDpi xmlns:a14="http://schemas.microsoft.com/office/drawing/2010/main" val="0"/>
+              </a:ext>
+            </a:extLst>
+          </a:blip>
+          <a:stretch>
+            <a:fillRect/>
+          </a:stretch>
+        </p:blipFill>
+        <p:spPr>
+          <a:xfrm>
+            <a:off x="5916652" y="2316480"/>
+            <a:ext cx="5601252" cy="3220720"/>
+          </a:xfrm>
+          <a:noFill/>
+        </p:spPr>
+      </p:pic>
     </p:spTree>
     <p:extLst>
       <p:ext uri="{BB962C8B-B14F-4D97-AF65-F5344CB8AC3E}">
@@ -4526,9 +4655,36 @@
         </p:nvSpPr>
         <p:spPr/>
         <p:txBody>
-          <a:bodyPr/>
-          <a:lstStyle/>
-          <a:p>
+          <a:bodyPr anchor="ctr"/>
+          <a:lstStyle/>
+          <a:p>
+            <a:pPr marL="0" indent="0">
+              <a:buNone/>
+            </a:pPr>
+            <a:r>
+              <a:rPr lang="fr-CA" dirty="0"/>
+              <a:t>Il y a deux hyperparamètres à optimiser dans le cas du bagging: </a:t>
+            </a:r>
+          </a:p>
+          <a:p>
+            <a:pPr>
+              <a:buFont typeface="Wingdings" panose="05000000000000000000" pitchFamily="2" charset="2"/>
+              <a:buChar char="q"/>
+            </a:pPr>
+            <a:r>
+              <a:rPr lang="fr-CA" dirty="0"/>
+              <a:t> B : Nombre d’arbres</a:t>
+            </a:r>
+          </a:p>
+          <a:p>
+            <a:pPr>
+              <a:buFont typeface="Wingdings" panose="05000000000000000000" pitchFamily="2" charset="2"/>
+              <a:buChar char="q"/>
+            </a:pPr>
+            <a:r>
+              <a:rPr lang="fr-CA" dirty="0"/>
+              <a:t> n : Nombre d’observations minimal dans un nœud terminal</a:t>
+            </a:r>
             <a:endParaRPr lang="en-CA" dirty="0"/>
           </a:p>
         </p:txBody>
@@ -4579,14 +4735,21 @@
             <p:ph type="title"/>
           </p:nvPr>
         </p:nvSpPr>
-        <p:spPr/>
-        <p:txBody>
-          <a:bodyPr/>
+        <p:spPr>
+          <a:xfrm>
+            <a:off x="1097280" y="286603"/>
+            <a:ext cx="10058400" cy="1450757"/>
+          </a:xfrm>
+        </p:spPr>
+        <p:txBody>
+          <a:bodyPr anchor="b">
+            <a:normAutofit/>
+          </a:bodyPr>
           <a:lstStyle/>
           <a:p>
             <a:r>
               <a:rPr lang="fr-CA" dirty="0"/>
-              <a:t>Forêt aléatoire</a:t>
+              <a:t>Bagging (B)</a:t>
             </a:r>
             <a:endParaRPr lang="en-CA" dirty="0"/>
           </a:p>
@@ -4594,33 +4757,110 @@
       </p:sp>
       <p:sp>
         <p:nvSpPr>
-          <p:cNvPr id="3" name="Content Placeholder 2">
-            <a:extLst>
-              <a:ext uri="{FF2B5EF4-FFF2-40B4-BE49-F238E27FC236}">
-                <a16:creationId xmlns:a16="http://schemas.microsoft.com/office/drawing/2014/main" id="{9983E910-59CB-7ECB-46A9-68D73D0A7492}"/>
-              </a:ext>
-            </a:extLst>
-          </p:cNvPr>
-          <p:cNvSpPr>
-            <a:spLocks noGrp="1"/>
-          </p:cNvSpPr>
-          <p:nvPr>
-            <p:ph idx="1"/>
-          </p:nvPr>
-        </p:nvSpPr>
-        <p:spPr/>
-        <p:txBody>
-          <a:bodyPr/>
-          <a:lstStyle/>
-          <a:p>
-            <a:endParaRPr lang="en-CA" dirty="0"/>
-          </a:p>
-        </p:txBody>
-      </p:sp>
+          <p:cNvPr id="10" name="Content Placeholder 2">
+            <a:extLst>
+              <a:ext uri="{FF2B5EF4-FFF2-40B4-BE49-F238E27FC236}">
+                <a16:creationId xmlns:a16="http://schemas.microsoft.com/office/drawing/2014/main" id="{5717496A-A84A-29C3-A6A2-2B42359C5744}"/>
+              </a:ext>
+            </a:extLst>
+          </p:cNvPr>
+          <p:cNvSpPr>
+            <a:spLocks noGrp="1"/>
+          </p:cNvSpPr>
+          <p:nvPr>
+            <p:ph sz="half" idx="1"/>
+          </p:nvPr>
+        </p:nvSpPr>
+        <p:spPr>
+          <a:xfrm>
+            <a:off x="1097280" y="2120900"/>
+            <a:ext cx="4639736" cy="3748193"/>
+          </a:xfrm>
+        </p:spPr>
+        <p:txBody>
+          <a:bodyPr anchor="ctr"/>
+          <a:lstStyle/>
+          <a:p>
+            <a:pPr>
+              <a:buFont typeface="Wingdings" panose="05000000000000000000" pitchFamily="2" charset="2"/>
+              <a:buChar char="q"/>
+            </a:pPr>
+            <a:r>
+              <a:rPr lang="en-US" dirty="0"/>
+              <a:t> Le RMSE </a:t>
+            </a:r>
+            <a:r>
+              <a:rPr lang="en-US" dirty="0" err="1"/>
+              <a:t>semble</a:t>
+            </a:r>
+            <a:r>
+              <a:rPr lang="en-US" dirty="0"/>
+              <a:t> se </a:t>
+            </a:r>
+            <a:r>
+              <a:rPr lang="en-US" dirty="0" err="1"/>
+              <a:t>stabiliser</a:t>
+            </a:r>
+            <a:r>
+              <a:rPr lang="en-US" dirty="0"/>
+              <a:t> à </a:t>
+            </a:r>
+            <a:r>
+              <a:rPr lang="en-US" dirty="0" err="1"/>
+              <a:t>partir</a:t>
+            </a:r>
+            <a:r>
+              <a:rPr lang="en-US" dirty="0"/>
+              <a:t> de 200 </a:t>
+            </a:r>
+            <a:r>
+              <a:rPr lang="en-US" dirty="0" err="1"/>
+              <a:t>arbres</a:t>
+            </a:r>
+            <a:endParaRPr lang="en-US" dirty="0"/>
+          </a:p>
+        </p:txBody>
+      </p:sp>
+      <p:pic>
+        <p:nvPicPr>
+          <p:cNvPr id="5" name="Content Placeholder 4" descr="Chart, line chart&#10;&#10;Description automatically generated">
+            <a:extLst>
+              <a:ext uri="{FF2B5EF4-FFF2-40B4-BE49-F238E27FC236}">
+                <a16:creationId xmlns:a16="http://schemas.microsoft.com/office/drawing/2014/main" id="{DDD09B35-93C1-8117-29EA-882EAF04438B}"/>
+              </a:ext>
+            </a:extLst>
+          </p:cNvPr>
+          <p:cNvPicPr>
+            <a:picLocks noGrp="1" noChangeAspect="1"/>
+          </p:cNvPicPr>
+          <p:nvPr>
+            <p:ph sz="half" idx="2"/>
+          </p:nvPr>
+        </p:nvPicPr>
+        <p:blipFill>
+          <a:blip r:embed="rId2">
+            <a:extLst>
+              <a:ext uri="{28A0092B-C50C-407E-A947-70E740481C1C}">
+                <a14:useLocalDpi xmlns:a14="http://schemas.microsoft.com/office/drawing/2010/main" val="0"/>
+              </a:ext>
+            </a:extLst>
+          </a:blip>
+          <a:stretch>
+            <a:fillRect/>
+          </a:stretch>
+        </p:blipFill>
+        <p:spPr>
+          <a:xfrm>
+            <a:off x="6002391" y="2245360"/>
+            <a:ext cx="5868395" cy="3623733"/>
+          </a:xfrm>
+          <a:noFill/>
+        </p:spPr>
+      </p:pic>
     </p:spTree>
     <p:extLst>
       <p:ext uri="{BB962C8B-B14F-4D97-AF65-F5344CB8AC3E}">
-        <p14:creationId xmlns:p14="http://schemas.microsoft.com/office/powerpoint/2010/main" val="1102128177"/>
+        <p14:creationId xmlns:p14="http://schemas.microsoft.com/office/powerpoint/2010/main" val="3290440754"/>
       </p:ext>
     </p:extLst>
   </p:cSld>
@@ -4663,52 +4903,65 @@
             <p:ph type="title"/>
           </p:nvPr>
         </p:nvSpPr>
-        <p:spPr/>
-        <p:txBody>
-          <a:bodyPr/>
+        <p:spPr>
+          <a:xfrm>
+            <a:off x="1097280" y="286603"/>
+            <a:ext cx="10058400" cy="1450757"/>
+          </a:xfrm>
+        </p:spPr>
+        <p:txBody>
+          <a:bodyPr anchor="b">
+            <a:normAutofit/>
+          </a:bodyPr>
           <a:lstStyle/>
           <a:p>
             <a:r>
               <a:rPr lang="fr-CA" dirty="0"/>
-              <a:t>Gradient </a:t>
-            </a:r>
-            <a:r>
-              <a:rPr lang="fr-CA" dirty="0" err="1"/>
-              <a:t>Boosting</a:t>
+              <a:t>Bagging (n)</a:t>
             </a:r>
             <a:endParaRPr lang="en-CA" dirty="0"/>
           </a:p>
         </p:txBody>
       </p:sp>
-      <p:sp>
-        <p:nvSpPr>
-          <p:cNvPr id="3" name="Content Placeholder 2">
-            <a:extLst>
-              <a:ext uri="{FF2B5EF4-FFF2-40B4-BE49-F238E27FC236}">
-                <a16:creationId xmlns:a16="http://schemas.microsoft.com/office/drawing/2014/main" id="{9983E910-59CB-7ECB-46A9-68D73D0A7492}"/>
-              </a:ext>
-            </a:extLst>
-          </p:cNvPr>
-          <p:cNvSpPr>
-            <a:spLocks noGrp="1"/>
-          </p:cNvSpPr>
-          <p:nvPr>
-            <p:ph idx="1"/>
-          </p:nvPr>
-        </p:nvSpPr>
-        <p:spPr/>
-        <p:txBody>
-          <a:bodyPr/>
-          <a:lstStyle/>
-          <a:p>
-            <a:endParaRPr lang="en-CA" dirty="0"/>
-          </a:p>
-        </p:txBody>
-      </p:sp>
+      <p:pic>
+        <p:nvPicPr>
+          <p:cNvPr id="9" name="Content Placeholder 8" descr="Chart, line chart&#10;&#10;Description automatically generated">
+            <a:extLst>
+              <a:ext uri="{FF2B5EF4-FFF2-40B4-BE49-F238E27FC236}">
+                <a16:creationId xmlns:a16="http://schemas.microsoft.com/office/drawing/2014/main" id="{E82DDABB-FD38-FBDE-3C56-22EF89005BA1}"/>
+              </a:ext>
+            </a:extLst>
+          </p:cNvPr>
+          <p:cNvPicPr>
+            <a:picLocks noGrp="1" noChangeAspect="1"/>
+          </p:cNvPicPr>
+          <p:nvPr>
+            <p:ph sz="half" idx="1"/>
+          </p:nvPr>
+        </p:nvPicPr>
+        <p:blipFill>
+          <a:blip r:embed="rId2">
+            <a:extLst>
+              <a:ext uri="{28A0092B-C50C-407E-A947-70E740481C1C}">
+                <a14:useLocalDpi xmlns:a14="http://schemas.microsoft.com/office/drawing/2010/main" val="0"/>
+              </a:ext>
+            </a:extLst>
+          </a:blip>
+          <a:stretch>
+            <a:fillRect/>
+          </a:stretch>
+        </p:blipFill>
+        <p:spPr>
+          <a:xfrm>
+            <a:off x="3093641" y="2267388"/>
+            <a:ext cx="6004718" cy="3708521"/>
+          </a:xfrm>
+        </p:spPr>
+      </p:pic>
     </p:spTree>
     <p:extLst>
       <p:ext uri="{BB962C8B-B14F-4D97-AF65-F5344CB8AC3E}">
-        <p14:creationId xmlns:p14="http://schemas.microsoft.com/office/powerpoint/2010/main" val="1655170980"/>
+        <p14:creationId xmlns:p14="http://schemas.microsoft.com/office/powerpoint/2010/main" val="2702353695"/>
       </p:ext>
     </p:extLst>
   </p:cSld>
@@ -4740,7 +4993,7 @@
           <p:cNvPr id="2" name="Title 1">
             <a:extLst>
               <a:ext uri="{FF2B5EF4-FFF2-40B4-BE49-F238E27FC236}">
-                <a16:creationId xmlns:a16="http://schemas.microsoft.com/office/drawing/2014/main" id="{94951D72-9FC3-B808-3CC4-B291E4C2CC30}"/>
+                <a16:creationId xmlns:a16="http://schemas.microsoft.com/office/drawing/2014/main" id="{2972E3D2-B3C5-FB56-6BD1-0BD8DD76CCA3}"/>
               </a:ext>
             </a:extLst>
           </p:cNvPr>
@@ -4751,14 +5004,21 @@
             <p:ph type="title"/>
           </p:nvPr>
         </p:nvSpPr>
-        <p:spPr/>
-        <p:txBody>
-          <a:bodyPr/>
+        <p:spPr>
+          <a:xfrm>
+            <a:off x="1097280" y="286603"/>
+            <a:ext cx="10058400" cy="1450757"/>
+          </a:xfrm>
+        </p:spPr>
+        <p:txBody>
+          <a:bodyPr anchor="b">
+            <a:normAutofit/>
+          </a:bodyPr>
           <a:lstStyle/>
           <a:p>
             <a:r>
               <a:rPr lang="fr-CA" dirty="0"/>
-              <a:t>Comparaison de la performance</a:t>
+              <a:t>Bagging (n)</a:t>
             </a:r>
             <a:endParaRPr lang="en-CA" dirty="0"/>
           </a:p>
@@ -4766,33 +5026,101 @@
       </p:sp>
       <p:sp>
         <p:nvSpPr>
-          <p:cNvPr id="3" name="Text Placeholder 2">
-            <a:extLst>
-              <a:ext uri="{FF2B5EF4-FFF2-40B4-BE49-F238E27FC236}">
-                <a16:creationId xmlns:a16="http://schemas.microsoft.com/office/drawing/2014/main" id="{397E5634-2FEB-D3EA-B3E3-4BCB908672E1}"/>
-              </a:ext>
-            </a:extLst>
-          </p:cNvPr>
-          <p:cNvSpPr>
-            <a:spLocks noGrp="1"/>
-          </p:cNvSpPr>
-          <p:nvPr>
-            <p:ph type="body" idx="1"/>
-          </p:nvPr>
-        </p:nvSpPr>
-        <p:spPr/>
-        <p:txBody>
-          <a:bodyPr/>
-          <a:lstStyle/>
-          <a:p>
-            <a:endParaRPr lang="en-CA"/>
-          </a:p>
-        </p:txBody>
-      </p:sp>
+          <p:cNvPr id="10" name="Content Placeholder 2">
+            <a:extLst>
+              <a:ext uri="{FF2B5EF4-FFF2-40B4-BE49-F238E27FC236}">
+                <a16:creationId xmlns:a16="http://schemas.microsoft.com/office/drawing/2014/main" id="{5717496A-A84A-29C3-A6A2-2B42359C5744}"/>
+              </a:ext>
+            </a:extLst>
+          </p:cNvPr>
+          <p:cNvSpPr>
+            <a:spLocks noGrp="1"/>
+          </p:cNvSpPr>
+          <p:nvPr>
+            <p:ph sz="half" idx="1"/>
+          </p:nvPr>
+        </p:nvSpPr>
+        <p:spPr>
+          <a:xfrm>
+            <a:off x="1097280" y="2120900"/>
+            <a:ext cx="4639736" cy="3748193"/>
+          </a:xfrm>
+        </p:spPr>
+        <p:txBody>
+          <a:bodyPr anchor="ctr"/>
+          <a:lstStyle/>
+          <a:p>
+            <a:pPr>
+              <a:buFont typeface="Wingdings" panose="05000000000000000000" pitchFamily="2" charset="2"/>
+              <a:buChar char="q"/>
+            </a:pPr>
+            <a:r>
+              <a:rPr lang="en-US" dirty="0"/>
+              <a:t> Le RMSE minimal </a:t>
+            </a:r>
+            <a:r>
+              <a:rPr lang="en-US" dirty="0" err="1"/>
+              <a:t>est</a:t>
+            </a:r>
+            <a:r>
+              <a:rPr lang="en-US" dirty="0"/>
+              <a:t> </a:t>
+            </a:r>
+            <a:r>
+              <a:rPr lang="en-US" dirty="0" err="1"/>
+              <a:t>observé</a:t>
+            </a:r>
+            <a:r>
+              <a:rPr lang="en-US" dirty="0"/>
+              <a:t> </a:t>
+            </a:r>
+            <a:r>
+              <a:rPr lang="fr-CA" dirty="0"/>
+              <a:t>à 97 observations minimales par nœud terminal</a:t>
+            </a:r>
+            <a:endParaRPr lang="en-US" dirty="0"/>
+          </a:p>
+        </p:txBody>
+      </p:sp>
+      <p:pic>
+        <p:nvPicPr>
+          <p:cNvPr id="9" name="Content Placeholder 8" descr="Chart, line chart&#10;&#10;Description automatically generated">
+            <a:extLst>
+              <a:ext uri="{FF2B5EF4-FFF2-40B4-BE49-F238E27FC236}">
+                <a16:creationId xmlns:a16="http://schemas.microsoft.com/office/drawing/2014/main" id="{2753489D-8866-2AED-49CD-73B717A027BF}"/>
+              </a:ext>
+            </a:extLst>
+          </p:cNvPr>
+          <p:cNvPicPr>
+            <a:picLocks noGrp="1" noChangeAspect="1"/>
+          </p:cNvPicPr>
+          <p:nvPr>
+            <p:ph sz="half" idx="2"/>
+          </p:nvPr>
+        </p:nvPicPr>
+        <p:blipFill>
+          <a:blip r:embed="rId2">
+            <a:extLst>
+              <a:ext uri="{28A0092B-C50C-407E-A947-70E740481C1C}">
+                <a14:useLocalDpi xmlns:a14="http://schemas.microsoft.com/office/drawing/2010/main" val="0"/>
+              </a:ext>
+            </a:extLst>
+          </a:blip>
+          <a:stretch>
+            <a:fillRect/>
+          </a:stretch>
+        </p:blipFill>
+        <p:spPr>
+          <a:xfrm>
+            <a:off x="6516688" y="2562518"/>
+            <a:ext cx="4638675" cy="2864851"/>
+          </a:xfrm>
+        </p:spPr>
+      </p:pic>
     </p:spTree>
     <p:extLst>
       <p:ext uri="{BB962C8B-B14F-4D97-AF65-F5344CB8AC3E}">
-        <p14:creationId xmlns:p14="http://schemas.microsoft.com/office/powerpoint/2010/main" val="349769279"/>
+        <p14:creationId xmlns:p14="http://schemas.microsoft.com/office/powerpoint/2010/main" val="2127894739"/>
       </p:ext>
     </p:extLst>
   </p:cSld>
@@ -4842,7 +5170,7 @@
           <a:p>
             <a:r>
               <a:rPr lang="fr-CA" dirty="0"/>
-              <a:t>Comparaison des modèles</a:t>
+              <a:t>Forêt aléatoire</a:t>
             </a:r>
             <a:endParaRPr lang="en-CA" dirty="0"/>
           </a:p>
@@ -4850,25 +5178,308 @@
       </p:sp>
       <p:sp>
         <p:nvSpPr>
-          <p:cNvPr id="3" name="Content Placeholder 2">
-            <a:extLst>
-              <a:ext uri="{FF2B5EF4-FFF2-40B4-BE49-F238E27FC236}">
-                <a16:creationId xmlns:a16="http://schemas.microsoft.com/office/drawing/2014/main" id="{9983E910-59CB-7ECB-46A9-68D73D0A7492}"/>
-              </a:ext>
-            </a:extLst>
-          </p:cNvPr>
-          <p:cNvSpPr>
-            <a:spLocks noGrp="1"/>
-          </p:cNvSpPr>
-          <p:nvPr>
-            <p:ph idx="1"/>
-          </p:nvPr>
-        </p:nvSpPr>
-        <p:spPr/>
-        <p:txBody>
-          <a:bodyPr/>
-          <a:lstStyle/>
-          <a:p>
+          <p:cNvPr id="4" name="Content Placeholder 2">
+            <a:extLst>
+              <a:ext uri="{FF2B5EF4-FFF2-40B4-BE49-F238E27FC236}">
+                <a16:creationId xmlns:a16="http://schemas.microsoft.com/office/drawing/2014/main" id="{EB98C243-9A04-CAEF-16B1-37E1FD87468E}"/>
+              </a:ext>
+            </a:extLst>
+          </p:cNvPr>
+          <p:cNvSpPr txBox="1">
+            <a:spLocks/>
+          </p:cNvSpPr>
+          <p:nvPr/>
+        </p:nvSpPr>
+        <p:spPr>
+          <a:xfrm>
+            <a:off x="1097280" y="2141729"/>
+            <a:ext cx="10058400" cy="3760891"/>
+          </a:xfrm>
+          <a:prstGeom prst="rect">
+            <a:avLst/>
+          </a:prstGeom>
+        </p:spPr>
+        <p:txBody>
+          <a:bodyPr vert="horz" lIns="0" tIns="45720" rIns="0" bIns="45720" rtlCol="0" anchor="ctr">
+            <a:normAutofit/>
+          </a:bodyPr>
+          <a:lstStyle>
+            <a:lvl1pPr marL="91440" indent="-91440" algn="l" defTabSz="914400" rtl="0" eaLnBrk="1" latinLnBrk="0" hangingPunct="1">
+              <a:lnSpc>
+                <a:spcPct val="110000"/>
+              </a:lnSpc>
+              <a:spcBef>
+                <a:spcPts val="1200"/>
+              </a:spcBef>
+              <a:spcAft>
+                <a:spcPts val="200"/>
+              </a:spcAft>
+              <a:buClr>
+                <a:schemeClr val="accent1"/>
+              </a:buClr>
+              <a:buSzPct val="100000"/>
+              <a:buFont typeface="Calibri" panose="020F0502020204030204" pitchFamily="34" charset="0"/>
+              <a:buChar char=" "/>
+              <a:defRPr sz="1900" kern="1200">
+                <a:solidFill>
+                  <a:schemeClr val="tx1">
+                    <a:lumMod val="75000"/>
+                    <a:lumOff val="25000"/>
+                  </a:schemeClr>
+                </a:solidFill>
+                <a:latin typeface="+mn-lt"/>
+                <a:ea typeface="+mn-ea"/>
+                <a:cs typeface="+mn-cs"/>
+              </a:defRPr>
+            </a:lvl1pPr>
+            <a:lvl2pPr marL="384048" indent="-182880" algn="l" defTabSz="914400" rtl="0" eaLnBrk="1" latinLnBrk="0" hangingPunct="1">
+              <a:lnSpc>
+                <a:spcPct val="100000"/>
+              </a:lnSpc>
+              <a:spcBef>
+                <a:spcPts val="200"/>
+              </a:spcBef>
+              <a:spcAft>
+                <a:spcPts val="400"/>
+              </a:spcAft>
+              <a:buClrTx/>
+              <a:buFont typeface="Calibri" pitchFamily="34" charset="0"/>
+              <a:buChar char="◦"/>
+              <a:defRPr sz="1700" kern="1200">
+                <a:solidFill>
+                  <a:schemeClr val="tx1">
+                    <a:lumMod val="75000"/>
+                    <a:lumOff val="25000"/>
+                  </a:schemeClr>
+                </a:solidFill>
+                <a:latin typeface="+mn-lt"/>
+                <a:ea typeface="+mn-ea"/>
+                <a:cs typeface="+mn-cs"/>
+              </a:defRPr>
+            </a:lvl2pPr>
+            <a:lvl3pPr marL="566928" indent="-182880" algn="l" defTabSz="914400" rtl="0" eaLnBrk="1" latinLnBrk="0" hangingPunct="1">
+              <a:lnSpc>
+                <a:spcPct val="100000"/>
+              </a:lnSpc>
+              <a:spcBef>
+                <a:spcPts val="200"/>
+              </a:spcBef>
+              <a:spcAft>
+                <a:spcPts val="400"/>
+              </a:spcAft>
+              <a:buClrTx/>
+              <a:buFont typeface="Calibri" pitchFamily="34" charset="0"/>
+              <a:buChar char="◦"/>
+              <a:defRPr sz="1300" kern="1200">
+                <a:solidFill>
+                  <a:schemeClr val="tx1">
+                    <a:lumMod val="75000"/>
+                    <a:lumOff val="25000"/>
+                  </a:schemeClr>
+                </a:solidFill>
+                <a:latin typeface="+mn-lt"/>
+                <a:ea typeface="+mn-ea"/>
+                <a:cs typeface="+mn-cs"/>
+              </a:defRPr>
+            </a:lvl3pPr>
+            <a:lvl4pPr marL="749808" indent="-182880" algn="l" defTabSz="914400" rtl="0" eaLnBrk="1" latinLnBrk="0" hangingPunct="1">
+              <a:lnSpc>
+                <a:spcPct val="100000"/>
+              </a:lnSpc>
+              <a:spcBef>
+                <a:spcPts val="200"/>
+              </a:spcBef>
+              <a:spcAft>
+                <a:spcPts val="400"/>
+              </a:spcAft>
+              <a:buClrTx/>
+              <a:buFont typeface="Calibri" pitchFamily="34" charset="0"/>
+              <a:buChar char="◦"/>
+              <a:defRPr sz="1300" kern="1200">
+                <a:solidFill>
+                  <a:schemeClr val="tx1">
+                    <a:lumMod val="75000"/>
+                    <a:lumOff val="25000"/>
+                  </a:schemeClr>
+                </a:solidFill>
+                <a:latin typeface="+mn-lt"/>
+                <a:ea typeface="+mn-ea"/>
+                <a:cs typeface="+mn-cs"/>
+              </a:defRPr>
+            </a:lvl4pPr>
+            <a:lvl5pPr marL="932688" indent="-182880" algn="l" defTabSz="914400" rtl="0" eaLnBrk="1" latinLnBrk="0" hangingPunct="1">
+              <a:lnSpc>
+                <a:spcPct val="100000"/>
+              </a:lnSpc>
+              <a:spcBef>
+                <a:spcPts val="200"/>
+              </a:spcBef>
+              <a:spcAft>
+                <a:spcPts val="400"/>
+              </a:spcAft>
+              <a:buClrTx/>
+              <a:buFont typeface="Calibri" pitchFamily="34" charset="0"/>
+              <a:buChar char="◦"/>
+              <a:defRPr sz="1300" kern="1200">
+                <a:solidFill>
+                  <a:schemeClr val="tx1">
+                    <a:lumMod val="75000"/>
+                    <a:lumOff val="25000"/>
+                  </a:schemeClr>
+                </a:solidFill>
+                <a:latin typeface="+mn-lt"/>
+                <a:ea typeface="+mn-ea"/>
+                <a:cs typeface="+mn-cs"/>
+              </a:defRPr>
+            </a:lvl5pPr>
+            <a:lvl6pPr marL="1100000" indent="-228600" algn="l" defTabSz="914400" rtl="0" eaLnBrk="1" latinLnBrk="0" hangingPunct="1">
+              <a:lnSpc>
+                <a:spcPct val="90000"/>
+              </a:lnSpc>
+              <a:spcBef>
+                <a:spcPts val="200"/>
+              </a:spcBef>
+              <a:spcAft>
+                <a:spcPts val="400"/>
+              </a:spcAft>
+              <a:buClr>
+                <a:schemeClr val="accent1"/>
+              </a:buClr>
+              <a:buFont typeface="Calibri" pitchFamily="34" charset="0"/>
+              <a:buChar char="◦"/>
+              <a:defRPr sz="1400" kern="1200">
+                <a:solidFill>
+                  <a:schemeClr val="tx1">
+                    <a:lumMod val="75000"/>
+                    <a:lumOff val="25000"/>
+                  </a:schemeClr>
+                </a:solidFill>
+                <a:latin typeface="+mn-lt"/>
+                <a:ea typeface="+mn-ea"/>
+                <a:cs typeface="+mn-cs"/>
+              </a:defRPr>
+            </a:lvl6pPr>
+            <a:lvl7pPr marL="1300000" indent="-228600" algn="l" defTabSz="914400" rtl="0" eaLnBrk="1" latinLnBrk="0" hangingPunct="1">
+              <a:lnSpc>
+                <a:spcPct val="90000"/>
+              </a:lnSpc>
+              <a:spcBef>
+                <a:spcPts val="200"/>
+              </a:spcBef>
+              <a:spcAft>
+                <a:spcPts val="400"/>
+              </a:spcAft>
+              <a:buClr>
+                <a:schemeClr val="accent1"/>
+              </a:buClr>
+              <a:buFont typeface="Calibri" pitchFamily="34" charset="0"/>
+              <a:buChar char="◦"/>
+              <a:defRPr sz="1400" kern="1200">
+                <a:solidFill>
+                  <a:schemeClr val="tx1">
+                    <a:lumMod val="75000"/>
+                    <a:lumOff val="25000"/>
+                  </a:schemeClr>
+                </a:solidFill>
+                <a:latin typeface="+mn-lt"/>
+                <a:ea typeface="+mn-ea"/>
+                <a:cs typeface="+mn-cs"/>
+              </a:defRPr>
+            </a:lvl7pPr>
+            <a:lvl8pPr marL="1500000" indent="-228600" algn="l" defTabSz="914400" rtl="0" eaLnBrk="1" latinLnBrk="0" hangingPunct="1">
+              <a:lnSpc>
+                <a:spcPct val="90000"/>
+              </a:lnSpc>
+              <a:spcBef>
+                <a:spcPts val="200"/>
+              </a:spcBef>
+              <a:spcAft>
+                <a:spcPts val="400"/>
+              </a:spcAft>
+              <a:buClr>
+                <a:schemeClr val="accent1"/>
+              </a:buClr>
+              <a:buFont typeface="Calibri" pitchFamily="34" charset="0"/>
+              <a:buChar char="◦"/>
+              <a:defRPr sz="1400" kern="1200">
+                <a:solidFill>
+                  <a:schemeClr val="tx1">
+                    <a:lumMod val="75000"/>
+                    <a:lumOff val="25000"/>
+                  </a:schemeClr>
+                </a:solidFill>
+                <a:latin typeface="+mn-lt"/>
+                <a:ea typeface="+mn-ea"/>
+                <a:cs typeface="+mn-cs"/>
+              </a:defRPr>
+            </a:lvl8pPr>
+            <a:lvl9pPr marL="1700000" indent="-228600" algn="l" defTabSz="914400" rtl="0" eaLnBrk="1" latinLnBrk="0" hangingPunct="1">
+              <a:lnSpc>
+                <a:spcPct val="90000"/>
+              </a:lnSpc>
+              <a:spcBef>
+                <a:spcPts val="200"/>
+              </a:spcBef>
+              <a:spcAft>
+                <a:spcPts val="400"/>
+              </a:spcAft>
+              <a:buClr>
+                <a:schemeClr val="accent1"/>
+              </a:buClr>
+              <a:buFont typeface="Calibri" pitchFamily="34" charset="0"/>
+              <a:buChar char="◦"/>
+              <a:defRPr sz="1400" kern="1200">
+                <a:solidFill>
+                  <a:schemeClr val="tx1">
+                    <a:lumMod val="75000"/>
+                    <a:lumOff val="25000"/>
+                  </a:schemeClr>
+                </a:solidFill>
+                <a:latin typeface="+mn-lt"/>
+                <a:ea typeface="+mn-ea"/>
+                <a:cs typeface="+mn-cs"/>
+              </a:defRPr>
+            </a:lvl9pPr>
+          </a:lstStyle>
+          <a:p>
+            <a:pPr marL="0" indent="0">
+              <a:buFont typeface="Calibri" panose="020F0502020204030204" pitchFamily="34" charset="0"/>
+              <a:buNone/>
+            </a:pPr>
+            <a:r>
+              <a:rPr lang="fr-CA" dirty="0"/>
+              <a:t>Il y a trois hyperparamètres à optimiser dans le cas de la forêt aléatoire: </a:t>
+            </a:r>
+          </a:p>
+          <a:p>
+            <a:pPr>
+              <a:buFont typeface="Wingdings" panose="05000000000000000000" pitchFamily="2" charset="2"/>
+              <a:buChar char="q"/>
+            </a:pPr>
+            <a:r>
+              <a:rPr lang="fr-CA" dirty="0"/>
+              <a:t> B : Nombre d’arbres</a:t>
+            </a:r>
+          </a:p>
+          <a:p>
+            <a:pPr>
+              <a:buFont typeface="Wingdings" panose="05000000000000000000" pitchFamily="2" charset="2"/>
+              <a:buChar char="q"/>
+            </a:pPr>
+            <a:r>
+              <a:rPr lang="fr-CA" dirty="0"/>
+              <a:t> m : Nombre de variables disponibles pour la séparation de chaque arbre</a:t>
+            </a:r>
+          </a:p>
+          <a:p>
+            <a:pPr>
+              <a:buFont typeface="Wingdings" panose="05000000000000000000" pitchFamily="2" charset="2"/>
+              <a:buChar char="q"/>
+            </a:pPr>
+            <a:r>
+              <a:rPr lang="fr-CA" dirty="0"/>
+              <a:t> n : Nombre d’observations minimal dans un nœud terminal</a:t>
+            </a:r>
             <a:endParaRPr lang="en-CA" dirty="0"/>
           </a:p>
         </p:txBody>
@@ -4876,7 +5487,7 @@
     </p:spTree>
     <p:extLst>
       <p:ext uri="{BB962C8B-B14F-4D97-AF65-F5344CB8AC3E}">
-        <p14:creationId xmlns:p14="http://schemas.microsoft.com/office/powerpoint/2010/main" val="3655165667"/>
+        <p14:creationId xmlns:p14="http://schemas.microsoft.com/office/powerpoint/2010/main" val="1102128177"/>
       </p:ext>
     </p:extLst>
   </p:cSld>
@@ -4926,7 +5537,11 @@
           <a:p>
             <a:r>
               <a:rPr lang="fr-CA" dirty="0"/>
-              <a:t>Analyse des résultats pour le meilleur modèle: XXX</a:t>
+              <a:t>Gradient </a:t>
+            </a:r>
+            <a:r>
+              <a:rPr lang="fr-CA" dirty="0" err="1"/>
+              <a:t>Boosting</a:t>
             </a:r>
             <a:endParaRPr lang="en-CA" dirty="0"/>
           </a:p>
@@ -4960,7 +5575,7 @@
     </p:spTree>
     <p:extLst>
       <p:ext uri="{BB962C8B-B14F-4D97-AF65-F5344CB8AC3E}">
-        <p14:creationId xmlns:p14="http://schemas.microsoft.com/office/powerpoint/2010/main" val="3969872878"/>
+        <p14:creationId xmlns:p14="http://schemas.microsoft.com/office/powerpoint/2010/main" val="1655170980"/>
       </p:ext>
     </p:extLst>
   </p:cSld>
@@ -4992,7 +5607,7 @@
           <p:cNvPr id="2" name="Title 1">
             <a:extLst>
               <a:ext uri="{FF2B5EF4-FFF2-40B4-BE49-F238E27FC236}">
-                <a16:creationId xmlns:a16="http://schemas.microsoft.com/office/drawing/2014/main" id="{2972E3D2-B3C5-FB56-6BD1-0BD8DD76CCA3}"/>
+                <a16:creationId xmlns:a16="http://schemas.microsoft.com/office/drawing/2014/main" id="{94951D72-9FC3-B808-3CC4-B291E4C2CC30}"/>
               </a:ext>
             </a:extLst>
           </p:cNvPr>
@@ -5010,7 +5625,7 @@
           <a:p>
             <a:r>
               <a:rPr lang="fr-CA" dirty="0"/>
-              <a:t>Interprétation des résultats</a:t>
+              <a:t>Comparaison de la performance</a:t>
             </a:r>
             <a:endParaRPr lang="en-CA" dirty="0"/>
           </a:p>
@@ -5018,18 +5633,18 @@
       </p:sp>
       <p:sp>
         <p:nvSpPr>
-          <p:cNvPr id="3" name="Content Placeholder 2">
-            <a:extLst>
-              <a:ext uri="{FF2B5EF4-FFF2-40B4-BE49-F238E27FC236}">
-                <a16:creationId xmlns:a16="http://schemas.microsoft.com/office/drawing/2014/main" id="{9983E910-59CB-7ECB-46A9-68D73D0A7492}"/>
-              </a:ext>
-            </a:extLst>
-          </p:cNvPr>
-          <p:cNvSpPr>
-            <a:spLocks noGrp="1"/>
-          </p:cNvSpPr>
-          <p:nvPr>
-            <p:ph idx="1"/>
+          <p:cNvPr id="3" name="Text Placeholder 2">
+            <a:extLst>
+              <a:ext uri="{FF2B5EF4-FFF2-40B4-BE49-F238E27FC236}">
+                <a16:creationId xmlns:a16="http://schemas.microsoft.com/office/drawing/2014/main" id="{397E5634-2FEB-D3EA-B3E3-4BCB908672E1}"/>
+              </a:ext>
+            </a:extLst>
+          </p:cNvPr>
+          <p:cNvSpPr>
+            <a:spLocks noGrp="1"/>
+          </p:cNvSpPr>
+          <p:nvPr>
+            <p:ph type="body" idx="1"/>
           </p:nvPr>
         </p:nvSpPr>
         <p:spPr/>
@@ -5037,14 +5652,14 @@
           <a:bodyPr/>
           <a:lstStyle/>
           <a:p>
-            <a:endParaRPr lang="en-CA" dirty="0"/>
+            <a:endParaRPr lang="en-CA"/>
           </a:p>
         </p:txBody>
       </p:sp>
     </p:spTree>
     <p:extLst>
       <p:ext uri="{BB962C8B-B14F-4D97-AF65-F5344CB8AC3E}">
-        <p14:creationId xmlns:p14="http://schemas.microsoft.com/office/powerpoint/2010/main" val="2094673800"/>
+        <p14:creationId xmlns:p14="http://schemas.microsoft.com/office/powerpoint/2010/main" val="349769279"/>
       </p:ext>
     </p:extLst>
   </p:cSld>
@@ -5076,7 +5691,7 @@
           <p:cNvPr id="2" name="Title 1">
             <a:extLst>
               <a:ext uri="{FF2B5EF4-FFF2-40B4-BE49-F238E27FC236}">
-                <a16:creationId xmlns:a16="http://schemas.microsoft.com/office/drawing/2014/main" id="{94951D72-9FC3-B808-3CC4-B291E4C2CC30}"/>
+                <a16:creationId xmlns:a16="http://schemas.microsoft.com/office/drawing/2014/main" id="{2972E3D2-B3C5-FB56-6BD1-0BD8DD76CCA3}"/>
               </a:ext>
             </a:extLst>
           </p:cNvPr>
@@ -5094,7 +5709,7 @@
           <a:p>
             <a:r>
               <a:rPr lang="fr-CA" dirty="0"/>
-              <a:t>Conclusion</a:t>
+              <a:t>Comparaison des modèles</a:t>
             </a:r>
             <a:endParaRPr lang="en-CA" dirty="0"/>
           </a:p>
@@ -5102,18 +5717,18 @@
       </p:sp>
       <p:sp>
         <p:nvSpPr>
-          <p:cNvPr id="3" name="Text Placeholder 2">
-            <a:extLst>
-              <a:ext uri="{FF2B5EF4-FFF2-40B4-BE49-F238E27FC236}">
-                <a16:creationId xmlns:a16="http://schemas.microsoft.com/office/drawing/2014/main" id="{397E5634-2FEB-D3EA-B3E3-4BCB908672E1}"/>
-              </a:ext>
-            </a:extLst>
-          </p:cNvPr>
-          <p:cNvSpPr>
-            <a:spLocks noGrp="1"/>
-          </p:cNvSpPr>
-          <p:nvPr>
-            <p:ph type="body" idx="1"/>
+          <p:cNvPr id="3" name="Content Placeholder 2">
+            <a:extLst>
+              <a:ext uri="{FF2B5EF4-FFF2-40B4-BE49-F238E27FC236}">
+                <a16:creationId xmlns:a16="http://schemas.microsoft.com/office/drawing/2014/main" id="{9983E910-59CB-7ECB-46A9-68D73D0A7492}"/>
+              </a:ext>
+            </a:extLst>
+          </p:cNvPr>
+          <p:cNvSpPr>
+            <a:spLocks noGrp="1"/>
+          </p:cNvSpPr>
+          <p:nvPr>
+            <p:ph idx="1"/>
           </p:nvPr>
         </p:nvSpPr>
         <p:spPr/>
@@ -5121,14 +5736,14 @@
           <a:bodyPr/>
           <a:lstStyle/>
           <a:p>
-            <a:endParaRPr lang="en-CA"/>
+            <a:endParaRPr lang="en-CA" dirty="0"/>
           </a:p>
         </p:txBody>
       </p:sp>
     </p:spTree>
     <p:extLst>
       <p:ext uri="{BB962C8B-B14F-4D97-AF65-F5344CB8AC3E}">
-        <p14:creationId xmlns:p14="http://schemas.microsoft.com/office/powerpoint/2010/main" val="1717889379"/>
+        <p14:creationId xmlns:p14="http://schemas.microsoft.com/office/powerpoint/2010/main" val="3655165667"/>
       </p:ext>
     </p:extLst>
   </p:cSld>
@@ -5180,6 +5795,163 @@
               <a:rPr lang="fr-CA" dirty="0"/>
               <a:t>Plan de la présentation</a:t>
             </a:r>
+            <a:endParaRPr lang="en-CA" dirty="0"/>
+          </a:p>
+        </p:txBody>
+      </p:sp>
+      <p:sp>
+        <p:nvSpPr>
+          <p:cNvPr id="3" name="TextBox 2">
+            <a:extLst>
+              <a:ext uri="{FF2B5EF4-FFF2-40B4-BE49-F238E27FC236}">
+                <a16:creationId xmlns:a16="http://schemas.microsoft.com/office/drawing/2014/main" id="{8F7BA66B-DE45-D6C2-4FD5-DDFE4D52F15C}"/>
+              </a:ext>
+            </a:extLst>
+          </p:cNvPr>
+          <p:cNvSpPr txBox="1"/>
+          <p:nvPr/>
+        </p:nvSpPr>
+        <p:spPr>
+          <a:xfrm>
+            <a:off x="1097280" y="2002536"/>
+            <a:ext cx="9939528" cy="4832092"/>
+          </a:xfrm>
+          <a:prstGeom prst="rect">
+            <a:avLst/>
+          </a:prstGeom>
+          <a:noFill/>
+        </p:spPr>
+        <p:txBody>
+          <a:bodyPr wrap="square" rtlCol="0">
+            <a:spAutoFit/>
+          </a:bodyPr>
+          <a:lstStyle/>
+          <a:p>
+            <a:pPr marL="285750" indent="-285750">
+              <a:buFont typeface="Wingdings" panose="05000000000000000000" pitchFamily="2" charset="2"/>
+              <a:buChar char="q"/>
+            </a:pPr>
+            <a:endParaRPr lang="fr-CA" sz="2000" dirty="0"/>
+          </a:p>
+          <a:p>
+            <a:pPr marL="285750" indent="-285750">
+              <a:buFont typeface="Wingdings" panose="05000000000000000000" pitchFamily="2" charset="2"/>
+              <a:buChar char="q"/>
+            </a:pPr>
+            <a:r>
+              <a:rPr lang="fr-CA" sz="2400" dirty="0"/>
+              <a:t>P</a:t>
+            </a:r>
+            <a:r>
+              <a:rPr lang="en-CA" sz="2400" dirty="0" err="1"/>
+              <a:t>roblématique</a:t>
+            </a:r>
+            <a:endParaRPr lang="en-CA" sz="2400" dirty="0"/>
+          </a:p>
+          <a:p>
+            <a:endParaRPr lang="en-CA" sz="2400" dirty="0"/>
+          </a:p>
+          <a:p>
+            <a:pPr marL="285750" indent="-285750">
+              <a:buFont typeface="Wingdings" panose="05000000000000000000" pitchFamily="2" charset="2"/>
+              <a:buChar char="q"/>
+            </a:pPr>
+            <a:r>
+              <a:rPr lang="en-CA" sz="2400" dirty="0"/>
+              <a:t>Jeu de </a:t>
+            </a:r>
+            <a:r>
+              <a:rPr lang="en-CA" sz="2400" dirty="0" err="1"/>
+              <a:t>données</a:t>
+            </a:r>
+            <a:endParaRPr lang="en-CA" sz="2400" dirty="0"/>
+          </a:p>
+          <a:p>
+            <a:endParaRPr lang="en-CA" sz="2400" dirty="0"/>
+          </a:p>
+          <a:p>
+            <a:pPr marL="285750" indent="-285750">
+              <a:buFont typeface="Wingdings" panose="05000000000000000000" pitchFamily="2" charset="2"/>
+              <a:buChar char="q"/>
+            </a:pPr>
+            <a:r>
+              <a:rPr lang="en-CA" sz="2400" dirty="0" err="1"/>
+              <a:t>Modèles</a:t>
+            </a:r>
+            <a:r>
+              <a:rPr lang="en-CA" sz="2400" dirty="0"/>
+              <a:t> </a:t>
+            </a:r>
+            <a:r>
+              <a:rPr lang="en-CA" sz="2400" dirty="0" err="1"/>
+              <a:t>Prédictifs</a:t>
+            </a:r>
+            <a:endParaRPr lang="en-CA" sz="2400" dirty="0"/>
+          </a:p>
+          <a:p>
+            <a:pPr marL="285750" indent="-285750">
+              <a:buFont typeface="Wingdings" panose="05000000000000000000" pitchFamily="2" charset="2"/>
+              <a:buChar char="q"/>
+            </a:pPr>
+            <a:endParaRPr lang="en-CA" sz="2400" dirty="0"/>
+          </a:p>
+          <a:p>
+            <a:pPr marL="285750" indent="-285750">
+              <a:buFont typeface="Wingdings" panose="05000000000000000000" pitchFamily="2" charset="2"/>
+              <a:buChar char="q"/>
+            </a:pPr>
+            <a:r>
+              <a:rPr lang="en-CA" sz="2400" dirty="0" err="1"/>
+              <a:t>Comparaison</a:t>
+            </a:r>
+            <a:r>
+              <a:rPr lang="en-CA" sz="2400" dirty="0"/>
+              <a:t> de la performance</a:t>
+            </a:r>
+          </a:p>
+          <a:p>
+            <a:pPr marL="285750" indent="-285750">
+              <a:buFont typeface="Wingdings" panose="05000000000000000000" pitchFamily="2" charset="2"/>
+              <a:buChar char="q"/>
+            </a:pPr>
+            <a:endParaRPr lang="en-CA" sz="2400" dirty="0"/>
+          </a:p>
+          <a:p>
+            <a:pPr marL="285750" indent="-285750">
+              <a:buFont typeface="Wingdings" panose="05000000000000000000" pitchFamily="2" charset="2"/>
+              <a:buChar char="q"/>
+            </a:pPr>
+            <a:r>
+              <a:rPr lang="en-CA" sz="2400" dirty="0"/>
+              <a:t>Conclusion</a:t>
+            </a:r>
+          </a:p>
+          <a:p>
+            <a:pPr marL="742950" lvl="1" indent="-285750">
+              <a:buFont typeface="Wingdings" panose="05000000000000000000" pitchFamily="2" charset="2"/>
+              <a:buChar char="q"/>
+            </a:pPr>
+            <a:endParaRPr lang="en-CA" dirty="0"/>
+          </a:p>
+          <a:p>
+            <a:pPr marL="285750" indent="-285750">
+              <a:buFont typeface="Wingdings" panose="05000000000000000000" pitchFamily="2" charset="2"/>
+              <a:buChar char="q"/>
+            </a:pPr>
+            <a:endParaRPr lang="en-CA" dirty="0"/>
+          </a:p>
+          <a:p>
+            <a:pPr marL="285750" indent="-285750">
+              <a:buFont typeface="Wingdings" panose="05000000000000000000" pitchFamily="2" charset="2"/>
+              <a:buChar char="q"/>
+            </a:pPr>
+            <a:endParaRPr lang="en-CA" dirty="0"/>
+          </a:p>
+          <a:p>
+            <a:pPr marL="285750" indent="-285750">
+              <a:buFont typeface="Wingdings" panose="05000000000000000000" pitchFamily="2" charset="2"/>
+              <a:buChar char="q"/>
+            </a:pPr>
             <a:endParaRPr lang="en-CA" dirty="0"/>
           </a:p>
         </p:txBody>
@@ -5237,6 +6009,258 @@
           <a:p>
             <a:r>
               <a:rPr lang="fr-CA" dirty="0"/>
+              <a:t>Analyse des résultats pour le meilleur modèle: XXX</a:t>
+            </a:r>
+            <a:endParaRPr lang="en-CA" dirty="0"/>
+          </a:p>
+        </p:txBody>
+      </p:sp>
+      <p:sp>
+        <p:nvSpPr>
+          <p:cNvPr id="3" name="Content Placeholder 2">
+            <a:extLst>
+              <a:ext uri="{FF2B5EF4-FFF2-40B4-BE49-F238E27FC236}">
+                <a16:creationId xmlns:a16="http://schemas.microsoft.com/office/drawing/2014/main" id="{9983E910-59CB-7ECB-46A9-68D73D0A7492}"/>
+              </a:ext>
+            </a:extLst>
+          </p:cNvPr>
+          <p:cNvSpPr>
+            <a:spLocks noGrp="1"/>
+          </p:cNvSpPr>
+          <p:nvPr>
+            <p:ph idx="1"/>
+          </p:nvPr>
+        </p:nvSpPr>
+        <p:spPr/>
+        <p:txBody>
+          <a:bodyPr/>
+          <a:lstStyle/>
+          <a:p>
+            <a:endParaRPr lang="en-CA" dirty="0"/>
+          </a:p>
+        </p:txBody>
+      </p:sp>
+    </p:spTree>
+    <p:extLst>
+      <p:ext uri="{BB962C8B-B14F-4D97-AF65-F5344CB8AC3E}">
+        <p14:creationId xmlns:p14="http://schemas.microsoft.com/office/powerpoint/2010/main" val="3969872878"/>
+      </p:ext>
+    </p:extLst>
+  </p:cSld>
+  <p:clrMapOvr>
+    <a:masterClrMapping/>
+  </p:clrMapOvr>
+</p:sld>
+</file>
+
+<file path=ppt/slides/slide21.xml><?xml version="1.0" encoding="utf-8"?>
+<p:sld xmlns:a="http://schemas.openxmlformats.org/drawingml/2006/main" xmlns:r="http://schemas.openxmlformats.org/officeDocument/2006/relationships" xmlns:p="http://schemas.openxmlformats.org/presentationml/2006/main">
+  <p:cSld>
+    <p:spTree>
+      <p:nvGrpSpPr>
+        <p:cNvPr id="1" name=""/>
+        <p:cNvGrpSpPr/>
+        <p:nvPr/>
+      </p:nvGrpSpPr>
+      <p:grpSpPr>
+        <a:xfrm>
+          <a:off x="0" y="0"/>
+          <a:ext cx="0" cy="0"/>
+          <a:chOff x="0" y="0"/>
+          <a:chExt cx="0" cy="0"/>
+        </a:xfrm>
+      </p:grpSpPr>
+      <p:sp>
+        <p:nvSpPr>
+          <p:cNvPr id="2" name="Title 1">
+            <a:extLst>
+              <a:ext uri="{FF2B5EF4-FFF2-40B4-BE49-F238E27FC236}">
+                <a16:creationId xmlns:a16="http://schemas.microsoft.com/office/drawing/2014/main" id="{2972E3D2-B3C5-FB56-6BD1-0BD8DD76CCA3}"/>
+              </a:ext>
+            </a:extLst>
+          </p:cNvPr>
+          <p:cNvSpPr>
+            <a:spLocks noGrp="1"/>
+          </p:cNvSpPr>
+          <p:nvPr>
+            <p:ph type="title"/>
+          </p:nvPr>
+        </p:nvSpPr>
+        <p:spPr/>
+        <p:txBody>
+          <a:bodyPr/>
+          <a:lstStyle/>
+          <a:p>
+            <a:r>
+              <a:rPr lang="fr-CA" dirty="0"/>
+              <a:t>Interprétation des résultats</a:t>
+            </a:r>
+            <a:endParaRPr lang="en-CA" dirty="0"/>
+          </a:p>
+        </p:txBody>
+      </p:sp>
+      <p:sp>
+        <p:nvSpPr>
+          <p:cNvPr id="3" name="Content Placeholder 2">
+            <a:extLst>
+              <a:ext uri="{FF2B5EF4-FFF2-40B4-BE49-F238E27FC236}">
+                <a16:creationId xmlns:a16="http://schemas.microsoft.com/office/drawing/2014/main" id="{9983E910-59CB-7ECB-46A9-68D73D0A7492}"/>
+              </a:ext>
+            </a:extLst>
+          </p:cNvPr>
+          <p:cNvSpPr>
+            <a:spLocks noGrp="1"/>
+          </p:cNvSpPr>
+          <p:nvPr>
+            <p:ph idx="1"/>
+          </p:nvPr>
+        </p:nvSpPr>
+        <p:spPr/>
+        <p:txBody>
+          <a:bodyPr/>
+          <a:lstStyle/>
+          <a:p>
+            <a:endParaRPr lang="en-CA" dirty="0"/>
+          </a:p>
+        </p:txBody>
+      </p:sp>
+    </p:spTree>
+    <p:extLst>
+      <p:ext uri="{BB962C8B-B14F-4D97-AF65-F5344CB8AC3E}">
+        <p14:creationId xmlns:p14="http://schemas.microsoft.com/office/powerpoint/2010/main" val="2094673800"/>
+      </p:ext>
+    </p:extLst>
+  </p:cSld>
+  <p:clrMapOvr>
+    <a:masterClrMapping/>
+  </p:clrMapOvr>
+</p:sld>
+</file>
+
+<file path=ppt/slides/slide22.xml><?xml version="1.0" encoding="utf-8"?>
+<p:sld xmlns:a="http://schemas.openxmlformats.org/drawingml/2006/main" xmlns:r="http://schemas.openxmlformats.org/officeDocument/2006/relationships" xmlns:p="http://schemas.openxmlformats.org/presentationml/2006/main">
+  <p:cSld>
+    <p:spTree>
+      <p:nvGrpSpPr>
+        <p:cNvPr id="1" name=""/>
+        <p:cNvGrpSpPr/>
+        <p:nvPr/>
+      </p:nvGrpSpPr>
+      <p:grpSpPr>
+        <a:xfrm>
+          <a:off x="0" y="0"/>
+          <a:ext cx="0" cy="0"/>
+          <a:chOff x="0" y="0"/>
+          <a:chExt cx="0" cy="0"/>
+        </a:xfrm>
+      </p:grpSpPr>
+      <p:sp>
+        <p:nvSpPr>
+          <p:cNvPr id="2" name="Title 1">
+            <a:extLst>
+              <a:ext uri="{FF2B5EF4-FFF2-40B4-BE49-F238E27FC236}">
+                <a16:creationId xmlns:a16="http://schemas.microsoft.com/office/drawing/2014/main" id="{94951D72-9FC3-B808-3CC4-B291E4C2CC30}"/>
+              </a:ext>
+            </a:extLst>
+          </p:cNvPr>
+          <p:cNvSpPr>
+            <a:spLocks noGrp="1"/>
+          </p:cNvSpPr>
+          <p:nvPr>
+            <p:ph type="title"/>
+          </p:nvPr>
+        </p:nvSpPr>
+        <p:spPr/>
+        <p:txBody>
+          <a:bodyPr/>
+          <a:lstStyle/>
+          <a:p>
+            <a:r>
+              <a:rPr lang="fr-CA" dirty="0"/>
+              <a:t>Conclusion</a:t>
+            </a:r>
+            <a:endParaRPr lang="en-CA" dirty="0"/>
+          </a:p>
+        </p:txBody>
+      </p:sp>
+      <p:sp>
+        <p:nvSpPr>
+          <p:cNvPr id="3" name="Text Placeholder 2">
+            <a:extLst>
+              <a:ext uri="{FF2B5EF4-FFF2-40B4-BE49-F238E27FC236}">
+                <a16:creationId xmlns:a16="http://schemas.microsoft.com/office/drawing/2014/main" id="{397E5634-2FEB-D3EA-B3E3-4BCB908672E1}"/>
+              </a:ext>
+            </a:extLst>
+          </p:cNvPr>
+          <p:cNvSpPr>
+            <a:spLocks noGrp="1"/>
+          </p:cNvSpPr>
+          <p:nvPr>
+            <p:ph type="body" idx="1"/>
+          </p:nvPr>
+        </p:nvSpPr>
+        <p:spPr/>
+        <p:txBody>
+          <a:bodyPr/>
+          <a:lstStyle/>
+          <a:p>
+            <a:endParaRPr lang="en-CA"/>
+          </a:p>
+        </p:txBody>
+      </p:sp>
+    </p:spTree>
+    <p:extLst>
+      <p:ext uri="{BB962C8B-B14F-4D97-AF65-F5344CB8AC3E}">
+        <p14:creationId xmlns:p14="http://schemas.microsoft.com/office/powerpoint/2010/main" val="1717889379"/>
+      </p:ext>
+    </p:extLst>
+  </p:cSld>
+  <p:clrMapOvr>
+    <a:masterClrMapping/>
+  </p:clrMapOvr>
+</p:sld>
+</file>
+
+<file path=ppt/slides/slide23.xml><?xml version="1.0" encoding="utf-8"?>
+<p:sld xmlns:a="http://schemas.openxmlformats.org/drawingml/2006/main" xmlns:r="http://schemas.openxmlformats.org/officeDocument/2006/relationships" xmlns:p="http://schemas.openxmlformats.org/presentationml/2006/main">
+  <p:cSld>
+    <p:spTree>
+      <p:nvGrpSpPr>
+        <p:cNvPr id="1" name=""/>
+        <p:cNvGrpSpPr/>
+        <p:nvPr/>
+      </p:nvGrpSpPr>
+      <p:grpSpPr>
+        <a:xfrm>
+          <a:off x="0" y="0"/>
+          <a:ext cx="0" cy="0"/>
+          <a:chOff x="0" y="0"/>
+          <a:chExt cx="0" cy="0"/>
+        </a:xfrm>
+      </p:grpSpPr>
+      <p:sp>
+        <p:nvSpPr>
+          <p:cNvPr id="2" name="Title 1">
+            <a:extLst>
+              <a:ext uri="{FF2B5EF4-FFF2-40B4-BE49-F238E27FC236}">
+                <a16:creationId xmlns:a16="http://schemas.microsoft.com/office/drawing/2014/main" id="{2972E3D2-B3C5-FB56-6BD1-0BD8DD76CCA3}"/>
+              </a:ext>
+            </a:extLst>
+          </p:cNvPr>
+          <p:cNvSpPr>
+            <a:spLocks noGrp="1"/>
+          </p:cNvSpPr>
+          <p:nvPr>
+            <p:ph type="title"/>
+          </p:nvPr>
+        </p:nvSpPr>
+        <p:spPr/>
+        <p:txBody>
+          <a:bodyPr/>
+          <a:lstStyle/>
+          <a:p>
+            <a:r>
+              <a:rPr lang="fr-CA" dirty="0"/>
               <a:t>Bibliographie</a:t>
             </a:r>
             <a:endParaRPr lang="en-CA" dirty="0"/>
@@ -5298,6 +6322,51 @@
           <a:chExt cx="0" cy="0"/>
         </a:xfrm>
       </p:grpSpPr>
+      <p:pic>
+        <p:nvPicPr>
+          <p:cNvPr id="1026" name="Picture 2" descr="Cars and homes are engulfed by floodwaters in Pajaro, California, on Saturday.">
+            <a:extLst>
+              <a:ext uri="{FF2B5EF4-FFF2-40B4-BE49-F238E27FC236}">
+                <a16:creationId xmlns:a16="http://schemas.microsoft.com/office/drawing/2014/main" id="{25FCBAE7-3651-225A-C8E2-49EC502F6FE7}"/>
+              </a:ext>
+            </a:extLst>
+          </p:cNvPr>
+          <p:cNvPicPr>
+            <a:picLocks noChangeAspect="1" noChangeArrowheads="1"/>
+          </p:cNvPicPr>
+          <p:nvPr/>
+        </p:nvPicPr>
+        <p:blipFill rotWithShape="1">
+          <a:blip r:embed="rId2">
+            <a:extLst>
+              <a:ext uri="{28A0092B-C50C-407E-A947-70E740481C1C}">
+                <a14:useLocalDpi xmlns:a14="http://schemas.microsoft.com/office/drawing/2010/main" val="0"/>
+              </a:ext>
+            </a:extLst>
+          </a:blip>
+          <a:srcRect t="4456" b="28785"/>
+          <a:stretch/>
+        </p:blipFill>
+        <p:spPr bwMode="auto">
+          <a:xfrm>
+            <a:off x="15" y="10"/>
+            <a:ext cx="12191985" cy="4578340"/>
+          </a:xfrm>
+          <a:prstGeom prst="rect">
+            <a:avLst/>
+          </a:prstGeom>
+          <a:noFill/>
+          <a:extLst>
+            <a:ext uri="{909E8E84-426E-40DD-AFC4-6F175D3DCCD1}">
+              <a14:hiddenFill xmlns:a14="http://schemas.microsoft.com/office/drawing/2010/main">
+                <a:solidFill>
+                  <a:srgbClr val="FFFFFF"/>
+                </a:solidFill>
+              </a14:hiddenFill>
+            </a:ext>
+          </a:extLst>
+        </p:spPr>
+      </p:pic>
       <p:sp>
         <p:nvSpPr>
           <p:cNvPr id="2" name="Title 1">
@@ -5314,40 +6383,22 @@
             <p:ph type="title"/>
           </p:nvPr>
         </p:nvSpPr>
-        <p:spPr/>
-        <p:txBody>
-          <a:bodyPr/>
+        <p:spPr>
+          <a:xfrm>
+            <a:off x="1097279" y="4799362"/>
+            <a:ext cx="10113645" cy="743682"/>
+          </a:xfrm>
+        </p:spPr>
+        <p:txBody>
+          <a:bodyPr anchor="b">
+            <a:normAutofit/>
+          </a:bodyPr>
           <a:lstStyle/>
           <a:p>
             <a:r>
               <a:rPr lang="fr-CA" dirty="0"/>
               <a:t>Problématique</a:t>
             </a:r>
-            <a:endParaRPr lang="en-CA" dirty="0"/>
-          </a:p>
-        </p:txBody>
-      </p:sp>
-      <p:sp>
-        <p:nvSpPr>
-          <p:cNvPr id="3" name="Content Placeholder 2">
-            <a:extLst>
-              <a:ext uri="{FF2B5EF4-FFF2-40B4-BE49-F238E27FC236}">
-                <a16:creationId xmlns:a16="http://schemas.microsoft.com/office/drawing/2014/main" id="{9983E910-59CB-7ECB-46A9-68D73D0A7492}"/>
-              </a:ext>
-            </a:extLst>
-          </p:cNvPr>
-          <p:cNvSpPr>
-            <a:spLocks noGrp="1"/>
-          </p:cNvSpPr>
-          <p:nvPr>
-            <p:ph idx="1"/>
-          </p:nvPr>
-        </p:nvSpPr>
-        <p:spPr/>
-        <p:txBody>
-          <a:bodyPr/>
-          <a:lstStyle/>
-          <a:p>
             <a:endParaRPr lang="en-CA" dirty="0"/>
           </a:p>
         </p:txBody>

--- a/Final/Presentation_Equipe9.pptx
+++ b/Final/Presentation_Equipe9.pptx
@@ -6567,7 +6567,71 @@
           <a:bodyPr/>
           <a:lstStyle/>
           <a:p>
-            <a:endParaRPr lang="en-CA" dirty="0"/>
+            <a:pPr>
+              <a:buClr>
+                <a:schemeClr val="tx1"/>
+              </a:buClr>
+              <a:buFont typeface="Wingdings" panose="05000000000000000000" pitchFamily="2" charset="2"/>
+              <a:buChar char="q"/>
+            </a:pPr>
+            <a:r>
+              <a:rPr lang="fr-CA" sz="2400" dirty="0">
+                <a:solidFill>
+                  <a:schemeClr val="tx1"/>
+                </a:solidFill>
+              </a:rPr>
+              <a:t> Données rendues disponibles par la </a:t>
+            </a:r>
+            <a:r>
+              <a:rPr lang="fr-CA" sz="2400" dirty="0" err="1">
+                <a:solidFill>
+                  <a:schemeClr val="tx1"/>
+                </a:solidFill>
+              </a:rPr>
+              <a:t>Federal</a:t>
+            </a:r>
+            <a:r>
+              <a:rPr lang="fr-CA" sz="2400" dirty="0">
+                <a:solidFill>
+                  <a:schemeClr val="tx1"/>
+                </a:solidFill>
+              </a:rPr>
+              <a:t> Emergency Management Agency (FEMA)​</a:t>
+            </a:r>
+          </a:p>
+          <a:p>
+            <a:pPr>
+              <a:buClr>
+                <a:schemeClr val="tx1"/>
+              </a:buClr>
+            </a:pPr>
+            <a:endParaRPr lang="fr-CA" sz="2400" dirty="0">
+              <a:solidFill>
+                <a:schemeClr val="tx1"/>
+              </a:solidFill>
+            </a:endParaRPr>
+          </a:p>
+          <a:p>
+            <a:pPr>
+              <a:buClr>
+                <a:schemeClr val="tx1"/>
+              </a:buClr>
+              <a:buFont typeface="Wingdings" panose="05000000000000000000" pitchFamily="2" charset="2"/>
+              <a:buChar char="q"/>
+            </a:pPr>
+            <a:r>
+              <a:rPr lang="fr-CA" sz="2400" dirty="0">
+                <a:solidFill>
+                  <a:schemeClr val="tx1"/>
+                </a:solidFill>
+              </a:rPr>
+              <a:t> Plus de 2 millions de réclamations dues aux inondations américaines</a:t>
+            </a:r>
+            <a:endParaRPr lang="en-CA" sz="2400" dirty="0">
+              <a:solidFill>
+                <a:schemeClr val="tx1"/>
+              </a:solidFill>
+            </a:endParaRPr>
           </a:p>
         </p:txBody>
       </p:sp>
@@ -6651,6 +6715,229 @@
           <a:bodyPr/>
           <a:lstStyle/>
           <a:p>
+            <a:pPr marL="285750" marR="0" lvl="0" indent="-285750" algn="l" defTabSz="914400" rtl="0" eaLnBrk="1" fontAlgn="auto" latinLnBrk="0" hangingPunct="1">
+              <a:lnSpc>
+                <a:spcPct val="100000"/>
+              </a:lnSpc>
+              <a:spcBef>
+                <a:spcPts val="0"/>
+              </a:spcBef>
+              <a:spcAft>
+                <a:spcPts val="0"/>
+              </a:spcAft>
+              <a:buClrTx/>
+              <a:buSzTx/>
+              <a:buFont typeface="Wingdings" panose="05000000000000000000" pitchFamily="2" charset="2"/>
+              <a:buChar char="q"/>
+              <a:tabLst/>
+              <a:defRPr/>
+            </a:pPr>
+            <a:r>
+              <a:rPr lang="fr-CA" sz="2400" b="0" i="0" dirty="0">
+                <a:solidFill>
+                  <a:srgbClr val="404040"/>
+                </a:solidFill>
+                <a:effectLst/>
+                <a:latin typeface="Franklin Gothic Book" panose="020B0503020102020204" pitchFamily="34" charset="0"/>
+              </a:rPr>
+              <a:t>Données débalancées</a:t>
+            </a:r>
+          </a:p>
+          <a:p>
+            <a:pPr marL="635508" lvl="1" indent="-342900">
+              <a:spcBef>
+                <a:spcPts val="0"/>
+              </a:spcBef>
+              <a:spcAft>
+                <a:spcPts val="0"/>
+              </a:spcAft>
+              <a:buFont typeface="Wingdings" panose="05000000000000000000" pitchFamily="2" charset="2"/>
+              <a:buChar char="§"/>
+              <a:defRPr/>
+            </a:pPr>
+            <a:r>
+              <a:rPr kumimoji="0" lang="fr-CA" sz="2200" u="none" strike="noStrike" kern="1200" cap="none" spc="0" normalizeH="0" baseline="0" noProof="0" dirty="0">
+                <a:ln>
+                  <a:noFill/>
+                </a:ln>
+                <a:solidFill>
+                  <a:srgbClr val="404040"/>
+                </a:solidFill>
+                <a:uLnTx/>
+                <a:uFillTx/>
+                <a:latin typeface="Franklin Gothic Book" panose="020B0503020102020204" pitchFamily="34" charset="0"/>
+                <a:ea typeface="+mn-ea"/>
+                <a:cs typeface="+mn-cs"/>
+              </a:rPr>
+              <a:t>Grande masse en zéro</a:t>
+            </a:r>
+          </a:p>
+          <a:p>
+            <a:pPr marL="635508" lvl="1" indent="-342900">
+              <a:spcBef>
+                <a:spcPts val="0"/>
+              </a:spcBef>
+              <a:spcAft>
+                <a:spcPts val="0"/>
+              </a:spcAft>
+              <a:buFont typeface="Wingdings" panose="05000000000000000000" pitchFamily="2" charset="2"/>
+              <a:buChar char="§"/>
+              <a:defRPr/>
+            </a:pPr>
+            <a:r>
+              <a:rPr lang="fr-CA" sz="2200" b="0" i="0" dirty="0">
+                <a:solidFill>
+                  <a:srgbClr val="404040"/>
+                </a:solidFill>
+                <a:effectLst/>
+                <a:latin typeface="Franklin Gothic Book" panose="020B0503020102020204" pitchFamily="34" charset="0"/>
+              </a:rPr>
+              <a:t>Peu de grande réclamations</a:t>
+            </a:r>
+            <a:endParaRPr kumimoji="0" lang="en-CA" sz="2200" b="0" i="0" u="none" strike="noStrike" kern="1200" cap="none" spc="0" normalizeH="0" baseline="0" noProof="0" dirty="0">
+              <a:ln>
+                <a:noFill/>
+              </a:ln>
+              <a:solidFill>
+                <a:srgbClr val="000000"/>
+              </a:solidFill>
+              <a:effectLst/>
+              <a:uLnTx/>
+              <a:uFillTx/>
+              <a:latin typeface="Franklin Gothic Book" panose="020F0502020204030204"/>
+              <a:ea typeface="+mn-ea"/>
+              <a:cs typeface="+mn-cs"/>
+            </a:endParaRPr>
+          </a:p>
+          <a:p>
+            <a:pPr marL="285750" marR="0" lvl="0" indent="-285750" algn="l" defTabSz="914400" rtl="0" eaLnBrk="1" fontAlgn="auto" latinLnBrk="0" hangingPunct="1">
+              <a:lnSpc>
+                <a:spcPct val="100000"/>
+              </a:lnSpc>
+              <a:spcBef>
+                <a:spcPts val="0"/>
+              </a:spcBef>
+              <a:spcAft>
+                <a:spcPts val="0"/>
+              </a:spcAft>
+              <a:buClrTx/>
+              <a:buSzTx/>
+              <a:buFont typeface="Wingdings" panose="05000000000000000000" pitchFamily="2" charset="2"/>
+              <a:buChar char="q"/>
+              <a:tabLst/>
+              <a:defRPr/>
+            </a:pPr>
+            <a:endParaRPr kumimoji="0" lang="en-CA" sz="2400" b="0" i="0" u="none" strike="noStrike" kern="1200" cap="none" spc="0" normalizeH="0" baseline="0" noProof="0" dirty="0">
+              <a:ln>
+                <a:noFill/>
+              </a:ln>
+              <a:solidFill>
+                <a:srgbClr val="000000"/>
+              </a:solidFill>
+              <a:effectLst/>
+              <a:uLnTx/>
+              <a:uFillTx/>
+              <a:latin typeface="Franklin Gothic Book" panose="020F0502020204030204"/>
+              <a:ea typeface="+mn-ea"/>
+              <a:cs typeface="+mn-cs"/>
+            </a:endParaRPr>
+          </a:p>
+          <a:p>
+            <a:pPr marL="285750" marR="0" lvl="0" indent="-285750" algn="l" defTabSz="914400" rtl="0" eaLnBrk="1" fontAlgn="auto" latinLnBrk="0" hangingPunct="1">
+              <a:lnSpc>
+                <a:spcPct val="100000"/>
+              </a:lnSpc>
+              <a:spcBef>
+                <a:spcPts val="0"/>
+              </a:spcBef>
+              <a:spcAft>
+                <a:spcPts val="0"/>
+              </a:spcAft>
+              <a:buClrTx/>
+              <a:buSzTx/>
+              <a:buFont typeface="Wingdings" panose="05000000000000000000" pitchFamily="2" charset="2"/>
+              <a:buChar char="q"/>
+              <a:tabLst/>
+              <a:defRPr/>
+            </a:pPr>
+            <a:r>
+              <a:rPr lang="fr-CA" sz="2400" b="0" i="0" dirty="0">
+                <a:solidFill>
+                  <a:srgbClr val="404040"/>
+                </a:solidFill>
+                <a:effectLst/>
+                <a:latin typeface="Franklin Gothic Book" panose="020B0503020102020204" pitchFamily="34" charset="0"/>
+              </a:rPr>
+              <a:t>Variables explicatives</a:t>
+            </a:r>
+          </a:p>
+          <a:p>
+            <a:pPr marL="635508" lvl="1" indent="-342900">
+              <a:spcBef>
+                <a:spcPts val="0"/>
+              </a:spcBef>
+              <a:spcAft>
+                <a:spcPts val="0"/>
+              </a:spcAft>
+              <a:buFont typeface="Wingdings" panose="05000000000000000000" pitchFamily="2" charset="2"/>
+              <a:buChar char="§"/>
+              <a:defRPr/>
+            </a:pPr>
+            <a:r>
+              <a:rPr kumimoji="0" lang="fr-CA" sz="2200" u="none" strike="noStrike" kern="1200" cap="none" spc="0" normalizeH="0" baseline="0" noProof="0" dirty="0">
+                <a:ln>
+                  <a:noFill/>
+                </a:ln>
+                <a:solidFill>
+                  <a:srgbClr val="404040"/>
+                </a:solidFill>
+                <a:uLnTx/>
+                <a:uFillTx/>
+                <a:latin typeface="Franklin Gothic Book" panose="020B0503020102020204" pitchFamily="34" charset="0"/>
+                <a:ea typeface="+mn-ea"/>
+                <a:cs typeface="+mn-cs"/>
+              </a:rPr>
+              <a:t>Redondantes</a:t>
+            </a:r>
+          </a:p>
+          <a:p>
+            <a:pPr marL="635508" lvl="1" indent="-342900">
+              <a:spcBef>
+                <a:spcPts val="0"/>
+              </a:spcBef>
+              <a:spcAft>
+                <a:spcPts val="0"/>
+              </a:spcAft>
+              <a:buFont typeface="Wingdings" panose="05000000000000000000" pitchFamily="2" charset="2"/>
+              <a:buChar char="§"/>
+              <a:defRPr/>
+            </a:pPr>
+            <a:r>
+              <a:rPr lang="fr-CA" sz="2200" b="0" i="0" dirty="0">
+                <a:solidFill>
+                  <a:srgbClr val="404040"/>
+                </a:solidFill>
+                <a:effectLst/>
+                <a:latin typeface="Franklin Gothic Book" panose="020B0503020102020204" pitchFamily="34" charset="0"/>
+              </a:rPr>
+              <a:t>Manquantes en grande partie</a:t>
+            </a:r>
+            <a:endParaRPr kumimoji="0" lang="en-CA" sz="2200" b="0" i="0" u="none" strike="noStrike" kern="1200" cap="none" spc="0" normalizeH="0" baseline="0" noProof="0" dirty="0">
+              <a:ln>
+                <a:noFill/>
+              </a:ln>
+              <a:solidFill>
+                <a:srgbClr val="000000"/>
+              </a:solidFill>
+              <a:effectLst/>
+              <a:uLnTx/>
+              <a:uFillTx/>
+              <a:latin typeface="Franklin Gothic Book" panose="020F0502020204030204"/>
+              <a:ea typeface="+mn-ea"/>
+              <a:cs typeface="+mn-cs"/>
+            </a:endParaRPr>
+          </a:p>
+          <a:p>
             <a:endParaRPr lang="en-CA" dirty="0"/>
           </a:p>
         </p:txBody>
@@ -6735,6 +7022,252 @@
           <a:bodyPr/>
           <a:lstStyle/>
           <a:p>
+            <a:pPr marL="285750" marR="0" lvl="0" indent="-285750" algn="l" defTabSz="914400" rtl="0" eaLnBrk="1" fontAlgn="auto" latinLnBrk="0" hangingPunct="1">
+              <a:lnSpc>
+                <a:spcPct val="100000"/>
+              </a:lnSpc>
+              <a:spcBef>
+                <a:spcPts val="0"/>
+              </a:spcBef>
+              <a:spcAft>
+                <a:spcPts val="0"/>
+              </a:spcAft>
+              <a:buClrTx/>
+              <a:buSzTx/>
+              <a:buFont typeface="Wingdings" panose="05000000000000000000" pitchFamily="2" charset="2"/>
+              <a:buChar char="q"/>
+              <a:tabLst/>
+              <a:defRPr/>
+            </a:pPr>
+            <a:r>
+              <a:rPr lang="fr-CA" sz="2400" b="0" i="0" dirty="0">
+                <a:solidFill>
+                  <a:srgbClr val="404040"/>
+                </a:solidFill>
+                <a:effectLst/>
+                <a:latin typeface="Franklin Gothic Book" panose="020B0503020102020204" pitchFamily="34" charset="0"/>
+              </a:rPr>
+              <a:t>Sélection des observations californiennes</a:t>
+            </a:r>
+            <a:endParaRPr kumimoji="0" lang="fr-CA" sz="2200" u="none" strike="noStrike" kern="1200" cap="none" spc="0" normalizeH="0" baseline="0" noProof="0" dirty="0">
+              <a:ln>
+                <a:noFill/>
+              </a:ln>
+              <a:solidFill>
+                <a:srgbClr val="404040"/>
+              </a:solidFill>
+              <a:uLnTx/>
+              <a:uFillTx/>
+              <a:latin typeface="Franklin Gothic Book" panose="020B0503020102020204" pitchFamily="34" charset="0"/>
+              <a:ea typeface="+mn-ea"/>
+              <a:cs typeface="+mn-cs"/>
+            </a:endParaRPr>
+          </a:p>
+          <a:p>
+            <a:pPr marL="635508" lvl="1" indent="-342900">
+              <a:spcBef>
+                <a:spcPts val="0"/>
+              </a:spcBef>
+              <a:spcAft>
+                <a:spcPts val="0"/>
+              </a:spcAft>
+              <a:buFont typeface="Wingdings" panose="05000000000000000000" pitchFamily="2" charset="2"/>
+              <a:buChar char="§"/>
+              <a:defRPr/>
+            </a:pPr>
+            <a:r>
+              <a:rPr lang="fr-CA" sz="2200" b="0" i="0" dirty="0">
+                <a:solidFill>
+                  <a:srgbClr val="404040"/>
+                </a:solidFill>
+                <a:effectLst/>
+                <a:latin typeface="Franklin Gothic Book" panose="020B0503020102020204" pitchFamily="34" charset="0"/>
+              </a:rPr>
+              <a:t>50 000 données</a:t>
+            </a:r>
+            <a:endParaRPr kumimoji="0" lang="en-CA" sz="2200" b="0" i="0" u="none" strike="noStrike" kern="1200" cap="none" spc="0" normalizeH="0" baseline="0" noProof="0" dirty="0">
+              <a:ln>
+                <a:noFill/>
+              </a:ln>
+              <a:solidFill>
+                <a:srgbClr val="000000"/>
+              </a:solidFill>
+              <a:effectLst/>
+              <a:uLnTx/>
+              <a:uFillTx/>
+              <a:latin typeface="Franklin Gothic Book" panose="020F0502020204030204"/>
+              <a:ea typeface="+mn-ea"/>
+              <a:cs typeface="+mn-cs"/>
+            </a:endParaRPr>
+          </a:p>
+          <a:p>
+            <a:pPr marL="285750" marR="0" lvl="0" indent="-285750" algn="l" defTabSz="914400" rtl="0" eaLnBrk="1" fontAlgn="auto" latinLnBrk="0" hangingPunct="1">
+              <a:lnSpc>
+                <a:spcPct val="100000"/>
+              </a:lnSpc>
+              <a:spcBef>
+                <a:spcPts val="0"/>
+              </a:spcBef>
+              <a:spcAft>
+                <a:spcPts val="0"/>
+              </a:spcAft>
+              <a:buClrTx/>
+              <a:buSzTx/>
+              <a:buFont typeface="Wingdings" panose="05000000000000000000" pitchFamily="2" charset="2"/>
+              <a:buChar char="q"/>
+              <a:tabLst/>
+              <a:defRPr/>
+            </a:pPr>
+            <a:endParaRPr kumimoji="0" lang="en-CA" sz="2400" b="0" i="0" u="none" strike="noStrike" kern="1200" cap="none" spc="0" normalizeH="0" baseline="0" noProof="0" dirty="0">
+              <a:ln>
+                <a:noFill/>
+              </a:ln>
+              <a:solidFill>
+                <a:srgbClr val="000000"/>
+              </a:solidFill>
+              <a:effectLst/>
+              <a:uLnTx/>
+              <a:uFillTx/>
+              <a:latin typeface="Franklin Gothic Book" panose="020F0502020204030204"/>
+              <a:ea typeface="+mn-ea"/>
+              <a:cs typeface="+mn-cs"/>
+            </a:endParaRPr>
+          </a:p>
+          <a:p>
+            <a:pPr marL="285750" marR="0" lvl="0" indent="-285750" algn="l" defTabSz="914400" rtl="0" eaLnBrk="1" fontAlgn="auto" latinLnBrk="0" hangingPunct="1">
+              <a:lnSpc>
+                <a:spcPct val="100000"/>
+              </a:lnSpc>
+              <a:spcBef>
+                <a:spcPts val="0"/>
+              </a:spcBef>
+              <a:spcAft>
+                <a:spcPts val="0"/>
+              </a:spcAft>
+              <a:buClrTx/>
+              <a:buSzTx/>
+              <a:buFont typeface="Wingdings" panose="05000000000000000000" pitchFamily="2" charset="2"/>
+              <a:buChar char="q"/>
+              <a:tabLst/>
+              <a:defRPr/>
+            </a:pPr>
+            <a:r>
+              <a:rPr lang="fr-CA" sz="2400" b="0" i="0" dirty="0">
+                <a:solidFill>
+                  <a:srgbClr val="404040"/>
+                </a:solidFill>
+                <a:effectLst/>
+                <a:latin typeface="Franklin Gothic Book" panose="020B0503020102020204" pitchFamily="34" charset="0"/>
+              </a:rPr>
+              <a:t>Réduction du nombre de variables</a:t>
+            </a:r>
+          </a:p>
+          <a:p>
+            <a:pPr marL="635508" lvl="1" indent="-342900">
+              <a:spcBef>
+                <a:spcPts val="0"/>
+              </a:spcBef>
+              <a:spcAft>
+                <a:spcPts val="0"/>
+              </a:spcAft>
+              <a:buFont typeface="Wingdings" panose="05000000000000000000" pitchFamily="2" charset="2"/>
+              <a:buChar char="§"/>
+              <a:defRPr/>
+            </a:pPr>
+            <a:r>
+              <a:rPr kumimoji="0" lang="fr-CA" sz="2200" u="none" strike="noStrike" kern="1200" cap="none" spc="0" normalizeH="0" baseline="0" noProof="0" dirty="0">
+                <a:ln>
+                  <a:noFill/>
+                </a:ln>
+                <a:solidFill>
+                  <a:srgbClr val="404040"/>
+                </a:solidFill>
+                <a:uLnTx/>
+                <a:uFillTx/>
+                <a:latin typeface="Franklin Gothic Book" panose="020B0503020102020204" pitchFamily="34" charset="0"/>
+                <a:ea typeface="+mn-ea"/>
+                <a:cs typeface="+mn-cs"/>
+              </a:rPr>
+              <a:t>Élimination de certaines variables</a:t>
+            </a:r>
+          </a:p>
+          <a:p>
+            <a:pPr marL="635508" lvl="1" indent="-342900">
+              <a:spcBef>
+                <a:spcPts val="0"/>
+              </a:spcBef>
+              <a:spcAft>
+                <a:spcPts val="0"/>
+              </a:spcAft>
+              <a:buFont typeface="Wingdings" panose="05000000000000000000" pitchFamily="2" charset="2"/>
+              <a:buChar char="§"/>
+              <a:defRPr/>
+            </a:pPr>
+            <a:r>
+              <a:rPr lang="fr-CA" sz="2200" b="0" i="0" dirty="0">
+                <a:solidFill>
+                  <a:srgbClr val="404040"/>
+                </a:solidFill>
+                <a:effectLst/>
+                <a:latin typeface="Franklin Gothic Book" panose="020B0503020102020204" pitchFamily="34" charset="0"/>
+              </a:rPr>
+              <a:t>Tri et réduction des niveaux</a:t>
+            </a:r>
+            <a:endParaRPr kumimoji="0" lang="en-CA" sz="2200" b="0" i="0" u="none" strike="noStrike" kern="1200" cap="none" spc="0" normalizeH="0" baseline="0" noProof="0" dirty="0">
+              <a:ln>
+                <a:noFill/>
+              </a:ln>
+              <a:solidFill>
+                <a:srgbClr val="000000"/>
+              </a:solidFill>
+              <a:effectLst/>
+              <a:uLnTx/>
+              <a:uFillTx/>
+              <a:latin typeface="Franklin Gothic Book" panose="020F0502020204030204"/>
+              <a:ea typeface="+mn-ea"/>
+              <a:cs typeface="+mn-cs"/>
+            </a:endParaRPr>
+          </a:p>
+          <a:p>
+            <a:endParaRPr lang="en-CA" dirty="0"/>
+          </a:p>
+          <a:p>
+            <a:pPr marL="285750" marR="0" lvl="0" indent="-285750" algn="l" defTabSz="914400" rtl="0" eaLnBrk="1" fontAlgn="auto" latinLnBrk="0" hangingPunct="1">
+              <a:lnSpc>
+                <a:spcPct val="100000"/>
+              </a:lnSpc>
+              <a:spcBef>
+                <a:spcPts val="0"/>
+              </a:spcBef>
+              <a:spcAft>
+                <a:spcPts val="0"/>
+              </a:spcAft>
+              <a:buClrTx/>
+              <a:buSzTx/>
+              <a:buFont typeface="Wingdings" panose="05000000000000000000" pitchFamily="2" charset="2"/>
+              <a:buChar char="q"/>
+              <a:tabLst/>
+              <a:defRPr/>
+            </a:pPr>
+            <a:r>
+              <a:rPr kumimoji="0" lang="fr-CA" sz="2400" b="0" i="0" u="none" strike="noStrike" kern="1200" cap="none" spc="0" normalizeH="0" baseline="0" noProof="0" dirty="0">
+                <a:ln>
+                  <a:noFill/>
+                </a:ln>
+                <a:solidFill>
+                  <a:srgbClr val="404040"/>
+                </a:solidFill>
+                <a:effectLst/>
+                <a:uLnTx/>
+                <a:uFillTx/>
+                <a:latin typeface="Franklin Gothic Book" panose="020B0503020102020204" pitchFamily="34" charset="0"/>
+                <a:ea typeface="+mn-ea"/>
+                <a:cs typeface="+mn-cs"/>
+              </a:rPr>
+              <a:t>Imputation des données manquantes</a:t>
+            </a:r>
+          </a:p>
+          <a:p>
             <a:endParaRPr lang="en-CA" dirty="0"/>
           </a:p>
         </p:txBody>
@@ -6876,41 +7409,319 @@
           <a:p>
             <a:r>
               <a:rPr lang="fr-CA" dirty="0"/>
-              <a:t>Modèle de base : GLM </a:t>
-            </a:r>
-            <a:r>
-              <a:rPr lang="fr-CA" dirty="0" err="1"/>
+              <a:t>Modèle de base</a:t>
+            </a:r>
+            <a:endParaRPr lang="en-CA" dirty="0"/>
+          </a:p>
+        </p:txBody>
+      </p:sp>
+      <p:sp>
+        <p:nvSpPr>
+          <p:cNvPr id="3" name="Content Placeholder 2">
+            <a:extLst>
+              <a:ext uri="{FF2B5EF4-FFF2-40B4-BE49-F238E27FC236}">
+                <a16:creationId xmlns:a16="http://schemas.microsoft.com/office/drawing/2014/main" id="{9983E910-59CB-7ECB-46A9-68D73D0A7492}"/>
+              </a:ext>
+            </a:extLst>
+          </p:cNvPr>
+          <p:cNvSpPr>
+            <a:spLocks noGrp="1"/>
+          </p:cNvSpPr>
+          <p:nvPr>
+            <p:ph idx="1"/>
+          </p:nvPr>
+        </p:nvSpPr>
+        <p:spPr/>
+        <p:txBody>
+          <a:bodyPr/>
+          <a:lstStyle/>
+          <a:p>
+            <a:pPr marL="285750" marR="0" lvl="0" indent="-285750" algn="l" defTabSz="914400" rtl="0" eaLnBrk="1" fontAlgn="auto" latinLnBrk="0" hangingPunct="1">
+              <a:lnSpc>
+                <a:spcPct val="100000"/>
+              </a:lnSpc>
+              <a:spcBef>
+                <a:spcPts val="0"/>
+              </a:spcBef>
+              <a:spcAft>
+                <a:spcPts val="0"/>
+              </a:spcAft>
+              <a:buClrTx/>
+              <a:buSzTx/>
+              <a:buFont typeface="Wingdings" panose="05000000000000000000" pitchFamily="2" charset="2"/>
+              <a:buChar char="q"/>
+              <a:tabLst/>
+              <a:defRPr/>
+            </a:pPr>
+            <a:endParaRPr lang="fr-CA" sz="2400" b="0" i="0" dirty="0">
+              <a:solidFill>
+                <a:srgbClr val="404040"/>
+              </a:solidFill>
+              <a:effectLst/>
+              <a:latin typeface="Franklin Gothic Book" panose="020B0503020102020204" pitchFamily="34" charset="0"/>
+            </a:endParaRPr>
+          </a:p>
+          <a:p>
+            <a:pPr marL="285750" marR="0" lvl="0" indent="-285750" algn="l" defTabSz="914400" rtl="0" eaLnBrk="1" fontAlgn="auto" latinLnBrk="0" hangingPunct="1">
+              <a:lnSpc>
+                <a:spcPct val="100000"/>
+              </a:lnSpc>
+              <a:spcBef>
+                <a:spcPts val="0"/>
+              </a:spcBef>
+              <a:spcAft>
+                <a:spcPts val="0"/>
+              </a:spcAft>
+              <a:buClrTx/>
+              <a:buSzTx/>
+              <a:buFont typeface="Wingdings" panose="05000000000000000000" pitchFamily="2" charset="2"/>
+              <a:buChar char="q"/>
+              <a:tabLst/>
+              <a:defRPr/>
+            </a:pPr>
+            <a:endParaRPr lang="fr-CA" sz="2400" dirty="0">
+              <a:solidFill>
+                <a:srgbClr val="404040"/>
+              </a:solidFill>
+              <a:latin typeface="Franklin Gothic Book" panose="020B0503020102020204" pitchFamily="34" charset="0"/>
+            </a:endParaRPr>
+          </a:p>
+          <a:p>
+            <a:pPr marL="285750" marR="0" lvl="0" indent="-285750" algn="l" defTabSz="914400" rtl="0" eaLnBrk="1" fontAlgn="auto" latinLnBrk="0" hangingPunct="1">
+              <a:lnSpc>
+                <a:spcPct val="100000"/>
+              </a:lnSpc>
+              <a:spcBef>
+                <a:spcPts val="0"/>
+              </a:spcBef>
+              <a:spcAft>
+                <a:spcPts val="0"/>
+              </a:spcAft>
+              <a:buClrTx/>
+              <a:buSzTx/>
+              <a:buFont typeface="Wingdings" panose="05000000000000000000" pitchFamily="2" charset="2"/>
+              <a:buChar char="q"/>
+              <a:tabLst/>
+              <a:defRPr/>
+            </a:pPr>
+            <a:endParaRPr lang="fr-CA" sz="2400" b="0" i="0" dirty="0">
+              <a:solidFill>
+                <a:srgbClr val="404040"/>
+              </a:solidFill>
+              <a:effectLst/>
+              <a:latin typeface="Franklin Gothic Book" panose="020B0503020102020204" pitchFamily="34" charset="0"/>
+            </a:endParaRPr>
+          </a:p>
+          <a:p>
+            <a:pPr marL="285750" marR="0" lvl="0" indent="-285750" algn="l" defTabSz="914400" rtl="0" eaLnBrk="1" fontAlgn="auto" latinLnBrk="0" hangingPunct="1">
+              <a:lnSpc>
+                <a:spcPct val="100000"/>
+              </a:lnSpc>
+              <a:spcBef>
+                <a:spcPts val="0"/>
+              </a:spcBef>
+              <a:spcAft>
+                <a:spcPts val="0"/>
+              </a:spcAft>
+              <a:buClrTx/>
+              <a:buSzTx/>
+              <a:buFont typeface="Wingdings" panose="05000000000000000000" pitchFamily="2" charset="2"/>
+              <a:buChar char="q"/>
+              <a:tabLst/>
+              <a:defRPr/>
+            </a:pPr>
+            <a:r>
+              <a:rPr lang="fr-CA" sz="2400" b="0" i="0" dirty="0">
+                <a:solidFill>
+                  <a:srgbClr val="404040"/>
+                </a:solidFill>
+                <a:effectLst/>
+                <a:latin typeface="Franklin Gothic Book" panose="020B0503020102020204" pitchFamily="34" charset="0"/>
+              </a:rPr>
+              <a:t>Modèle linéaire généralisé</a:t>
+            </a:r>
+          </a:p>
+          <a:p>
+            <a:pPr marL="635508" lvl="1" indent="-342900">
+              <a:spcBef>
+                <a:spcPts val="0"/>
+              </a:spcBef>
+              <a:spcAft>
+                <a:spcPts val="0"/>
+              </a:spcAft>
+              <a:buFont typeface="Wingdings" panose="05000000000000000000" pitchFamily="2" charset="2"/>
+              <a:buChar char="§"/>
+              <a:defRPr/>
+            </a:pPr>
+            <a:r>
+              <a:rPr kumimoji="0" lang="fr-CA" sz="2200" u="none" strike="noStrike" kern="1200" cap="none" spc="0" normalizeH="0" baseline="0" noProof="0" dirty="0">
+                <a:ln>
+                  <a:noFill/>
+                </a:ln>
+                <a:solidFill>
+                  <a:srgbClr val="404040"/>
+                </a:solidFill>
+                <a:uLnTx/>
+                <a:uFillTx/>
+                <a:latin typeface="Franklin Gothic Book" panose="020B0503020102020204" pitchFamily="34" charset="0"/>
+                <a:ea typeface="+mn-ea"/>
+                <a:cs typeface="+mn-cs"/>
+              </a:rPr>
+              <a:t>Distribution </a:t>
+            </a:r>
+            <a:r>
+              <a:rPr kumimoji="0" lang="fr-CA" sz="2200" u="none" strike="noStrike" kern="1200" cap="none" spc="0" normalizeH="0" baseline="0" noProof="0" dirty="0" err="1">
+                <a:ln>
+                  <a:noFill/>
+                </a:ln>
+                <a:solidFill>
+                  <a:srgbClr val="404040"/>
+                </a:solidFill>
+                <a:uLnTx/>
+                <a:uFillTx/>
+                <a:latin typeface="Franklin Gothic Book" panose="020B0503020102020204" pitchFamily="34" charset="0"/>
+                <a:ea typeface="+mn-ea"/>
+                <a:cs typeface="+mn-cs"/>
+              </a:rPr>
               <a:t>Tweedie</a:t>
             </a:r>
+            <a:endParaRPr kumimoji="0" lang="fr-CA" sz="2200" u="none" strike="noStrike" kern="1200" cap="none" spc="0" normalizeH="0" baseline="0" noProof="0" dirty="0">
+              <a:ln>
+                <a:noFill/>
+              </a:ln>
+              <a:solidFill>
+                <a:srgbClr val="404040"/>
+              </a:solidFill>
+              <a:uLnTx/>
+              <a:uFillTx/>
+              <a:latin typeface="Franklin Gothic Book" panose="020B0503020102020204" pitchFamily="34" charset="0"/>
+              <a:ea typeface="+mn-ea"/>
+              <a:cs typeface="+mn-cs"/>
+            </a:endParaRPr>
+          </a:p>
+          <a:p>
+            <a:pPr marL="635508" lvl="1" indent="-342900">
+              <a:spcBef>
+                <a:spcPts val="0"/>
+              </a:spcBef>
+              <a:spcAft>
+                <a:spcPts val="0"/>
+              </a:spcAft>
+              <a:buFont typeface="Wingdings" panose="05000000000000000000" pitchFamily="2" charset="2"/>
+              <a:buChar char="§"/>
+              <a:defRPr/>
+            </a:pPr>
+            <a:r>
+              <a:rPr lang="fr-CA" sz="2200" b="0" i="0" dirty="0">
+                <a:solidFill>
+                  <a:srgbClr val="404040"/>
+                </a:solidFill>
+                <a:effectLst/>
+                <a:latin typeface="Franklin Gothic Book" panose="020B0503020102020204" pitchFamily="34" charset="0"/>
+              </a:rPr>
+              <a:t>P = 1.58836</a:t>
+            </a:r>
+            <a:endParaRPr kumimoji="0" lang="en-CA" sz="2200" b="0" i="0" u="none" strike="noStrike" kern="1200" cap="none" spc="0" normalizeH="0" baseline="0" noProof="0" dirty="0">
+              <a:ln>
+                <a:noFill/>
+              </a:ln>
+              <a:solidFill>
+                <a:srgbClr val="000000"/>
+              </a:solidFill>
+              <a:effectLst/>
+              <a:uLnTx/>
+              <a:uFillTx/>
+              <a:latin typeface="Franklin Gothic Book" panose="020F0502020204030204"/>
+              <a:ea typeface="+mn-ea"/>
+              <a:cs typeface="+mn-cs"/>
+            </a:endParaRPr>
+          </a:p>
+          <a:p>
             <a:endParaRPr lang="en-CA" dirty="0"/>
           </a:p>
         </p:txBody>
       </p:sp>
       <p:sp>
         <p:nvSpPr>
-          <p:cNvPr id="3" name="Content Placeholder 2">
-            <a:extLst>
-              <a:ext uri="{FF2B5EF4-FFF2-40B4-BE49-F238E27FC236}">
-                <a16:creationId xmlns:a16="http://schemas.microsoft.com/office/drawing/2014/main" id="{9983E910-59CB-7ECB-46A9-68D73D0A7492}"/>
-              </a:ext>
-            </a:extLst>
-          </p:cNvPr>
-          <p:cNvSpPr>
-            <a:spLocks noGrp="1"/>
-          </p:cNvSpPr>
-          <p:nvPr>
-            <p:ph idx="1"/>
-          </p:nvPr>
-        </p:nvSpPr>
-        <p:spPr/>
-        <p:txBody>
-          <a:bodyPr/>
-          <a:lstStyle/>
-          <a:p>
-            <a:endParaRPr lang="en-CA" dirty="0"/>
-          </a:p>
-        </p:txBody>
-      </p:sp>
+          <p:cNvPr id="4" name="AutoShape 2">
+            <a:extLst>
+              <a:ext uri="{FF2B5EF4-FFF2-40B4-BE49-F238E27FC236}">
+                <a16:creationId xmlns:a16="http://schemas.microsoft.com/office/drawing/2014/main" id="{2499C1C9-8506-E4DC-3425-DFDFF66AB049}"/>
+              </a:ext>
+            </a:extLst>
+          </p:cNvPr>
+          <p:cNvSpPr>
+            <a:spLocks noChangeAspect="1" noChangeArrowheads="1"/>
+          </p:cNvSpPr>
+          <p:nvPr/>
+        </p:nvSpPr>
+        <p:spPr bwMode="auto">
+          <a:xfrm>
+            <a:off x="5943600" y="3276600"/>
+            <a:ext cx="304800" cy="304800"/>
+          </a:xfrm>
+          <a:prstGeom prst="rect">
+            <a:avLst/>
+          </a:prstGeom>
+          <a:noFill/>
+          <a:extLst>
+            <a:ext uri="{909E8E84-426E-40DD-AFC4-6F175D3DCCD1}">
+              <a14:hiddenFill xmlns:a14="http://schemas.microsoft.com/office/drawing/2010/main">
+                <a:solidFill>
+                  <a:srgbClr val="FFFFFF"/>
+                </a:solidFill>
+              </a14:hiddenFill>
+            </a:ext>
+          </a:extLst>
+        </p:spPr>
+        <p:txBody>
+          <a:bodyPr vert="horz" wrap="square" lIns="91440" tIns="45720" rIns="91440" bIns="45720" numCol="1" anchor="t" anchorCtr="0" compatLnSpc="1">
+            <a:prstTxWarp prst="textNoShape">
+              <a:avLst/>
+            </a:prstTxWarp>
+          </a:bodyPr>
+          <a:lstStyle/>
+          <a:p>
+            <a:endParaRPr lang="fr-CA"/>
+          </a:p>
+        </p:txBody>
+      </p:sp>
+      <p:pic>
+        <p:nvPicPr>
+          <p:cNvPr id="8" name="Picture 7" descr="Chart&#10;&#10;Description automatically generated">
+            <a:extLst>
+              <a:ext uri="{FF2B5EF4-FFF2-40B4-BE49-F238E27FC236}">
+                <a16:creationId xmlns:a16="http://schemas.microsoft.com/office/drawing/2014/main" id="{89F76AE2-CC1D-54A7-B74B-420FFCCC7B1B}"/>
+              </a:ext>
+            </a:extLst>
+          </p:cNvPr>
+          <p:cNvPicPr>
+            <a:picLocks noChangeAspect="1"/>
+          </p:cNvPicPr>
+          <p:nvPr/>
+        </p:nvPicPr>
+        <p:blipFill>
+          <a:blip r:embed="rId2">
+            <a:extLst>
+              <a:ext uri="{28A0092B-C50C-407E-A947-70E740481C1C}">
+                <a14:useLocalDpi xmlns:a14="http://schemas.microsoft.com/office/drawing/2010/main" val="0"/>
+              </a:ext>
+            </a:extLst>
+          </a:blip>
+          <a:stretch>
+            <a:fillRect/>
+          </a:stretch>
+        </p:blipFill>
+        <p:spPr>
+          <a:xfrm>
+            <a:off x="5943600" y="2493221"/>
+            <a:ext cx="4962525" cy="2990850"/>
+          </a:xfrm>
+          <a:prstGeom prst="rect">
+            <a:avLst/>
+          </a:prstGeom>
+        </p:spPr>
+      </p:pic>
     </p:spTree>
     <p:extLst>
       <p:ext uri="{BB962C8B-B14F-4D97-AF65-F5344CB8AC3E}">

--- a/Final/Presentation_Equipe9.pptx
+++ b/Final/Presentation_Equipe9.pptx
@@ -21,13 +21,16 @@
     <p:sldId id="280" r:id="rId15"/>
     <p:sldId id="281" r:id="rId16"/>
     <p:sldId id="272" r:id="rId17"/>
-    <p:sldId id="266" r:id="rId18"/>
-    <p:sldId id="273" r:id="rId19"/>
-    <p:sldId id="274" r:id="rId20"/>
-    <p:sldId id="275" r:id="rId21"/>
-    <p:sldId id="276" r:id="rId22"/>
-    <p:sldId id="277" r:id="rId23"/>
-    <p:sldId id="278" r:id="rId24"/>
+    <p:sldId id="283" r:id="rId18"/>
+    <p:sldId id="285" r:id="rId19"/>
+    <p:sldId id="284" r:id="rId20"/>
+    <p:sldId id="266" r:id="rId21"/>
+    <p:sldId id="273" r:id="rId22"/>
+    <p:sldId id="274" r:id="rId23"/>
+    <p:sldId id="275" r:id="rId24"/>
+    <p:sldId id="276" r:id="rId25"/>
+    <p:sldId id="277" r:id="rId26"/>
+    <p:sldId id="278" r:id="rId27"/>
   </p:sldIdLst>
   <p:sldSz cx="12192000" cy="6858000"/>
   <p:notesSz cx="6858000" cy="9144000"/>
@@ -5192,7 +5195,7 @@
         </p:nvSpPr>
         <p:spPr>
           <a:xfrm>
-            <a:off x="1097280" y="2141729"/>
+            <a:off x="1097280" y="1660962"/>
             <a:ext cx="10058400" cy="3760891"/>
           </a:xfrm>
           <a:prstGeom prst="rect">
@@ -5480,7 +5483,60 @@
               <a:rPr lang="fr-CA" dirty="0"/>
               <a:t> n : Nombre d’observations minimal dans un nœud terminal</a:t>
             </a:r>
-            <a:endParaRPr lang="en-CA" dirty="0"/>
+          </a:p>
+          <a:p>
+            <a:pPr marL="0" indent="0">
+              <a:buNone/>
+            </a:pPr>
+            <a:r>
+              <a:rPr lang="en-CA" dirty="0"/>
+              <a:t>On </a:t>
+            </a:r>
+            <a:r>
+              <a:rPr lang="en-CA" dirty="0" err="1"/>
+              <a:t>utilisera</a:t>
+            </a:r>
+            <a:r>
+              <a:rPr lang="en-CA" dirty="0"/>
+              <a:t> la validation </a:t>
+            </a:r>
+            <a:r>
+              <a:rPr lang="en-CA" dirty="0" err="1"/>
+              <a:t>croisée</a:t>
+            </a:r>
+            <a:r>
+              <a:rPr lang="en-CA" dirty="0"/>
+              <a:t> à 5 </a:t>
+            </a:r>
+            <a:r>
+              <a:rPr lang="en-CA" dirty="0" err="1"/>
+              <a:t>plis</a:t>
+            </a:r>
+            <a:r>
+              <a:rPr lang="en-CA"/>
+              <a:t> sur la RMSE </a:t>
+            </a:r>
+            <a:r>
+              <a:rPr lang="en-CA" dirty="0"/>
+              <a:t>et un </a:t>
+            </a:r>
+            <a:r>
+              <a:rPr lang="en-CA" dirty="0" err="1"/>
+              <a:t>échantillon</a:t>
+            </a:r>
+            <a:r>
+              <a:rPr lang="en-CA" dirty="0"/>
+              <a:t> </a:t>
+            </a:r>
+            <a:r>
+              <a:rPr lang="en-CA" i="1" dirty="0"/>
+              <a:t>bootstrap</a:t>
+            </a:r>
+            <a:r>
+              <a:rPr lang="en-CA" dirty="0"/>
+              <a:t> de 50 %</a:t>
+            </a:r>
+            <a:endParaRPr lang="fr-CA" dirty="0"/>
           </a:p>
         </p:txBody>
       </p:sp>
@@ -5537,11 +5593,7 @@
           <a:p>
             <a:r>
               <a:rPr lang="fr-CA" dirty="0"/>
-              <a:t>Gradient </a:t>
-            </a:r>
-            <a:r>
-              <a:rPr lang="fr-CA" dirty="0" err="1"/>
-              <a:t>Boosting</a:t>
+              <a:t>Forêt aléatoire (B)</a:t>
             </a:r>
             <a:endParaRPr lang="en-CA" dirty="0"/>
           </a:p>
@@ -5549,33 +5601,322 @@
       </p:sp>
       <p:sp>
         <p:nvSpPr>
-          <p:cNvPr id="3" name="Content Placeholder 2">
-            <a:extLst>
-              <a:ext uri="{FF2B5EF4-FFF2-40B4-BE49-F238E27FC236}">
-                <a16:creationId xmlns:a16="http://schemas.microsoft.com/office/drawing/2014/main" id="{9983E910-59CB-7ECB-46A9-68D73D0A7492}"/>
-              </a:ext>
-            </a:extLst>
-          </p:cNvPr>
-          <p:cNvSpPr>
-            <a:spLocks noGrp="1"/>
-          </p:cNvSpPr>
-          <p:nvPr>
-            <p:ph idx="1"/>
-          </p:nvPr>
-        </p:nvSpPr>
-        <p:spPr/>
-        <p:txBody>
-          <a:bodyPr/>
-          <a:lstStyle/>
-          <a:p>
+          <p:cNvPr id="4" name="Content Placeholder 2">
+            <a:extLst>
+              <a:ext uri="{FF2B5EF4-FFF2-40B4-BE49-F238E27FC236}">
+                <a16:creationId xmlns:a16="http://schemas.microsoft.com/office/drawing/2014/main" id="{EB98C243-9A04-CAEF-16B1-37E1FD87468E}"/>
+              </a:ext>
+            </a:extLst>
+          </p:cNvPr>
+          <p:cNvSpPr txBox="1">
+            <a:spLocks/>
+          </p:cNvSpPr>
+          <p:nvPr/>
+        </p:nvSpPr>
+        <p:spPr>
+          <a:xfrm>
+            <a:off x="1097280" y="2141729"/>
+            <a:ext cx="4998720" cy="3760891"/>
+          </a:xfrm>
+          <a:prstGeom prst="rect">
+            <a:avLst/>
+          </a:prstGeom>
+        </p:spPr>
+        <p:txBody>
+          <a:bodyPr vert="horz" lIns="0" tIns="45720" rIns="0" bIns="45720" rtlCol="0" anchor="ctr">
+            <a:normAutofit/>
+          </a:bodyPr>
+          <a:lstStyle>
+            <a:lvl1pPr marL="91440" indent="-91440" algn="l" defTabSz="914400" rtl="0" eaLnBrk="1" latinLnBrk="0" hangingPunct="1">
+              <a:lnSpc>
+                <a:spcPct val="110000"/>
+              </a:lnSpc>
+              <a:spcBef>
+                <a:spcPts val="1200"/>
+              </a:spcBef>
+              <a:spcAft>
+                <a:spcPts val="200"/>
+              </a:spcAft>
+              <a:buClr>
+                <a:schemeClr val="accent1"/>
+              </a:buClr>
+              <a:buSzPct val="100000"/>
+              <a:buFont typeface="Calibri" panose="020F0502020204030204" pitchFamily="34" charset="0"/>
+              <a:buChar char=" "/>
+              <a:defRPr sz="1900" kern="1200">
+                <a:solidFill>
+                  <a:schemeClr val="tx1">
+                    <a:lumMod val="75000"/>
+                    <a:lumOff val="25000"/>
+                  </a:schemeClr>
+                </a:solidFill>
+                <a:latin typeface="+mn-lt"/>
+                <a:ea typeface="+mn-ea"/>
+                <a:cs typeface="+mn-cs"/>
+              </a:defRPr>
+            </a:lvl1pPr>
+            <a:lvl2pPr marL="384048" indent="-182880" algn="l" defTabSz="914400" rtl="0" eaLnBrk="1" latinLnBrk="0" hangingPunct="1">
+              <a:lnSpc>
+                <a:spcPct val="100000"/>
+              </a:lnSpc>
+              <a:spcBef>
+                <a:spcPts val="200"/>
+              </a:spcBef>
+              <a:spcAft>
+                <a:spcPts val="400"/>
+              </a:spcAft>
+              <a:buClrTx/>
+              <a:buFont typeface="Calibri" pitchFamily="34" charset="0"/>
+              <a:buChar char="◦"/>
+              <a:defRPr sz="1700" kern="1200">
+                <a:solidFill>
+                  <a:schemeClr val="tx1">
+                    <a:lumMod val="75000"/>
+                    <a:lumOff val="25000"/>
+                  </a:schemeClr>
+                </a:solidFill>
+                <a:latin typeface="+mn-lt"/>
+                <a:ea typeface="+mn-ea"/>
+                <a:cs typeface="+mn-cs"/>
+              </a:defRPr>
+            </a:lvl2pPr>
+            <a:lvl3pPr marL="566928" indent="-182880" algn="l" defTabSz="914400" rtl="0" eaLnBrk="1" latinLnBrk="0" hangingPunct="1">
+              <a:lnSpc>
+                <a:spcPct val="100000"/>
+              </a:lnSpc>
+              <a:spcBef>
+                <a:spcPts val="200"/>
+              </a:spcBef>
+              <a:spcAft>
+                <a:spcPts val="400"/>
+              </a:spcAft>
+              <a:buClrTx/>
+              <a:buFont typeface="Calibri" pitchFamily="34" charset="0"/>
+              <a:buChar char="◦"/>
+              <a:defRPr sz="1300" kern="1200">
+                <a:solidFill>
+                  <a:schemeClr val="tx1">
+                    <a:lumMod val="75000"/>
+                    <a:lumOff val="25000"/>
+                  </a:schemeClr>
+                </a:solidFill>
+                <a:latin typeface="+mn-lt"/>
+                <a:ea typeface="+mn-ea"/>
+                <a:cs typeface="+mn-cs"/>
+              </a:defRPr>
+            </a:lvl3pPr>
+            <a:lvl4pPr marL="749808" indent="-182880" algn="l" defTabSz="914400" rtl="0" eaLnBrk="1" latinLnBrk="0" hangingPunct="1">
+              <a:lnSpc>
+                <a:spcPct val="100000"/>
+              </a:lnSpc>
+              <a:spcBef>
+                <a:spcPts val="200"/>
+              </a:spcBef>
+              <a:spcAft>
+                <a:spcPts val="400"/>
+              </a:spcAft>
+              <a:buClrTx/>
+              <a:buFont typeface="Calibri" pitchFamily="34" charset="0"/>
+              <a:buChar char="◦"/>
+              <a:defRPr sz="1300" kern="1200">
+                <a:solidFill>
+                  <a:schemeClr val="tx1">
+                    <a:lumMod val="75000"/>
+                    <a:lumOff val="25000"/>
+                  </a:schemeClr>
+                </a:solidFill>
+                <a:latin typeface="+mn-lt"/>
+                <a:ea typeface="+mn-ea"/>
+                <a:cs typeface="+mn-cs"/>
+              </a:defRPr>
+            </a:lvl4pPr>
+            <a:lvl5pPr marL="932688" indent="-182880" algn="l" defTabSz="914400" rtl="0" eaLnBrk="1" latinLnBrk="0" hangingPunct="1">
+              <a:lnSpc>
+                <a:spcPct val="100000"/>
+              </a:lnSpc>
+              <a:spcBef>
+                <a:spcPts val="200"/>
+              </a:spcBef>
+              <a:spcAft>
+                <a:spcPts val="400"/>
+              </a:spcAft>
+              <a:buClrTx/>
+              <a:buFont typeface="Calibri" pitchFamily="34" charset="0"/>
+              <a:buChar char="◦"/>
+              <a:defRPr sz="1300" kern="1200">
+                <a:solidFill>
+                  <a:schemeClr val="tx1">
+                    <a:lumMod val="75000"/>
+                    <a:lumOff val="25000"/>
+                  </a:schemeClr>
+                </a:solidFill>
+                <a:latin typeface="+mn-lt"/>
+                <a:ea typeface="+mn-ea"/>
+                <a:cs typeface="+mn-cs"/>
+              </a:defRPr>
+            </a:lvl5pPr>
+            <a:lvl6pPr marL="1100000" indent="-228600" algn="l" defTabSz="914400" rtl="0" eaLnBrk="1" latinLnBrk="0" hangingPunct="1">
+              <a:lnSpc>
+                <a:spcPct val="90000"/>
+              </a:lnSpc>
+              <a:spcBef>
+                <a:spcPts val="200"/>
+              </a:spcBef>
+              <a:spcAft>
+                <a:spcPts val="400"/>
+              </a:spcAft>
+              <a:buClr>
+                <a:schemeClr val="accent1"/>
+              </a:buClr>
+              <a:buFont typeface="Calibri" pitchFamily="34" charset="0"/>
+              <a:buChar char="◦"/>
+              <a:defRPr sz="1400" kern="1200">
+                <a:solidFill>
+                  <a:schemeClr val="tx1">
+                    <a:lumMod val="75000"/>
+                    <a:lumOff val="25000"/>
+                  </a:schemeClr>
+                </a:solidFill>
+                <a:latin typeface="+mn-lt"/>
+                <a:ea typeface="+mn-ea"/>
+                <a:cs typeface="+mn-cs"/>
+              </a:defRPr>
+            </a:lvl6pPr>
+            <a:lvl7pPr marL="1300000" indent="-228600" algn="l" defTabSz="914400" rtl="0" eaLnBrk="1" latinLnBrk="0" hangingPunct="1">
+              <a:lnSpc>
+                <a:spcPct val="90000"/>
+              </a:lnSpc>
+              <a:spcBef>
+                <a:spcPts val="200"/>
+              </a:spcBef>
+              <a:spcAft>
+                <a:spcPts val="400"/>
+              </a:spcAft>
+              <a:buClr>
+                <a:schemeClr val="accent1"/>
+              </a:buClr>
+              <a:buFont typeface="Calibri" pitchFamily="34" charset="0"/>
+              <a:buChar char="◦"/>
+              <a:defRPr sz="1400" kern="1200">
+                <a:solidFill>
+                  <a:schemeClr val="tx1">
+                    <a:lumMod val="75000"/>
+                    <a:lumOff val="25000"/>
+                  </a:schemeClr>
+                </a:solidFill>
+                <a:latin typeface="+mn-lt"/>
+                <a:ea typeface="+mn-ea"/>
+                <a:cs typeface="+mn-cs"/>
+              </a:defRPr>
+            </a:lvl7pPr>
+            <a:lvl8pPr marL="1500000" indent="-228600" algn="l" defTabSz="914400" rtl="0" eaLnBrk="1" latinLnBrk="0" hangingPunct="1">
+              <a:lnSpc>
+                <a:spcPct val="90000"/>
+              </a:lnSpc>
+              <a:spcBef>
+                <a:spcPts val="200"/>
+              </a:spcBef>
+              <a:spcAft>
+                <a:spcPts val="400"/>
+              </a:spcAft>
+              <a:buClr>
+                <a:schemeClr val="accent1"/>
+              </a:buClr>
+              <a:buFont typeface="Calibri" pitchFamily="34" charset="0"/>
+              <a:buChar char="◦"/>
+              <a:defRPr sz="1400" kern="1200">
+                <a:solidFill>
+                  <a:schemeClr val="tx1">
+                    <a:lumMod val="75000"/>
+                    <a:lumOff val="25000"/>
+                  </a:schemeClr>
+                </a:solidFill>
+                <a:latin typeface="+mn-lt"/>
+                <a:ea typeface="+mn-ea"/>
+                <a:cs typeface="+mn-cs"/>
+              </a:defRPr>
+            </a:lvl8pPr>
+            <a:lvl9pPr marL="1700000" indent="-228600" algn="l" defTabSz="914400" rtl="0" eaLnBrk="1" latinLnBrk="0" hangingPunct="1">
+              <a:lnSpc>
+                <a:spcPct val="90000"/>
+              </a:lnSpc>
+              <a:spcBef>
+                <a:spcPts val="200"/>
+              </a:spcBef>
+              <a:spcAft>
+                <a:spcPts val="400"/>
+              </a:spcAft>
+              <a:buClr>
+                <a:schemeClr val="accent1"/>
+              </a:buClr>
+              <a:buFont typeface="Calibri" pitchFamily="34" charset="0"/>
+              <a:buChar char="◦"/>
+              <a:defRPr sz="1400" kern="1200">
+                <a:solidFill>
+                  <a:schemeClr val="tx1">
+                    <a:lumMod val="75000"/>
+                    <a:lumOff val="25000"/>
+                  </a:schemeClr>
+                </a:solidFill>
+                <a:latin typeface="+mn-lt"/>
+                <a:ea typeface="+mn-ea"/>
+                <a:cs typeface="+mn-cs"/>
+              </a:defRPr>
+            </a:lvl9pPr>
+          </a:lstStyle>
+          <a:p>
+            <a:pPr>
+              <a:buFont typeface="Wingdings" panose="05000000000000000000" pitchFamily="2" charset="2"/>
+              <a:buChar char="q"/>
+            </a:pPr>
+            <a:r>
+              <a:rPr lang="fr-CA" dirty="0"/>
+              <a:t>Une valeur de B = 200 stabilise la RMSE</a:t>
+            </a:r>
             <a:endParaRPr lang="en-CA" dirty="0"/>
           </a:p>
         </p:txBody>
       </p:sp>
+      <p:pic>
+        <p:nvPicPr>
+          <p:cNvPr id="5" name="Picture 4" descr="Chart">
+            <a:extLst>
+              <a:ext uri="{FF2B5EF4-FFF2-40B4-BE49-F238E27FC236}">
+                <a16:creationId xmlns:a16="http://schemas.microsoft.com/office/drawing/2014/main" id="{D5E62E22-5BF9-E2E0-9A64-A9610FA2B2B5}"/>
+              </a:ext>
+            </a:extLst>
+          </p:cNvPr>
+          <p:cNvPicPr>
+            <a:picLocks noChangeAspect="1"/>
+          </p:cNvPicPr>
+          <p:nvPr/>
+        </p:nvPicPr>
+        <p:blipFill>
+          <a:blip r:embed="rId2">
+            <a:extLst>
+              <a:ext uri="{28A0092B-C50C-407E-A947-70E740481C1C}">
+                <a14:useLocalDpi xmlns:a14="http://schemas.microsoft.com/office/drawing/2010/main" val="0"/>
+              </a:ext>
+            </a:extLst>
+          </a:blip>
+          <a:stretch>
+            <a:fillRect/>
+          </a:stretch>
+        </p:blipFill>
+        <p:spPr>
+          <a:xfrm>
+            <a:off x="6126988" y="2052615"/>
+            <a:ext cx="5633232" cy="4065381"/>
+          </a:xfrm>
+          <a:prstGeom prst="rect">
+            <a:avLst/>
+          </a:prstGeom>
+        </p:spPr>
+      </p:pic>
     </p:spTree>
     <p:extLst>
       <p:ext uri="{BB962C8B-B14F-4D97-AF65-F5344CB8AC3E}">
-        <p14:creationId xmlns:p14="http://schemas.microsoft.com/office/powerpoint/2010/main" val="1655170980"/>
+        <p14:creationId xmlns:p14="http://schemas.microsoft.com/office/powerpoint/2010/main" val="1981327458"/>
       </p:ext>
     </p:extLst>
   </p:cSld>
@@ -5607,7 +5948,7 @@
           <p:cNvPr id="2" name="Title 1">
             <a:extLst>
               <a:ext uri="{FF2B5EF4-FFF2-40B4-BE49-F238E27FC236}">
-                <a16:creationId xmlns:a16="http://schemas.microsoft.com/office/drawing/2014/main" id="{94951D72-9FC3-B808-3CC4-B291E4C2CC30}"/>
+                <a16:creationId xmlns:a16="http://schemas.microsoft.com/office/drawing/2014/main" id="{2972E3D2-B3C5-FB56-6BD1-0BD8DD76CCA3}"/>
               </a:ext>
             </a:extLst>
           </p:cNvPr>
@@ -5625,7 +5966,7 @@
           <a:p>
             <a:r>
               <a:rPr lang="fr-CA" dirty="0"/>
-              <a:t>Comparaison de la performance</a:t>
+              <a:t>Forêt aléatoire (m)</a:t>
             </a:r>
             <a:endParaRPr lang="en-CA" dirty="0"/>
           </a:p>
@@ -5633,33 +5974,328 @@
       </p:sp>
       <p:sp>
         <p:nvSpPr>
-          <p:cNvPr id="3" name="Text Placeholder 2">
-            <a:extLst>
-              <a:ext uri="{FF2B5EF4-FFF2-40B4-BE49-F238E27FC236}">
-                <a16:creationId xmlns:a16="http://schemas.microsoft.com/office/drawing/2014/main" id="{397E5634-2FEB-D3EA-B3E3-4BCB908672E1}"/>
-              </a:ext>
-            </a:extLst>
-          </p:cNvPr>
-          <p:cNvSpPr>
-            <a:spLocks noGrp="1"/>
-          </p:cNvSpPr>
-          <p:nvPr>
-            <p:ph type="body" idx="1"/>
-          </p:nvPr>
-        </p:nvSpPr>
-        <p:spPr/>
-        <p:txBody>
-          <a:bodyPr/>
-          <a:lstStyle/>
-          <a:p>
-            <a:endParaRPr lang="en-CA"/>
-          </a:p>
-        </p:txBody>
-      </p:sp>
+          <p:cNvPr id="4" name="Content Placeholder 2">
+            <a:extLst>
+              <a:ext uri="{FF2B5EF4-FFF2-40B4-BE49-F238E27FC236}">
+                <a16:creationId xmlns:a16="http://schemas.microsoft.com/office/drawing/2014/main" id="{EB98C243-9A04-CAEF-16B1-37E1FD87468E}"/>
+              </a:ext>
+            </a:extLst>
+          </p:cNvPr>
+          <p:cNvSpPr txBox="1">
+            <a:spLocks/>
+          </p:cNvSpPr>
+          <p:nvPr/>
+        </p:nvSpPr>
+        <p:spPr>
+          <a:xfrm>
+            <a:off x="1097280" y="2141729"/>
+            <a:ext cx="4998720" cy="3760891"/>
+          </a:xfrm>
+          <a:prstGeom prst="rect">
+            <a:avLst/>
+          </a:prstGeom>
+        </p:spPr>
+        <p:txBody>
+          <a:bodyPr vert="horz" lIns="0" tIns="45720" rIns="0" bIns="45720" rtlCol="0" anchor="ctr">
+            <a:normAutofit/>
+          </a:bodyPr>
+          <a:lstStyle>
+            <a:lvl1pPr marL="91440" indent="-91440" algn="l" defTabSz="914400" rtl="0" eaLnBrk="1" latinLnBrk="0" hangingPunct="1">
+              <a:lnSpc>
+                <a:spcPct val="110000"/>
+              </a:lnSpc>
+              <a:spcBef>
+                <a:spcPts val="1200"/>
+              </a:spcBef>
+              <a:spcAft>
+                <a:spcPts val="200"/>
+              </a:spcAft>
+              <a:buClr>
+                <a:schemeClr val="accent1"/>
+              </a:buClr>
+              <a:buSzPct val="100000"/>
+              <a:buFont typeface="Calibri" panose="020F0502020204030204" pitchFamily="34" charset="0"/>
+              <a:buChar char=" "/>
+              <a:defRPr sz="1900" kern="1200">
+                <a:solidFill>
+                  <a:schemeClr val="tx1">
+                    <a:lumMod val="75000"/>
+                    <a:lumOff val="25000"/>
+                  </a:schemeClr>
+                </a:solidFill>
+                <a:latin typeface="+mn-lt"/>
+                <a:ea typeface="+mn-ea"/>
+                <a:cs typeface="+mn-cs"/>
+              </a:defRPr>
+            </a:lvl1pPr>
+            <a:lvl2pPr marL="384048" indent="-182880" algn="l" defTabSz="914400" rtl="0" eaLnBrk="1" latinLnBrk="0" hangingPunct="1">
+              <a:lnSpc>
+                <a:spcPct val="100000"/>
+              </a:lnSpc>
+              <a:spcBef>
+                <a:spcPts val="200"/>
+              </a:spcBef>
+              <a:spcAft>
+                <a:spcPts val="400"/>
+              </a:spcAft>
+              <a:buClrTx/>
+              <a:buFont typeface="Calibri" pitchFamily="34" charset="0"/>
+              <a:buChar char="◦"/>
+              <a:defRPr sz="1700" kern="1200">
+                <a:solidFill>
+                  <a:schemeClr val="tx1">
+                    <a:lumMod val="75000"/>
+                    <a:lumOff val="25000"/>
+                  </a:schemeClr>
+                </a:solidFill>
+                <a:latin typeface="+mn-lt"/>
+                <a:ea typeface="+mn-ea"/>
+                <a:cs typeface="+mn-cs"/>
+              </a:defRPr>
+            </a:lvl2pPr>
+            <a:lvl3pPr marL="566928" indent="-182880" algn="l" defTabSz="914400" rtl="0" eaLnBrk="1" latinLnBrk="0" hangingPunct="1">
+              <a:lnSpc>
+                <a:spcPct val="100000"/>
+              </a:lnSpc>
+              <a:spcBef>
+                <a:spcPts val="200"/>
+              </a:spcBef>
+              <a:spcAft>
+                <a:spcPts val="400"/>
+              </a:spcAft>
+              <a:buClrTx/>
+              <a:buFont typeface="Calibri" pitchFamily="34" charset="0"/>
+              <a:buChar char="◦"/>
+              <a:defRPr sz="1300" kern="1200">
+                <a:solidFill>
+                  <a:schemeClr val="tx1">
+                    <a:lumMod val="75000"/>
+                    <a:lumOff val="25000"/>
+                  </a:schemeClr>
+                </a:solidFill>
+                <a:latin typeface="+mn-lt"/>
+                <a:ea typeface="+mn-ea"/>
+                <a:cs typeface="+mn-cs"/>
+              </a:defRPr>
+            </a:lvl3pPr>
+            <a:lvl4pPr marL="749808" indent="-182880" algn="l" defTabSz="914400" rtl="0" eaLnBrk="1" latinLnBrk="0" hangingPunct="1">
+              <a:lnSpc>
+                <a:spcPct val="100000"/>
+              </a:lnSpc>
+              <a:spcBef>
+                <a:spcPts val="200"/>
+              </a:spcBef>
+              <a:spcAft>
+                <a:spcPts val="400"/>
+              </a:spcAft>
+              <a:buClrTx/>
+              <a:buFont typeface="Calibri" pitchFamily="34" charset="0"/>
+              <a:buChar char="◦"/>
+              <a:defRPr sz="1300" kern="1200">
+                <a:solidFill>
+                  <a:schemeClr val="tx1">
+                    <a:lumMod val="75000"/>
+                    <a:lumOff val="25000"/>
+                  </a:schemeClr>
+                </a:solidFill>
+                <a:latin typeface="+mn-lt"/>
+                <a:ea typeface="+mn-ea"/>
+                <a:cs typeface="+mn-cs"/>
+              </a:defRPr>
+            </a:lvl4pPr>
+            <a:lvl5pPr marL="932688" indent="-182880" algn="l" defTabSz="914400" rtl="0" eaLnBrk="1" latinLnBrk="0" hangingPunct="1">
+              <a:lnSpc>
+                <a:spcPct val="100000"/>
+              </a:lnSpc>
+              <a:spcBef>
+                <a:spcPts val="200"/>
+              </a:spcBef>
+              <a:spcAft>
+                <a:spcPts val="400"/>
+              </a:spcAft>
+              <a:buClrTx/>
+              <a:buFont typeface="Calibri" pitchFamily="34" charset="0"/>
+              <a:buChar char="◦"/>
+              <a:defRPr sz="1300" kern="1200">
+                <a:solidFill>
+                  <a:schemeClr val="tx1">
+                    <a:lumMod val="75000"/>
+                    <a:lumOff val="25000"/>
+                  </a:schemeClr>
+                </a:solidFill>
+                <a:latin typeface="+mn-lt"/>
+                <a:ea typeface="+mn-ea"/>
+                <a:cs typeface="+mn-cs"/>
+              </a:defRPr>
+            </a:lvl5pPr>
+            <a:lvl6pPr marL="1100000" indent="-228600" algn="l" defTabSz="914400" rtl="0" eaLnBrk="1" latinLnBrk="0" hangingPunct="1">
+              <a:lnSpc>
+                <a:spcPct val="90000"/>
+              </a:lnSpc>
+              <a:spcBef>
+                <a:spcPts val="200"/>
+              </a:spcBef>
+              <a:spcAft>
+                <a:spcPts val="400"/>
+              </a:spcAft>
+              <a:buClr>
+                <a:schemeClr val="accent1"/>
+              </a:buClr>
+              <a:buFont typeface="Calibri" pitchFamily="34" charset="0"/>
+              <a:buChar char="◦"/>
+              <a:defRPr sz="1400" kern="1200">
+                <a:solidFill>
+                  <a:schemeClr val="tx1">
+                    <a:lumMod val="75000"/>
+                    <a:lumOff val="25000"/>
+                  </a:schemeClr>
+                </a:solidFill>
+                <a:latin typeface="+mn-lt"/>
+                <a:ea typeface="+mn-ea"/>
+                <a:cs typeface="+mn-cs"/>
+              </a:defRPr>
+            </a:lvl6pPr>
+            <a:lvl7pPr marL="1300000" indent="-228600" algn="l" defTabSz="914400" rtl="0" eaLnBrk="1" latinLnBrk="0" hangingPunct="1">
+              <a:lnSpc>
+                <a:spcPct val="90000"/>
+              </a:lnSpc>
+              <a:spcBef>
+                <a:spcPts val="200"/>
+              </a:spcBef>
+              <a:spcAft>
+                <a:spcPts val="400"/>
+              </a:spcAft>
+              <a:buClr>
+                <a:schemeClr val="accent1"/>
+              </a:buClr>
+              <a:buFont typeface="Calibri" pitchFamily="34" charset="0"/>
+              <a:buChar char="◦"/>
+              <a:defRPr sz="1400" kern="1200">
+                <a:solidFill>
+                  <a:schemeClr val="tx1">
+                    <a:lumMod val="75000"/>
+                    <a:lumOff val="25000"/>
+                  </a:schemeClr>
+                </a:solidFill>
+                <a:latin typeface="+mn-lt"/>
+                <a:ea typeface="+mn-ea"/>
+                <a:cs typeface="+mn-cs"/>
+              </a:defRPr>
+            </a:lvl7pPr>
+            <a:lvl8pPr marL="1500000" indent="-228600" algn="l" defTabSz="914400" rtl="0" eaLnBrk="1" latinLnBrk="0" hangingPunct="1">
+              <a:lnSpc>
+                <a:spcPct val="90000"/>
+              </a:lnSpc>
+              <a:spcBef>
+                <a:spcPts val="200"/>
+              </a:spcBef>
+              <a:spcAft>
+                <a:spcPts val="400"/>
+              </a:spcAft>
+              <a:buClr>
+                <a:schemeClr val="accent1"/>
+              </a:buClr>
+              <a:buFont typeface="Calibri" pitchFamily="34" charset="0"/>
+              <a:buChar char="◦"/>
+              <a:defRPr sz="1400" kern="1200">
+                <a:solidFill>
+                  <a:schemeClr val="tx1">
+                    <a:lumMod val="75000"/>
+                    <a:lumOff val="25000"/>
+                  </a:schemeClr>
+                </a:solidFill>
+                <a:latin typeface="+mn-lt"/>
+                <a:ea typeface="+mn-ea"/>
+                <a:cs typeface="+mn-cs"/>
+              </a:defRPr>
+            </a:lvl8pPr>
+            <a:lvl9pPr marL="1700000" indent="-228600" algn="l" defTabSz="914400" rtl="0" eaLnBrk="1" latinLnBrk="0" hangingPunct="1">
+              <a:lnSpc>
+                <a:spcPct val="90000"/>
+              </a:lnSpc>
+              <a:spcBef>
+                <a:spcPts val="200"/>
+              </a:spcBef>
+              <a:spcAft>
+                <a:spcPts val="400"/>
+              </a:spcAft>
+              <a:buClr>
+                <a:schemeClr val="accent1"/>
+              </a:buClr>
+              <a:buFont typeface="Calibri" pitchFamily="34" charset="0"/>
+              <a:buChar char="◦"/>
+              <a:defRPr sz="1400" kern="1200">
+                <a:solidFill>
+                  <a:schemeClr val="tx1">
+                    <a:lumMod val="75000"/>
+                    <a:lumOff val="25000"/>
+                  </a:schemeClr>
+                </a:solidFill>
+                <a:latin typeface="+mn-lt"/>
+                <a:ea typeface="+mn-ea"/>
+                <a:cs typeface="+mn-cs"/>
+              </a:defRPr>
+            </a:lvl9pPr>
+          </a:lstStyle>
+          <a:p>
+            <a:pPr>
+              <a:buFont typeface="Wingdings" panose="05000000000000000000" pitchFamily="2" charset="2"/>
+              <a:buChar char="q"/>
+            </a:pPr>
+            <a:r>
+              <a:rPr lang="fr-CA" sz="1800" b="0" i="0" dirty="0">
+                <a:solidFill>
+                  <a:srgbClr val="404040"/>
+                </a:solidFill>
+                <a:effectLst/>
+                <a:latin typeface="Franklin Gothic Book" panose="020B0503020102020204" pitchFamily="34" charset="0"/>
+              </a:rPr>
+              <a:t>8 choix de variables à chaque nœud (m = 8), minimise la RMSE</a:t>
+            </a:r>
+            <a:endParaRPr lang="en-CA" dirty="0"/>
+          </a:p>
+        </p:txBody>
+      </p:sp>
+      <p:pic>
+        <p:nvPicPr>
+          <p:cNvPr id="6" name="Picture 5" descr="Chart, line chart, histogram&#10;&#10;Description automatically generated">
+            <a:extLst>
+              <a:ext uri="{FF2B5EF4-FFF2-40B4-BE49-F238E27FC236}">
+                <a16:creationId xmlns:a16="http://schemas.microsoft.com/office/drawing/2014/main" id="{5A2D8945-DC01-F016-34DB-F7D76BA821E2}"/>
+              </a:ext>
+            </a:extLst>
+          </p:cNvPr>
+          <p:cNvPicPr>
+            <a:picLocks noChangeAspect="1"/>
+          </p:cNvPicPr>
+          <p:nvPr/>
+        </p:nvPicPr>
+        <p:blipFill>
+          <a:blip r:embed="rId2">
+            <a:extLst>
+              <a:ext uri="{28A0092B-C50C-407E-A947-70E740481C1C}">
+                <a14:useLocalDpi xmlns:a14="http://schemas.microsoft.com/office/drawing/2010/main" val="0"/>
+              </a:ext>
+            </a:extLst>
+          </a:blip>
+          <a:stretch>
+            <a:fillRect/>
+          </a:stretch>
+        </p:blipFill>
+        <p:spPr>
+          <a:xfrm>
+            <a:off x="6126480" y="2141728"/>
+            <a:ext cx="5963802" cy="3760891"/>
+          </a:xfrm>
+          <a:prstGeom prst="rect">
+            <a:avLst/>
+          </a:prstGeom>
+        </p:spPr>
+      </p:pic>
     </p:spTree>
     <p:extLst>
       <p:ext uri="{BB962C8B-B14F-4D97-AF65-F5344CB8AC3E}">
-        <p14:creationId xmlns:p14="http://schemas.microsoft.com/office/powerpoint/2010/main" val="349769279"/>
+        <p14:creationId xmlns:p14="http://schemas.microsoft.com/office/powerpoint/2010/main" val="468937886"/>
       </p:ext>
     </p:extLst>
   </p:cSld>
@@ -5709,7 +6345,7 @@
           <a:p>
             <a:r>
               <a:rPr lang="fr-CA" dirty="0"/>
-              <a:t>Comparaison des modèles</a:t>
+              <a:t>Forêt aléatoire (n)</a:t>
             </a:r>
             <a:endParaRPr lang="en-CA" dirty="0"/>
           </a:p>
@@ -5717,33 +6353,328 @@
       </p:sp>
       <p:sp>
         <p:nvSpPr>
-          <p:cNvPr id="3" name="Content Placeholder 2">
-            <a:extLst>
-              <a:ext uri="{FF2B5EF4-FFF2-40B4-BE49-F238E27FC236}">
-                <a16:creationId xmlns:a16="http://schemas.microsoft.com/office/drawing/2014/main" id="{9983E910-59CB-7ECB-46A9-68D73D0A7492}"/>
-              </a:ext>
-            </a:extLst>
-          </p:cNvPr>
-          <p:cNvSpPr>
-            <a:spLocks noGrp="1"/>
-          </p:cNvSpPr>
-          <p:nvPr>
-            <p:ph idx="1"/>
-          </p:nvPr>
-        </p:nvSpPr>
-        <p:spPr/>
-        <p:txBody>
-          <a:bodyPr/>
-          <a:lstStyle/>
-          <a:p>
+          <p:cNvPr id="4" name="Content Placeholder 2">
+            <a:extLst>
+              <a:ext uri="{FF2B5EF4-FFF2-40B4-BE49-F238E27FC236}">
+                <a16:creationId xmlns:a16="http://schemas.microsoft.com/office/drawing/2014/main" id="{EB98C243-9A04-CAEF-16B1-37E1FD87468E}"/>
+              </a:ext>
+            </a:extLst>
+          </p:cNvPr>
+          <p:cNvSpPr txBox="1">
+            <a:spLocks/>
+          </p:cNvSpPr>
+          <p:nvPr/>
+        </p:nvSpPr>
+        <p:spPr>
+          <a:xfrm>
+            <a:off x="1097280" y="2141729"/>
+            <a:ext cx="4998720" cy="3760891"/>
+          </a:xfrm>
+          <a:prstGeom prst="rect">
+            <a:avLst/>
+          </a:prstGeom>
+        </p:spPr>
+        <p:txBody>
+          <a:bodyPr vert="horz" lIns="0" tIns="45720" rIns="0" bIns="45720" rtlCol="0" anchor="ctr">
+            <a:normAutofit/>
+          </a:bodyPr>
+          <a:lstStyle>
+            <a:lvl1pPr marL="91440" indent="-91440" algn="l" defTabSz="914400" rtl="0" eaLnBrk="1" latinLnBrk="0" hangingPunct="1">
+              <a:lnSpc>
+                <a:spcPct val="110000"/>
+              </a:lnSpc>
+              <a:spcBef>
+                <a:spcPts val="1200"/>
+              </a:spcBef>
+              <a:spcAft>
+                <a:spcPts val="200"/>
+              </a:spcAft>
+              <a:buClr>
+                <a:schemeClr val="accent1"/>
+              </a:buClr>
+              <a:buSzPct val="100000"/>
+              <a:buFont typeface="Calibri" panose="020F0502020204030204" pitchFamily="34" charset="0"/>
+              <a:buChar char=" "/>
+              <a:defRPr sz="1900" kern="1200">
+                <a:solidFill>
+                  <a:schemeClr val="tx1">
+                    <a:lumMod val="75000"/>
+                    <a:lumOff val="25000"/>
+                  </a:schemeClr>
+                </a:solidFill>
+                <a:latin typeface="+mn-lt"/>
+                <a:ea typeface="+mn-ea"/>
+                <a:cs typeface="+mn-cs"/>
+              </a:defRPr>
+            </a:lvl1pPr>
+            <a:lvl2pPr marL="384048" indent="-182880" algn="l" defTabSz="914400" rtl="0" eaLnBrk="1" latinLnBrk="0" hangingPunct="1">
+              <a:lnSpc>
+                <a:spcPct val="100000"/>
+              </a:lnSpc>
+              <a:spcBef>
+                <a:spcPts val="200"/>
+              </a:spcBef>
+              <a:spcAft>
+                <a:spcPts val="400"/>
+              </a:spcAft>
+              <a:buClrTx/>
+              <a:buFont typeface="Calibri" pitchFamily="34" charset="0"/>
+              <a:buChar char="◦"/>
+              <a:defRPr sz="1700" kern="1200">
+                <a:solidFill>
+                  <a:schemeClr val="tx1">
+                    <a:lumMod val="75000"/>
+                    <a:lumOff val="25000"/>
+                  </a:schemeClr>
+                </a:solidFill>
+                <a:latin typeface="+mn-lt"/>
+                <a:ea typeface="+mn-ea"/>
+                <a:cs typeface="+mn-cs"/>
+              </a:defRPr>
+            </a:lvl2pPr>
+            <a:lvl3pPr marL="566928" indent="-182880" algn="l" defTabSz="914400" rtl="0" eaLnBrk="1" latinLnBrk="0" hangingPunct="1">
+              <a:lnSpc>
+                <a:spcPct val="100000"/>
+              </a:lnSpc>
+              <a:spcBef>
+                <a:spcPts val="200"/>
+              </a:spcBef>
+              <a:spcAft>
+                <a:spcPts val="400"/>
+              </a:spcAft>
+              <a:buClrTx/>
+              <a:buFont typeface="Calibri" pitchFamily="34" charset="0"/>
+              <a:buChar char="◦"/>
+              <a:defRPr sz="1300" kern="1200">
+                <a:solidFill>
+                  <a:schemeClr val="tx1">
+                    <a:lumMod val="75000"/>
+                    <a:lumOff val="25000"/>
+                  </a:schemeClr>
+                </a:solidFill>
+                <a:latin typeface="+mn-lt"/>
+                <a:ea typeface="+mn-ea"/>
+                <a:cs typeface="+mn-cs"/>
+              </a:defRPr>
+            </a:lvl3pPr>
+            <a:lvl4pPr marL="749808" indent="-182880" algn="l" defTabSz="914400" rtl="0" eaLnBrk="1" latinLnBrk="0" hangingPunct="1">
+              <a:lnSpc>
+                <a:spcPct val="100000"/>
+              </a:lnSpc>
+              <a:spcBef>
+                <a:spcPts val="200"/>
+              </a:spcBef>
+              <a:spcAft>
+                <a:spcPts val="400"/>
+              </a:spcAft>
+              <a:buClrTx/>
+              <a:buFont typeface="Calibri" pitchFamily="34" charset="0"/>
+              <a:buChar char="◦"/>
+              <a:defRPr sz="1300" kern="1200">
+                <a:solidFill>
+                  <a:schemeClr val="tx1">
+                    <a:lumMod val="75000"/>
+                    <a:lumOff val="25000"/>
+                  </a:schemeClr>
+                </a:solidFill>
+                <a:latin typeface="+mn-lt"/>
+                <a:ea typeface="+mn-ea"/>
+                <a:cs typeface="+mn-cs"/>
+              </a:defRPr>
+            </a:lvl4pPr>
+            <a:lvl5pPr marL="932688" indent="-182880" algn="l" defTabSz="914400" rtl="0" eaLnBrk="1" latinLnBrk="0" hangingPunct="1">
+              <a:lnSpc>
+                <a:spcPct val="100000"/>
+              </a:lnSpc>
+              <a:spcBef>
+                <a:spcPts val="200"/>
+              </a:spcBef>
+              <a:spcAft>
+                <a:spcPts val="400"/>
+              </a:spcAft>
+              <a:buClrTx/>
+              <a:buFont typeface="Calibri" pitchFamily="34" charset="0"/>
+              <a:buChar char="◦"/>
+              <a:defRPr sz="1300" kern="1200">
+                <a:solidFill>
+                  <a:schemeClr val="tx1">
+                    <a:lumMod val="75000"/>
+                    <a:lumOff val="25000"/>
+                  </a:schemeClr>
+                </a:solidFill>
+                <a:latin typeface="+mn-lt"/>
+                <a:ea typeface="+mn-ea"/>
+                <a:cs typeface="+mn-cs"/>
+              </a:defRPr>
+            </a:lvl5pPr>
+            <a:lvl6pPr marL="1100000" indent="-228600" algn="l" defTabSz="914400" rtl="0" eaLnBrk="1" latinLnBrk="0" hangingPunct="1">
+              <a:lnSpc>
+                <a:spcPct val="90000"/>
+              </a:lnSpc>
+              <a:spcBef>
+                <a:spcPts val="200"/>
+              </a:spcBef>
+              <a:spcAft>
+                <a:spcPts val="400"/>
+              </a:spcAft>
+              <a:buClr>
+                <a:schemeClr val="accent1"/>
+              </a:buClr>
+              <a:buFont typeface="Calibri" pitchFamily="34" charset="0"/>
+              <a:buChar char="◦"/>
+              <a:defRPr sz="1400" kern="1200">
+                <a:solidFill>
+                  <a:schemeClr val="tx1">
+                    <a:lumMod val="75000"/>
+                    <a:lumOff val="25000"/>
+                  </a:schemeClr>
+                </a:solidFill>
+                <a:latin typeface="+mn-lt"/>
+                <a:ea typeface="+mn-ea"/>
+                <a:cs typeface="+mn-cs"/>
+              </a:defRPr>
+            </a:lvl6pPr>
+            <a:lvl7pPr marL="1300000" indent="-228600" algn="l" defTabSz="914400" rtl="0" eaLnBrk="1" latinLnBrk="0" hangingPunct="1">
+              <a:lnSpc>
+                <a:spcPct val="90000"/>
+              </a:lnSpc>
+              <a:spcBef>
+                <a:spcPts val="200"/>
+              </a:spcBef>
+              <a:spcAft>
+                <a:spcPts val="400"/>
+              </a:spcAft>
+              <a:buClr>
+                <a:schemeClr val="accent1"/>
+              </a:buClr>
+              <a:buFont typeface="Calibri" pitchFamily="34" charset="0"/>
+              <a:buChar char="◦"/>
+              <a:defRPr sz="1400" kern="1200">
+                <a:solidFill>
+                  <a:schemeClr val="tx1">
+                    <a:lumMod val="75000"/>
+                    <a:lumOff val="25000"/>
+                  </a:schemeClr>
+                </a:solidFill>
+                <a:latin typeface="+mn-lt"/>
+                <a:ea typeface="+mn-ea"/>
+                <a:cs typeface="+mn-cs"/>
+              </a:defRPr>
+            </a:lvl7pPr>
+            <a:lvl8pPr marL="1500000" indent="-228600" algn="l" defTabSz="914400" rtl="0" eaLnBrk="1" latinLnBrk="0" hangingPunct="1">
+              <a:lnSpc>
+                <a:spcPct val="90000"/>
+              </a:lnSpc>
+              <a:spcBef>
+                <a:spcPts val="200"/>
+              </a:spcBef>
+              <a:spcAft>
+                <a:spcPts val="400"/>
+              </a:spcAft>
+              <a:buClr>
+                <a:schemeClr val="accent1"/>
+              </a:buClr>
+              <a:buFont typeface="Calibri" pitchFamily="34" charset="0"/>
+              <a:buChar char="◦"/>
+              <a:defRPr sz="1400" kern="1200">
+                <a:solidFill>
+                  <a:schemeClr val="tx1">
+                    <a:lumMod val="75000"/>
+                    <a:lumOff val="25000"/>
+                  </a:schemeClr>
+                </a:solidFill>
+                <a:latin typeface="+mn-lt"/>
+                <a:ea typeface="+mn-ea"/>
+                <a:cs typeface="+mn-cs"/>
+              </a:defRPr>
+            </a:lvl8pPr>
+            <a:lvl9pPr marL="1700000" indent="-228600" algn="l" defTabSz="914400" rtl="0" eaLnBrk="1" latinLnBrk="0" hangingPunct="1">
+              <a:lnSpc>
+                <a:spcPct val="90000"/>
+              </a:lnSpc>
+              <a:spcBef>
+                <a:spcPts val="200"/>
+              </a:spcBef>
+              <a:spcAft>
+                <a:spcPts val="400"/>
+              </a:spcAft>
+              <a:buClr>
+                <a:schemeClr val="accent1"/>
+              </a:buClr>
+              <a:buFont typeface="Calibri" pitchFamily="34" charset="0"/>
+              <a:buChar char="◦"/>
+              <a:defRPr sz="1400" kern="1200">
+                <a:solidFill>
+                  <a:schemeClr val="tx1">
+                    <a:lumMod val="75000"/>
+                    <a:lumOff val="25000"/>
+                  </a:schemeClr>
+                </a:solidFill>
+                <a:latin typeface="+mn-lt"/>
+                <a:ea typeface="+mn-ea"/>
+                <a:cs typeface="+mn-cs"/>
+              </a:defRPr>
+            </a:lvl9pPr>
+          </a:lstStyle>
+          <a:p>
+            <a:pPr>
+              <a:buFont typeface="Wingdings" panose="05000000000000000000" pitchFamily="2" charset="2"/>
+              <a:buChar char="q"/>
+            </a:pPr>
+            <a:r>
+              <a:rPr lang="fr-CA" sz="1800" b="0" i="0" dirty="0">
+                <a:solidFill>
+                  <a:srgbClr val="404040"/>
+                </a:solidFill>
+                <a:effectLst/>
+                <a:latin typeface="Franklin Gothic Book" panose="020B0503020102020204" pitchFamily="34" charset="0"/>
+              </a:rPr>
+              <a:t>Un maximum de 27 observations dans les nœuds terminaux minimise la RMSE</a:t>
+            </a:r>
             <a:endParaRPr lang="en-CA" dirty="0"/>
           </a:p>
         </p:txBody>
       </p:sp>
+      <p:pic>
+        <p:nvPicPr>
+          <p:cNvPr id="8" name="Picture 7" descr="Chart, line chart&#10;&#10;Description automatically generated">
+            <a:extLst>
+              <a:ext uri="{FF2B5EF4-FFF2-40B4-BE49-F238E27FC236}">
+                <a16:creationId xmlns:a16="http://schemas.microsoft.com/office/drawing/2014/main" id="{AD32A685-63F6-A48C-F97A-B7CA5DAC75A2}"/>
+              </a:ext>
+            </a:extLst>
+          </p:cNvPr>
+          <p:cNvPicPr>
+            <a:picLocks noChangeAspect="1"/>
+          </p:cNvPicPr>
+          <p:nvPr/>
+        </p:nvPicPr>
+        <p:blipFill>
+          <a:blip r:embed="rId2">
+            <a:extLst>
+              <a:ext uri="{28A0092B-C50C-407E-A947-70E740481C1C}">
+                <a14:useLocalDpi xmlns:a14="http://schemas.microsoft.com/office/drawing/2010/main" val="0"/>
+              </a:ext>
+            </a:extLst>
+          </a:blip>
+          <a:stretch>
+            <a:fillRect/>
+          </a:stretch>
+        </p:blipFill>
+        <p:spPr>
+          <a:xfrm>
+            <a:off x="6126480" y="2141728"/>
+            <a:ext cx="5732749" cy="4004547"/>
+          </a:xfrm>
+          <a:prstGeom prst="rect">
+            <a:avLst/>
+          </a:prstGeom>
+        </p:spPr>
+      </p:pic>
     </p:spTree>
     <p:extLst>
       <p:ext uri="{BB962C8B-B14F-4D97-AF65-F5344CB8AC3E}">
-        <p14:creationId xmlns:p14="http://schemas.microsoft.com/office/powerpoint/2010/main" val="3655165667"/>
+        <p14:creationId xmlns:p14="http://schemas.microsoft.com/office/powerpoint/2010/main" val="944791324"/>
       </p:ext>
     </p:extLst>
   </p:cSld>
@@ -6009,7 +6940,11 @@
           <a:p>
             <a:r>
               <a:rPr lang="fr-CA" dirty="0"/>
-              <a:t>Analyse des résultats pour le meilleur modèle: XXX</a:t>
+              <a:t>Gradient </a:t>
+            </a:r>
+            <a:r>
+              <a:rPr lang="fr-CA" dirty="0" err="1"/>
+              <a:t>Boosting</a:t>
             </a:r>
             <a:endParaRPr lang="en-CA" dirty="0"/>
           </a:p>
@@ -6043,7 +6978,7 @@
     </p:spTree>
     <p:extLst>
       <p:ext uri="{BB962C8B-B14F-4D97-AF65-F5344CB8AC3E}">
-        <p14:creationId xmlns:p14="http://schemas.microsoft.com/office/powerpoint/2010/main" val="3969872878"/>
+        <p14:creationId xmlns:p14="http://schemas.microsoft.com/office/powerpoint/2010/main" val="1655170980"/>
       </p:ext>
     </p:extLst>
   </p:cSld>
@@ -6075,7 +7010,7 @@
           <p:cNvPr id="2" name="Title 1">
             <a:extLst>
               <a:ext uri="{FF2B5EF4-FFF2-40B4-BE49-F238E27FC236}">
-                <a16:creationId xmlns:a16="http://schemas.microsoft.com/office/drawing/2014/main" id="{2972E3D2-B3C5-FB56-6BD1-0BD8DD76CCA3}"/>
+                <a16:creationId xmlns:a16="http://schemas.microsoft.com/office/drawing/2014/main" id="{94951D72-9FC3-B808-3CC4-B291E4C2CC30}"/>
               </a:ext>
             </a:extLst>
           </p:cNvPr>
@@ -6093,7 +7028,7 @@
           <a:p>
             <a:r>
               <a:rPr lang="fr-CA" dirty="0"/>
-              <a:t>Interprétation des résultats</a:t>
+              <a:t>Comparaison de la performance</a:t>
             </a:r>
             <a:endParaRPr lang="en-CA" dirty="0"/>
           </a:p>
@@ -6101,18 +7036,18 @@
       </p:sp>
       <p:sp>
         <p:nvSpPr>
-          <p:cNvPr id="3" name="Content Placeholder 2">
-            <a:extLst>
-              <a:ext uri="{FF2B5EF4-FFF2-40B4-BE49-F238E27FC236}">
-                <a16:creationId xmlns:a16="http://schemas.microsoft.com/office/drawing/2014/main" id="{9983E910-59CB-7ECB-46A9-68D73D0A7492}"/>
-              </a:ext>
-            </a:extLst>
-          </p:cNvPr>
-          <p:cNvSpPr>
-            <a:spLocks noGrp="1"/>
-          </p:cNvSpPr>
-          <p:nvPr>
-            <p:ph idx="1"/>
+          <p:cNvPr id="3" name="Text Placeholder 2">
+            <a:extLst>
+              <a:ext uri="{FF2B5EF4-FFF2-40B4-BE49-F238E27FC236}">
+                <a16:creationId xmlns:a16="http://schemas.microsoft.com/office/drawing/2014/main" id="{397E5634-2FEB-D3EA-B3E3-4BCB908672E1}"/>
+              </a:ext>
+            </a:extLst>
+          </p:cNvPr>
+          <p:cNvSpPr>
+            <a:spLocks noGrp="1"/>
+          </p:cNvSpPr>
+          <p:nvPr>
+            <p:ph type="body" idx="1"/>
           </p:nvPr>
         </p:nvSpPr>
         <p:spPr/>
@@ -6120,14 +7055,14 @@
           <a:bodyPr/>
           <a:lstStyle/>
           <a:p>
-            <a:endParaRPr lang="en-CA" dirty="0"/>
+            <a:endParaRPr lang="en-CA"/>
           </a:p>
         </p:txBody>
       </p:sp>
     </p:spTree>
     <p:extLst>
       <p:ext uri="{BB962C8B-B14F-4D97-AF65-F5344CB8AC3E}">
-        <p14:creationId xmlns:p14="http://schemas.microsoft.com/office/powerpoint/2010/main" val="2094673800"/>
+        <p14:creationId xmlns:p14="http://schemas.microsoft.com/office/powerpoint/2010/main" val="349769279"/>
       </p:ext>
     </p:extLst>
   </p:cSld>
@@ -6159,6 +7094,258 @@
           <p:cNvPr id="2" name="Title 1">
             <a:extLst>
               <a:ext uri="{FF2B5EF4-FFF2-40B4-BE49-F238E27FC236}">
+                <a16:creationId xmlns:a16="http://schemas.microsoft.com/office/drawing/2014/main" id="{2972E3D2-B3C5-FB56-6BD1-0BD8DD76CCA3}"/>
+              </a:ext>
+            </a:extLst>
+          </p:cNvPr>
+          <p:cNvSpPr>
+            <a:spLocks noGrp="1"/>
+          </p:cNvSpPr>
+          <p:nvPr>
+            <p:ph type="title"/>
+          </p:nvPr>
+        </p:nvSpPr>
+        <p:spPr/>
+        <p:txBody>
+          <a:bodyPr/>
+          <a:lstStyle/>
+          <a:p>
+            <a:r>
+              <a:rPr lang="fr-CA" dirty="0"/>
+              <a:t>Comparaison des modèles</a:t>
+            </a:r>
+            <a:endParaRPr lang="en-CA" dirty="0"/>
+          </a:p>
+        </p:txBody>
+      </p:sp>
+      <p:sp>
+        <p:nvSpPr>
+          <p:cNvPr id="3" name="Content Placeholder 2">
+            <a:extLst>
+              <a:ext uri="{FF2B5EF4-FFF2-40B4-BE49-F238E27FC236}">
+                <a16:creationId xmlns:a16="http://schemas.microsoft.com/office/drawing/2014/main" id="{9983E910-59CB-7ECB-46A9-68D73D0A7492}"/>
+              </a:ext>
+            </a:extLst>
+          </p:cNvPr>
+          <p:cNvSpPr>
+            <a:spLocks noGrp="1"/>
+          </p:cNvSpPr>
+          <p:nvPr>
+            <p:ph idx="1"/>
+          </p:nvPr>
+        </p:nvSpPr>
+        <p:spPr/>
+        <p:txBody>
+          <a:bodyPr/>
+          <a:lstStyle/>
+          <a:p>
+            <a:endParaRPr lang="en-CA" dirty="0"/>
+          </a:p>
+        </p:txBody>
+      </p:sp>
+    </p:spTree>
+    <p:extLst>
+      <p:ext uri="{BB962C8B-B14F-4D97-AF65-F5344CB8AC3E}">
+        <p14:creationId xmlns:p14="http://schemas.microsoft.com/office/powerpoint/2010/main" val="3655165667"/>
+      </p:ext>
+    </p:extLst>
+  </p:cSld>
+  <p:clrMapOvr>
+    <a:masterClrMapping/>
+  </p:clrMapOvr>
+</p:sld>
+</file>
+
+<file path=ppt/slides/slide23.xml><?xml version="1.0" encoding="utf-8"?>
+<p:sld xmlns:a="http://schemas.openxmlformats.org/drawingml/2006/main" xmlns:r="http://schemas.openxmlformats.org/officeDocument/2006/relationships" xmlns:p="http://schemas.openxmlformats.org/presentationml/2006/main">
+  <p:cSld>
+    <p:spTree>
+      <p:nvGrpSpPr>
+        <p:cNvPr id="1" name=""/>
+        <p:cNvGrpSpPr/>
+        <p:nvPr/>
+      </p:nvGrpSpPr>
+      <p:grpSpPr>
+        <a:xfrm>
+          <a:off x="0" y="0"/>
+          <a:ext cx="0" cy="0"/>
+          <a:chOff x="0" y="0"/>
+          <a:chExt cx="0" cy="0"/>
+        </a:xfrm>
+      </p:grpSpPr>
+      <p:sp>
+        <p:nvSpPr>
+          <p:cNvPr id="2" name="Title 1">
+            <a:extLst>
+              <a:ext uri="{FF2B5EF4-FFF2-40B4-BE49-F238E27FC236}">
+                <a16:creationId xmlns:a16="http://schemas.microsoft.com/office/drawing/2014/main" id="{2972E3D2-B3C5-FB56-6BD1-0BD8DD76CCA3}"/>
+              </a:ext>
+            </a:extLst>
+          </p:cNvPr>
+          <p:cNvSpPr>
+            <a:spLocks noGrp="1"/>
+          </p:cNvSpPr>
+          <p:nvPr>
+            <p:ph type="title"/>
+          </p:nvPr>
+        </p:nvSpPr>
+        <p:spPr/>
+        <p:txBody>
+          <a:bodyPr/>
+          <a:lstStyle/>
+          <a:p>
+            <a:r>
+              <a:rPr lang="fr-CA" dirty="0"/>
+              <a:t>Analyse des résultats pour le meilleur modèle: XXX</a:t>
+            </a:r>
+            <a:endParaRPr lang="en-CA" dirty="0"/>
+          </a:p>
+        </p:txBody>
+      </p:sp>
+      <p:sp>
+        <p:nvSpPr>
+          <p:cNvPr id="3" name="Content Placeholder 2">
+            <a:extLst>
+              <a:ext uri="{FF2B5EF4-FFF2-40B4-BE49-F238E27FC236}">
+                <a16:creationId xmlns:a16="http://schemas.microsoft.com/office/drawing/2014/main" id="{9983E910-59CB-7ECB-46A9-68D73D0A7492}"/>
+              </a:ext>
+            </a:extLst>
+          </p:cNvPr>
+          <p:cNvSpPr>
+            <a:spLocks noGrp="1"/>
+          </p:cNvSpPr>
+          <p:nvPr>
+            <p:ph idx="1"/>
+          </p:nvPr>
+        </p:nvSpPr>
+        <p:spPr/>
+        <p:txBody>
+          <a:bodyPr/>
+          <a:lstStyle/>
+          <a:p>
+            <a:endParaRPr lang="en-CA" dirty="0"/>
+          </a:p>
+        </p:txBody>
+      </p:sp>
+    </p:spTree>
+    <p:extLst>
+      <p:ext uri="{BB962C8B-B14F-4D97-AF65-F5344CB8AC3E}">
+        <p14:creationId xmlns:p14="http://schemas.microsoft.com/office/powerpoint/2010/main" val="3969872878"/>
+      </p:ext>
+    </p:extLst>
+  </p:cSld>
+  <p:clrMapOvr>
+    <a:masterClrMapping/>
+  </p:clrMapOvr>
+</p:sld>
+</file>
+
+<file path=ppt/slides/slide24.xml><?xml version="1.0" encoding="utf-8"?>
+<p:sld xmlns:a="http://schemas.openxmlformats.org/drawingml/2006/main" xmlns:r="http://schemas.openxmlformats.org/officeDocument/2006/relationships" xmlns:p="http://schemas.openxmlformats.org/presentationml/2006/main">
+  <p:cSld>
+    <p:spTree>
+      <p:nvGrpSpPr>
+        <p:cNvPr id="1" name=""/>
+        <p:cNvGrpSpPr/>
+        <p:nvPr/>
+      </p:nvGrpSpPr>
+      <p:grpSpPr>
+        <a:xfrm>
+          <a:off x="0" y="0"/>
+          <a:ext cx="0" cy="0"/>
+          <a:chOff x="0" y="0"/>
+          <a:chExt cx="0" cy="0"/>
+        </a:xfrm>
+      </p:grpSpPr>
+      <p:sp>
+        <p:nvSpPr>
+          <p:cNvPr id="2" name="Title 1">
+            <a:extLst>
+              <a:ext uri="{FF2B5EF4-FFF2-40B4-BE49-F238E27FC236}">
+                <a16:creationId xmlns:a16="http://schemas.microsoft.com/office/drawing/2014/main" id="{2972E3D2-B3C5-FB56-6BD1-0BD8DD76CCA3}"/>
+              </a:ext>
+            </a:extLst>
+          </p:cNvPr>
+          <p:cNvSpPr>
+            <a:spLocks noGrp="1"/>
+          </p:cNvSpPr>
+          <p:nvPr>
+            <p:ph type="title"/>
+          </p:nvPr>
+        </p:nvSpPr>
+        <p:spPr/>
+        <p:txBody>
+          <a:bodyPr/>
+          <a:lstStyle/>
+          <a:p>
+            <a:r>
+              <a:rPr lang="fr-CA" dirty="0"/>
+              <a:t>Interprétation des résultats</a:t>
+            </a:r>
+            <a:endParaRPr lang="en-CA" dirty="0"/>
+          </a:p>
+        </p:txBody>
+      </p:sp>
+      <p:sp>
+        <p:nvSpPr>
+          <p:cNvPr id="3" name="Content Placeholder 2">
+            <a:extLst>
+              <a:ext uri="{FF2B5EF4-FFF2-40B4-BE49-F238E27FC236}">
+                <a16:creationId xmlns:a16="http://schemas.microsoft.com/office/drawing/2014/main" id="{9983E910-59CB-7ECB-46A9-68D73D0A7492}"/>
+              </a:ext>
+            </a:extLst>
+          </p:cNvPr>
+          <p:cNvSpPr>
+            <a:spLocks noGrp="1"/>
+          </p:cNvSpPr>
+          <p:nvPr>
+            <p:ph idx="1"/>
+          </p:nvPr>
+        </p:nvSpPr>
+        <p:spPr/>
+        <p:txBody>
+          <a:bodyPr/>
+          <a:lstStyle/>
+          <a:p>
+            <a:endParaRPr lang="en-CA" dirty="0"/>
+          </a:p>
+        </p:txBody>
+      </p:sp>
+    </p:spTree>
+    <p:extLst>
+      <p:ext uri="{BB962C8B-B14F-4D97-AF65-F5344CB8AC3E}">
+        <p14:creationId xmlns:p14="http://schemas.microsoft.com/office/powerpoint/2010/main" val="2094673800"/>
+      </p:ext>
+    </p:extLst>
+  </p:cSld>
+  <p:clrMapOvr>
+    <a:masterClrMapping/>
+  </p:clrMapOvr>
+</p:sld>
+</file>
+
+<file path=ppt/slides/slide25.xml><?xml version="1.0" encoding="utf-8"?>
+<p:sld xmlns:a="http://schemas.openxmlformats.org/drawingml/2006/main" xmlns:r="http://schemas.openxmlformats.org/officeDocument/2006/relationships" xmlns:p="http://schemas.openxmlformats.org/presentationml/2006/main">
+  <p:cSld>
+    <p:spTree>
+      <p:nvGrpSpPr>
+        <p:cNvPr id="1" name=""/>
+        <p:cNvGrpSpPr/>
+        <p:nvPr/>
+      </p:nvGrpSpPr>
+      <p:grpSpPr>
+        <a:xfrm>
+          <a:off x="0" y="0"/>
+          <a:ext cx="0" cy="0"/>
+          <a:chOff x="0" y="0"/>
+          <a:chExt cx="0" cy="0"/>
+        </a:xfrm>
+      </p:grpSpPr>
+      <p:sp>
+        <p:nvSpPr>
+          <p:cNvPr id="2" name="Title 1">
+            <a:extLst>
+              <a:ext uri="{FF2B5EF4-FFF2-40B4-BE49-F238E27FC236}">
                 <a16:creationId xmlns:a16="http://schemas.microsoft.com/office/drawing/2014/main" id="{94951D72-9FC3-B808-3CC4-B291E4C2CC30}"/>
               </a:ext>
             </a:extLst>
@@ -6221,7 +7408,7 @@
 </p:sld>
 </file>
 
-<file path=ppt/slides/slide23.xml><?xml version="1.0" encoding="utf-8"?>
+<file path=ppt/slides/slide26.xml><?xml version="1.0" encoding="utf-8"?>
 <p:sld xmlns:a="http://schemas.openxmlformats.org/drawingml/2006/main" xmlns:r="http://schemas.openxmlformats.org/officeDocument/2006/relationships" xmlns:p="http://schemas.openxmlformats.org/presentationml/2006/main">
   <p:cSld>
     <p:spTree>

--- a/Final/Presentation_Equipe9.pptx
+++ b/Final/Presentation_Equipe9.pptx
@@ -25,12 +25,14 @@
     <p:sldId id="285" r:id="rId19"/>
     <p:sldId id="284" r:id="rId20"/>
     <p:sldId id="266" r:id="rId21"/>
-    <p:sldId id="273" r:id="rId22"/>
-    <p:sldId id="274" r:id="rId23"/>
-    <p:sldId id="275" r:id="rId24"/>
-    <p:sldId id="276" r:id="rId25"/>
-    <p:sldId id="277" r:id="rId26"/>
-    <p:sldId id="278" r:id="rId27"/>
+    <p:sldId id="286" r:id="rId22"/>
+    <p:sldId id="287" r:id="rId23"/>
+    <p:sldId id="273" r:id="rId24"/>
+    <p:sldId id="274" r:id="rId25"/>
+    <p:sldId id="275" r:id="rId26"/>
+    <p:sldId id="276" r:id="rId27"/>
+    <p:sldId id="277" r:id="rId28"/>
+    <p:sldId id="278" r:id="rId29"/>
   </p:sldIdLst>
   <p:sldSz cx="12192000" cy="6858000"/>
   <p:notesSz cx="6858000" cy="9144000"/>
@@ -5513,12 +5515,8 @@
               <a:t>plis</a:t>
             </a:r>
             <a:r>
-              <a:rPr lang="en-CA"/>
-              <a:t> sur la RMSE </a:t>
-            </a:r>
-            <a:r>
               <a:rPr lang="en-CA" dirty="0"/>
-              <a:t>et un </a:t>
+              <a:t> sur la RMSE et un </a:t>
             </a:r>
             <a:r>
               <a:rPr lang="en-CA" dirty="0" err="1"/>
@@ -6966,10 +6964,90 @@
             <p:ph idx="1"/>
           </p:nvPr>
         </p:nvSpPr>
-        <p:spPr/>
+        <p:spPr>
+          <a:xfrm>
+            <a:off x="1097280" y="2679032"/>
+            <a:ext cx="10058400" cy="3190060"/>
+          </a:xfrm>
+        </p:spPr>
         <p:txBody>
           <a:bodyPr/>
           <a:lstStyle/>
+          <a:p>
+            <a:pPr marL="0" indent="0">
+              <a:buFont typeface="Calibri" panose="020F0502020204030204" pitchFamily="34" charset="0"/>
+              <a:buNone/>
+            </a:pPr>
+            <a:r>
+              <a:rPr lang="fr-CA" dirty="0"/>
+              <a:t>Il y a trois hyperparamètres à optimiser dans le cas de la forêt aléatoire: </a:t>
+            </a:r>
+          </a:p>
+          <a:p>
+            <a:pPr>
+              <a:buFont typeface="Wingdings" panose="05000000000000000000" pitchFamily="2" charset="2"/>
+              <a:buChar char="q"/>
+            </a:pPr>
+            <a:r>
+              <a:rPr lang="fr-CA" dirty="0"/>
+              <a:t> T : Nombre d’arbres</a:t>
+            </a:r>
+          </a:p>
+          <a:p>
+            <a:pPr>
+              <a:buFont typeface="Wingdings" panose="05000000000000000000" pitchFamily="2" charset="2"/>
+              <a:buChar char="q"/>
+            </a:pPr>
+            <a:r>
+              <a:rPr lang="fr-CA" dirty="0"/>
+              <a:t> d : La profondeur de chaque arbre</a:t>
+            </a:r>
+          </a:p>
+          <a:p>
+            <a:pPr marL="0" indent="0">
+              <a:buNone/>
+            </a:pPr>
+            <a:r>
+              <a:rPr lang="en-CA" dirty="0"/>
+              <a:t>On </a:t>
+            </a:r>
+            <a:r>
+              <a:rPr lang="en-CA" dirty="0" err="1"/>
+              <a:t>utilisera</a:t>
+            </a:r>
+            <a:r>
+              <a:rPr lang="en-CA" dirty="0"/>
+              <a:t> la validation </a:t>
+            </a:r>
+            <a:r>
+              <a:rPr lang="en-CA" dirty="0" err="1"/>
+              <a:t>croisée</a:t>
+            </a:r>
+            <a:r>
+              <a:rPr lang="en-CA" dirty="0"/>
+              <a:t> à 5 </a:t>
+            </a:r>
+            <a:r>
+              <a:rPr lang="en-CA" dirty="0" err="1"/>
+              <a:t>plis</a:t>
+            </a:r>
+            <a:r>
+              <a:rPr lang="en-CA" dirty="0"/>
+              <a:t> sur la RMSE et </a:t>
+            </a:r>
+            <a:r>
+              <a:rPr lang="fr-CA" dirty="0"/>
+              <a:t>taux d’apprentissage, </a:t>
+            </a:r>
+            <a:r>
+              <a:rPr lang="el-GR" dirty="0"/>
+              <a:t>λ</a:t>
+            </a:r>
+            <a:r>
+              <a:rPr lang="fr-CA" dirty="0"/>
+              <a:t> = 0.01</a:t>
+            </a:r>
+          </a:p>
           <a:p>
             <a:endParaRPr lang="en-CA" dirty="0"/>
           </a:p>
@@ -7010,7 +7088,7 @@
           <p:cNvPr id="2" name="Title 1">
             <a:extLst>
               <a:ext uri="{FF2B5EF4-FFF2-40B4-BE49-F238E27FC236}">
-                <a16:creationId xmlns:a16="http://schemas.microsoft.com/office/drawing/2014/main" id="{94951D72-9FC3-B808-3CC4-B291E4C2CC30}"/>
+                <a16:creationId xmlns:a16="http://schemas.microsoft.com/office/drawing/2014/main" id="{2972E3D2-B3C5-FB56-6BD1-0BD8DD76CCA3}"/>
               </a:ext>
             </a:extLst>
           </p:cNvPr>
@@ -7028,7 +7106,15 @@
           <a:p>
             <a:r>
               <a:rPr lang="fr-CA" dirty="0"/>
-              <a:t>Comparaison de la performance</a:t>
+              <a:t>Gradient </a:t>
+            </a:r>
+            <a:r>
+              <a:rPr lang="fr-CA" dirty="0" err="1"/>
+              <a:t>Boosting</a:t>
+            </a:r>
+            <a:r>
+              <a:rPr lang="fr-CA" dirty="0"/>
+              <a:t> (d)</a:t>
             </a:r>
             <a:endParaRPr lang="en-CA" dirty="0"/>
           </a:p>
@@ -7036,33 +7122,111 @@
       </p:sp>
       <p:sp>
         <p:nvSpPr>
-          <p:cNvPr id="3" name="Text Placeholder 2">
-            <a:extLst>
-              <a:ext uri="{FF2B5EF4-FFF2-40B4-BE49-F238E27FC236}">
-                <a16:creationId xmlns:a16="http://schemas.microsoft.com/office/drawing/2014/main" id="{397E5634-2FEB-D3EA-B3E3-4BCB908672E1}"/>
-              </a:ext>
-            </a:extLst>
-          </p:cNvPr>
-          <p:cNvSpPr>
-            <a:spLocks noGrp="1"/>
-          </p:cNvSpPr>
-          <p:nvPr>
-            <p:ph type="body" idx="1"/>
-          </p:nvPr>
-        </p:nvSpPr>
-        <p:spPr/>
+          <p:cNvPr id="3" name="Content Placeholder 2">
+            <a:extLst>
+              <a:ext uri="{FF2B5EF4-FFF2-40B4-BE49-F238E27FC236}">
+                <a16:creationId xmlns:a16="http://schemas.microsoft.com/office/drawing/2014/main" id="{9983E910-59CB-7ECB-46A9-68D73D0A7492}"/>
+              </a:ext>
+            </a:extLst>
+          </p:cNvPr>
+          <p:cNvSpPr>
+            <a:spLocks noGrp="1"/>
+          </p:cNvSpPr>
+          <p:nvPr>
+            <p:ph idx="1"/>
+          </p:nvPr>
+        </p:nvSpPr>
+        <p:spPr>
+          <a:xfrm>
+            <a:off x="1097280" y="2269958"/>
+            <a:ext cx="4998720" cy="3599134"/>
+          </a:xfrm>
+        </p:spPr>
         <p:txBody>
           <a:bodyPr/>
           <a:lstStyle/>
           <a:p>
-            <a:endParaRPr lang="en-CA"/>
-          </a:p>
-        </p:txBody>
-      </p:sp>
+            <a:endParaRPr lang="en-CA" dirty="0"/>
+          </a:p>
+          <a:p>
+            <a:endParaRPr lang="en-CA" dirty="0"/>
+          </a:p>
+          <a:p>
+            <a:pPr>
+              <a:buFont typeface="Wingdings" panose="05000000000000000000" pitchFamily="2" charset="2"/>
+              <a:buChar char="q"/>
+            </a:pPr>
+            <a:r>
+              <a:rPr lang="en-CA" dirty="0"/>
+              <a:t>Une </a:t>
+            </a:r>
+            <a:r>
+              <a:rPr lang="en-CA" dirty="0" err="1"/>
+              <a:t>profondeur</a:t>
+            </a:r>
+            <a:r>
+              <a:rPr lang="en-CA" dirty="0"/>
+              <a:t> de 15 </a:t>
+            </a:r>
+            <a:r>
+              <a:rPr lang="en-CA" dirty="0" err="1"/>
+              <a:t>permet</a:t>
+            </a:r>
+            <a:r>
+              <a:rPr lang="en-CA" dirty="0"/>
+              <a:t> de </a:t>
+            </a:r>
+            <a:r>
+              <a:rPr lang="en-CA" dirty="0" err="1"/>
+              <a:t>capter</a:t>
+            </a:r>
+            <a:r>
+              <a:rPr lang="en-CA" dirty="0"/>
+              <a:t> des interactions entre les variables</a:t>
+            </a:r>
+          </a:p>
+        </p:txBody>
+      </p:sp>
+      <p:pic>
+        <p:nvPicPr>
+          <p:cNvPr id="5" name="Picture 4" descr="Chart&#10;&#10;Description automatically generated">
+            <a:extLst>
+              <a:ext uri="{FF2B5EF4-FFF2-40B4-BE49-F238E27FC236}">
+                <a16:creationId xmlns:a16="http://schemas.microsoft.com/office/drawing/2014/main" id="{5599895A-C446-4713-0340-BADAD1607BFF}"/>
+              </a:ext>
+            </a:extLst>
+          </p:cNvPr>
+          <p:cNvPicPr>
+            <a:picLocks noChangeAspect="1"/>
+          </p:cNvPicPr>
+          <p:nvPr/>
+        </p:nvPicPr>
+        <p:blipFill>
+          <a:blip r:embed="rId2">
+            <a:extLst>
+              <a:ext uri="{28A0092B-C50C-407E-A947-70E740481C1C}">
+                <a14:useLocalDpi xmlns:a14="http://schemas.microsoft.com/office/drawing/2010/main" val="0"/>
+              </a:ext>
+            </a:extLst>
+          </a:blip>
+          <a:stretch>
+            <a:fillRect/>
+          </a:stretch>
+        </p:blipFill>
+        <p:spPr>
+          <a:xfrm>
+            <a:off x="6126480" y="2269957"/>
+            <a:ext cx="5766960" cy="3860777"/>
+          </a:xfrm>
+          <a:prstGeom prst="rect">
+            <a:avLst/>
+          </a:prstGeom>
+        </p:spPr>
+      </p:pic>
     </p:spTree>
     <p:extLst>
       <p:ext uri="{BB962C8B-B14F-4D97-AF65-F5344CB8AC3E}">
-        <p14:creationId xmlns:p14="http://schemas.microsoft.com/office/powerpoint/2010/main" val="349769279"/>
+        <p14:creationId xmlns:p14="http://schemas.microsoft.com/office/powerpoint/2010/main" val="1654841235"/>
       </p:ext>
     </p:extLst>
   </p:cSld>
@@ -7112,7 +7276,15 @@
           <a:p>
             <a:r>
               <a:rPr lang="fr-CA" dirty="0"/>
-              <a:t>Comparaison des modèles</a:t>
+              <a:t>Gradient </a:t>
+            </a:r>
+            <a:r>
+              <a:rPr lang="fr-CA" dirty="0" err="1"/>
+              <a:t>Boosting</a:t>
+            </a:r>
+            <a:r>
+              <a:rPr lang="fr-CA" dirty="0"/>
+              <a:t> (T)</a:t>
             </a:r>
             <a:endParaRPr lang="en-CA" dirty="0"/>
           </a:p>
@@ -7134,19 +7306,189 @@
             <p:ph idx="1"/>
           </p:nvPr>
         </p:nvSpPr>
-        <p:spPr/>
+        <p:spPr>
+          <a:xfrm>
+            <a:off x="1097280" y="2269958"/>
+            <a:ext cx="4998720" cy="3599134"/>
+          </a:xfrm>
+        </p:spPr>
         <p:txBody>
           <a:bodyPr/>
           <a:lstStyle/>
           <a:p>
             <a:endParaRPr lang="en-CA" dirty="0"/>
+          </a:p>
+          <a:p>
+            <a:endParaRPr lang="en-CA" dirty="0"/>
+          </a:p>
+          <a:p>
+            <a:pPr>
+              <a:buFont typeface="Wingdings" panose="05000000000000000000" pitchFamily="2" charset="2"/>
+              <a:buChar char="q"/>
+            </a:pPr>
+            <a:r>
+              <a:rPr lang="en-CA" dirty="0"/>
+              <a:t>3000 </a:t>
+            </a:r>
+            <a:r>
+              <a:rPr lang="en-CA" dirty="0" err="1"/>
+              <a:t>arbres</a:t>
+            </a:r>
+            <a:r>
+              <a:rPr lang="en-CA" dirty="0"/>
+              <a:t> </a:t>
+            </a:r>
+            <a:r>
+              <a:rPr lang="en-CA" dirty="0" err="1"/>
+              <a:t>minimisent</a:t>
+            </a:r>
+            <a:r>
+              <a:rPr lang="en-CA" dirty="0"/>
+              <a:t> la RMSE</a:t>
+            </a:r>
+          </a:p>
+        </p:txBody>
+      </p:sp>
+      <p:pic>
+        <p:nvPicPr>
+          <p:cNvPr id="6" name="Picture 5" descr="Chart, line chart&#10;&#10;Description automatically generated">
+            <a:extLst>
+              <a:ext uri="{FF2B5EF4-FFF2-40B4-BE49-F238E27FC236}">
+                <a16:creationId xmlns:a16="http://schemas.microsoft.com/office/drawing/2014/main" id="{FCDA560E-32D1-314C-B861-D2AB8046649C}"/>
+              </a:ext>
+            </a:extLst>
+          </p:cNvPr>
+          <p:cNvPicPr>
+            <a:picLocks noChangeAspect="1"/>
+          </p:cNvPicPr>
+          <p:nvPr/>
+        </p:nvPicPr>
+        <p:blipFill>
+          <a:blip r:embed="rId2">
+            <a:extLst>
+              <a:ext uri="{28A0092B-C50C-407E-A947-70E740481C1C}">
+                <a14:useLocalDpi xmlns:a14="http://schemas.microsoft.com/office/drawing/2010/main" val="0"/>
+              </a:ext>
+            </a:extLst>
+          </a:blip>
+          <a:stretch>
+            <a:fillRect/>
+          </a:stretch>
+        </p:blipFill>
+        <p:spPr>
+          <a:xfrm>
+            <a:off x="6126480" y="2133118"/>
+            <a:ext cx="5761264" cy="3872813"/>
+          </a:xfrm>
+          <a:prstGeom prst="rect">
+            <a:avLst/>
+          </a:prstGeom>
+        </p:spPr>
+      </p:pic>
+      <p:sp>
+        <p:nvSpPr>
+          <p:cNvPr id="7" name="Rectangle 6">
+            <a:extLst>
+              <a:ext uri="{FF2B5EF4-FFF2-40B4-BE49-F238E27FC236}">
+                <a16:creationId xmlns:a16="http://schemas.microsoft.com/office/drawing/2014/main" id="{DE306A95-649B-AE06-CEA8-FC5D980DDCD8}"/>
+              </a:ext>
+            </a:extLst>
+          </p:cNvPr>
+          <p:cNvSpPr/>
+          <p:nvPr/>
+        </p:nvSpPr>
+        <p:spPr>
+          <a:xfrm>
+            <a:off x="5572125" y="4724400"/>
+            <a:ext cx="45719" cy="45719"/>
+          </a:xfrm>
+          <a:prstGeom prst="rect">
+            <a:avLst/>
+          </a:prstGeom>
+        </p:spPr>
+        <p:style>
+          <a:lnRef idx="2">
+            <a:schemeClr val="accent1">
+              <a:shade val="50000"/>
+            </a:schemeClr>
+          </a:lnRef>
+          <a:fillRef idx="1">
+            <a:schemeClr val="accent1"/>
+          </a:fillRef>
+          <a:effectRef idx="0">
+            <a:schemeClr val="accent1"/>
+          </a:effectRef>
+          <a:fontRef idx="minor">
+            <a:schemeClr val="lt1"/>
+          </a:fontRef>
+        </p:style>
+        <p:txBody>
+          <a:bodyPr rtlCol="0" anchor="ctr"/>
+          <a:lstStyle/>
+          <a:p>
+            <a:pPr algn="ctr"/>
+            <a:endParaRPr lang="fr-CA"/>
+          </a:p>
+        </p:txBody>
+      </p:sp>
+      <p:sp>
+        <p:nvSpPr>
+          <p:cNvPr id="8" name="Rectangle 7">
+            <a:extLst>
+              <a:ext uri="{FF2B5EF4-FFF2-40B4-BE49-F238E27FC236}">
+                <a16:creationId xmlns:a16="http://schemas.microsoft.com/office/drawing/2014/main" id="{E18A29BB-0D39-6A3F-1751-21D39953DD5F}"/>
+              </a:ext>
+            </a:extLst>
+          </p:cNvPr>
+          <p:cNvSpPr/>
+          <p:nvPr/>
+        </p:nvSpPr>
+        <p:spPr>
+          <a:xfrm>
+            <a:off x="5906278" y="2006082"/>
+            <a:ext cx="6092889" cy="263876"/>
+          </a:xfrm>
+          <a:prstGeom prst="rect">
+            <a:avLst/>
+          </a:prstGeom>
+          <a:solidFill>
+            <a:schemeClr val="bg1"/>
+          </a:solidFill>
+          <a:ln>
+            <a:solidFill>
+              <a:schemeClr val="bg1"/>
+            </a:solidFill>
+          </a:ln>
+        </p:spPr>
+        <p:style>
+          <a:lnRef idx="2">
+            <a:schemeClr val="accent1">
+              <a:shade val="50000"/>
+            </a:schemeClr>
+          </a:lnRef>
+          <a:fillRef idx="1">
+            <a:schemeClr val="accent1"/>
+          </a:fillRef>
+          <a:effectRef idx="0">
+            <a:schemeClr val="accent1"/>
+          </a:effectRef>
+          <a:fontRef idx="minor">
+            <a:schemeClr val="lt1"/>
+          </a:fontRef>
+        </p:style>
+        <p:txBody>
+          <a:bodyPr rtlCol="0" anchor="ctr"/>
+          <a:lstStyle/>
+          <a:p>
+            <a:pPr algn="ctr"/>
+            <a:endParaRPr lang="fr-CA"/>
           </a:p>
         </p:txBody>
       </p:sp>
     </p:spTree>
     <p:extLst>
       <p:ext uri="{BB962C8B-B14F-4D97-AF65-F5344CB8AC3E}">
-        <p14:creationId xmlns:p14="http://schemas.microsoft.com/office/powerpoint/2010/main" val="3655165667"/>
+        <p14:creationId xmlns:p14="http://schemas.microsoft.com/office/powerpoint/2010/main" val="3359693272"/>
       </p:ext>
     </p:extLst>
   </p:cSld>
@@ -7178,7 +7520,7 @@
           <p:cNvPr id="2" name="Title 1">
             <a:extLst>
               <a:ext uri="{FF2B5EF4-FFF2-40B4-BE49-F238E27FC236}">
-                <a16:creationId xmlns:a16="http://schemas.microsoft.com/office/drawing/2014/main" id="{2972E3D2-B3C5-FB56-6BD1-0BD8DD76CCA3}"/>
+                <a16:creationId xmlns:a16="http://schemas.microsoft.com/office/drawing/2014/main" id="{94951D72-9FC3-B808-3CC4-B291E4C2CC30}"/>
               </a:ext>
             </a:extLst>
           </p:cNvPr>
@@ -7196,7 +7538,7 @@
           <a:p>
             <a:r>
               <a:rPr lang="fr-CA" dirty="0"/>
-              <a:t>Analyse des résultats pour le meilleur modèle: XXX</a:t>
+              <a:t>Comparaison de la performance</a:t>
             </a:r>
             <a:endParaRPr lang="en-CA" dirty="0"/>
           </a:p>
@@ -7204,18 +7546,18 @@
       </p:sp>
       <p:sp>
         <p:nvSpPr>
-          <p:cNvPr id="3" name="Content Placeholder 2">
-            <a:extLst>
-              <a:ext uri="{FF2B5EF4-FFF2-40B4-BE49-F238E27FC236}">
-                <a16:creationId xmlns:a16="http://schemas.microsoft.com/office/drawing/2014/main" id="{9983E910-59CB-7ECB-46A9-68D73D0A7492}"/>
-              </a:ext>
-            </a:extLst>
-          </p:cNvPr>
-          <p:cNvSpPr>
-            <a:spLocks noGrp="1"/>
-          </p:cNvSpPr>
-          <p:nvPr>
-            <p:ph idx="1"/>
+          <p:cNvPr id="3" name="Text Placeholder 2">
+            <a:extLst>
+              <a:ext uri="{FF2B5EF4-FFF2-40B4-BE49-F238E27FC236}">
+                <a16:creationId xmlns:a16="http://schemas.microsoft.com/office/drawing/2014/main" id="{397E5634-2FEB-D3EA-B3E3-4BCB908672E1}"/>
+              </a:ext>
+            </a:extLst>
+          </p:cNvPr>
+          <p:cNvSpPr>
+            <a:spLocks noGrp="1"/>
+          </p:cNvSpPr>
+          <p:nvPr>
+            <p:ph type="body" idx="1"/>
           </p:nvPr>
         </p:nvSpPr>
         <p:spPr/>
@@ -7223,14 +7565,14 @@
           <a:bodyPr/>
           <a:lstStyle/>
           <a:p>
-            <a:endParaRPr lang="en-CA" dirty="0"/>
+            <a:endParaRPr lang="en-CA"/>
           </a:p>
         </p:txBody>
       </p:sp>
     </p:spTree>
     <p:extLst>
       <p:ext uri="{BB962C8B-B14F-4D97-AF65-F5344CB8AC3E}">
-        <p14:creationId xmlns:p14="http://schemas.microsoft.com/office/powerpoint/2010/main" val="3969872878"/>
+        <p14:creationId xmlns:p14="http://schemas.microsoft.com/office/powerpoint/2010/main" val="349769279"/>
       </p:ext>
     </p:extLst>
   </p:cSld>
@@ -7280,41 +7622,669 @@
           <a:p>
             <a:r>
               <a:rPr lang="fr-CA" dirty="0"/>
-              <a:t>Interprétation des résultats</a:t>
+              <a:t>Comparaison des modèles</a:t>
             </a:r>
             <a:endParaRPr lang="en-CA" dirty="0"/>
           </a:p>
         </p:txBody>
       </p:sp>
-      <p:sp>
-        <p:nvSpPr>
-          <p:cNvPr id="3" name="Content Placeholder 2">
-            <a:extLst>
-              <a:ext uri="{FF2B5EF4-FFF2-40B4-BE49-F238E27FC236}">
-                <a16:creationId xmlns:a16="http://schemas.microsoft.com/office/drawing/2014/main" id="{9983E910-59CB-7ECB-46A9-68D73D0A7492}"/>
-              </a:ext>
-            </a:extLst>
-          </p:cNvPr>
-          <p:cNvSpPr>
-            <a:spLocks noGrp="1"/>
-          </p:cNvSpPr>
+      <p:graphicFrame>
+        <p:nvGraphicFramePr>
+          <p:cNvPr id="9" name="Table 9">
+            <a:extLst>
+              <a:ext uri="{FF2B5EF4-FFF2-40B4-BE49-F238E27FC236}">
+                <a16:creationId xmlns:a16="http://schemas.microsoft.com/office/drawing/2014/main" id="{C20A243A-C508-F11E-24B6-AB9F90C948C2}"/>
+              </a:ext>
+            </a:extLst>
+          </p:cNvPr>
+          <p:cNvGraphicFramePr>
+            <a:graphicFrameLocks noGrp="1"/>
+          </p:cNvGraphicFramePr>
           <p:nvPr>
             <p:ph idx="1"/>
-          </p:nvPr>
-        </p:nvSpPr>
-        <p:spPr/>
-        <p:txBody>
-          <a:bodyPr/>
-          <a:lstStyle/>
-          <a:p>
-            <a:endParaRPr lang="en-CA" dirty="0"/>
-          </a:p>
-        </p:txBody>
-      </p:sp>
+            <p:extLst>
+              <p:ext uri="{D42A27DB-BD31-4B8C-83A1-F6EECF244321}">
+                <p14:modId xmlns:p14="http://schemas.microsoft.com/office/powerpoint/2010/main" val="717289651"/>
+              </p:ext>
+            </p:extLst>
+          </p:nvPr>
+        </p:nvGraphicFramePr>
+        <p:xfrm>
+          <a:off x="1066801" y="2541337"/>
+          <a:ext cx="10058397" cy="2773680"/>
+        </p:xfrm>
+        <a:graphic>
+          <a:graphicData uri="http://schemas.openxmlformats.org/drawingml/2006/table">
+            <a:tbl>
+              <a:tblPr firstRow="1" bandRow="1">
+                <a:tableStyleId>{E8B1032C-EA38-4F05-BA0D-38AFFFC7BED3}</a:tableStyleId>
+              </a:tblPr>
+              <a:tblGrid>
+                <a:gridCol w="3352799">
+                  <a:extLst>
+                    <a:ext uri="{9D8B030D-6E8A-4147-A177-3AD203B41FA5}">
+                      <a16:colId xmlns:a16="http://schemas.microsoft.com/office/drawing/2014/main" val="2243684140"/>
+                    </a:ext>
+                  </a:extLst>
+                </a:gridCol>
+                <a:gridCol w="3352799">
+                  <a:extLst>
+                    <a:ext uri="{9D8B030D-6E8A-4147-A177-3AD203B41FA5}">
+                      <a16:colId xmlns:a16="http://schemas.microsoft.com/office/drawing/2014/main" val="4156908335"/>
+                    </a:ext>
+                  </a:extLst>
+                </a:gridCol>
+                <a:gridCol w="3352799">
+                  <a:extLst>
+                    <a:ext uri="{9D8B030D-6E8A-4147-A177-3AD203B41FA5}">
+                      <a16:colId xmlns:a16="http://schemas.microsoft.com/office/drawing/2014/main" val="1070092048"/>
+                    </a:ext>
+                  </a:extLst>
+                </a:gridCol>
+              </a:tblGrid>
+              <a:tr h="370840">
+                <a:tc>
+                  <a:txBody>
+                    <a:bodyPr/>
+                    <a:lstStyle/>
+                    <a:p>
+                      <a:pPr algn="l" rtl="0" fontAlgn="base"/>
+                      <a:r>
+                        <a:rPr lang="fr-CA" sz="2000" b="1" i="0" dirty="0">
+                          <a:solidFill>
+                            <a:srgbClr val="000000"/>
+                          </a:solidFill>
+                          <a:effectLst/>
+                          <a:latin typeface="Franklin Gothic Book" panose="020B0503020102020204" pitchFamily="34" charset="0"/>
+                        </a:rPr>
+                        <a:t>Modèle​</a:t>
+                      </a:r>
+                      <a:endParaRPr lang="fr-CA" b="1" i="0" dirty="0">
+                        <a:solidFill>
+                          <a:srgbClr val="000000"/>
+                        </a:solidFill>
+                        <a:effectLst/>
+                      </a:endParaRPr>
+                    </a:p>
+                  </a:txBody>
+                  <a:tcPr/>
+                </a:tc>
+                <a:tc>
+                  <a:txBody>
+                    <a:bodyPr/>
+                    <a:lstStyle/>
+                    <a:p>
+                      <a:pPr algn="r" rtl="0" fontAlgn="base"/>
+                      <a:r>
+                        <a:rPr lang="fr-CA" sz="2000" b="1" i="0">
+                          <a:solidFill>
+                            <a:srgbClr val="000000"/>
+                          </a:solidFill>
+                          <a:effectLst/>
+                          <a:latin typeface="Franklin Gothic Book" panose="020B0503020102020204" pitchFamily="34" charset="0"/>
+                        </a:rPr>
+                        <a:t>REQM​</a:t>
+                      </a:r>
+                      <a:endParaRPr lang="fr-CA" b="1" i="0">
+                        <a:solidFill>
+                          <a:srgbClr val="000000"/>
+                        </a:solidFill>
+                        <a:effectLst/>
+                      </a:endParaRPr>
+                    </a:p>
+                  </a:txBody>
+                  <a:tcPr/>
+                </a:tc>
+                <a:tc>
+                  <a:txBody>
+                    <a:bodyPr/>
+                    <a:lstStyle/>
+                    <a:p>
+                      <a:pPr algn="r" rtl="0" fontAlgn="base"/>
+                      <a:r>
+                        <a:rPr lang="fr-CA" sz="2000" b="1" i="0">
+                          <a:solidFill>
+                            <a:srgbClr val="000000"/>
+                          </a:solidFill>
+                          <a:effectLst/>
+                          <a:latin typeface="Franklin Gothic Book" panose="020B0503020102020204" pitchFamily="34" charset="0"/>
+                        </a:rPr>
+                        <a:t>EAM​</a:t>
+                      </a:r>
+                      <a:endParaRPr lang="fr-CA" b="1" i="0">
+                        <a:solidFill>
+                          <a:srgbClr val="000000"/>
+                        </a:solidFill>
+                        <a:effectLst/>
+                      </a:endParaRPr>
+                    </a:p>
+                  </a:txBody>
+                  <a:tcPr/>
+                </a:tc>
+                <a:extLst>
+                  <a:ext uri="{0D108BD9-81ED-4DB2-BD59-A6C34878D82A}">
+                    <a16:rowId xmlns:a16="http://schemas.microsoft.com/office/drawing/2014/main" val="354654726"/>
+                  </a:ext>
+                </a:extLst>
+              </a:tr>
+              <a:tr h="370840">
+                <a:tc>
+                  <a:txBody>
+                    <a:bodyPr/>
+                    <a:lstStyle/>
+                    <a:p>
+                      <a:pPr algn="l" rtl="0" fontAlgn="base"/>
+                      <a:r>
+                        <a:rPr lang="fr-CA" sz="2000" b="0" i="0">
+                          <a:solidFill>
+                            <a:srgbClr val="000000"/>
+                          </a:solidFill>
+                          <a:effectLst/>
+                          <a:latin typeface="Franklin Gothic Book" panose="020B0503020102020204" pitchFamily="34" charset="0"/>
+                        </a:rPr>
+                        <a:t>GLM Tweedie​</a:t>
+                      </a:r>
+                      <a:endParaRPr lang="fr-CA" b="0" i="0">
+                        <a:solidFill>
+                          <a:srgbClr val="000000"/>
+                        </a:solidFill>
+                        <a:effectLst/>
+                      </a:endParaRPr>
+                    </a:p>
+                  </a:txBody>
+                  <a:tcPr/>
+                </a:tc>
+                <a:tc>
+                  <a:txBody>
+                    <a:bodyPr/>
+                    <a:lstStyle/>
+                    <a:p>
+                      <a:pPr algn="r" rtl="0" fontAlgn="base"/>
+                      <a:r>
+                        <a:rPr lang="fr-CA" sz="2000" b="0" i="0">
+                          <a:solidFill>
+                            <a:srgbClr val="C00000"/>
+                          </a:solidFill>
+                          <a:effectLst/>
+                          <a:latin typeface="Franklin Gothic Book" panose="020B0503020102020204" pitchFamily="34" charset="0"/>
+                        </a:rPr>
+                        <a:t>9306.878​</a:t>
+                      </a:r>
+                      <a:endParaRPr lang="fr-CA" b="0" i="0">
+                        <a:solidFill>
+                          <a:srgbClr val="000000"/>
+                        </a:solidFill>
+                        <a:effectLst/>
+                      </a:endParaRPr>
+                    </a:p>
+                  </a:txBody>
+                  <a:tcPr/>
+                </a:tc>
+                <a:tc>
+                  <a:txBody>
+                    <a:bodyPr/>
+                    <a:lstStyle/>
+                    <a:p>
+                      <a:pPr algn="r" rtl="0" fontAlgn="base"/>
+                      <a:r>
+                        <a:rPr lang="fr-CA" sz="2000" b="0" i="0">
+                          <a:solidFill>
+                            <a:srgbClr val="00B050"/>
+                          </a:solidFill>
+                          <a:effectLst/>
+                          <a:latin typeface="Franklin Gothic Book" panose="020B0503020102020204" pitchFamily="34" charset="0"/>
+                        </a:rPr>
+                        <a:t>1921.988​</a:t>
+                      </a:r>
+                      <a:endParaRPr lang="fr-CA" b="0" i="0">
+                        <a:solidFill>
+                          <a:srgbClr val="000000"/>
+                        </a:solidFill>
+                        <a:effectLst/>
+                      </a:endParaRPr>
+                    </a:p>
+                  </a:txBody>
+                  <a:tcPr/>
+                </a:tc>
+                <a:extLst>
+                  <a:ext uri="{0D108BD9-81ED-4DB2-BD59-A6C34878D82A}">
+                    <a16:rowId xmlns:a16="http://schemas.microsoft.com/office/drawing/2014/main" val="3275622237"/>
+                  </a:ext>
+                </a:extLst>
+              </a:tr>
+              <a:tr h="370840">
+                <a:tc>
+                  <a:txBody>
+                    <a:bodyPr/>
+                    <a:lstStyle/>
+                    <a:p>
+                      <a:pPr algn="l" rtl="0" fontAlgn="base"/>
+                      <a:r>
+                        <a:rPr lang="fr-CA" sz="2000" b="0" i="0">
+                          <a:solidFill>
+                            <a:srgbClr val="000000"/>
+                          </a:solidFill>
+                          <a:effectLst/>
+                          <a:latin typeface="Franklin Gothic Book" panose="020B0503020102020204" pitchFamily="34" charset="0"/>
+                        </a:rPr>
+                        <a:t>K plus proches voisins​</a:t>
+                      </a:r>
+                      <a:endParaRPr lang="fr-CA" b="0" i="0">
+                        <a:solidFill>
+                          <a:srgbClr val="000000"/>
+                        </a:solidFill>
+                        <a:effectLst/>
+                      </a:endParaRPr>
+                    </a:p>
+                  </a:txBody>
+                  <a:tcPr/>
+                </a:tc>
+                <a:tc>
+                  <a:txBody>
+                    <a:bodyPr/>
+                    <a:lstStyle/>
+                    <a:p>
+                      <a:pPr algn="r" rtl="0" fontAlgn="base"/>
+                      <a:r>
+                        <a:rPr lang="fr-CA" sz="2000" b="0" i="0">
+                          <a:solidFill>
+                            <a:srgbClr val="C00000"/>
+                          </a:solidFill>
+                          <a:effectLst/>
+                          <a:latin typeface="Franklin Gothic Book" panose="020B0503020102020204" pitchFamily="34" charset="0"/>
+                        </a:rPr>
+                        <a:t>17926.944​</a:t>
+                      </a:r>
+                      <a:endParaRPr lang="fr-CA" b="0" i="0">
+                        <a:solidFill>
+                          <a:srgbClr val="000000"/>
+                        </a:solidFill>
+                        <a:effectLst/>
+                      </a:endParaRPr>
+                    </a:p>
+                  </a:txBody>
+                  <a:tcPr/>
+                </a:tc>
+                <a:tc>
+                  <a:txBody>
+                    <a:bodyPr/>
+                    <a:lstStyle/>
+                    <a:p>
+                      <a:pPr algn="r" rtl="0" fontAlgn="base"/>
+                      <a:r>
+                        <a:rPr lang="fr-CA" sz="2000" b="0" i="0">
+                          <a:solidFill>
+                            <a:srgbClr val="C00000"/>
+                          </a:solidFill>
+                          <a:effectLst/>
+                          <a:latin typeface="Franklin Gothic Book" panose="020B0503020102020204" pitchFamily="34" charset="0"/>
+                        </a:rPr>
+                        <a:t>8395.884​</a:t>
+                      </a:r>
+                      <a:endParaRPr lang="fr-CA" b="0" i="0">
+                        <a:solidFill>
+                          <a:srgbClr val="000000"/>
+                        </a:solidFill>
+                        <a:effectLst/>
+                      </a:endParaRPr>
+                    </a:p>
+                  </a:txBody>
+                  <a:tcPr/>
+                </a:tc>
+                <a:extLst>
+                  <a:ext uri="{0D108BD9-81ED-4DB2-BD59-A6C34878D82A}">
+                    <a16:rowId xmlns:a16="http://schemas.microsoft.com/office/drawing/2014/main" val="293370326"/>
+                  </a:ext>
+                </a:extLst>
+              </a:tr>
+              <a:tr h="370840">
+                <a:tc>
+                  <a:txBody>
+                    <a:bodyPr/>
+                    <a:lstStyle/>
+                    <a:p>
+                      <a:pPr algn="l" rtl="0" fontAlgn="base"/>
+                      <a:r>
+                        <a:rPr lang="fr-CA" sz="2000" b="0" i="0">
+                          <a:solidFill>
+                            <a:srgbClr val="000000"/>
+                          </a:solidFill>
+                          <a:effectLst/>
+                          <a:latin typeface="Franklin Gothic Book" panose="020B0503020102020204" pitchFamily="34" charset="0"/>
+                        </a:rPr>
+                        <a:t>Arbre de décision​</a:t>
+                      </a:r>
+                      <a:endParaRPr lang="fr-CA" b="0" i="0">
+                        <a:solidFill>
+                          <a:srgbClr val="000000"/>
+                        </a:solidFill>
+                        <a:effectLst/>
+                      </a:endParaRPr>
+                    </a:p>
+                  </a:txBody>
+                  <a:tcPr/>
+                </a:tc>
+                <a:tc>
+                  <a:txBody>
+                    <a:bodyPr/>
+                    <a:lstStyle/>
+                    <a:p>
+                      <a:pPr algn="r" rtl="0" fontAlgn="base"/>
+                      <a:r>
+                        <a:rPr lang="fr-CA" sz="2000" b="0" i="0">
+                          <a:solidFill>
+                            <a:srgbClr val="000000"/>
+                          </a:solidFill>
+                          <a:effectLst/>
+                          <a:latin typeface="Franklin Gothic Book" panose="020B0503020102020204" pitchFamily="34" charset="0"/>
+                        </a:rPr>
+                        <a:t>9302.756​</a:t>
+                      </a:r>
+                      <a:endParaRPr lang="fr-CA" b="0" i="0">
+                        <a:solidFill>
+                          <a:srgbClr val="000000"/>
+                        </a:solidFill>
+                        <a:effectLst/>
+                      </a:endParaRPr>
+                    </a:p>
+                  </a:txBody>
+                  <a:tcPr/>
+                </a:tc>
+                <a:tc>
+                  <a:txBody>
+                    <a:bodyPr/>
+                    <a:lstStyle/>
+                    <a:p>
+                      <a:pPr algn="r" rtl="0" fontAlgn="base"/>
+                      <a:r>
+                        <a:rPr lang="fr-CA" sz="2000" b="0" i="0">
+                          <a:solidFill>
+                            <a:srgbClr val="C00000"/>
+                          </a:solidFill>
+                          <a:effectLst/>
+                          <a:latin typeface="Franklin Gothic Book" panose="020B0503020102020204" pitchFamily="34" charset="0"/>
+                        </a:rPr>
+                        <a:t>3038.017​</a:t>
+                      </a:r>
+                      <a:endParaRPr lang="fr-CA" b="0" i="0">
+                        <a:solidFill>
+                          <a:srgbClr val="000000"/>
+                        </a:solidFill>
+                        <a:effectLst/>
+                      </a:endParaRPr>
+                    </a:p>
+                  </a:txBody>
+                  <a:tcPr/>
+                </a:tc>
+                <a:extLst>
+                  <a:ext uri="{0D108BD9-81ED-4DB2-BD59-A6C34878D82A}">
+                    <a16:rowId xmlns:a16="http://schemas.microsoft.com/office/drawing/2014/main" val="3032264858"/>
+                  </a:ext>
+                </a:extLst>
+              </a:tr>
+              <a:tr h="370840">
+                <a:tc>
+                  <a:txBody>
+                    <a:bodyPr/>
+                    <a:lstStyle/>
+                    <a:p>
+                      <a:pPr algn="l" rtl="0" fontAlgn="base"/>
+                      <a:r>
+                        <a:rPr lang="fr-CA" sz="2000" b="0" i="0" dirty="0">
+                          <a:solidFill>
+                            <a:srgbClr val="000000"/>
+                          </a:solidFill>
+                          <a:effectLst/>
+                          <a:latin typeface="Franklin Gothic Book" panose="020B0503020102020204" pitchFamily="34" charset="0"/>
+                        </a:rPr>
+                        <a:t>Bagging​</a:t>
+                      </a:r>
+                      <a:endParaRPr lang="fr-CA" b="0" i="0" dirty="0">
+                        <a:solidFill>
+                          <a:srgbClr val="000000"/>
+                        </a:solidFill>
+                        <a:effectLst/>
+                      </a:endParaRPr>
+                    </a:p>
+                  </a:txBody>
+                  <a:tcPr/>
+                </a:tc>
+                <a:tc>
+                  <a:txBody>
+                    <a:bodyPr/>
+                    <a:lstStyle/>
+                    <a:p>
+                      <a:pPr algn="r" rtl="0" fontAlgn="base"/>
+                      <a:r>
+                        <a:rPr lang="fr-CA" sz="2000" b="0" i="0">
+                          <a:solidFill>
+                            <a:srgbClr val="00B050"/>
+                          </a:solidFill>
+                          <a:effectLst/>
+                          <a:latin typeface="Franklin Gothic Book" panose="020B0503020102020204" pitchFamily="34" charset="0"/>
+                        </a:rPr>
+                        <a:t>8679.762​</a:t>
+                      </a:r>
+                      <a:endParaRPr lang="fr-CA" b="0" i="0">
+                        <a:solidFill>
+                          <a:srgbClr val="000000"/>
+                        </a:solidFill>
+                        <a:effectLst/>
+                      </a:endParaRPr>
+                    </a:p>
+                  </a:txBody>
+                  <a:tcPr/>
+                </a:tc>
+                <a:tc>
+                  <a:txBody>
+                    <a:bodyPr/>
+                    <a:lstStyle/>
+                    <a:p>
+                      <a:pPr algn="r" rtl="0" fontAlgn="base"/>
+                      <a:r>
+                        <a:rPr lang="fr-CA" sz="2000" b="0" i="0">
+                          <a:solidFill>
+                            <a:srgbClr val="000000"/>
+                          </a:solidFill>
+                          <a:effectLst/>
+                          <a:latin typeface="Franklin Gothic Book" panose="020B0503020102020204" pitchFamily="34" charset="0"/>
+                        </a:rPr>
+                        <a:t>2709.397​</a:t>
+                      </a:r>
+                      <a:endParaRPr lang="fr-CA" b="0" i="0">
+                        <a:solidFill>
+                          <a:srgbClr val="000000"/>
+                        </a:solidFill>
+                        <a:effectLst/>
+                      </a:endParaRPr>
+                    </a:p>
+                  </a:txBody>
+                  <a:tcPr/>
+                </a:tc>
+                <a:extLst>
+                  <a:ext uri="{0D108BD9-81ED-4DB2-BD59-A6C34878D82A}">
+                    <a16:rowId xmlns:a16="http://schemas.microsoft.com/office/drawing/2014/main" val="893917008"/>
+                  </a:ext>
+                </a:extLst>
+              </a:tr>
+              <a:tr h="370840">
+                <a:tc>
+                  <a:txBody>
+                    <a:bodyPr/>
+                    <a:lstStyle/>
+                    <a:p>
+                      <a:pPr algn="l" rtl="0" fontAlgn="base"/>
+                      <a:r>
+                        <a:rPr lang="fr-CA" sz="2000" b="0" i="0">
+                          <a:solidFill>
+                            <a:srgbClr val="000000"/>
+                          </a:solidFill>
+                          <a:effectLst/>
+                          <a:latin typeface="Franklin Gothic Book" panose="020B0503020102020204" pitchFamily="34" charset="0"/>
+                        </a:rPr>
+                        <a:t>Forêt  aléatoire​</a:t>
+                      </a:r>
+                      <a:endParaRPr lang="fr-CA" b="0" i="0">
+                        <a:solidFill>
+                          <a:srgbClr val="000000"/>
+                        </a:solidFill>
+                        <a:effectLst/>
+                      </a:endParaRPr>
+                    </a:p>
+                  </a:txBody>
+                  <a:tcPr/>
+                </a:tc>
+                <a:tc>
+                  <a:txBody>
+                    <a:bodyPr/>
+                    <a:lstStyle/>
+                    <a:p>
+                      <a:pPr algn="r" rtl="0" fontAlgn="base"/>
+                      <a:r>
+                        <a:rPr lang="fr-CA" sz="2000" b="0" i="0">
+                          <a:solidFill>
+                            <a:srgbClr val="00B050"/>
+                          </a:solidFill>
+                          <a:effectLst/>
+                          <a:latin typeface="Franklin Gothic Book" panose="020B0503020102020204" pitchFamily="34" charset="0"/>
+                        </a:rPr>
+                        <a:t>8664.902​</a:t>
+                      </a:r>
+                      <a:endParaRPr lang="fr-CA" b="0" i="0">
+                        <a:solidFill>
+                          <a:srgbClr val="000000"/>
+                        </a:solidFill>
+                        <a:effectLst/>
+                      </a:endParaRPr>
+                    </a:p>
+                  </a:txBody>
+                  <a:tcPr/>
+                </a:tc>
+                <a:tc>
+                  <a:txBody>
+                    <a:bodyPr/>
+                    <a:lstStyle/>
+                    <a:p>
+                      <a:pPr algn="r" rtl="0" fontAlgn="base"/>
+                      <a:r>
+                        <a:rPr lang="fr-CA" sz="2000" b="0" i="0">
+                          <a:solidFill>
+                            <a:srgbClr val="00B050"/>
+                          </a:solidFill>
+                          <a:effectLst/>
+                          <a:latin typeface="Franklin Gothic Book" panose="020B0503020102020204" pitchFamily="34" charset="0"/>
+                        </a:rPr>
+                        <a:t>2705.454​</a:t>
+                      </a:r>
+                      <a:endParaRPr lang="fr-CA" b="0" i="0">
+                        <a:solidFill>
+                          <a:srgbClr val="000000"/>
+                        </a:solidFill>
+                        <a:effectLst/>
+                      </a:endParaRPr>
+                    </a:p>
+                  </a:txBody>
+                  <a:tcPr/>
+                </a:tc>
+                <a:extLst>
+                  <a:ext uri="{0D108BD9-81ED-4DB2-BD59-A6C34878D82A}">
+                    <a16:rowId xmlns:a16="http://schemas.microsoft.com/office/drawing/2014/main" val="3827916970"/>
+                  </a:ext>
+                </a:extLst>
+              </a:tr>
+              <a:tr h="370840">
+                <a:tc>
+                  <a:txBody>
+                    <a:bodyPr/>
+                    <a:lstStyle/>
+                    <a:p>
+                      <a:pPr algn="l" rtl="0" fontAlgn="base"/>
+                      <a:r>
+                        <a:rPr lang="fr-CA" sz="2000" b="0" i="0">
+                          <a:solidFill>
+                            <a:srgbClr val="000000"/>
+                          </a:solidFill>
+                          <a:effectLst/>
+                          <a:latin typeface="Franklin Gothic Book" panose="020B0503020102020204" pitchFamily="34" charset="0"/>
+                        </a:rPr>
+                        <a:t>Gradient boosting​</a:t>
+                      </a:r>
+                      <a:endParaRPr lang="fr-CA" b="0" i="0">
+                        <a:solidFill>
+                          <a:srgbClr val="000000"/>
+                        </a:solidFill>
+                        <a:effectLst/>
+                      </a:endParaRPr>
+                    </a:p>
+                  </a:txBody>
+                  <a:tcPr/>
+                </a:tc>
+                <a:tc>
+                  <a:txBody>
+                    <a:bodyPr/>
+                    <a:lstStyle/>
+                    <a:p>
+                      <a:pPr algn="r" rtl="0" fontAlgn="base"/>
+                      <a:r>
+                        <a:rPr lang="fr-CA" sz="2000" b="0" i="0">
+                          <a:solidFill>
+                            <a:srgbClr val="000000"/>
+                          </a:solidFill>
+                          <a:effectLst/>
+                          <a:latin typeface="Franklin Gothic Book" panose="020B0503020102020204" pitchFamily="34" charset="0"/>
+                        </a:rPr>
+                        <a:t>9204.148​</a:t>
+                      </a:r>
+                      <a:endParaRPr lang="fr-CA" b="0" i="0">
+                        <a:solidFill>
+                          <a:srgbClr val="000000"/>
+                        </a:solidFill>
+                        <a:effectLst/>
+                      </a:endParaRPr>
+                    </a:p>
+                  </a:txBody>
+                  <a:tcPr/>
+                </a:tc>
+                <a:tc>
+                  <a:txBody>
+                    <a:bodyPr/>
+                    <a:lstStyle/>
+                    <a:p>
+                      <a:pPr algn="r" rtl="0" fontAlgn="base"/>
+                      <a:r>
+                        <a:rPr lang="fr-CA" sz="2000" b="0" i="0" dirty="0">
+                          <a:solidFill>
+                            <a:srgbClr val="000000"/>
+                          </a:solidFill>
+                          <a:effectLst/>
+                          <a:latin typeface="Franklin Gothic Book" panose="020B0503020102020204" pitchFamily="34" charset="0"/>
+                        </a:rPr>
+                        <a:t>2890.436​</a:t>
+                      </a:r>
+                      <a:endParaRPr lang="fr-CA" b="0" i="0" dirty="0">
+                        <a:solidFill>
+                          <a:srgbClr val="000000"/>
+                        </a:solidFill>
+                        <a:effectLst/>
+                      </a:endParaRPr>
+                    </a:p>
+                  </a:txBody>
+                  <a:tcPr/>
+                </a:tc>
+                <a:extLst>
+                  <a:ext uri="{0D108BD9-81ED-4DB2-BD59-A6C34878D82A}">
+                    <a16:rowId xmlns:a16="http://schemas.microsoft.com/office/drawing/2014/main" val="4109876929"/>
+                  </a:ext>
+                </a:extLst>
+              </a:tr>
+            </a:tbl>
+          </a:graphicData>
+        </a:graphic>
+      </p:graphicFrame>
     </p:spTree>
     <p:extLst>
       <p:ext uri="{BB962C8B-B14F-4D97-AF65-F5344CB8AC3E}">
-        <p14:creationId xmlns:p14="http://schemas.microsoft.com/office/powerpoint/2010/main" val="2094673800"/>
+        <p14:creationId xmlns:p14="http://schemas.microsoft.com/office/powerpoint/2010/main" val="3655165667"/>
       </p:ext>
     </p:extLst>
   </p:cSld>
@@ -7346,6 +8316,174 @@
           <p:cNvPr id="2" name="Title 1">
             <a:extLst>
               <a:ext uri="{FF2B5EF4-FFF2-40B4-BE49-F238E27FC236}">
+                <a16:creationId xmlns:a16="http://schemas.microsoft.com/office/drawing/2014/main" id="{2972E3D2-B3C5-FB56-6BD1-0BD8DD76CCA3}"/>
+              </a:ext>
+            </a:extLst>
+          </p:cNvPr>
+          <p:cNvSpPr>
+            <a:spLocks noGrp="1"/>
+          </p:cNvSpPr>
+          <p:nvPr>
+            <p:ph type="title"/>
+          </p:nvPr>
+        </p:nvSpPr>
+        <p:spPr/>
+        <p:txBody>
+          <a:bodyPr/>
+          <a:lstStyle/>
+          <a:p>
+            <a:r>
+              <a:rPr lang="fr-CA" dirty="0"/>
+              <a:t>Analyse des résultats pour le meilleur modèle: XXX</a:t>
+            </a:r>
+            <a:endParaRPr lang="en-CA" dirty="0"/>
+          </a:p>
+        </p:txBody>
+      </p:sp>
+      <p:sp>
+        <p:nvSpPr>
+          <p:cNvPr id="3" name="Content Placeholder 2">
+            <a:extLst>
+              <a:ext uri="{FF2B5EF4-FFF2-40B4-BE49-F238E27FC236}">
+                <a16:creationId xmlns:a16="http://schemas.microsoft.com/office/drawing/2014/main" id="{9983E910-59CB-7ECB-46A9-68D73D0A7492}"/>
+              </a:ext>
+            </a:extLst>
+          </p:cNvPr>
+          <p:cNvSpPr>
+            <a:spLocks noGrp="1"/>
+          </p:cNvSpPr>
+          <p:nvPr>
+            <p:ph idx="1"/>
+          </p:nvPr>
+        </p:nvSpPr>
+        <p:spPr/>
+        <p:txBody>
+          <a:bodyPr/>
+          <a:lstStyle/>
+          <a:p>
+            <a:endParaRPr lang="en-CA" dirty="0"/>
+          </a:p>
+        </p:txBody>
+      </p:sp>
+    </p:spTree>
+    <p:extLst>
+      <p:ext uri="{BB962C8B-B14F-4D97-AF65-F5344CB8AC3E}">
+        <p14:creationId xmlns:p14="http://schemas.microsoft.com/office/powerpoint/2010/main" val="3969872878"/>
+      </p:ext>
+    </p:extLst>
+  </p:cSld>
+  <p:clrMapOvr>
+    <a:masterClrMapping/>
+  </p:clrMapOvr>
+</p:sld>
+</file>
+
+<file path=ppt/slides/slide26.xml><?xml version="1.0" encoding="utf-8"?>
+<p:sld xmlns:a="http://schemas.openxmlformats.org/drawingml/2006/main" xmlns:r="http://schemas.openxmlformats.org/officeDocument/2006/relationships" xmlns:p="http://schemas.openxmlformats.org/presentationml/2006/main">
+  <p:cSld>
+    <p:spTree>
+      <p:nvGrpSpPr>
+        <p:cNvPr id="1" name=""/>
+        <p:cNvGrpSpPr/>
+        <p:nvPr/>
+      </p:nvGrpSpPr>
+      <p:grpSpPr>
+        <a:xfrm>
+          <a:off x="0" y="0"/>
+          <a:ext cx="0" cy="0"/>
+          <a:chOff x="0" y="0"/>
+          <a:chExt cx="0" cy="0"/>
+        </a:xfrm>
+      </p:grpSpPr>
+      <p:sp>
+        <p:nvSpPr>
+          <p:cNvPr id="2" name="Title 1">
+            <a:extLst>
+              <a:ext uri="{FF2B5EF4-FFF2-40B4-BE49-F238E27FC236}">
+                <a16:creationId xmlns:a16="http://schemas.microsoft.com/office/drawing/2014/main" id="{2972E3D2-B3C5-FB56-6BD1-0BD8DD76CCA3}"/>
+              </a:ext>
+            </a:extLst>
+          </p:cNvPr>
+          <p:cNvSpPr>
+            <a:spLocks noGrp="1"/>
+          </p:cNvSpPr>
+          <p:nvPr>
+            <p:ph type="title"/>
+          </p:nvPr>
+        </p:nvSpPr>
+        <p:spPr/>
+        <p:txBody>
+          <a:bodyPr/>
+          <a:lstStyle/>
+          <a:p>
+            <a:r>
+              <a:rPr lang="fr-CA" dirty="0"/>
+              <a:t>Interprétation des résultats</a:t>
+            </a:r>
+            <a:endParaRPr lang="en-CA" dirty="0"/>
+          </a:p>
+        </p:txBody>
+      </p:sp>
+      <p:sp>
+        <p:nvSpPr>
+          <p:cNvPr id="3" name="Content Placeholder 2">
+            <a:extLst>
+              <a:ext uri="{FF2B5EF4-FFF2-40B4-BE49-F238E27FC236}">
+                <a16:creationId xmlns:a16="http://schemas.microsoft.com/office/drawing/2014/main" id="{9983E910-59CB-7ECB-46A9-68D73D0A7492}"/>
+              </a:ext>
+            </a:extLst>
+          </p:cNvPr>
+          <p:cNvSpPr>
+            <a:spLocks noGrp="1"/>
+          </p:cNvSpPr>
+          <p:nvPr>
+            <p:ph idx="1"/>
+          </p:nvPr>
+        </p:nvSpPr>
+        <p:spPr/>
+        <p:txBody>
+          <a:bodyPr/>
+          <a:lstStyle/>
+          <a:p>
+            <a:endParaRPr lang="en-CA" dirty="0"/>
+          </a:p>
+        </p:txBody>
+      </p:sp>
+    </p:spTree>
+    <p:extLst>
+      <p:ext uri="{BB962C8B-B14F-4D97-AF65-F5344CB8AC3E}">
+        <p14:creationId xmlns:p14="http://schemas.microsoft.com/office/powerpoint/2010/main" val="2094673800"/>
+      </p:ext>
+    </p:extLst>
+  </p:cSld>
+  <p:clrMapOvr>
+    <a:masterClrMapping/>
+  </p:clrMapOvr>
+</p:sld>
+</file>
+
+<file path=ppt/slides/slide27.xml><?xml version="1.0" encoding="utf-8"?>
+<p:sld xmlns:a="http://schemas.openxmlformats.org/drawingml/2006/main" xmlns:r="http://schemas.openxmlformats.org/officeDocument/2006/relationships" xmlns:p="http://schemas.openxmlformats.org/presentationml/2006/main">
+  <p:cSld>
+    <p:spTree>
+      <p:nvGrpSpPr>
+        <p:cNvPr id="1" name=""/>
+        <p:cNvGrpSpPr/>
+        <p:nvPr/>
+      </p:nvGrpSpPr>
+      <p:grpSpPr>
+        <a:xfrm>
+          <a:off x="0" y="0"/>
+          <a:ext cx="0" cy="0"/>
+          <a:chOff x="0" y="0"/>
+          <a:chExt cx="0" cy="0"/>
+        </a:xfrm>
+      </p:grpSpPr>
+      <p:sp>
+        <p:nvSpPr>
+          <p:cNvPr id="2" name="Title 1">
+            <a:extLst>
+              <a:ext uri="{FF2B5EF4-FFF2-40B4-BE49-F238E27FC236}">
                 <a16:creationId xmlns:a16="http://schemas.microsoft.com/office/drawing/2014/main" id="{94951D72-9FC3-B808-3CC4-B291E4C2CC30}"/>
               </a:ext>
             </a:extLst>
@@ -7408,7 +8546,7 @@
 </p:sld>
 </file>
 
-<file path=ppt/slides/slide26.xml><?xml version="1.0" encoding="utf-8"?>
+<file path=ppt/slides/slide28.xml><?xml version="1.0" encoding="utf-8"?>
 <p:sld xmlns:a="http://schemas.openxmlformats.org/drawingml/2006/main" xmlns:r="http://schemas.openxmlformats.org/officeDocument/2006/relationships" xmlns:p="http://schemas.openxmlformats.org/presentationml/2006/main">
   <p:cSld>
     <p:spTree>

--- a/Final/Presentation_Equipe9.pptx
+++ b/Final/Presentation_Equipe9.pptx
@@ -30,9 +30,13 @@
     <p:sldId id="273" r:id="rId24"/>
     <p:sldId id="274" r:id="rId25"/>
     <p:sldId id="275" r:id="rId26"/>
-    <p:sldId id="276" r:id="rId27"/>
-    <p:sldId id="277" r:id="rId28"/>
-    <p:sldId id="278" r:id="rId29"/>
+    <p:sldId id="289" r:id="rId27"/>
+    <p:sldId id="276" r:id="rId28"/>
+    <p:sldId id="290" r:id="rId29"/>
+    <p:sldId id="291" r:id="rId30"/>
+    <p:sldId id="292" r:id="rId31"/>
+    <p:sldId id="277" r:id="rId32"/>
+    <p:sldId id="278" r:id="rId33"/>
   </p:sldIdLst>
   <p:sldSz cx="12192000" cy="6858000"/>
   <p:notesSz cx="6858000" cy="9144000"/>
@@ -6349,12 +6353,48 @@
           </a:p>
         </p:txBody>
       </p:sp>
+      <p:pic>
+        <p:nvPicPr>
+          <p:cNvPr id="8" name="Picture 7" descr="Chart, line chart&#10;&#10;Description automatically generated">
+            <a:extLst>
+              <a:ext uri="{FF2B5EF4-FFF2-40B4-BE49-F238E27FC236}">
+                <a16:creationId xmlns:a16="http://schemas.microsoft.com/office/drawing/2014/main" id="{AD32A685-63F6-A48C-F97A-B7CA5DAC75A2}"/>
+              </a:ext>
+            </a:extLst>
+          </p:cNvPr>
+          <p:cNvPicPr>
+            <a:picLocks noChangeAspect="1"/>
+          </p:cNvPicPr>
+          <p:nvPr/>
+        </p:nvPicPr>
+        <p:blipFill>
+          <a:blip r:embed="rId2">
+            <a:extLst>
+              <a:ext uri="{28A0092B-C50C-407E-A947-70E740481C1C}">
+                <a14:useLocalDpi xmlns:a14="http://schemas.microsoft.com/office/drawing/2010/main" val="0"/>
+              </a:ext>
+            </a:extLst>
+          </a:blip>
+          <a:stretch>
+            <a:fillRect/>
+          </a:stretch>
+        </p:blipFill>
+        <p:spPr>
+          <a:xfrm>
+            <a:off x="6126480" y="2141728"/>
+            <a:ext cx="5732749" cy="4004547"/>
+          </a:xfrm>
+          <a:prstGeom prst="rect">
+            <a:avLst/>
+          </a:prstGeom>
+        </p:spPr>
+      </p:pic>
       <p:sp>
         <p:nvSpPr>
-          <p:cNvPr id="4" name="Content Placeholder 2">
+          <p:cNvPr id="9" name="Content Placeholder 2">
             <a:extLst>
               <a:ext uri="{FF2B5EF4-FFF2-40B4-BE49-F238E27FC236}">
-                <a16:creationId xmlns:a16="http://schemas.microsoft.com/office/drawing/2014/main" id="{EB98C243-9A04-CAEF-16B1-37E1FD87468E}"/>
+                <a16:creationId xmlns:a16="http://schemas.microsoft.com/office/drawing/2014/main" id="{898EBD5F-CA4A-6B80-0886-F1B5C2C6BAD6}"/>
               </a:ext>
             </a:extLst>
           </p:cNvPr>
@@ -6633,42 +6673,6 @@
           </a:p>
         </p:txBody>
       </p:sp>
-      <p:pic>
-        <p:nvPicPr>
-          <p:cNvPr id="8" name="Picture 7" descr="Chart, line chart&#10;&#10;Description automatically generated">
-            <a:extLst>
-              <a:ext uri="{FF2B5EF4-FFF2-40B4-BE49-F238E27FC236}">
-                <a16:creationId xmlns:a16="http://schemas.microsoft.com/office/drawing/2014/main" id="{AD32A685-63F6-A48C-F97A-B7CA5DAC75A2}"/>
-              </a:ext>
-            </a:extLst>
-          </p:cNvPr>
-          <p:cNvPicPr>
-            <a:picLocks noChangeAspect="1"/>
-          </p:cNvPicPr>
-          <p:nvPr/>
-        </p:nvPicPr>
-        <p:blipFill>
-          <a:blip r:embed="rId2">
-            <a:extLst>
-              <a:ext uri="{28A0092B-C50C-407E-A947-70E740481C1C}">
-                <a14:useLocalDpi xmlns:a14="http://schemas.microsoft.com/office/drawing/2010/main" val="0"/>
-              </a:ext>
-            </a:extLst>
-          </a:blip>
-          <a:stretch>
-            <a:fillRect/>
-          </a:stretch>
-        </p:blipFill>
-        <p:spPr>
-          <a:xfrm>
-            <a:off x="6126480" y="2141728"/>
-            <a:ext cx="5732749" cy="4004547"/>
-          </a:xfrm>
-          <a:prstGeom prst="rect">
-            <a:avLst/>
-          </a:prstGeom>
-        </p:spPr>
-      </p:pic>
     </p:spTree>
     <p:extLst>
       <p:ext uri="{BB962C8B-B14F-4D97-AF65-F5344CB8AC3E}">
@@ -6756,14 +6760,20 @@
           </a:bodyPr>
           <a:lstStyle/>
           <a:p>
-            <a:pPr marL="285750" indent="-285750">
+            <a:pPr marL="342900" indent="-342900">
+              <a:buClr>
+                <a:srgbClr val="9BA8B7"/>
+              </a:buClr>
               <a:buFont typeface="Wingdings" panose="05000000000000000000" pitchFamily="2" charset="2"/>
               <a:buChar char="q"/>
             </a:pPr>
             <a:endParaRPr lang="fr-CA" sz="2000" dirty="0"/>
           </a:p>
           <a:p>
-            <a:pPr marL="285750" indent="-285750">
+            <a:pPr marL="342900" indent="-342900">
+              <a:buClr>
+                <a:srgbClr val="9BA8B7"/>
+              </a:buClr>
               <a:buFont typeface="Wingdings" panose="05000000000000000000" pitchFamily="2" charset="2"/>
               <a:buChar char="q"/>
             </a:pPr>
@@ -6778,75 +6788,107 @@
             <a:endParaRPr lang="en-CA" sz="2400" dirty="0"/>
           </a:p>
           <a:p>
-            <a:endParaRPr lang="en-CA" sz="2400" dirty="0"/>
-          </a:p>
-          <a:p>
-            <a:pPr marL="285750" indent="-285750">
-              <a:buFont typeface="Wingdings" panose="05000000000000000000" pitchFamily="2" charset="2"/>
-              <a:buChar char="q"/>
-            </a:pPr>
-            <a:r>
-              <a:rPr lang="en-CA" sz="2400" dirty="0"/>
-              <a:t>Jeu de </a:t>
-            </a:r>
-            <a:r>
-              <a:rPr lang="en-CA" sz="2400" dirty="0" err="1"/>
-              <a:t>données</a:t>
-            </a:r>
-            <a:endParaRPr lang="en-CA" sz="2400" dirty="0"/>
-          </a:p>
-          <a:p>
-            <a:endParaRPr lang="en-CA" sz="2400" dirty="0"/>
-          </a:p>
-          <a:p>
-            <a:pPr marL="285750" indent="-285750">
-              <a:buFont typeface="Wingdings" panose="05000000000000000000" pitchFamily="2" charset="2"/>
-              <a:buChar char="q"/>
-            </a:pPr>
-            <a:r>
-              <a:rPr lang="en-CA" sz="2400" dirty="0" err="1"/>
-              <a:t>Modèles</a:t>
-            </a:r>
-            <a:r>
-              <a:rPr lang="en-CA" sz="2400" dirty="0"/>
-              <a:t> </a:t>
-            </a:r>
-            <a:r>
-              <a:rPr lang="en-CA" sz="2400" dirty="0" err="1"/>
-              <a:t>Prédictifs</a:t>
-            </a:r>
-            <a:endParaRPr lang="en-CA" sz="2400" dirty="0"/>
-          </a:p>
-          <a:p>
-            <a:pPr marL="285750" indent="-285750">
+            <a:pPr marL="342900" indent="-342900">
+              <a:buClr>
+                <a:srgbClr val="9BA8B7"/>
+              </a:buClr>
               <a:buFont typeface="Wingdings" panose="05000000000000000000" pitchFamily="2" charset="2"/>
               <a:buChar char="q"/>
             </a:pPr>
             <a:endParaRPr lang="en-CA" sz="2400" dirty="0"/>
           </a:p>
           <a:p>
-            <a:pPr marL="285750" indent="-285750">
+            <a:pPr marL="342900" indent="-342900">
+              <a:buClr>
+                <a:srgbClr val="9BA8B7"/>
+              </a:buClr>
               <a:buFont typeface="Wingdings" panose="05000000000000000000" pitchFamily="2" charset="2"/>
               <a:buChar char="q"/>
             </a:pPr>
             <a:r>
+              <a:rPr lang="en-CA" sz="2400" dirty="0"/>
+              <a:t>Jeu de </a:t>
+            </a:r>
+            <a:r>
               <a:rPr lang="en-CA" sz="2400" dirty="0" err="1"/>
-              <a:t>Comparaison</a:t>
-            </a:r>
-            <a:r>
-              <a:rPr lang="en-CA" sz="2400" dirty="0"/>
-              <a:t> de la performance</a:t>
-            </a:r>
-          </a:p>
-          <a:p>
-            <a:pPr marL="285750" indent="-285750">
+              <a:t>données</a:t>
+            </a:r>
+            <a:endParaRPr lang="en-CA" sz="2400" dirty="0"/>
+          </a:p>
+          <a:p>
+            <a:pPr marL="342900" indent="-342900">
+              <a:buClr>
+                <a:srgbClr val="9BA8B7"/>
+              </a:buClr>
               <a:buFont typeface="Wingdings" panose="05000000000000000000" pitchFamily="2" charset="2"/>
               <a:buChar char="q"/>
             </a:pPr>
             <a:endParaRPr lang="en-CA" sz="2400" dirty="0"/>
           </a:p>
           <a:p>
-            <a:pPr marL="285750" indent="-285750">
+            <a:pPr marL="342900" indent="-342900">
+              <a:buClr>
+                <a:srgbClr val="9BA8B7"/>
+              </a:buClr>
+              <a:buFont typeface="Wingdings" panose="05000000000000000000" pitchFamily="2" charset="2"/>
+              <a:buChar char="q"/>
+            </a:pPr>
+            <a:r>
+              <a:rPr lang="en-CA" sz="2400" dirty="0" err="1"/>
+              <a:t>Modèles</a:t>
+            </a:r>
+            <a:r>
+              <a:rPr lang="en-CA" sz="2400" dirty="0"/>
+              <a:t> </a:t>
+            </a:r>
+            <a:r>
+              <a:rPr lang="en-CA" sz="2400" dirty="0" err="1"/>
+              <a:t>Prédictifs</a:t>
+            </a:r>
+            <a:endParaRPr lang="en-CA" sz="2400" dirty="0"/>
+          </a:p>
+          <a:p>
+            <a:pPr marL="342900" indent="-342900">
+              <a:buClr>
+                <a:srgbClr val="9BA8B7"/>
+              </a:buClr>
+              <a:buFont typeface="Wingdings" panose="05000000000000000000" pitchFamily="2" charset="2"/>
+              <a:buChar char="q"/>
+            </a:pPr>
+            <a:endParaRPr lang="en-CA" sz="2400" dirty="0"/>
+          </a:p>
+          <a:p>
+            <a:pPr marL="342900" indent="-342900">
+              <a:buClr>
+                <a:srgbClr val="9BA8B7"/>
+              </a:buClr>
+              <a:buFont typeface="Wingdings" panose="05000000000000000000" pitchFamily="2" charset="2"/>
+              <a:buChar char="q"/>
+            </a:pPr>
+            <a:r>
+              <a:rPr lang="en-CA" sz="2400" dirty="0" err="1"/>
+              <a:t>Comparaison</a:t>
+            </a:r>
+            <a:r>
+              <a:rPr lang="en-CA" sz="2400" dirty="0"/>
+              <a:t> de la performance</a:t>
+            </a:r>
+          </a:p>
+          <a:p>
+            <a:pPr marL="342900" indent="-342900">
+              <a:buClr>
+                <a:srgbClr val="9BA8B7"/>
+              </a:buClr>
+              <a:buFont typeface="Wingdings" panose="05000000000000000000" pitchFamily="2" charset="2"/>
+              <a:buChar char="q"/>
+            </a:pPr>
+            <a:endParaRPr lang="en-CA" sz="2400" dirty="0"/>
+          </a:p>
+          <a:p>
+            <a:pPr marL="342900" indent="-342900">
+              <a:buClr>
+                <a:srgbClr val="9BA8B7"/>
+              </a:buClr>
               <a:buFont typeface="Wingdings" panose="05000000000000000000" pitchFamily="2" charset="2"/>
               <a:buChar char="q"/>
             </a:pPr>
@@ -7322,6 +7364,9 @@
             <a:endParaRPr lang="en-CA" dirty="0"/>
           </a:p>
           <a:p>
+            <a:endParaRPr lang="en-CA" dirty="0"/>
+          </a:p>
+          <a:p>
             <a:pPr>
               <a:buFont typeface="Wingdings" panose="05000000000000000000" pitchFamily="2" charset="2"/>
               <a:buChar char="q"/>
@@ -7385,52 +7430,6 @@
           </a:prstGeom>
         </p:spPr>
       </p:pic>
-      <p:sp>
-        <p:nvSpPr>
-          <p:cNvPr id="7" name="Rectangle 6">
-            <a:extLst>
-              <a:ext uri="{FF2B5EF4-FFF2-40B4-BE49-F238E27FC236}">
-                <a16:creationId xmlns:a16="http://schemas.microsoft.com/office/drawing/2014/main" id="{DE306A95-649B-AE06-CEA8-FC5D980DDCD8}"/>
-              </a:ext>
-            </a:extLst>
-          </p:cNvPr>
-          <p:cNvSpPr/>
-          <p:nvPr/>
-        </p:nvSpPr>
-        <p:spPr>
-          <a:xfrm>
-            <a:off x="5572125" y="4724400"/>
-            <a:ext cx="45719" cy="45719"/>
-          </a:xfrm>
-          <a:prstGeom prst="rect">
-            <a:avLst/>
-          </a:prstGeom>
-        </p:spPr>
-        <p:style>
-          <a:lnRef idx="2">
-            <a:schemeClr val="accent1">
-              <a:shade val="50000"/>
-            </a:schemeClr>
-          </a:lnRef>
-          <a:fillRef idx="1">
-            <a:schemeClr val="accent1"/>
-          </a:fillRef>
-          <a:effectRef idx="0">
-            <a:schemeClr val="accent1"/>
-          </a:effectRef>
-          <a:fontRef idx="minor">
-            <a:schemeClr val="lt1"/>
-          </a:fontRef>
-        </p:style>
-        <p:txBody>
-          <a:bodyPr rtlCol="0" anchor="ctr"/>
-          <a:lstStyle/>
-          <a:p>
-            <a:pPr algn="ctr"/>
-            <a:endParaRPr lang="fr-CA"/>
-          </a:p>
-        </p:txBody>
-      </p:sp>
       <p:sp>
         <p:nvSpPr>
           <p:cNvPr id="8" name="Rectangle 7">
@@ -8334,33 +8333,339 @@
           <a:p>
             <a:r>
               <a:rPr lang="fr-CA" dirty="0"/>
-              <a:t>Analyse des résultats pour le meilleur modèle: XXX</a:t>
+              <a:t>Analyse des résultats pour le modèle: Forêt aléatoire</a:t>
             </a:r>
             <a:endParaRPr lang="en-CA" dirty="0"/>
           </a:p>
         </p:txBody>
       </p:sp>
+      <p:pic>
+        <p:nvPicPr>
+          <p:cNvPr id="5" name="Picture 4" descr="Chart, scatter chart&#10;&#10;Description automatically generated">
+            <a:extLst>
+              <a:ext uri="{FF2B5EF4-FFF2-40B4-BE49-F238E27FC236}">
+                <a16:creationId xmlns:a16="http://schemas.microsoft.com/office/drawing/2014/main" id="{3CCA3D4E-256C-3C90-3557-05F051CD2CF8}"/>
+              </a:ext>
+            </a:extLst>
+          </p:cNvPr>
+          <p:cNvPicPr>
+            <a:picLocks noChangeAspect="1"/>
+          </p:cNvPicPr>
+          <p:nvPr/>
+        </p:nvPicPr>
+        <p:blipFill>
+          <a:blip r:embed="rId2">
+            <a:extLst>
+              <a:ext uri="{28A0092B-C50C-407E-A947-70E740481C1C}">
+                <a14:useLocalDpi xmlns:a14="http://schemas.microsoft.com/office/drawing/2010/main" val="0"/>
+              </a:ext>
+            </a:extLst>
+          </a:blip>
+          <a:stretch>
+            <a:fillRect/>
+          </a:stretch>
+        </p:blipFill>
+        <p:spPr>
+          <a:xfrm>
+            <a:off x="5297153" y="2108201"/>
+            <a:ext cx="5970495" cy="3751423"/>
+          </a:xfrm>
+          <a:prstGeom prst="rect">
+            <a:avLst/>
+          </a:prstGeom>
+        </p:spPr>
+      </p:pic>
       <p:sp>
         <p:nvSpPr>
-          <p:cNvPr id="3" name="Content Placeholder 2">
+          <p:cNvPr id="11" name="Content Placeholder 2">
             <a:extLst>
               <a:ext uri="{FF2B5EF4-FFF2-40B4-BE49-F238E27FC236}">
-                <a16:creationId xmlns:a16="http://schemas.microsoft.com/office/drawing/2014/main" id="{9983E910-59CB-7ECB-46A9-68D73D0A7492}"/>
+                <a16:creationId xmlns:a16="http://schemas.microsoft.com/office/drawing/2014/main" id="{B3AAF8B0-C3D0-0BD9-E491-E0358B01B813}"/>
               </a:ext>
             </a:extLst>
           </p:cNvPr>
-          <p:cNvSpPr>
+          <p:cNvSpPr txBox="1">
             <a:spLocks noGrp="1"/>
           </p:cNvSpPr>
           <p:nvPr>
             <p:ph idx="1"/>
           </p:nvPr>
         </p:nvSpPr>
-        <p:spPr/>
+        <p:spPr>
+          <a:xfrm>
+            <a:off x="1096963" y="2108200"/>
+            <a:ext cx="4200525" cy="3760788"/>
+          </a:xfrm>
+          <a:prstGeom prst="rect">
+            <a:avLst/>
+          </a:prstGeom>
+        </p:spPr>
         <p:txBody>
-          <a:bodyPr/>
-          <a:lstStyle/>
-          <a:p>
+          <a:bodyPr vert="horz" lIns="0" tIns="45720" rIns="0" bIns="45720" rtlCol="0" anchor="ctr">
+            <a:normAutofit/>
+          </a:bodyPr>
+          <a:lstStyle>
+            <a:lvl1pPr marL="91440" indent="-91440" algn="l" defTabSz="914400" rtl="0" eaLnBrk="1" latinLnBrk="0" hangingPunct="1">
+              <a:lnSpc>
+                <a:spcPct val="110000"/>
+              </a:lnSpc>
+              <a:spcBef>
+                <a:spcPts val="1200"/>
+              </a:spcBef>
+              <a:spcAft>
+                <a:spcPts val="200"/>
+              </a:spcAft>
+              <a:buClr>
+                <a:schemeClr val="accent1"/>
+              </a:buClr>
+              <a:buSzPct val="100000"/>
+              <a:buFont typeface="Calibri" panose="020F0502020204030204" pitchFamily="34" charset="0"/>
+              <a:buChar char=" "/>
+              <a:defRPr sz="1900" kern="1200">
+                <a:solidFill>
+                  <a:schemeClr val="tx1">
+                    <a:lumMod val="75000"/>
+                    <a:lumOff val="25000"/>
+                  </a:schemeClr>
+                </a:solidFill>
+                <a:latin typeface="+mn-lt"/>
+                <a:ea typeface="+mn-ea"/>
+                <a:cs typeface="+mn-cs"/>
+              </a:defRPr>
+            </a:lvl1pPr>
+            <a:lvl2pPr marL="384048" indent="-182880" algn="l" defTabSz="914400" rtl="0" eaLnBrk="1" latinLnBrk="0" hangingPunct="1">
+              <a:lnSpc>
+                <a:spcPct val="100000"/>
+              </a:lnSpc>
+              <a:spcBef>
+                <a:spcPts val="200"/>
+              </a:spcBef>
+              <a:spcAft>
+                <a:spcPts val="400"/>
+              </a:spcAft>
+              <a:buClrTx/>
+              <a:buFont typeface="Calibri" pitchFamily="34" charset="0"/>
+              <a:buChar char="◦"/>
+              <a:defRPr sz="1700" kern="1200">
+                <a:solidFill>
+                  <a:schemeClr val="tx1">
+                    <a:lumMod val="75000"/>
+                    <a:lumOff val="25000"/>
+                  </a:schemeClr>
+                </a:solidFill>
+                <a:latin typeface="+mn-lt"/>
+                <a:ea typeface="+mn-ea"/>
+                <a:cs typeface="+mn-cs"/>
+              </a:defRPr>
+            </a:lvl2pPr>
+            <a:lvl3pPr marL="566928" indent="-182880" algn="l" defTabSz="914400" rtl="0" eaLnBrk="1" latinLnBrk="0" hangingPunct="1">
+              <a:lnSpc>
+                <a:spcPct val="100000"/>
+              </a:lnSpc>
+              <a:spcBef>
+                <a:spcPts val="200"/>
+              </a:spcBef>
+              <a:spcAft>
+                <a:spcPts val="400"/>
+              </a:spcAft>
+              <a:buClrTx/>
+              <a:buFont typeface="Calibri" pitchFamily="34" charset="0"/>
+              <a:buChar char="◦"/>
+              <a:defRPr sz="1300" kern="1200">
+                <a:solidFill>
+                  <a:schemeClr val="tx1">
+                    <a:lumMod val="75000"/>
+                    <a:lumOff val="25000"/>
+                  </a:schemeClr>
+                </a:solidFill>
+                <a:latin typeface="+mn-lt"/>
+                <a:ea typeface="+mn-ea"/>
+                <a:cs typeface="+mn-cs"/>
+              </a:defRPr>
+            </a:lvl3pPr>
+            <a:lvl4pPr marL="749808" indent="-182880" algn="l" defTabSz="914400" rtl="0" eaLnBrk="1" latinLnBrk="0" hangingPunct="1">
+              <a:lnSpc>
+                <a:spcPct val="100000"/>
+              </a:lnSpc>
+              <a:spcBef>
+                <a:spcPts val="200"/>
+              </a:spcBef>
+              <a:spcAft>
+                <a:spcPts val="400"/>
+              </a:spcAft>
+              <a:buClrTx/>
+              <a:buFont typeface="Calibri" pitchFamily="34" charset="0"/>
+              <a:buChar char="◦"/>
+              <a:defRPr sz="1300" kern="1200">
+                <a:solidFill>
+                  <a:schemeClr val="tx1">
+                    <a:lumMod val="75000"/>
+                    <a:lumOff val="25000"/>
+                  </a:schemeClr>
+                </a:solidFill>
+                <a:latin typeface="+mn-lt"/>
+                <a:ea typeface="+mn-ea"/>
+                <a:cs typeface="+mn-cs"/>
+              </a:defRPr>
+            </a:lvl4pPr>
+            <a:lvl5pPr marL="932688" indent="-182880" algn="l" defTabSz="914400" rtl="0" eaLnBrk="1" latinLnBrk="0" hangingPunct="1">
+              <a:lnSpc>
+                <a:spcPct val="100000"/>
+              </a:lnSpc>
+              <a:spcBef>
+                <a:spcPts val="200"/>
+              </a:spcBef>
+              <a:spcAft>
+                <a:spcPts val="400"/>
+              </a:spcAft>
+              <a:buClrTx/>
+              <a:buFont typeface="Calibri" pitchFamily="34" charset="0"/>
+              <a:buChar char="◦"/>
+              <a:defRPr sz="1300" kern="1200">
+                <a:solidFill>
+                  <a:schemeClr val="tx1">
+                    <a:lumMod val="75000"/>
+                    <a:lumOff val="25000"/>
+                  </a:schemeClr>
+                </a:solidFill>
+                <a:latin typeface="+mn-lt"/>
+                <a:ea typeface="+mn-ea"/>
+                <a:cs typeface="+mn-cs"/>
+              </a:defRPr>
+            </a:lvl5pPr>
+            <a:lvl6pPr marL="1100000" indent="-228600" algn="l" defTabSz="914400" rtl="0" eaLnBrk="1" latinLnBrk="0" hangingPunct="1">
+              <a:lnSpc>
+                <a:spcPct val="90000"/>
+              </a:lnSpc>
+              <a:spcBef>
+                <a:spcPts val="200"/>
+              </a:spcBef>
+              <a:spcAft>
+                <a:spcPts val="400"/>
+              </a:spcAft>
+              <a:buClr>
+                <a:schemeClr val="accent1"/>
+              </a:buClr>
+              <a:buFont typeface="Calibri" pitchFamily="34" charset="0"/>
+              <a:buChar char="◦"/>
+              <a:defRPr sz="1400" kern="1200">
+                <a:solidFill>
+                  <a:schemeClr val="tx1">
+                    <a:lumMod val="75000"/>
+                    <a:lumOff val="25000"/>
+                  </a:schemeClr>
+                </a:solidFill>
+                <a:latin typeface="+mn-lt"/>
+                <a:ea typeface="+mn-ea"/>
+                <a:cs typeface="+mn-cs"/>
+              </a:defRPr>
+            </a:lvl6pPr>
+            <a:lvl7pPr marL="1300000" indent="-228600" algn="l" defTabSz="914400" rtl="0" eaLnBrk="1" latinLnBrk="0" hangingPunct="1">
+              <a:lnSpc>
+                <a:spcPct val="90000"/>
+              </a:lnSpc>
+              <a:spcBef>
+                <a:spcPts val="200"/>
+              </a:spcBef>
+              <a:spcAft>
+                <a:spcPts val="400"/>
+              </a:spcAft>
+              <a:buClr>
+                <a:schemeClr val="accent1"/>
+              </a:buClr>
+              <a:buFont typeface="Calibri" pitchFamily="34" charset="0"/>
+              <a:buChar char="◦"/>
+              <a:defRPr sz="1400" kern="1200">
+                <a:solidFill>
+                  <a:schemeClr val="tx1">
+                    <a:lumMod val="75000"/>
+                    <a:lumOff val="25000"/>
+                  </a:schemeClr>
+                </a:solidFill>
+                <a:latin typeface="+mn-lt"/>
+                <a:ea typeface="+mn-ea"/>
+                <a:cs typeface="+mn-cs"/>
+              </a:defRPr>
+            </a:lvl7pPr>
+            <a:lvl8pPr marL="1500000" indent="-228600" algn="l" defTabSz="914400" rtl="0" eaLnBrk="1" latinLnBrk="0" hangingPunct="1">
+              <a:lnSpc>
+                <a:spcPct val="90000"/>
+              </a:lnSpc>
+              <a:spcBef>
+                <a:spcPts val="200"/>
+              </a:spcBef>
+              <a:spcAft>
+                <a:spcPts val="400"/>
+              </a:spcAft>
+              <a:buClr>
+                <a:schemeClr val="accent1"/>
+              </a:buClr>
+              <a:buFont typeface="Calibri" pitchFamily="34" charset="0"/>
+              <a:buChar char="◦"/>
+              <a:defRPr sz="1400" kern="1200">
+                <a:solidFill>
+                  <a:schemeClr val="tx1">
+                    <a:lumMod val="75000"/>
+                    <a:lumOff val="25000"/>
+                  </a:schemeClr>
+                </a:solidFill>
+                <a:latin typeface="+mn-lt"/>
+                <a:ea typeface="+mn-ea"/>
+                <a:cs typeface="+mn-cs"/>
+              </a:defRPr>
+            </a:lvl8pPr>
+            <a:lvl9pPr marL="1700000" indent="-228600" algn="l" defTabSz="914400" rtl="0" eaLnBrk="1" latinLnBrk="0" hangingPunct="1">
+              <a:lnSpc>
+                <a:spcPct val="90000"/>
+              </a:lnSpc>
+              <a:spcBef>
+                <a:spcPts val="200"/>
+              </a:spcBef>
+              <a:spcAft>
+                <a:spcPts val="400"/>
+              </a:spcAft>
+              <a:buClr>
+                <a:schemeClr val="accent1"/>
+              </a:buClr>
+              <a:buFont typeface="Calibri" pitchFamily="34" charset="0"/>
+              <a:buChar char="◦"/>
+              <a:defRPr sz="1400" kern="1200">
+                <a:solidFill>
+                  <a:schemeClr val="tx1">
+                    <a:lumMod val="75000"/>
+                    <a:lumOff val="25000"/>
+                  </a:schemeClr>
+                </a:solidFill>
+                <a:latin typeface="+mn-lt"/>
+                <a:ea typeface="+mn-ea"/>
+                <a:cs typeface="+mn-cs"/>
+              </a:defRPr>
+            </a:lvl9pPr>
+          </a:lstStyle>
+          <a:p>
+            <a:pPr>
+              <a:buFont typeface="Wingdings" panose="05000000000000000000" pitchFamily="2" charset="2"/>
+              <a:buChar char="q"/>
+            </a:pPr>
+            <a:r>
+              <a:rPr lang="fr-CA" sz="1800" b="0" i="0" dirty="0">
+                <a:solidFill>
+                  <a:srgbClr val="404040"/>
+                </a:solidFill>
+                <a:effectLst/>
+                <a:latin typeface="Franklin Gothic Book" panose="020B0503020102020204" pitchFamily="34" charset="0"/>
+              </a:rPr>
+              <a:t>6 variables importantes</a:t>
+            </a:r>
+            <a:r>
+              <a:rPr lang="fr-CA" sz="1800" dirty="0">
+                <a:solidFill>
+                  <a:srgbClr val="404040"/>
+                </a:solidFill>
+                <a:latin typeface="Franklin Gothic Book" panose="020B0503020102020204" pitchFamily="34" charset="0"/>
+              </a:rPr>
+              <a:t>, dont la couverture totale est la plus influente</a:t>
+            </a:r>
             <a:endParaRPr lang="en-CA" dirty="0"/>
           </a:p>
         </p:txBody>
@@ -8418,33 +8723,350 @@
           <a:p>
             <a:r>
               <a:rPr lang="fr-CA" dirty="0"/>
-              <a:t>Interprétation des résultats</a:t>
+              <a:t>Analyse des résultats pour le modèle: Forêt aléatoire</a:t>
             </a:r>
             <a:endParaRPr lang="en-CA" dirty="0"/>
           </a:p>
         </p:txBody>
       </p:sp>
-      <p:sp>
-        <p:nvSpPr>
-          <p:cNvPr id="3" name="Content Placeholder 2">
+      <p:pic>
+        <p:nvPicPr>
+          <p:cNvPr id="6" name="Content Placeholder 5" descr="Chart&#10;&#10;Description automatically generated">
             <a:extLst>
               <a:ext uri="{FF2B5EF4-FFF2-40B4-BE49-F238E27FC236}">
-                <a16:creationId xmlns:a16="http://schemas.microsoft.com/office/drawing/2014/main" id="{9983E910-59CB-7ECB-46A9-68D73D0A7492}"/>
+                <a16:creationId xmlns:a16="http://schemas.microsoft.com/office/drawing/2014/main" id="{12268550-B0D7-9C4F-0A65-0EAACC3BA5DB}"/>
               </a:ext>
             </a:extLst>
           </p:cNvPr>
-          <p:cNvSpPr>
-            <a:spLocks noGrp="1"/>
-          </p:cNvSpPr>
+          <p:cNvPicPr>
+            <a:picLocks noGrp="1" noChangeAspect="1"/>
+          </p:cNvPicPr>
           <p:nvPr>
             <p:ph idx="1"/>
           </p:nvPr>
-        </p:nvSpPr>
-        <p:spPr/>
+        </p:nvPicPr>
+        <p:blipFill>
+          <a:blip r:embed="rId2">
+            <a:extLst>
+              <a:ext uri="{28A0092B-C50C-407E-A947-70E740481C1C}">
+                <a14:useLocalDpi xmlns:a14="http://schemas.microsoft.com/office/drawing/2010/main" val="0"/>
+              </a:ext>
+            </a:extLst>
+          </a:blip>
+          <a:stretch>
+            <a:fillRect/>
+          </a:stretch>
+        </p:blipFill>
+        <p:spPr>
+          <a:xfrm>
+            <a:off x="5964117" y="2108200"/>
+            <a:ext cx="5518757" cy="3802741"/>
+          </a:xfrm>
+          <a:prstGeom prst="rect">
+            <a:avLst/>
+          </a:prstGeom>
+        </p:spPr>
+      </p:pic>
+      <p:sp>
+        <p:nvSpPr>
+          <p:cNvPr id="7" name="Content Placeholder 2">
+            <a:extLst>
+              <a:ext uri="{FF2B5EF4-FFF2-40B4-BE49-F238E27FC236}">
+                <a16:creationId xmlns:a16="http://schemas.microsoft.com/office/drawing/2014/main" id="{956221F8-1AC7-E41E-87A4-1A4D81F63924}"/>
+              </a:ext>
+            </a:extLst>
+          </p:cNvPr>
+          <p:cNvSpPr txBox="1">
+            <a:spLocks/>
+          </p:cNvSpPr>
+          <p:nvPr/>
+        </p:nvSpPr>
+        <p:spPr>
+          <a:xfrm>
+            <a:off x="1097280" y="2141729"/>
+            <a:ext cx="4998720" cy="3760891"/>
+          </a:xfrm>
+          <a:prstGeom prst="rect">
+            <a:avLst/>
+          </a:prstGeom>
+        </p:spPr>
         <p:txBody>
-          <a:bodyPr/>
-          <a:lstStyle/>
-          <a:p>
+          <a:bodyPr vert="horz" lIns="0" tIns="45720" rIns="0" bIns="45720" rtlCol="0" anchor="ctr">
+            <a:normAutofit/>
+          </a:bodyPr>
+          <a:lstStyle>
+            <a:lvl1pPr marL="91440" indent="-91440" algn="l" defTabSz="914400" rtl="0" eaLnBrk="1" latinLnBrk="0" hangingPunct="1">
+              <a:lnSpc>
+                <a:spcPct val="110000"/>
+              </a:lnSpc>
+              <a:spcBef>
+                <a:spcPts val="1200"/>
+              </a:spcBef>
+              <a:spcAft>
+                <a:spcPts val="200"/>
+              </a:spcAft>
+              <a:buClr>
+                <a:schemeClr val="accent1"/>
+              </a:buClr>
+              <a:buSzPct val="100000"/>
+              <a:buFont typeface="Calibri" panose="020F0502020204030204" pitchFamily="34" charset="0"/>
+              <a:buChar char=" "/>
+              <a:defRPr sz="1900" kern="1200">
+                <a:solidFill>
+                  <a:schemeClr val="tx1">
+                    <a:lumMod val="75000"/>
+                    <a:lumOff val="25000"/>
+                  </a:schemeClr>
+                </a:solidFill>
+                <a:latin typeface="+mn-lt"/>
+                <a:ea typeface="+mn-ea"/>
+                <a:cs typeface="+mn-cs"/>
+              </a:defRPr>
+            </a:lvl1pPr>
+            <a:lvl2pPr marL="384048" indent="-182880" algn="l" defTabSz="914400" rtl="0" eaLnBrk="1" latinLnBrk="0" hangingPunct="1">
+              <a:lnSpc>
+                <a:spcPct val="100000"/>
+              </a:lnSpc>
+              <a:spcBef>
+                <a:spcPts val="200"/>
+              </a:spcBef>
+              <a:spcAft>
+                <a:spcPts val="400"/>
+              </a:spcAft>
+              <a:buClrTx/>
+              <a:buFont typeface="Calibri" pitchFamily="34" charset="0"/>
+              <a:buChar char="◦"/>
+              <a:defRPr sz="1700" kern="1200">
+                <a:solidFill>
+                  <a:schemeClr val="tx1">
+                    <a:lumMod val="75000"/>
+                    <a:lumOff val="25000"/>
+                  </a:schemeClr>
+                </a:solidFill>
+                <a:latin typeface="+mn-lt"/>
+                <a:ea typeface="+mn-ea"/>
+                <a:cs typeface="+mn-cs"/>
+              </a:defRPr>
+            </a:lvl2pPr>
+            <a:lvl3pPr marL="566928" indent="-182880" algn="l" defTabSz="914400" rtl="0" eaLnBrk="1" latinLnBrk="0" hangingPunct="1">
+              <a:lnSpc>
+                <a:spcPct val="100000"/>
+              </a:lnSpc>
+              <a:spcBef>
+                <a:spcPts val="200"/>
+              </a:spcBef>
+              <a:spcAft>
+                <a:spcPts val="400"/>
+              </a:spcAft>
+              <a:buClrTx/>
+              <a:buFont typeface="Calibri" pitchFamily="34" charset="0"/>
+              <a:buChar char="◦"/>
+              <a:defRPr sz="1300" kern="1200">
+                <a:solidFill>
+                  <a:schemeClr val="tx1">
+                    <a:lumMod val="75000"/>
+                    <a:lumOff val="25000"/>
+                  </a:schemeClr>
+                </a:solidFill>
+                <a:latin typeface="+mn-lt"/>
+                <a:ea typeface="+mn-ea"/>
+                <a:cs typeface="+mn-cs"/>
+              </a:defRPr>
+            </a:lvl3pPr>
+            <a:lvl4pPr marL="749808" indent="-182880" algn="l" defTabSz="914400" rtl="0" eaLnBrk="1" latinLnBrk="0" hangingPunct="1">
+              <a:lnSpc>
+                <a:spcPct val="100000"/>
+              </a:lnSpc>
+              <a:spcBef>
+                <a:spcPts val="200"/>
+              </a:spcBef>
+              <a:spcAft>
+                <a:spcPts val="400"/>
+              </a:spcAft>
+              <a:buClrTx/>
+              <a:buFont typeface="Calibri" pitchFamily="34" charset="0"/>
+              <a:buChar char="◦"/>
+              <a:defRPr sz="1300" kern="1200">
+                <a:solidFill>
+                  <a:schemeClr val="tx1">
+                    <a:lumMod val="75000"/>
+                    <a:lumOff val="25000"/>
+                  </a:schemeClr>
+                </a:solidFill>
+                <a:latin typeface="+mn-lt"/>
+                <a:ea typeface="+mn-ea"/>
+                <a:cs typeface="+mn-cs"/>
+              </a:defRPr>
+            </a:lvl4pPr>
+            <a:lvl5pPr marL="932688" indent="-182880" algn="l" defTabSz="914400" rtl="0" eaLnBrk="1" latinLnBrk="0" hangingPunct="1">
+              <a:lnSpc>
+                <a:spcPct val="100000"/>
+              </a:lnSpc>
+              <a:spcBef>
+                <a:spcPts val="200"/>
+              </a:spcBef>
+              <a:spcAft>
+                <a:spcPts val="400"/>
+              </a:spcAft>
+              <a:buClrTx/>
+              <a:buFont typeface="Calibri" pitchFamily="34" charset="0"/>
+              <a:buChar char="◦"/>
+              <a:defRPr sz="1300" kern="1200">
+                <a:solidFill>
+                  <a:schemeClr val="tx1">
+                    <a:lumMod val="75000"/>
+                    <a:lumOff val="25000"/>
+                  </a:schemeClr>
+                </a:solidFill>
+                <a:latin typeface="+mn-lt"/>
+                <a:ea typeface="+mn-ea"/>
+                <a:cs typeface="+mn-cs"/>
+              </a:defRPr>
+            </a:lvl5pPr>
+            <a:lvl6pPr marL="1100000" indent="-228600" algn="l" defTabSz="914400" rtl="0" eaLnBrk="1" latinLnBrk="0" hangingPunct="1">
+              <a:lnSpc>
+                <a:spcPct val="90000"/>
+              </a:lnSpc>
+              <a:spcBef>
+                <a:spcPts val="200"/>
+              </a:spcBef>
+              <a:spcAft>
+                <a:spcPts val="400"/>
+              </a:spcAft>
+              <a:buClr>
+                <a:schemeClr val="accent1"/>
+              </a:buClr>
+              <a:buFont typeface="Calibri" pitchFamily="34" charset="0"/>
+              <a:buChar char="◦"/>
+              <a:defRPr sz="1400" kern="1200">
+                <a:solidFill>
+                  <a:schemeClr val="tx1">
+                    <a:lumMod val="75000"/>
+                    <a:lumOff val="25000"/>
+                  </a:schemeClr>
+                </a:solidFill>
+                <a:latin typeface="+mn-lt"/>
+                <a:ea typeface="+mn-ea"/>
+                <a:cs typeface="+mn-cs"/>
+              </a:defRPr>
+            </a:lvl6pPr>
+            <a:lvl7pPr marL="1300000" indent="-228600" algn="l" defTabSz="914400" rtl="0" eaLnBrk="1" latinLnBrk="0" hangingPunct="1">
+              <a:lnSpc>
+                <a:spcPct val="90000"/>
+              </a:lnSpc>
+              <a:spcBef>
+                <a:spcPts val="200"/>
+              </a:spcBef>
+              <a:spcAft>
+                <a:spcPts val="400"/>
+              </a:spcAft>
+              <a:buClr>
+                <a:schemeClr val="accent1"/>
+              </a:buClr>
+              <a:buFont typeface="Calibri" pitchFamily="34" charset="0"/>
+              <a:buChar char="◦"/>
+              <a:defRPr sz="1400" kern="1200">
+                <a:solidFill>
+                  <a:schemeClr val="tx1">
+                    <a:lumMod val="75000"/>
+                    <a:lumOff val="25000"/>
+                  </a:schemeClr>
+                </a:solidFill>
+                <a:latin typeface="+mn-lt"/>
+                <a:ea typeface="+mn-ea"/>
+                <a:cs typeface="+mn-cs"/>
+              </a:defRPr>
+            </a:lvl7pPr>
+            <a:lvl8pPr marL="1500000" indent="-228600" algn="l" defTabSz="914400" rtl="0" eaLnBrk="1" latinLnBrk="0" hangingPunct="1">
+              <a:lnSpc>
+                <a:spcPct val="90000"/>
+              </a:lnSpc>
+              <a:spcBef>
+                <a:spcPts val="200"/>
+              </a:spcBef>
+              <a:spcAft>
+                <a:spcPts val="400"/>
+              </a:spcAft>
+              <a:buClr>
+                <a:schemeClr val="accent1"/>
+              </a:buClr>
+              <a:buFont typeface="Calibri" pitchFamily="34" charset="0"/>
+              <a:buChar char="◦"/>
+              <a:defRPr sz="1400" kern="1200">
+                <a:solidFill>
+                  <a:schemeClr val="tx1">
+                    <a:lumMod val="75000"/>
+                    <a:lumOff val="25000"/>
+                  </a:schemeClr>
+                </a:solidFill>
+                <a:latin typeface="+mn-lt"/>
+                <a:ea typeface="+mn-ea"/>
+                <a:cs typeface="+mn-cs"/>
+              </a:defRPr>
+            </a:lvl8pPr>
+            <a:lvl9pPr marL="1700000" indent="-228600" algn="l" defTabSz="914400" rtl="0" eaLnBrk="1" latinLnBrk="0" hangingPunct="1">
+              <a:lnSpc>
+                <a:spcPct val="90000"/>
+              </a:lnSpc>
+              <a:spcBef>
+                <a:spcPts val="200"/>
+              </a:spcBef>
+              <a:spcAft>
+                <a:spcPts val="400"/>
+              </a:spcAft>
+              <a:buClr>
+                <a:schemeClr val="accent1"/>
+              </a:buClr>
+              <a:buFont typeface="Calibri" pitchFamily="34" charset="0"/>
+              <a:buChar char="◦"/>
+              <a:defRPr sz="1400" kern="1200">
+                <a:solidFill>
+                  <a:schemeClr val="tx1">
+                    <a:lumMod val="75000"/>
+                    <a:lumOff val="25000"/>
+                  </a:schemeClr>
+                </a:solidFill>
+                <a:latin typeface="+mn-lt"/>
+                <a:ea typeface="+mn-ea"/>
+                <a:cs typeface="+mn-cs"/>
+              </a:defRPr>
+            </a:lvl9pPr>
+          </a:lstStyle>
+          <a:p>
+            <a:pPr>
+              <a:buFont typeface="Wingdings" panose="05000000000000000000" pitchFamily="2" charset="2"/>
+              <a:buChar char="q"/>
+            </a:pPr>
+            <a:r>
+              <a:rPr lang="fr-CA" sz="1800" b="0" i="0" dirty="0">
+                <a:solidFill>
+                  <a:srgbClr val="404040"/>
+                </a:solidFill>
+                <a:effectLst/>
+                <a:latin typeface="Franklin Gothic Book" panose="020B0503020102020204" pitchFamily="34" charset="0"/>
+              </a:rPr>
+              <a:t>L’</a:t>
+            </a:r>
+            <a:r>
+              <a:rPr lang="fr-CA" sz="1800" b="0" i="0" dirty="0" err="1">
+                <a:solidFill>
+                  <a:srgbClr val="404040"/>
+                </a:solidFill>
+                <a:effectLst/>
+                <a:latin typeface="Franklin Gothic Book" panose="020B0503020102020204" pitchFamily="34" charset="0"/>
+              </a:rPr>
+              <a:t>interraction</a:t>
+            </a:r>
+            <a:r>
+              <a:rPr lang="fr-CA" sz="1800" b="0" i="0" dirty="0">
+                <a:solidFill>
+                  <a:srgbClr val="404040"/>
+                </a:solidFill>
+                <a:effectLst/>
+                <a:latin typeface="Franklin Gothic Book" panose="020B0503020102020204" pitchFamily="34" charset="0"/>
+              </a:rPr>
+              <a:t> la plus importante se produit avec le type d’habitation</a:t>
+            </a:r>
             <a:endParaRPr lang="en-CA" dirty="0"/>
           </a:p>
         </p:txBody>
@@ -8452,7 +9074,7 @@
     </p:spTree>
     <p:extLst>
       <p:ext uri="{BB962C8B-B14F-4D97-AF65-F5344CB8AC3E}">
-        <p14:creationId xmlns:p14="http://schemas.microsoft.com/office/powerpoint/2010/main" val="2094673800"/>
+        <p14:creationId xmlns:p14="http://schemas.microsoft.com/office/powerpoint/2010/main" val="4226815838"/>
       </p:ext>
     </p:extLst>
   </p:cSld>
@@ -8484,7 +9106,7 @@
           <p:cNvPr id="2" name="Title 1">
             <a:extLst>
               <a:ext uri="{FF2B5EF4-FFF2-40B4-BE49-F238E27FC236}">
-                <a16:creationId xmlns:a16="http://schemas.microsoft.com/office/drawing/2014/main" id="{94951D72-9FC3-B808-3CC4-B291E4C2CC30}"/>
+                <a16:creationId xmlns:a16="http://schemas.microsoft.com/office/drawing/2014/main" id="{2972E3D2-B3C5-FB56-6BD1-0BD8DD76CCA3}"/>
               </a:ext>
             </a:extLst>
           </p:cNvPr>
@@ -8502,41 +9124,724 @@
           <a:p>
             <a:r>
               <a:rPr lang="fr-CA" dirty="0"/>
-              <a:t>Conclusion</a:t>
+              <a:t>Interprétation des résultats</a:t>
             </a:r>
             <a:endParaRPr lang="en-CA" dirty="0"/>
           </a:p>
         </p:txBody>
       </p:sp>
+      <p:pic>
+        <p:nvPicPr>
+          <p:cNvPr id="7" name="Content Placeholder 6" descr="Chart&#10;&#10;Description automatically generated">
+            <a:extLst>
+              <a:ext uri="{FF2B5EF4-FFF2-40B4-BE49-F238E27FC236}">
+                <a16:creationId xmlns:a16="http://schemas.microsoft.com/office/drawing/2014/main" id="{4441F457-BBD4-C9AC-B772-BDE27938CB95}"/>
+              </a:ext>
+            </a:extLst>
+          </p:cNvPr>
+          <p:cNvPicPr>
+            <a:picLocks noGrp="1" noChangeAspect="1"/>
+          </p:cNvPicPr>
+          <p:nvPr>
+            <p:ph idx="1"/>
+          </p:nvPr>
+        </p:nvPicPr>
+        <p:blipFill>
+          <a:blip r:embed="rId2">
+            <a:extLst>
+              <a:ext uri="{28A0092B-C50C-407E-A947-70E740481C1C}">
+                <a14:useLocalDpi xmlns:a14="http://schemas.microsoft.com/office/drawing/2010/main" val="0"/>
+              </a:ext>
+            </a:extLst>
+          </a:blip>
+          <a:stretch>
+            <a:fillRect/>
+          </a:stretch>
+        </p:blipFill>
+        <p:spPr>
+          <a:xfrm>
+            <a:off x="6096000" y="2211355"/>
+            <a:ext cx="5060411" cy="3490695"/>
+          </a:xfrm>
+        </p:spPr>
+      </p:pic>
       <p:sp>
         <p:nvSpPr>
-          <p:cNvPr id="3" name="Text Placeholder 2">
+          <p:cNvPr id="8" name="Content Placeholder 2">
             <a:extLst>
               <a:ext uri="{FF2B5EF4-FFF2-40B4-BE49-F238E27FC236}">
-                <a16:creationId xmlns:a16="http://schemas.microsoft.com/office/drawing/2014/main" id="{397E5634-2FEB-D3EA-B3E3-4BCB908672E1}"/>
+                <a16:creationId xmlns:a16="http://schemas.microsoft.com/office/drawing/2014/main" id="{EE4E94EE-1342-4A7F-4668-0C88F7402292}"/>
               </a:ext>
             </a:extLst>
           </p:cNvPr>
-          <p:cNvSpPr>
-            <a:spLocks noGrp="1"/>
+          <p:cNvSpPr txBox="1">
+            <a:spLocks/>
           </p:cNvSpPr>
-          <p:nvPr>
-            <p:ph type="body" idx="1"/>
-          </p:nvPr>
-        </p:nvSpPr>
-        <p:spPr/>
+          <p:nvPr/>
+        </p:nvSpPr>
+        <p:spPr>
+          <a:xfrm>
+            <a:off x="1097280" y="2211355"/>
+            <a:ext cx="4998720" cy="3657737"/>
+          </a:xfrm>
+          <a:prstGeom prst="rect">
+            <a:avLst/>
+          </a:prstGeom>
+        </p:spPr>
         <p:txBody>
-          <a:bodyPr/>
-          <a:lstStyle/>
-          <a:p>
-            <a:endParaRPr lang="en-CA"/>
+          <a:bodyPr vert="horz" lIns="0" tIns="45720" rIns="0" bIns="45720" rtlCol="0">
+            <a:normAutofit/>
+          </a:bodyPr>
+          <a:lstStyle>
+            <a:lvl1pPr marL="91440" indent="-91440" algn="l" defTabSz="914400" rtl="0" eaLnBrk="1" latinLnBrk="0" hangingPunct="1">
+              <a:lnSpc>
+                <a:spcPct val="110000"/>
+              </a:lnSpc>
+              <a:spcBef>
+                <a:spcPts val="1200"/>
+              </a:spcBef>
+              <a:spcAft>
+                <a:spcPts val="200"/>
+              </a:spcAft>
+              <a:buClr>
+                <a:schemeClr val="accent1"/>
+              </a:buClr>
+              <a:buSzPct val="100000"/>
+              <a:buFont typeface="Calibri" panose="020F0502020204030204" pitchFamily="34" charset="0"/>
+              <a:buChar char=" "/>
+              <a:defRPr sz="1900" kern="1200">
+                <a:solidFill>
+                  <a:schemeClr val="tx1">
+                    <a:lumMod val="75000"/>
+                    <a:lumOff val="25000"/>
+                  </a:schemeClr>
+                </a:solidFill>
+                <a:latin typeface="+mn-lt"/>
+                <a:ea typeface="+mn-ea"/>
+                <a:cs typeface="+mn-cs"/>
+              </a:defRPr>
+            </a:lvl1pPr>
+            <a:lvl2pPr marL="384048" indent="-182880" algn="l" defTabSz="914400" rtl="0" eaLnBrk="1" latinLnBrk="0" hangingPunct="1">
+              <a:lnSpc>
+                <a:spcPct val="100000"/>
+              </a:lnSpc>
+              <a:spcBef>
+                <a:spcPts val="200"/>
+              </a:spcBef>
+              <a:spcAft>
+                <a:spcPts val="400"/>
+              </a:spcAft>
+              <a:buClrTx/>
+              <a:buFont typeface="Calibri" pitchFamily="34" charset="0"/>
+              <a:buChar char="◦"/>
+              <a:defRPr sz="1700" kern="1200">
+                <a:solidFill>
+                  <a:schemeClr val="tx1">
+                    <a:lumMod val="75000"/>
+                    <a:lumOff val="25000"/>
+                  </a:schemeClr>
+                </a:solidFill>
+                <a:latin typeface="+mn-lt"/>
+                <a:ea typeface="+mn-ea"/>
+                <a:cs typeface="+mn-cs"/>
+              </a:defRPr>
+            </a:lvl2pPr>
+            <a:lvl3pPr marL="566928" indent="-182880" algn="l" defTabSz="914400" rtl="0" eaLnBrk="1" latinLnBrk="0" hangingPunct="1">
+              <a:lnSpc>
+                <a:spcPct val="100000"/>
+              </a:lnSpc>
+              <a:spcBef>
+                <a:spcPts val="200"/>
+              </a:spcBef>
+              <a:spcAft>
+                <a:spcPts val="400"/>
+              </a:spcAft>
+              <a:buClrTx/>
+              <a:buFont typeface="Calibri" pitchFamily="34" charset="0"/>
+              <a:buChar char="◦"/>
+              <a:defRPr sz="1300" kern="1200">
+                <a:solidFill>
+                  <a:schemeClr val="tx1">
+                    <a:lumMod val="75000"/>
+                    <a:lumOff val="25000"/>
+                  </a:schemeClr>
+                </a:solidFill>
+                <a:latin typeface="+mn-lt"/>
+                <a:ea typeface="+mn-ea"/>
+                <a:cs typeface="+mn-cs"/>
+              </a:defRPr>
+            </a:lvl3pPr>
+            <a:lvl4pPr marL="749808" indent="-182880" algn="l" defTabSz="914400" rtl="0" eaLnBrk="1" latinLnBrk="0" hangingPunct="1">
+              <a:lnSpc>
+                <a:spcPct val="100000"/>
+              </a:lnSpc>
+              <a:spcBef>
+                <a:spcPts val="200"/>
+              </a:spcBef>
+              <a:spcAft>
+                <a:spcPts val="400"/>
+              </a:spcAft>
+              <a:buClrTx/>
+              <a:buFont typeface="Calibri" pitchFamily="34" charset="0"/>
+              <a:buChar char="◦"/>
+              <a:defRPr sz="1300" kern="1200">
+                <a:solidFill>
+                  <a:schemeClr val="tx1">
+                    <a:lumMod val="75000"/>
+                    <a:lumOff val="25000"/>
+                  </a:schemeClr>
+                </a:solidFill>
+                <a:latin typeface="+mn-lt"/>
+                <a:ea typeface="+mn-ea"/>
+                <a:cs typeface="+mn-cs"/>
+              </a:defRPr>
+            </a:lvl4pPr>
+            <a:lvl5pPr marL="932688" indent="-182880" algn="l" defTabSz="914400" rtl="0" eaLnBrk="1" latinLnBrk="0" hangingPunct="1">
+              <a:lnSpc>
+                <a:spcPct val="100000"/>
+              </a:lnSpc>
+              <a:spcBef>
+                <a:spcPts val="200"/>
+              </a:spcBef>
+              <a:spcAft>
+                <a:spcPts val="400"/>
+              </a:spcAft>
+              <a:buClrTx/>
+              <a:buFont typeface="Calibri" pitchFamily="34" charset="0"/>
+              <a:buChar char="◦"/>
+              <a:defRPr sz="1300" kern="1200">
+                <a:solidFill>
+                  <a:schemeClr val="tx1">
+                    <a:lumMod val="75000"/>
+                    <a:lumOff val="25000"/>
+                  </a:schemeClr>
+                </a:solidFill>
+                <a:latin typeface="+mn-lt"/>
+                <a:ea typeface="+mn-ea"/>
+                <a:cs typeface="+mn-cs"/>
+              </a:defRPr>
+            </a:lvl5pPr>
+            <a:lvl6pPr marL="1100000" indent="-228600" algn="l" defTabSz="914400" rtl="0" eaLnBrk="1" latinLnBrk="0" hangingPunct="1">
+              <a:lnSpc>
+                <a:spcPct val="90000"/>
+              </a:lnSpc>
+              <a:spcBef>
+                <a:spcPts val="200"/>
+              </a:spcBef>
+              <a:spcAft>
+                <a:spcPts val="400"/>
+              </a:spcAft>
+              <a:buClr>
+                <a:schemeClr val="accent1"/>
+              </a:buClr>
+              <a:buFont typeface="Calibri" pitchFamily="34" charset="0"/>
+              <a:buChar char="◦"/>
+              <a:defRPr sz="1400" kern="1200">
+                <a:solidFill>
+                  <a:schemeClr val="tx1">
+                    <a:lumMod val="75000"/>
+                    <a:lumOff val="25000"/>
+                  </a:schemeClr>
+                </a:solidFill>
+                <a:latin typeface="+mn-lt"/>
+                <a:ea typeface="+mn-ea"/>
+                <a:cs typeface="+mn-cs"/>
+              </a:defRPr>
+            </a:lvl6pPr>
+            <a:lvl7pPr marL="1300000" indent="-228600" algn="l" defTabSz="914400" rtl="0" eaLnBrk="1" latinLnBrk="0" hangingPunct="1">
+              <a:lnSpc>
+                <a:spcPct val="90000"/>
+              </a:lnSpc>
+              <a:spcBef>
+                <a:spcPts val="200"/>
+              </a:spcBef>
+              <a:spcAft>
+                <a:spcPts val="400"/>
+              </a:spcAft>
+              <a:buClr>
+                <a:schemeClr val="accent1"/>
+              </a:buClr>
+              <a:buFont typeface="Calibri" pitchFamily="34" charset="0"/>
+              <a:buChar char="◦"/>
+              <a:defRPr sz="1400" kern="1200">
+                <a:solidFill>
+                  <a:schemeClr val="tx1">
+                    <a:lumMod val="75000"/>
+                    <a:lumOff val="25000"/>
+                  </a:schemeClr>
+                </a:solidFill>
+                <a:latin typeface="+mn-lt"/>
+                <a:ea typeface="+mn-ea"/>
+                <a:cs typeface="+mn-cs"/>
+              </a:defRPr>
+            </a:lvl7pPr>
+            <a:lvl8pPr marL="1500000" indent="-228600" algn="l" defTabSz="914400" rtl="0" eaLnBrk="1" latinLnBrk="0" hangingPunct="1">
+              <a:lnSpc>
+                <a:spcPct val="90000"/>
+              </a:lnSpc>
+              <a:spcBef>
+                <a:spcPts val="200"/>
+              </a:spcBef>
+              <a:spcAft>
+                <a:spcPts val="400"/>
+              </a:spcAft>
+              <a:buClr>
+                <a:schemeClr val="accent1"/>
+              </a:buClr>
+              <a:buFont typeface="Calibri" pitchFamily="34" charset="0"/>
+              <a:buChar char="◦"/>
+              <a:defRPr sz="1400" kern="1200">
+                <a:solidFill>
+                  <a:schemeClr val="tx1">
+                    <a:lumMod val="75000"/>
+                    <a:lumOff val="25000"/>
+                  </a:schemeClr>
+                </a:solidFill>
+                <a:latin typeface="+mn-lt"/>
+                <a:ea typeface="+mn-ea"/>
+                <a:cs typeface="+mn-cs"/>
+              </a:defRPr>
+            </a:lvl8pPr>
+            <a:lvl9pPr marL="1700000" indent="-228600" algn="l" defTabSz="914400" rtl="0" eaLnBrk="1" latinLnBrk="0" hangingPunct="1">
+              <a:lnSpc>
+                <a:spcPct val="90000"/>
+              </a:lnSpc>
+              <a:spcBef>
+                <a:spcPts val="200"/>
+              </a:spcBef>
+              <a:spcAft>
+                <a:spcPts val="400"/>
+              </a:spcAft>
+              <a:buClr>
+                <a:schemeClr val="accent1"/>
+              </a:buClr>
+              <a:buFont typeface="Calibri" pitchFamily="34" charset="0"/>
+              <a:buChar char="◦"/>
+              <a:defRPr sz="1400" kern="1200">
+                <a:solidFill>
+                  <a:schemeClr val="tx1">
+                    <a:lumMod val="75000"/>
+                    <a:lumOff val="25000"/>
+                  </a:schemeClr>
+                </a:solidFill>
+                <a:latin typeface="+mn-lt"/>
+                <a:ea typeface="+mn-ea"/>
+                <a:cs typeface="+mn-cs"/>
+              </a:defRPr>
+            </a:lvl9pPr>
+          </a:lstStyle>
+          <a:p>
+            <a:r>
+              <a:rPr lang="en-CA"/>
+              <a:t> </a:t>
+            </a:r>
+            <a:endParaRPr lang="en-CA" dirty="0"/>
+          </a:p>
+        </p:txBody>
+      </p:sp>
+      <p:sp>
+        <p:nvSpPr>
+          <p:cNvPr id="9" name="Content Placeholder 2">
+            <a:extLst>
+              <a:ext uri="{FF2B5EF4-FFF2-40B4-BE49-F238E27FC236}">
+                <a16:creationId xmlns:a16="http://schemas.microsoft.com/office/drawing/2014/main" id="{D8A68992-849B-E943-41ED-660B683D6C7A}"/>
+              </a:ext>
+            </a:extLst>
+          </p:cNvPr>
+          <p:cNvSpPr txBox="1">
+            <a:spLocks/>
+          </p:cNvSpPr>
+          <p:nvPr/>
+        </p:nvSpPr>
+        <p:spPr>
+          <a:xfrm>
+            <a:off x="1097280" y="2141729"/>
+            <a:ext cx="4998720" cy="3760891"/>
+          </a:xfrm>
+          <a:prstGeom prst="rect">
+            <a:avLst/>
+          </a:prstGeom>
+        </p:spPr>
+        <p:txBody>
+          <a:bodyPr vert="horz" lIns="0" tIns="45720" rIns="0" bIns="45720" rtlCol="0" anchor="ctr">
+            <a:normAutofit/>
+          </a:bodyPr>
+          <a:lstStyle>
+            <a:lvl1pPr marL="91440" indent="-91440" algn="l" defTabSz="914400" rtl="0" eaLnBrk="1" latinLnBrk="0" hangingPunct="1">
+              <a:lnSpc>
+                <a:spcPct val="110000"/>
+              </a:lnSpc>
+              <a:spcBef>
+                <a:spcPts val="1200"/>
+              </a:spcBef>
+              <a:spcAft>
+                <a:spcPts val="200"/>
+              </a:spcAft>
+              <a:buClr>
+                <a:schemeClr val="accent1"/>
+              </a:buClr>
+              <a:buSzPct val="100000"/>
+              <a:buFont typeface="Calibri" panose="020F0502020204030204" pitchFamily="34" charset="0"/>
+              <a:buChar char=" "/>
+              <a:defRPr sz="1900" kern="1200">
+                <a:solidFill>
+                  <a:schemeClr val="tx1">
+                    <a:lumMod val="75000"/>
+                    <a:lumOff val="25000"/>
+                  </a:schemeClr>
+                </a:solidFill>
+                <a:latin typeface="+mn-lt"/>
+                <a:ea typeface="+mn-ea"/>
+                <a:cs typeface="+mn-cs"/>
+              </a:defRPr>
+            </a:lvl1pPr>
+            <a:lvl2pPr marL="384048" indent="-182880" algn="l" defTabSz="914400" rtl="0" eaLnBrk="1" latinLnBrk="0" hangingPunct="1">
+              <a:lnSpc>
+                <a:spcPct val="100000"/>
+              </a:lnSpc>
+              <a:spcBef>
+                <a:spcPts val="200"/>
+              </a:spcBef>
+              <a:spcAft>
+                <a:spcPts val="400"/>
+              </a:spcAft>
+              <a:buClrTx/>
+              <a:buFont typeface="Calibri" pitchFamily="34" charset="0"/>
+              <a:buChar char="◦"/>
+              <a:defRPr sz="1700" kern="1200">
+                <a:solidFill>
+                  <a:schemeClr val="tx1">
+                    <a:lumMod val="75000"/>
+                    <a:lumOff val="25000"/>
+                  </a:schemeClr>
+                </a:solidFill>
+                <a:latin typeface="+mn-lt"/>
+                <a:ea typeface="+mn-ea"/>
+                <a:cs typeface="+mn-cs"/>
+              </a:defRPr>
+            </a:lvl2pPr>
+            <a:lvl3pPr marL="566928" indent="-182880" algn="l" defTabSz="914400" rtl="0" eaLnBrk="1" latinLnBrk="0" hangingPunct="1">
+              <a:lnSpc>
+                <a:spcPct val="100000"/>
+              </a:lnSpc>
+              <a:spcBef>
+                <a:spcPts val="200"/>
+              </a:spcBef>
+              <a:spcAft>
+                <a:spcPts val="400"/>
+              </a:spcAft>
+              <a:buClrTx/>
+              <a:buFont typeface="Calibri" pitchFamily="34" charset="0"/>
+              <a:buChar char="◦"/>
+              <a:defRPr sz="1300" kern="1200">
+                <a:solidFill>
+                  <a:schemeClr val="tx1">
+                    <a:lumMod val="75000"/>
+                    <a:lumOff val="25000"/>
+                  </a:schemeClr>
+                </a:solidFill>
+                <a:latin typeface="+mn-lt"/>
+                <a:ea typeface="+mn-ea"/>
+                <a:cs typeface="+mn-cs"/>
+              </a:defRPr>
+            </a:lvl3pPr>
+            <a:lvl4pPr marL="749808" indent="-182880" algn="l" defTabSz="914400" rtl="0" eaLnBrk="1" latinLnBrk="0" hangingPunct="1">
+              <a:lnSpc>
+                <a:spcPct val="100000"/>
+              </a:lnSpc>
+              <a:spcBef>
+                <a:spcPts val="200"/>
+              </a:spcBef>
+              <a:spcAft>
+                <a:spcPts val="400"/>
+              </a:spcAft>
+              <a:buClrTx/>
+              <a:buFont typeface="Calibri" pitchFamily="34" charset="0"/>
+              <a:buChar char="◦"/>
+              <a:defRPr sz="1300" kern="1200">
+                <a:solidFill>
+                  <a:schemeClr val="tx1">
+                    <a:lumMod val="75000"/>
+                    <a:lumOff val="25000"/>
+                  </a:schemeClr>
+                </a:solidFill>
+                <a:latin typeface="+mn-lt"/>
+                <a:ea typeface="+mn-ea"/>
+                <a:cs typeface="+mn-cs"/>
+              </a:defRPr>
+            </a:lvl4pPr>
+            <a:lvl5pPr marL="932688" indent="-182880" algn="l" defTabSz="914400" rtl="0" eaLnBrk="1" latinLnBrk="0" hangingPunct="1">
+              <a:lnSpc>
+                <a:spcPct val="100000"/>
+              </a:lnSpc>
+              <a:spcBef>
+                <a:spcPts val="200"/>
+              </a:spcBef>
+              <a:spcAft>
+                <a:spcPts val="400"/>
+              </a:spcAft>
+              <a:buClrTx/>
+              <a:buFont typeface="Calibri" pitchFamily="34" charset="0"/>
+              <a:buChar char="◦"/>
+              <a:defRPr sz="1300" kern="1200">
+                <a:solidFill>
+                  <a:schemeClr val="tx1">
+                    <a:lumMod val="75000"/>
+                    <a:lumOff val="25000"/>
+                  </a:schemeClr>
+                </a:solidFill>
+                <a:latin typeface="+mn-lt"/>
+                <a:ea typeface="+mn-ea"/>
+                <a:cs typeface="+mn-cs"/>
+              </a:defRPr>
+            </a:lvl5pPr>
+            <a:lvl6pPr marL="1100000" indent="-228600" algn="l" defTabSz="914400" rtl="0" eaLnBrk="1" latinLnBrk="0" hangingPunct="1">
+              <a:lnSpc>
+                <a:spcPct val="90000"/>
+              </a:lnSpc>
+              <a:spcBef>
+                <a:spcPts val="200"/>
+              </a:spcBef>
+              <a:spcAft>
+                <a:spcPts val="400"/>
+              </a:spcAft>
+              <a:buClr>
+                <a:schemeClr val="accent1"/>
+              </a:buClr>
+              <a:buFont typeface="Calibri" pitchFamily="34" charset="0"/>
+              <a:buChar char="◦"/>
+              <a:defRPr sz="1400" kern="1200">
+                <a:solidFill>
+                  <a:schemeClr val="tx1">
+                    <a:lumMod val="75000"/>
+                    <a:lumOff val="25000"/>
+                  </a:schemeClr>
+                </a:solidFill>
+                <a:latin typeface="+mn-lt"/>
+                <a:ea typeface="+mn-ea"/>
+                <a:cs typeface="+mn-cs"/>
+              </a:defRPr>
+            </a:lvl6pPr>
+            <a:lvl7pPr marL="1300000" indent="-228600" algn="l" defTabSz="914400" rtl="0" eaLnBrk="1" latinLnBrk="0" hangingPunct="1">
+              <a:lnSpc>
+                <a:spcPct val="90000"/>
+              </a:lnSpc>
+              <a:spcBef>
+                <a:spcPts val="200"/>
+              </a:spcBef>
+              <a:spcAft>
+                <a:spcPts val="400"/>
+              </a:spcAft>
+              <a:buClr>
+                <a:schemeClr val="accent1"/>
+              </a:buClr>
+              <a:buFont typeface="Calibri" pitchFamily="34" charset="0"/>
+              <a:buChar char="◦"/>
+              <a:defRPr sz="1400" kern="1200">
+                <a:solidFill>
+                  <a:schemeClr val="tx1">
+                    <a:lumMod val="75000"/>
+                    <a:lumOff val="25000"/>
+                  </a:schemeClr>
+                </a:solidFill>
+                <a:latin typeface="+mn-lt"/>
+                <a:ea typeface="+mn-ea"/>
+                <a:cs typeface="+mn-cs"/>
+              </a:defRPr>
+            </a:lvl7pPr>
+            <a:lvl8pPr marL="1500000" indent="-228600" algn="l" defTabSz="914400" rtl="0" eaLnBrk="1" latinLnBrk="0" hangingPunct="1">
+              <a:lnSpc>
+                <a:spcPct val="90000"/>
+              </a:lnSpc>
+              <a:spcBef>
+                <a:spcPts val="200"/>
+              </a:spcBef>
+              <a:spcAft>
+                <a:spcPts val="400"/>
+              </a:spcAft>
+              <a:buClr>
+                <a:schemeClr val="accent1"/>
+              </a:buClr>
+              <a:buFont typeface="Calibri" pitchFamily="34" charset="0"/>
+              <a:buChar char="◦"/>
+              <a:defRPr sz="1400" kern="1200">
+                <a:solidFill>
+                  <a:schemeClr val="tx1">
+                    <a:lumMod val="75000"/>
+                    <a:lumOff val="25000"/>
+                  </a:schemeClr>
+                </a:solidFill>
+                <a:latin typeface="+mn-lt"/>
+                <a:ea typeface="+mn-ea"/>
+                <a:cs typeface="+mn-cs"/>
+              </a:defRPr>
+            </a:lvl8pPr>
+            <a:lvl9pPr marL="1700000" indent="-228600" algn="l" defTabSz="914400" rtl="0" eaLnBrk="1" latinLnBrk="0" hangingPunct="1">
+              <a:lnSpc>
+                <a:spcPct val="90000"/>
+              </a:lnSpc>
+              <a:spcBef>
+                <a:spcPts val="200"/>
+              </a:spcBef>
+              <a:spcAft>
+                <a:spcPts val="400"/>
+              </a:spcAft>
+              <a:buClr>
+                <a:schemeClr val="accent1"/>
+              </a:buClr>
+              <a:buFont typeface="Calibri" pitchFamily="34" charset="0"/>
+              <a:buChar char="◦"/>
+              <a:defRPr sz="1400" kern="1200">
+                <a:solidFill>
+                  <a:schemeClr val="tx1">
+                    <a:lumMod val="75000"/>
+                    <a:lumOff val="25000"/>
+                  </a:schemeClr>
+                </a:solidFill>
+                <a:latin typeface="+mn-lt"/>
+                <a:ea typeface="+mn-ea"/>
+                <a:cs typeface="+mn-cs"/>
+              </a:defRPr>
+            </a:lvl9pPr>
+          </a:lstStyle>
+          <a:p>
+            <a:pPr>
+              <a:buFont typeface="Wingdings" panose="05000000000000000000" pitchFamily="2" charset="2"/>
+              <a:buChar char="q"/>
+            </a:pPr>
+            <a:r>
+              <a:rPr lang="fr-CA" sz="1800" b="0" i="0" dirty="0">
+                <a:solidFill>
+                  <a:srgbClr val="404040"/>
+                </a:solidFill>
+                <a:effectLst/>
+                <a:latin typeface="Franklin Gothic Book" panose="020B0503020102020204" pitchFamily="34" charset="0"/>
+              </a:rPr>
+              <a:t>Prévisions selon le </a:t>
+            </a:r>
+            <a:r>
+              <a:rPr lang="fr-CA" sz="1800" b="0" i="0" dirty="0" err="1">
+                <a:solidFill>
+                  <a:srgbClr val="404040"/>
+                </a:solidFill>
+                <a:effectLst/>
+                <a:latin typeface="Franklin Gothic Book" panose="020B0503020102020204" pitchFamily="34" charset="0"/>
+              </a:rPr>
+              <a:t>totalCoverage</a:t>
+            </a:r>
+            <a:r>
+              <a:rPr lang="fr-CA" sz="1800" b="0" i="0" dirty="0">
+                <a:solidFill>
+                  <a:srgbClr val="404040"/>
+                </a:solidFill>
+                <a:effectLst/>
+                <a:latin typeface="Franklin Gothic Book" panose="020B0503020102020204" pitchFamily="34" charset="0"/>
+              </a:rPr>
+              <a:t> sont plus élevés pour les immeubles non-résidentiels</a:t>
+            </a:r>
+          </a:p>
+          <a:p>
+            <a:pPr>
+              <a:buFont typeface="Wingdings" panose="05000000000000000000" pitchFamily="2" charset="2"/>
+              <a:buChar char="q"/>
+            </a:pPr>
+            <a:r>
+              <a:rPr lang="fr-CA" sz="1800" b="0" i="0" dirty="0">
+                <a:solidFill>
+                  <a:srgbClr val="404040"/>
+                </a:solidFill>
+                <a:effectLst/>
+                <a:latin typeface="Franklin Gothic Book" panose="020B0503020102020204" pitchFamily="34" charset="0"/>
+              </a:rPr>
+              <a:t>immeubles non </a:t>
+            </a:r>
+            <a:r>
+              <a:rPr lang="fr-CA" sz="1800" b="0" i="0" dirty="0" err="1">
+                <a:solidFill>
+                  <a:srgbClr val="404040"/>
+                </a:solidFill>
+                <a:effectLst/>
+                <a:latin typeface="Franklin Gothic Book" panose="020B0503020102020204" pitchFamily="34" charset="0"/>
+              </a:rPr>
+              <a:t>résidentiels</a:t>
+            </a:r>
+            <a:r>
+              <a:rPr lang="fr-CA" sz="1800" dirty="0" err="1">
+                <a:solidFill>
+                  <a:srgbClr val="404040"/>
+                </a:solidFill>
+                <a:latin typeface="Franklin Gothic Book" panose="020B0503020102020204" pitchFamily="34" charset="0"/>
+              </a:rPr>
+              <a:t>Légende</a:t>
+            </a:r>
+            <a:endParaRPr lang="fr-CA" sz="1800" dirty="0">
+              <a:solidFill>
+                <a:srgbClr val="404040"/>
+              </a:solidFill>
+              <a:latin typeface="Franklin Gothic Book" panose="020B0503020102020204" pitchFamily="34" charset="0"/>
+            </a:endParaRPr>
+          </a:p>
+          <a:p>
+            <a:pPr lvl="1">
+              <a:buClr>
+                <a:srgbClr val="9BA8B7"/>
+              </a:buClr>
+              <a:buFont typeface="Arial" panose="020B0604020202020204" pitchFamily="34" charset="0"/>
+              <a:buChar char="•"/>
+            </a:pPr>
+            <a:r>
+              <a:rPr lang="fr-CA" dirty="0">
+                <a:solidFill>
+                  <a:srgbClr val="404040"/>
+                </a:solidFill>
+                <a:latin typeface="Franklin Gothic Book" panose="020B0503020102020204" pitchFamily="34" charset="0"/>
+              </a:rPr>
+              <a:t>1 : Résidence familiale</a:t>
+            </a:r>
+          </a:p>
+          <a:p>
+            <a:pPr lvl="1">
+              <a:buClr>
+                <a:srgbClr val="9BA8B7"/>
+              </a:buClr>
+              <a:buFont typeface="Arial" panose="020B0604020202020204" pitchFamily="34" charset="0"/>
+              <a:buChar char="•"/>
+            </a:pPr>
+            <a:r>
+              <a:rPr lang="fr-CA" dirty="0">
+                <a:solidFill>
+                  <a:srgbClr val="404040"/>
+                </a:solidFill>
+                <a:latin typeface="Franklin Gothic Book" panose="020B0503020102020204" pitchFamily="34" charset="0"/>
+              </a:rPr>
+              <a:t>2 : Copropriété résidentielle</a:t>
+            </a:r>
+          </a:p>
+          <a:p>
+            <a:pPr lvl="1">
+              <a:buClr>
+                <a:srgbClr val="9BA8B7"/>
+              </a:buClr>
+              <a:buFont typeface="Arial" panose="020B0604020202020204" pitchFamily="34" charset="0"/>
+              <a:buChar char="•"/>
+            </a:pPr>
+            <a:r>
+              <a:rPr lang="fr-CA" dirty="0">
+                <a:solidFill>
+                  <a:srgbClr val="404040"/>
+                </a:solidFill>
+                <a:latin typeface="Franklin Gothic Book" panose="020B0503020102020204" pitchFamily="34" charset="0"/>
+              </a:rPr>
+              <a:t>3 : Non-résidentiel</a:t>
+            </a:r>
+            <a:endParaRPr lang="en-CA" dirty="0"/>
           </a:p>
         </p:txBody>
       </p:sp>
     </p:spTree>
     <p:extLst>
       <p:ext uri="{BB962C8B-B14F-4D97-AF65-F5344CB8AC3E}">
-        <p14:creationId xmlns:p14="http://schemas.microsoft.com/office/powerpoint/2010/main" val="1717889379"/>
+        <p14:creationId xmlns:p14="http://schemas.microsoft.com/office/powerpoint/2010/main" val="2094673800"/>
       </p:ext>
     </p:extLst>
   </p:cSld>
@@ -8586,7 +9891,7 @@
           <a:p>
             <a:r>
               <a:rPr lang="fr-CA" dirty="0"/>
-              <a:t>Bibliographie</a:t>
+              <a:t>Analyse des résultats pour le modèle: Bagging</a:t>
             </a:r>
             <a:endParaRPr lang="en-CA" dirty="0"/>
           </a:p>
@@ -8594,10 +9899,371 @@
       </p:sp>
       <p:sp>
         <p:nvSpPr>
-          <p:cNvPr id="3" name="Content Placeholder 2">
+          <p:cNvPr id="11" name="Content Placeholder 2">
             <a:extLst>
               <a:ext uri="{FF2B5EF4-FFF2-40B4-BE49-F238E27FC236}">
-                <a16:creationId xmlns:a16="http://schemas.microsoft.com/office/drawing/2014/main" id="{9983E910-59CB-7ECB-46A9-68D73D0A7492}"/>
+                <a16:creationId xmlns:a16="http://schemas.microsoft.com/office/drawing/2014/main" id="{B3AAF8B0-C3D0-0BD9-E491-E0358B01B813}"/>
+              </a:ext>
+            </a:extLst>
+          </p:cNvPr>
+          <p:cNvSpPr txBox="1">
+            <a:spLocks noGrp="1"/>
+          </p:cNvSpPr>
+          <p:nvPr>
+            <p:ph idx="1"/>
+          </p:nvPr>
+        </p:nvSpPr>
+        <p:spPr>
+          <a:xfrm>
+            <a:off x="1096963" y="2108200"/>
+            <a:ext cx="4200525" cy="3760788"/>
+          </a:xfrm>
+          <a:prstGeom prst="rect">
+            <a:avLst/>
+          </a:prstGeom>
+        </p:spPr>
+        <p:txBody>
+          <a:bodyPr vert="horz" lIns="0" tIns="45720" rIns="0" bIns="45720" rtlCol="0" anchor="ctr">
+            <a:normAutofit/>
+          </a:bodyPr>
+          <a:lstStyle>
+            <a:lvl1pPr marL="91440" indent="-91440" algn="l" defTabSz="914400" rtl="0" eaLnBrk="1" latinLnBrk="0" hangingPunct="1">
+              <a:lnSpc>
+                <a:spcPct val="110000"/>
+              </a:lnSpc>
+              <a:spcBef>
+                <a:spcPts val="1200"/>
+              </a:spcBef>
+              <a:spcAft>
+                <a:spcPts val="200"/>
+              </a:spcAft>
+              <a:buClr>
+                <a:schemeClr val="accent1"/>
+              </a:buClr>
+              <a:buSzPct val="100000"/>
+              <a:buFont typeface="Calibri" panose="020F0502020204030204" pitchFamily="34" charset="0"/>
+              <a:buChar char=" "/>
+              <a:defRPr sz="1900" kern="1200">
+                <a:solidFill>
+                  <a:schemeClr val="tx1">
+                    <a:lumMod val="75000"/>
+                    <a:lumOff val="25000"/>
+                  </a:schemeClr>
+                </a:solidFill>
+                <a:latin typeface="+mn-lt"/>
+                <a:ea typeface="+mn-ea"/>
+                <a:cs typeface="+mn-cs"/>
+              </a:defRPr>
+            </a:lvl1pPr>
+            <a:lvl2pPr marL="384048" indent="-182880" algn="l" defTabSz="914400" rtl="0" eaLnBrk="1" latinLnBrk="0" hangingPunct="1">
+              <a:lnSpc>
+                <a:spcPct val="100000"/>
+              </a:lnSpc>
+              <a:spcBef>
+                <a:spcPts val="200"/>
+              </a:spcBef>
+              <a:spcAft>
+                <a:spcPts val="400"/>
+              </a:spcAft>
+              <a:buClrTx/>
+              <a:buFont typeface="Calibri" pitchFamily="34" charset="0"/>
+              <a:buChar char="◦"/>
+              <a:defRPr sz="1700" kern="1200">
+                <a:solidFill>
+                  <a:schemeClr val="tx1">
+                    <a:lumMod val="75000"/>
+                    <a:lumOff val="25000"/>
+                  </a:schemeClr>
+                </a:solidFill>
+                <a:latin typeface="+mn-lt"/>
+                <a:ea typeface="+mn-ea"/>
+                <a:cs typeface="+mn-cs"/>
+              </a:defRPr>
+            </a:lvl2pPr>
+            <a:lvl3pPr marL="566928" indent="-182880" algn="l" defTabSz="914400" rtl="0" eaLnBrk="1" latinLnBrk="0" hangingPunct="1">
+              <a:lnSpc>
+                <a:spcPct val="100000"/>
+              </a:lnSpc>
+              <a:spcBef>
+                <a:spcPts val="200"/>
+              </a:spcBef>
+              <a:spcAft>
+                <a:spcPts val="400"/>
+              </a:spcAft>
+              <a:buClrTx/>
+              <a:buFont typeface="Calibri" pitchFamily="34" charset="0"/>
+              <a:buChar char="◦"/>
+              <a:defRPr sz="1300" kern="1200">
+                <a:solidFill>
+                  <a:schemeClr val="tx1">
+                    <a:lumMod val="75000"/>
+                    <a:lumOff val="25000"/>
+                  </a:schemeClr>
+                </a:solidFill>
+                <a:latin typeface="+mn-lt"/>
+                <a:ea typeface="+mn-ea"/>
+                <a:cs typeface="+mn-cs"/>
+              </a:defRPr>
+            </a:lvl3pPr>
+            <a:lvl4pPr marL="749808" indent="-182880" algn="l" defTabSz="914400" rtl="0" eaLnBrk="1" latinLnBrk="0" hangingPunct="1">
+              <a:lnSpc>
+                <a:spcPct val="100000"/>
+              </a:lnSpc>
+              <a:spcBef>
+                <a:spcPts val="200"/>
+              </a:spcBef>
+              <a:spcAft>
+                <a:spcPts val="400"/>
+              </a:spcAft>
+              <a:buClrTx/>
+              <a:buFont typeface="Calibri" pitchFamily="34" charset="0"/>
+              <a:buChar char="◦"/>
+              <a:defRPr sz="1300" kern="1200">
+                <a:solidFill>
+                  <a:schemeClr val="tx1">
+                    <a:lumMod val="75000"/>
+                    <a:lumOff val="25000"/>
+                  </a:schemeClr>
+                </a:solidFill>
+                <a:latin typeface="+mn-lt"/>
+                <a:ea typeface="+mn-ea"/>
+                <a:cs typeface="+mn-cs"/>
+              </a:defRPr>
+            </a:lvl4pPr>
+            <a:lvl5pPr marL="932688" indent="-182880" algn="l" defTabSz="914400" rtl="0" eaLnBrk="1" latinLnBrk="0" hangingPunct="1">
+              <a:lnSpc>
+                <a:spcPct val="100000"/>
+              </a:lnSpc>
+              <a:spcBef>
+                <a:spcPts val="200"/>
+              </a:spcBef>
+              <a:spcAft>
+                <a:spcPts val="400"/>
+              </a:spcAft>
+              <a:buClrTx/>
+              <a:buFont typeface="Calibri" pitchFamily="34" charset="0"/>
+              <a:buChar char="◦"/>
+              <a:defRPr sz="1300" kern="1200">
+                <a:solidFill>
+                  <a:schemeClr val="tx1">
+                    <a:lumMod val="75000"/>
+                    <a:lumOff val="25000"/>
+                  </a:schemeClr>
+                </a:solidFill>
+                <a:latin typeface="+mn-lt"/>
+                <a:ea typeface="+mn-ea"/>
+                <a:cs typeface="+mn-cs"/>
+              </a:defRPr>
+            </a:lvl5pPr>
+            <a:lvl6pPr marL="1100000" indent="-228600" algn="l" defTabSz="914400" rtl="0" eaLnBrk="1" latinLnBrk="0" hangingPunct="1">
+              <a:lnSpc>
+                <a:spcPct val="90000"/>
+              </a:lnSpc>
+              <a:spcBef>
+                <a:spcPts val="200"/>
+              </a:spcBef>
+              <a:spcAft>
+                <a:spcPts val="400"/>
+              </a:spcAft>
+              <a:buClr>
+                <a:schemeClr val="accent1"/>
+              </a:buClr>
+              <a:buFont typeface="Calibri" pitchFamily="34" charset="0"/>
+              <a:buChar char="◦"/>
+              <a:defRPr sz="1400" kern="1200">
+                <a:solidFill>
+                  <a:schemeClr val="tx1">
+                    <a:lumMod val="75000"/>
+                    <a:lumOff val="25000"/>
+                  </a:schemeClr>
+                </a:solidFill>
+                <a:latin typeface="+mn-lt"/>
+                <a:ea typeface="+mn-ea"/>
+                <a:cs typeface="+mn-cs"/>
+              </a:defRPr>
+            </a:lvl6pPr>
+            <a:lvl7pPr marL="1300000" indent="-228600" algn="l" defTabSz="914400" rtl="0" eaLnBrk="1" latinLnBrk="0" hangingPunct="1">
+              <a:lnSpc>
+                <a:spcPct val="90000"/>
+              </a:lnSpc>
+              <a:spcBef>
+                <a:spcPts val="200"/>
+              </a:spcBef>
+              <a:spcAft>
+                <a:spcPts val="400"/>
+              </a:spcAft>
+              <a:buClr>
+                <a:schemeClr val="accent1"/>
+              </a:buClr>
+              <a:buFont typeface="Calibri" pitchFamily="34" charset="0"/>
+              <a:buChar char="◦"/>
+              <a:defRPr sz="1400" kern="1200">
+                <a:solidFill>
+                  <a:schemeClr val="tx1">
+                    <a:lumMod val="75000"/>
+                    <a:lumOff val="25000"/>
+                  </a:schemeClr>
+                </a:solidFill>
+                <a:latin typeface="+mn-lt"/>
+                <a:ea typeface="+mn-ea"/>
+                <a:cs typeface="+mn-cs"/>
+              </a:defRPr>
+            </a:lvl7pPr>
+            <a:lvl8pPr marL="1500000" indent="-228600" algn="l" defTabSz="914400" rtl="0" eaLnBrk="1" latinLnBrk="0" hangingPunct="1">
+              <a:lnSpc>
+                <a:spcPct val="90000"/>
+              </a:lnSpc>
+              <a:spcBef>
+                <a:spcPts val="200"/>
+              </a:spcBef>
+              <a:spcAft>
+                <a:spcPts val="400"/>
+              </a:spcAft>
+              <a:buClr>
+                <a:schemeClr val="accent1"/>
+              </a:buClr>
+              <a:buFont typeface="Calibri" pitchFamily="34" charset="0"/>
+              <a:buChar char="◦"/>
+              <a:defRPr sz="1400" kern="1200">
+                <a:solidFill>
+                  <a:schemeClr val="tx1">
+                    <a:lumMod val="75000"/>
+                    <a:lumOff val="25000"/>
+                  </a:schemeClr>
+                </a:solidFill>
+                <a:latin typeface="+mn-lt"/>
+                <a:ea typeface="+mn-ea"/>
+                <a:cs typeface="+mn-cs"/>
+              </a:defRPr>
+            </a:lvl8pPr>
+            <a:lvl9pPr marL="1700000" indent="-228600" algn="l" defTabSz="914400" rtl="0" eaLnBrk="1" latinLnBrk="0" hangingPunct="1">
+              <a:lnSpc>
+                <a:spcPct val="90000"/>
+              </a:lnSpc>
+              <a:spcBef>
+                <a:spcPts val="200"/>
+              </a:spcBef>
+              <a:spcAft>
+                <a:spcPts val="400"/>
+              </a:spcAft>
+              <a:buClr>
+                <a:schemeClr val="accent1"/>
+              </a:buClr>
+              <a:buFont typeface="Calibri" pitchFamily="34" charset="0"/>
+              <a:buChar char="◦"/>
+              <a:defRPr sz="1400" kern="1200">
+                <a:solidFill>
+                  <a:schemeClr val="tx1">
+                    <a:lumMod val="75000"/>
+                    <a:lumOff val="25000"/>
+                  </a:schemeClr>
+                </a:solidFill>
+                <a:latin typeface="+mn-lt"/>
+                <a:ea typeface="+mn-ea"/>
+                <a:cs typeface="+mn-cs"/>
+              </a:defRPr>
+            </a:lvl9pPr>
+          </a:lstStyle>
+          <a:p>
+            <a:pPr>
+              <a:buFont typeface="Wingdings" panose="05000000000000000000" pitchFamily="2" charset="2"/>
+              <a:buChar char="q"/>
+            </a:pPr>
+            <a:r>
+              <a:rPr lang="fr-CA" sz="1800" b="0" i="0" dirty="0">
+                <a:solidFill>
+                  <a:srgbClr val="404040"/>
+                </a:solidFill>
+                <a:effectLst/>
+                <a:latin typeface="Franklin Gothic Book" panose="020B0503020102020204" pitchFamily="34" charset="0"/>
+              </a:rPr>
+              <a:t>6 variables importantes</a:t>
+            </a:r>
+            <a:r>
+              <a:rPr lang="fr-CA" sz="1800" dirty="0">
+                <a:solidFill>
+                  <a:srgbClr val="404040"/>
+                </a:solidFill>
+                <a:latin typeface="Franklin Gothic Book" panose="020B0503020102020204" pitchFamily="34" charset="0"/>
+              </a:rPr>
+              <a:t>, dont la couverture totale est la plus influente</a:t>
+            </a:r>
+            <a:endParaRPr lang="en-CA" dirty="0"/>
+          </a:p>
+        </p:txBody>
+      </p:sp>
+      <p:pic>
+        <p:nvPicPr>
+          <p:cNvPr id="4" name="Picture 3" descr="Chart, scatter chart&#10;&#10;Description automatically generated">
+            <a:extLst>
+              <a:ext uri="{FF2B5EF4-FFF2-40B4-BE49-F238E27FC236}">
+                <a16:creationId xmlns:a16="http://schemas.microsoft.com/office/drawing/2014/main" id="{863D14C8-7242-A051-6025-2D0CEC5BF751}"/>
+              </a:ext>
+            </a:extLst>
+          </p:cNvPr>
+          <p:cNvPicPr>
+            <a:picLocks noChangeAspect="1"/>
+          </p:cNvPicPr>
+          <p:nvPr/>
+        </p:nvPicPr>
+        <p:blipFill>
+          <a:blip r:embed="rId2">
+            <a:extLst>
+              <a:ext uri="{28A0092B-C50C-407E-A947-70E740481C1C}">
+                <a14:useLocalDpi xmlns:a14="http://schemas.microsoft.com/office/drawing/2010/main" val="0"/>
+              </a:ext>
+            </a:extLst>
+          </a:blip>
+          <a:stretch>
+            <a:fillRect/>
+          </a:stretch>
+        </p:blipFill>
+        <p:spPr>
+          <a:xfrm>
+            <a:off x="5297488" y="2108200"/>
+            <a:ext cx="6553200" cy="4076700"/>
+          </a:xfrm>
+          <a:prstGeom prst="rect">
+            <a:avLst/>
+          </a:prstGeom>
+        </p:spPr>
+      </p:pic>
+    </p:spTree>
+    <p:extLst>
+      <p:ext uri="{BB962C8B-B14F-4D97-AF65-F5344CB8AC3E}">
+        <p14:creationId xmlns:p14="http://schemas.microsoft.com/office/powerpoint/2010/main" val="3245285993"/>
+      </p:ext>
+    </p:extLst>
+  </p:cSld>
+  <p:clrMapOvr>
+    <a:masterClrMapping/>
+  </p:clrMapOvr>
+</p:sld>
+</file>
+
+<file path=ppt/slides/slide29.xml><?xml version="1.0" encoding="utf-8"?>
+<p:sld xmlns:a="http://schemas.openxmlformats.org/drawingml/2006/main" xmlns:r="http://schemas.openxmlformats.org/officeDocument/2006/relationships" xmlns:p="http://schemas.openxmlformats.org/presentationml/2006/main">
+  <p:cSld>
+    <p:spTree>
+      <p:nvGrpSpPr>
+        <p:cNvPr id="1" name=""/>
+        <p:cNvGrpSpPr/>
+        <p:nvPr/>
+      </p:nvGrpSpPr>
+      <p:grpSpPr>
+        <a:xfrm>
+          <a:off x="0" y="0"/>
+          <a:ext cx="0" cy="0"/>
+          <a:chOff x="0" y="0"/>
+          <a:chExt cx="0" cy="0"/>
+        </a:xfrm>
+      </p:grpSpPr>
+      <p:sp>
+        <p:nvSpPr>
+          <p:cNvPr id="2" name="Title 1">
+            <a:extLst>
+              <a:ext uri="{FF2B5EF4-FFF2-40B4-BE49-F238E27FC236}">
+                <a16:creationId xmlns:a16="http://schemas.microsoft.com/office/drawing/2014/main" id="{2972E3D2-B3C5-FB56-6BD1-0BD8DD76CCA3}"/>
               </a:ext>
             </a:extLst>
           </p:cNvPr>
@@ -8605,7 +10271,7 @@
             <a:spLocks noGrp="1"/>
           </p:cNvSpPr>
           <p:nvPr>
-            <p:ph idx="1"/>
+            <p:ph type="title"/>
           </p:nvPr>
         </p:nvSpPr>
         <p:spPr/>
@@ -8613,14 +10279,357 @@
           <a:bodyPr/>
           <a:lstStyle/>
           <a:p>
+            <a:r>
+              <a:rPr lang="fr-CA" dirty="0"/>
+              <a:t>Analyse des résultats pour le modèle: Bagging</a:t>
+            </a:r>
             <a:endParaRPr lang="en-CA" dirty="0"/>
           </a:p>
         </p:txBody>
       </p:sp>
+      <p:sp>
+        <p:nvSpPr>
+          <p:cNvPr id="7" name="Content Placeholder 2">
+            <a:extLst>
+              <a:ext uri="{FF2B5EF4-FFF2-40B4-BE49-F238E27FC236}">
+                <a16:creationId xmlns:a16="http://schemas.microsoft.com/office/drawing/2014/main" id="{956221F8-1AC7-E41E-87A4-1A4D81F63924}"/>
+              </a:ext>
+            </a:extLst>
+          </p:cNvPr>
+          <p:cNvSpPr txBox="1">
+            <a:spLocks/>
+          </p:cNvSpPr>
+          <p:nvPr/>
+        </p:nvSpPr>
+        <p:spPr>
+          <a:xfrm>
+            <a:off x="1097280" y="2141729"/>
+            <a:ext cx="4998720" cy="3760891"/>
+          </a:xfrm>
+          <a:prstGeom prst="rect">
+            <a:avLst/>
+          </a:prstGeom>
+        </p:spPr>
+        <p:txBody>
+          <a:bodyPr vert="horz" lIns="0" tIns="45720" rIns="0" bIns="45720" rtlCol="0" anchor="ctr">
+            <a:normAutofit/>
+          </a:bodyPr>
+          <a:lstStyle>
+            <a:lvl1pPr marL="91440" indent="-91440" algn="l" defTabSz="914400" rtl="0" eaLnBrk="1" latinLnBrk="0" hangingPunct="1">
+              <a:lnSpc>
+                <a:spcPct val="110000"/>
+              </a:lnSpc>
+              <a:spcBef>
+                <a:spcPts val="1200"/>
+              </a:spcBef>
+              <a:spcAft>
+                <a:spcPts val="200"/>
+              </a:spcAft>
+              <a:buClr>
+                <a:schemeClr val="accent1"/>
+              </a:buClr>
+              <a:buSzPct val="100000"/>
+              <a:buFont typeface="Calibri" panose="020F0502020204030204" pitchFamily="34" charset="0"/>
+              <a:buChar char=" "/>
+              <a:defRPr sz="1900" kern="1200">
+                <a:solidFill>
+                  <a:schemeClr val="tx1">
+                    <a:lumMod val="75000"/>
+                    <a:lumOff val="25000"/>
+                  </a:schemeClr>
+                </a:solidFill>
+                <a:latin typeface="+mn-lt"/>
+                <a:ea typeface="+mn-ea"/>
+                <a:cs typeface="+mn-cs"/>
+              </a:defRPr>
+            </a:lvl1pPr>
+            <a:lvl2pPr marL="384048" indent="-182880" algn="l" defTabSz="914400" rtl="0" eaLnBrk="1" latinLnBrk="0" hangingPunct="1">
+              <a:lnSpc>
+                <a:spcPct val="100000"/>
+              </a:lnSpc>
+              <a:spcBef>
+                <a:spcPts val="200"/>
+              </a:spcBef>
+              <a:spcAft>
+                <a:spcPts val="400"/>
+              </a:spcAft>
+              <a:buClrTx/>
+              <a:buFont typeface="Calibri" pitchFamily="34" charset="0"/>
+              <a:buChar char="◦"/>
+              <a:defRPr sz="1700" kern="1200">
+                <a:solidFill>
+                  <a:schemeClr val="tx1">
+                    <a:lumMod val="75000"/>
+                    <a:lumOff val="25000"/>
+                  </a:schemeClr>
+                </a:solidFill>
+                <a:latin typeface="+mn-lt"/>
+                <a:ea typeface="+mn-ea"/>
+                <a:cs typeface="+mn-cs"/>
+              </a:defRPr>
+            </a:lvl2pPr>
+            <a:lvl3pPr marL="566928" indent="-182880" algn="l" defTabSz="914400" rtl="0" eaLnBrk="1" latinLnBrk="0" hangingPunct="1">
+              <a:lnSpc>
+                <a:spcPct val="100000"/>
+              </a:lnSpc>
+              <a:spcBef>
+                <a:spcPts val="200"/>
+              </a:spcBef>
+              <a:spcAft>
+                <a:spcPts val="400"/>
+              </a:spcAft>
+              <a:buClrTx/>
+              <a:buFont typeface="Calibri" pitchFamily="34" charset="0"/>
+              <a:buChar char="◦"/>
+              <a:defRPr sz="1300" kern="1200">
+                <a:solidFill>
+                  <a:schemeClr val="tx1">
+                    <a:lumMod val="75000"/>
+                    <a:lumOff val="25000"/>
+                  </a:schemeClr>
+                </a:solidFill>
+                <a:latin typeface="+mn-lt"/>
+                <a:ea typeface="+mn-ea"/>
+                <a:cs typeface="+mn-cs"/>
+              </a:defRPr>
+            </a:lvl3pPr>
+            <a:lvl4pPr marL="749808" indent="-182880" algn="l" defTabSz="914400" rtl="0" eaLnBrk="1" latinLnBrk="0" hangingPunct="1">
+              <a:lnSpc>
+                <a:spcPct val="100000"/>
+              </a:lnSpc>
+              <a:spcBef>
+                <a:spcPts val="200"/>
+              </a:spcBef>
+              <a:spcAft>
+                <a:spcPts val="400"/>
+              </a:spcAft>
+              <a:buClrTx/>
+              <a:buFont typeface="Calibri" pitchFamily="34" charset="0"/>
+              <a:buChar char="◦"/>
+              <a:defRPr sz="1300" kern="1200">
+                <a:solidFill>
+                  <a:schemeClr val="tx1">
+                    <a:lumMod val="75000"/>
+                    <a:lumOff val="25000"/>
+                  </a:schemeClr>
+                </a:solidFill>
+                <a:latin typeface="+mn-lt"/>
+                <a:ea typeface="+mn-ea"/>
+                <a:cs typeface="+mn-cs"/>
+              </a:defRPr>
+            </a:lvl4pPr>
+            <a:lvl5pPr marL="932688" indent="-182880" algn="l" defTabSz="914400" rtl="0" eaLnBrk="1" latinLnBrk="0" hangingPunct="1">
+              <a:lnSpc>
+                <a:spcPct val="100000"/>
+              </a:lnSpc>
+              <a:spcBef>
+                <a:spcPts val="200"/>
+              </a:spcBef>
+              <a:spcAft>
+                <a:spcPts val="400"/>
+              </a:spcAft>
+              <a:buClrTx/>
+              <a:buFont typeface="Calibri" pitchFamily="34" charset="0"/>
+              <a:buChar char="◦"/>
+              <a:defRPr sz="1300" kern="1200">
+                <a:solidFill>
+                  <a:schemeClr val="tx1">
+                    <a:lumMod val="75000"/>
+                    <a:lumOff val="25000"/>
+                  </a:schemeClr>
+                </a:solidFill>
+                <a:latin typeface="+mn-lt"/>
+                <a:ea typeface="+mn-ea"/>
+                <a:cs typeface="+mn-cs"/>
+              </a:defRPr>
+            </a:lvl5pPr>
+            <a:lvl6pPr marL="1100000" indent="-228600" algn="l" defTabSz="914400" rtl="0" eaLnBrk="1" latinLnBrk="0" hangingPunct="1">
+              <a:lnSpc>
+                <a:spcPct val="90000"/>
+              </a:lnSpc>
+              <a:spcBef>
+                <a:spcPts val="200"/>
+              </a:spcBef>
+              <a:spcAft>
+                <a:spcPts val="400"/>
+              </a:spcAft>
+              <a:buClr>
+                <a:schemeClr val="accent1"/>
+              </a:buClr>
+              <a:buFont typeface="Calibri" pitchFamily="34" charset="0"/>
+              <a:buChar char="◦"/>
+              <a:defRPr sz="1400" kern="1200">
+                <a:solidFill>
+                  <a:schemeClr val="tx1">
+                    <a:lumMod val="75000"/>
+                    <a:lumOff val="25000"/>
+                  </a:schemeClr>
+                </a:solidFill>
+                <a:latin typeface="+mn-lt"/>
+                <a:ea typeface="+mn-ea"/>
+                <a:cs typeface="+mn-cs"/>
+              </a:defRPr>
+            </a:lvl6pPr>
+            <a:lvl7pPr marL="1300000" indent="-228600" algn="l" defTabSz="914400" rtl="0" eaLnBrk="1" latinLnBrk="0" hangingPunct="1">
+              <a:lnSpc>
+                <a:spcPct val="90000"/>
+              </a:lnSpc>
+              <a:spcBef>
+                <a:spcPts val="200"/>
+              </a:spcBef>
+              <a:spcAft>
+                <a:spcPts val="400"/>
+              </a:spcAft>
+              <a:buClr>
+                <a:schemeClr val="accent1"/>
+              </a:buClr>
+              <a:buFont typeface="Calibri" pitchFamily="34" charset="0"/>
+              <a:buChar char="◦"/>
+              <a:defRPr sz="1400" kern="1200">
+                <a:solidFill>
+                  <a:schemeClr val="tx1">
+                    <a:lumMod val="75000"/>
+                    <a:lumOff val="25000"/>
+                  </a:schemeClr>
+                </a:solidFill>
+                <a:latin typeface="+mn-lt"/>
+                <a:ea typeface="+mn-ea"/>
+                <a:cs typeface="+mn-cs"/>
+              </a:defRPr>
+            </a:lvl7pPr>
+            <a:lvl8pPr marL="1500000" indent="-228600" algn="l" defTabSz="914400" rtl="0" eaLnBrk="1" latinLnBrk="0" hangingPunct="1">
+              <a:lnSpc>
+                <a:spcPct val="90000"/>
+              </a:lnSpc>
+              <a:spcBef>
+                <a:spcPts val="200"/>
+              </a:spcBef>
+              <a:spcAft>
+                <a:spcPts val="400"/>
+              </a:spcAft>
+              <a:buClr>
+                <a:schemeClr val="accent1"/>
+              </a:buClr>
+              <a:buFont typeface="Calibri" pitchFamily="34" charset="0"/>
+              <a:buChar char="◦"/>
+              <a:defRPr sz="1400" kern="1200">
+                <a:solidFill>
+                  <a:schemeClr val="tx1">
+                    <a:lumMod val="75000"/>
+                    <a:lumOff val="25000"/>
+                  </a:schemeClr>
+                </a:solidFill>
+                <a:latin typeface="+mn-lt"/>
+                <a:ea typeface="+mn-ea"/>
+                <a:cs typeface="+mn-cs"/>
+              </a:defRPr>
+            </a:lvl8pPr>
+            <a:lvl9pPr marL="1700000" indent="-228600" algn="l" defTabSz="914400" rtl="0" eaLnBrk="1" latinLnBrk="0" hangingPunct="1">
+              <a:lnSpc>
+                <a:spcPct val="90000"/>
+              </a:lnSpc>
+              <a:spcBef>
+                <a:spcPts val="200"/>
+              </a:spcBef>
+              <a:spcAft>
+                <a:spcPts val="400"/>
+              </a:spcAft>
+              <a:buClr>
+                <a:schemeClr val="accent1"/>
+              </a:buClr>
+              <a:buFont typeface="Calibri" pitchFamily="34" charset="0"/>
+              <a:buChar char="◦"/>
+              <a:defRPr sz="1400" kern="1200">
+                <a:solidFill>
+                  <a:schemeClr val="tx1">
+                    <a:lumMod val="75000"/>
+                    <a:lumOff val="25000"/>
+                  </a:schemeClr>
+                </a:solidFill>
+                <a:latin typeface="+mn-lt"/>
+                <a:ea typeface="+mn-ea"/>
+                <a:cs typeface="+mn-cs"/>
+              </a:defRPr>
+            </a:lvl9pPr>
+          </a:lstStyle>
+          <a:p>
+            <a:pPr>
+              <a:buFont typeface="Wingdings" panose="05000000000000000000" pitchFamily="2" charset="2"/>
+              <a:buChar char="q"/>
+            </a:pPr>
+            <a:r>
+              <a:rPr lang="fr-CA" sz="1800" b="0" i="0" dirty="0">
+                <a:solidFill>
+                  <a:srgbClr val="404040"/>
+                </a:solidFill>
+                <a:effectLst/>
+                <a:latin typeface="Franklin Gothic Book" panose="020B0503020102020204" pitchFamily="34" charset="0"/>
+              </a:rPr>
+              <a:t>L’</a:t>
+            </a:r>
+            <a:r>
+              <a:rPr lang="fr-CA" sz="1800" b="0" i="0" dirty="0" err="1">
+                <a:solidFill>
+                  <a:srgbClr val="404040"/>
+                </a:solidFill>
+                <a:effectLst/>
+                <a:latin typeface="Franklin Gothic Book" panose="020B0503020102020204" pitchFamily="34" charset="0"/>
+              </a:rPr>
+              <a:t>interraction</a:t>
+            </a:r>
+            <a:r>
+              <a:rPr lang="fr-CA" sz="1800" b="0" i="0" dirty="0">
+                <a:solidFill>
+                  <a:srgbClr val="404040"/>
+                </a:solidFill>
+                <a:effectLst/>
+                <a:latin typeface="Franklin Gothic Book" panose="020B0503020102020204" pitchFamily="34" charset="0"/>
+              </a:rPr>
+              <a:t> la plus importante se produit avec le type d’habitation</a:t>
+            </a:r>
+            <a:endParaRPr lang="en-CA" dirty="0"/>
+          </a:p>
+        </p:txBody>
+      </p:sp>
+      <p:pic>
+        <p:nvPicPr>
+          <p:cNvPr id="8" name="Content Placeholder 7" descr="Chart&#10;&#10;Description automatically generated">
+            <a:extLst>
+              <a:ext uri="{FF2B5EF4-FFF2-40B4-BE49-F238E27FC236}">
+                <a16:creationId xmlns:a16="http://schemas.microsoft.com/office/drawing/2014/main" id="{CEDF2956-6426-7AA2-7A6D-8E25110BDF55}"/>
+              </a:ext>
+            </a:extLst>
+          </p:cNvPr>
+          <p:cNvPicPr>
+            <a:picLocks noGrp="1" noChangeAspect="1"/>
+          </p:cNvPicPr>
+          <p:nvPr>
+            <p:ph idx="1"/>
+          </p:nvPr>
+        </p:nvPicPr>
+        <p:blipFill>
+          <a:blip r:embed="rId2">
+            <a:extLst>
+              <a:ext uri="{28A0092B-C50C-407E-A947-70E740481C1C}">
+                <a14:useLocalDpi xmlns:a14="http://schemas.microsoft.com/office/drawing/2010/main" val="0"/>
+              </a:ext>
+            </a:extLst>
+          </a:blip>
+          <a:stretch>
+            <a:fillRect/>
+          </a:stretch>
+        </p:blipFill>
+        <p:spPr>
+          <a:xfrm>
+            <a:off x="6096000" y="2141832"/>
+            <a:ext cx="5517828" cy="3760788"/>
+          </a:xfrm>
+        </p:spPr>
+      </p:pic>
     </p:spTree>
     <p:extLst>
       <p:ext uri="{BB962C8B-B14F-4D97-AF65-F5344CB8AC3E}">
-        <p14:creationId xmlns:p14="http://schemas.microsoft.com/office/powerpoint/2010/main" val="1537499175"/>
+        <p14:creationId xmlns:p14="http://schemas.microsoft.com/office/powerpoint/2010/main" val="949713326"/>
       </p:ext>
     </p:extLst>
   </p:cSld>
@@ -8732,6 +10741,1029 @@
     <p:extLst>
       <p:ext uri="{BB962C8B-B14F-4D97-AF65-F5344CB8AC3E}">
         <p14:creationId xmlns:p14="http://schemas.microsoft.com/office/powerpoint/2010/main" val="1479454944"/>
+      </p:ext>
+    </p:extLst>
+  </p:cSld>
+  <p:clrMapOvr>
+    <a:masterClrMapping/>
+  </p:clrMapOvr>
+</p:sld>
+</file>
+
+<file path=ppt/slides/slide30.xml><?xml version="1.0" encoding="utf-8"?>
+<p:sld xmlns:a="http://schemas.openxmlformats.org/drawingml/2006/main" xmlns:r="http://schemas.openxmlformats.org/officeDocument/2006/relationships" xmlns:p="http://schemas.openxmlformats.org/presentationml/2006/main">
+  <p:cSld>
+    <p:spTree>
+      <p:nvGrpSpPr>
+        <p:cNvPr id="1" name=""/>
+        <p:cNvGrpSpPr/>
+        <p:nvPr/>
+      </p:nvGrpSpPr>
+      <p:grpSpPr>
+        <a:xfrm>
+          <a:off x="0" y="0"/>
+          <a:ext cx="0" cy="0"/>
+          <a:chOff x="0" y="0"/>
+          <a:chExt cx="0" cy="0"/>
+        </a:xfrm>
+      </p:grpSpPr>
+      <p:sp>
+        <p:nvSpPr>
+          <p:cNvPr id="2" name="Title 1">
+            <a:extLst>
+              <a:ext uri="{FF2B5EF4-FFF2-40B4-BE49-F238E27FC236}">
+                <a16:creationId xmlns:a16="http://schemas.microsoft.com/office/drawing/2014/main" id="{2972E3D2-B3C5-FB56-6BD1-0BD8DD76CCA3}"/>
+              </a:ext>
+            </a:extLst>
+          </p:cNvPr>
+          <p:cNvSpPr>
+            <a:spLocks noGrp="1"/>
+          </p:cNvSpPr>
+          <p:nvPr>
+            <p:ph type="title"/>
+          </p:nvPr>
+        </p:nvSpPr>
+        <p:spPr/>
+        <p:txBody>
+          <a:bodyPr/>
+          <a:lstStyle/>
+          <a:p>
+            <a:r>
+              <a:rPr lang="fr-CA" dirty="0"/>
+              <a:t>Interprétation des résultats</a:t>
+            </a:r>
+            <a:endParaRPr lang="en-CA" dirty="0"/>
+          </a:p>
+        </p:txBody>
+      </p:sp>
+      <p:sp>
+        <p:nvSpPr>
+          <p:cNvPr id="8" name="Content Placeholder 2">
+            <a:extLst>
+              <a:ext uri="{FF2B5EF4-FFF2-40B4-BE49-F238E27FC236}">
+                <a16:creationId xmlns:a16="http://schemas.microsoft.com/office/drawing/2014/main" id="{EE4E94EE-1342-4A7F-4668-0C88F7402292}"/>
+              </a:ext>
+            </a:extLst>
+          </p:cNvPr>
+          <p:cNvSpPr txBox="1">
+            <a:spLocks/>
+          </p:cNvSpPr>
+          <p:nvPr/>
+        </p:nvSpPr>
+        <p:spPr>
+          <a:xfrm>
+            <a:off x="1097280" y="2211355"/>
+            <a:ext cx="4998720" cy="3657737"/>
+          </a:xfrm>
+          <a:prstGeom prst="rect">
+            <a:avLst/>
+          </a:prstGeom>
+        </p:spPr>
+        <p:txBody>
+          <a:bodyPr vert="horz" lIns="0" tIns="45720" rIns="0" bIns="45720" rtlCol="0">
+            <a:normAutofit/>
+          </a:bodyPr>
+          <a:lstStyle>
+            <a:lvl1pPr marL="91440" indent="-91440" algn="l" defTabSz="914400" rtl="0" eaLnBrk="1" latinLnBrk="0" hangingPunct="1">
+              <a:lnSpc>
+                <a:spcPct val="110000"/>
+              </a:lnSpc>
+              <a:spcBef>
+                <a:spcPts val="1200"/>
+              </a:spcBef>
+              <a:spcAft>
+                <a:spcPts val="200"/>
+              </a:spcAft>
+              <a:buClr>
+                <a:schemeClr val="accent1"/>
+              </a:buClr>
+              <a:buSzPct val="100000"/>
+              <a:buFont typeface="Calibri" panose="020F0502020204030204" pitchFamily="34" charset="0"/>
+              <a:buChar char=" "/>
+              <a:defRPr sz="1900" kern="1200">
+                <a:solidFill>
+                  <a:schemeClr val="tx1">
+                    <a:lumMod val="75000"/>
+                    <a:lumOff val="25000"/>
+                  </a:schemeClr>
+                </a:solidFill>
+                <a:latin typeface="+mn-lt"/>
+                <a:ea typeface="+mn-ea"/>
+                <a:cs typeface="+mn-cs"/>
+              </a:defRPr>
+            </a:lvl1pPr>
+            <a:lvl2pPr marL="384048" indent="-182880" algn="l" defTabSz="914400" rtl="0" eaLnBrk="1" latinLnBrk="0" hangingPunct="1">
+              <a:lnSpc>
+                <a:spcPct val="100000"/>
+              </a:lnSpc>
+              <a:spcBef>
+                <a:spcPts val="200"/>
+              </a:spcBef>
+              <a:spcAft>
+                <a:spcPts val="400"/>
+              </a:spcAft>
+              <a:buClrTx/>
+              <a:buFont typeface="Calibri" pitchFamily="34" charset="0"/>
+              <a:buChar char="◦"/>
+              <a:defRPr sz="1700" kern="1200">
+                <a:solidFill>
+                  <a:schemeClr val="tx1">
+                    <a:lumMod val="75000"/>
+                    <a:lumOff val="25000"/>
+                  </a:schemeClr>
+                </a:solidFill>
+                <a:latin typeface="+mn-lt"/>
+                <a:ea typeface="+mn-ea"/>
+                <a:cs typeface="+mn-cs"/>
+              </a:defRPr>
+            </a:lvl2pPr>
+            <a:lvl3pPr marL="566928" indent="-182880" algn="l" defTabSz="914400" rtl="0" eaLnBrk="1" latinLnBrk="0" hangingPunct="1">
+              <a:lnSpc>
+                <a:spcPct val="100000"/>
+              </a:lnSpc>
+              <a:spcBef>
+                <a:spcPts val="200"/>
+              </a:spcBef>
+              <a:spcAft>
+                <a:spcPts val="400"/>
+              </a:spcAft>
+              <a:buClrTx/>
+              <a:buFont typeface="Calibri" pitchFamily="34" charset="0"/>
+              <a:buChar char="◦"/>
+              <a:defRPr sz="1300" kern="1200">
+                <a:solidFill>
+                  <a:schemeClr val="tx1">
+                    <a:lumMod val="75000"/>
+                    <a:lumOff val="25000"/>
+                  </a:schemeClr>
+                </a:solidFill>
+                <a:latin typeface="+mn-lt"/>
+                <a:ea typeface="+mn-ea"/>
+                <a:cs typeface="+mn-cs"/>
+              </a:defRPr>
+            </a:lvl3pPr>
+            <a:lvl4pPr marL="749808" indent="-182880" algn="l" defTabSz="914400" rtl="0" eaLnBrk="1" latinLnBrk="0" hangingPunct="1">
+              <a:lnSpc>
+                <a:spcPct val="100000"/>
+              </a:lnSpc>
+              <a:spcBef>
+                <a:spcPts val="200"/>
+              </a:spcBef>
+              <a:spcAft>
+                <a:spcPts val="400"/>
+              </a:spcAft>
+              <a:buClrTx/>
+              <a:buFont typeface="Calibri" pitchFamily="34" charset="0"/>
+              <a:buChar char="◦"/>
+              <a:defRPr sz="1300" kern="1200">
+                <a:solidFill>
+                  <a:schemeClr val="tx1">
+                    <a:lumMod val="75000"/>
+                    <a:lumOff val="25000"/>
+                  </a:schemeClr>
+                </a:solidFill>
+                <a:latin typeface="+mn-lt"/>
+                <a:ea typeface="+mn-ea"/>
+                <a:cs typeface="+mn-cs"/>
+              </a:defRPr>
+            </a:lvl4pPr>
+            <a:lvl5pPr marL="932688" indent="-182880" algn="l" defTabSz="914400" rtl="0" eaLnBrk="1" latinLnBrk="0" hangingPunct="1">
+              <a:lnSpc>
+                <a:spcPct val="100000"/>
+              </a:lnSpc>
+              <a:spcBef>
+                <a:spcPts val="200"/>
+              </a:spcBef>
+              <a:spcAft>
+                <a:spcPts val="400"/>
+              </a:spcAft>
+              <a:buClrTx/>
+              <a:buFont typeface="Calibri" pitchFamily="34" charset="0"/>
+              <a:buChar char="◦"/>
+              <a:defRPr sz="1300" kern="1200">
+                <a:solidFill>
+                  <a:schemeClr val="tx1">
+                    <a:lumMod val="75000"/>
+                    <a:lumOff val="25000"/>
+                  </a:schemeClr>
+                </a:solidFill>
+                <a:latin typeface="+mn-lt"/>
+                <a:ea typeface="+mn-ea"/>
+                <a:cs typeface="+mn-cs"/>
+              </a:defRPr>
+            </a:lvl5pPr>
+            <a:lvl6pPr marL="1100000" indent="-228600" algn="l" defTabSz="914400" rtl="0" eaLnBrk="1" latinLnBrk="0" hangingPunct="1">
+              <a:lnSpc>
+                <a:spcPct val="90000"/>
+              </a:lnSpc>
+              <a:spcBef>
+                <a:spcPts val="200"/>
+              </a:spcBef>
+              <a:spcAft>
+                <a:spcPts val="400"/>
+              </a:spcAft>
+              <a:buClr>
+                <a:schemeClr val="accent1"/>
+              </a:buClr>
+              <a:buFont typeface="Calibri" pitchFamily="34" charset="0"/>
+              <a:buChar char="◦"/>
+              <a:defRPr sz="1400" kern="1200">
+                <a:solidFill>
+                  <a:schemeClr val="tx1">
+                    <a:lumMod val="75000"/>
+                    <a:lumOff val="25000"/>
+                  </a:schemeClr>
+                </a:solidFill>
+                <a:latin typeface="+mn-lt"/>
+                <a:ea typeface="+mn-ea"/>
+                <a:cs typeface="+mn-cs"/>
+              </a:defRPr>
+            </a:lvl6pPr>
+            <a:lvl7pPr marL="1300000" indent="-228600" algn="l" defTabSz="914400" rtl="0" eaLnBrk="1" latinLnBrk="0" hangingPunct="1">
+              <a:lnSpc>
+                <a:spcPct val="90000"/>
+              </a:lnSpc>
+              <a:spcBef>
+                <a:spcPts val="200"/>
+              </a:spcBef>
+              <a:spcAft>
+                <a:spcPts val="400"/>
+              </a:spcAft>
+              <a:buClr>
+                <a:schemeClr val="accent1"/>
+              </a:buClr>
+              <a:buFont typeface="Calibri" pitchFamily="34" charset="0"/>
+              <a:buChar char="◦"/>
+              <a:defRPr sz="1400" kern="1200">
+                <a:solidFill>
+                  <a:schemeClr val="tx1">
+                    <a:lumMod val="75000"/>
+                    <a:lumOff val="25000"/>
+                  </a:schemeClr>
+                </a:solidFill>
+                <a:latin typeface="+mn-lt"/>
+                <a:ea typeface="+mn-ea"/>
+                <a:cs typeface="+mn-cs"/>
+              </a:defRPr>
+            </a:lvl7pPr>
+            <a:lvl8pPr marL="1500000" indent="-228600" algn="l" defTabSz="914400" rtl="0" eaLnBrk="1" latinLnBrk="0" hangingPunct="1">
+              <a:lnSpc>
+                <a:spcPct val="90000"/>
+              </a:lnSpc>
+              <a:spcBef>
+                <a:spcPts val="200"/>
+              </a:spcBef>
+              <a:spcAft>
+                <a:spcPts val="400"/>
+              </a:spcAft>
+              <a:buClr>
+                <a:schemeClr val="accent1"/>
+              </a:buClr>
+              <a:buFont typeface="Calibri" pitchFamily="34" charset="0"/>
+              <a:buChar char="◦"/>
+              <a:defRPr sz="1400" kern="1200">
+                <a:solidFill>
+                  <a:schemeClr val="tx1">
+                    <a:lumMod val="75000"/>
+                    <a:lumOff val="25000"/>
+                  </a:schemeClr>
+                </a:solidFill>
+                <a:latin typeface="+mn-lt"/>
+                <a:ea typeface="+mn-ea"/>
+                <a:cs typeface="+mn-cs"/>
+              </a:defRPr>
+            </a:lvl8pPr>
+            <a:lvl9pPr marL="1700000" indent="-228600" algn="l" defTabSz="914400" rtl="0" eaLnBrk="1" latinLnBrk="0" hangingPunct="1">
+              <a:lnSpc>
+                <a:spcPct val="90000"/>
+              </a:lnSpc>
+              <a:spcBef>
+                <a:spcPts val="200"/>
+              </a:spcBef>
+              <a:spcAft>
+                <a:spcPts val="400"/>
+              </a:spcAft>
+              <a:buClr>
+                <a:schemeClr val="accent1"/>
+              </a:buClr>
+              <a:buFont typeface="Calibri" pitchFamily="34" charset="0"/>
+              <a:buChar char="◦"/>
+              <a:defRPr sz="1400" kern="1200">
+                <a:solidFill>
+                  <a:schemeClr val="tx1">
+                    <a:lumMod val="75000"/>
+                    <a:lumOff val="25000"/>
+                  </a:schemeClr>
+                </a:solidFill>
+                <a:latin typeface="+mn-lt"/>
+                <a:ea typeface="+mn-ea"/>
+                <a:cs typeface="+mn-cs"/>
+              </a:defRPr>
+            </a:lvl9pPr>
+          </a:lstStyle>
+          <a:p>
+            <a:r>
+              <a:rPr lang="en-CA"/>
+              <a:t> </a:t>
+            </a:r>
+            <a:endParaRPr lang="en-CA" dirty="0"/>
+          </a:p>
+        </p:txBody>
+      </p:sp>
+      <p:pic>
+        <p:nvPicPr>
+          <p:cNvPr id="6" name="Content Placeholder 5" descr="Chart&#10;&#10;Description automatically generated">
+            <a:extLst>
+              <a:ext uri="{FF2B5EF4-FFF2-40B4-BE49-F238E27FC236}">
+                <a16:creationId xmlns:a16="http://schemas.microsoft.com/office/drawing/2014/main" id="{D7139313-A695-0F43-62AA-F24C055FDEE8}"/>
+              </a:ext>
+            </a:extLst>
+          </p:cNvPr>
+          <p:cNvPicPr>
+            <a:picLocks noGrp="1" noChangeAspect="1"/>
+          </p:cNvPicPr>
+          <p:nvPr>
+            <p:ph idx="1"/>
+          </p:nvPr>
+        </p:nvPicPr>
+        <p:blipFill>
+          <a:blip r:embed="rId2">
+            <a:extLst>
+              <a:ext uri="{28A0092B-C50C-407E-A947-70E740481C1C}">
+                <a14:useLocalDpi xmlns:a14="http://schemas.microsoft.com/office/drawing/2010/main" val="0"/>
+              </a:ext>
+            </a:extLst>
+          </a:blip>
+          <a:stretch>
+            <a:fillRect/>
+          </a:stretch>
+        </p:blipFill>
+        <p:spPr>
+          <a:xfrm>
+            <a:off x="6096000" y="2211355"/>
+            <a:ext cx="5431593" cy="3760788"/>
+          </a:xfrm>
+        </p:spPr>
+      </p:pic>
+      <p:sp>
+        <p:nvSpPr>
+          <p:cNvPr id="9" name="Content Placeholder 2">
+            <a:extLst>
+              <a:ext uri="{FF2B5EF4-FFF2-40B4-BE49-F238E27FC236}">
+                <a16:creationId xmlns:a16="http://schemas.microsoft.com/office/drawing/2014/main" id="{5A36A2DC-0336-524A-42BE-06E575D3545F}"/>
+              </a:ext>
+            </a:extLst>
+          </p:cNvPr>
+          <p:cNvSpPr txBox="1">
+            <a:spLocks/>
+          </p:cNvSpPr>
+          <p:nvPr/>
+        </p:nvSpPr>
+        <p:spPr>
+          <a:xfrm>
+            <a:off x="1097280" y="2141729"/>
+            <a:ext cx="4998720" cy="3760891"/>
+          </a:xfrm>
+          <a:prstGeom prst="rect">
+            <a:avLst/>
+          </a:prstGeom>
+        </p:spPr>
+        <p:txBody>
+          <a:bodyPr vert="horz" lIns="0" tIns="45720" rIns="0" bIns="45720" rtlCol="0" anchor="ctr">
+            <a:normAutofit/>
+          </a:bodyPr>
+          <a:lstStyle>
+            <a:lvl1pPr marL="91440" indent="-91440" algn="l" defTabSz="914400" rtl="0" eaLnBrk="1" latinLnBrk="0" hangingPunct="1">
+              <a:lnSpc>
+                <a:spcPct val="110000"/>
+              </a:lnSpc>
+              <a:spcBef>
+                <a:spcPts val="1200"/>
+              </a:spcBef>
+              <a:spcAft>
+                <a:spcPts val="200"/>
+              </a:spcAft>
+              <a:buClr>
+                <a:schemeClr val="accent1"/>
+              </a:buClr>
+              <a:buSzPct val="100000"/>
+              <a:buFont typeface="Calibri" panose="020F0502020204030204" pitchFamily="34" charset="0"/>
+              <a:buChar char=" "/>
+              <a:defRPr sz="1900" kern="1200">
+                <a:solidFill>
+                  <a:schemeClr val="tx1">
+                    <a:lumMod val="75000"/>
+                    <a:lumOff val="25000"/>
+                  </a:schemeClr>
+                </a:solidFill>
+                <a:latin typeface="+mn-lt"/>
+                <a:ea typeface="+mn-ea"/>
+                <a:cs typeface="+mn-cs"/>
+              </a:defRPr>
+            </a:lvl1pPr>
+            <a:lvl2pPr marL="384048" indent="-182880" algn="l" defTabSz="914400" rtl="0" eaLnBrk="1" latinLnBrk="0" hangingPunct="1">
+              <a:lnSpc>
+                <a:spcPct val="100000"/>
+              </a:lnSpc>
+              <a:spcBef>
+                <a:spcPts val="200"/>
+              </a:spcBef>
+              <a:spcAft>
+                <a:spcPts val="400"/>
+              </a:spcAft>
+              <a:buClrTx/>
+              <a:buFont typeface="Calibri" pitchFamily="34" charset="0"/>
+              <a:buChar char="◦"/>
+              <a:defRPr sz="1700" kern="1200">
+                <a:solidFill>
+                  <a:schemeClr val="tx1">
+                    <a:lumMod val="75000"/>
+                    <a:lumOff val="25000"/>
+                  </a:schemeClr>
+                </a:solidFill>
+                <a:latin typeface="+mn-lt"/>
+                <a:ea typeface="+mn-ea"/>
+                <a:cs typeface="+mn-cs"/>
+              </a:defRPr>
+            </a:lvl2pPr>
+            <a:lvl3pPr marL="566928" indent="-182880" algn="l" defTabSz="914400" rtl="0" eaLnBrk="1" latinLnBrk="0" hangingPunct="1">
+              <a:lnSpc>
+                <a:spcPct val="100000"/>
+              </a:lnSpc>
+              <a:spcBef>
+                <a:spcPts val="200"/>
+              </a:spcBef>
+              <a:spcAft>
+                <a:spcPts val="400"/>
+              </a:spcAft>
+              <a:buClrTx/>
+              <a:buFont typeface="Calibri" pitchFamily="34" charset="0"/>
+              <a:buChar char="◦"/>
+              <a:defRPr sz="1300" kern="1200">
+                <a:solidFill>
+                  <a:schemeClr val="tx1">
+                    <a:lumMod val="75000"/>
+                    <a:lumOff val="25000"/>
+                  </a:schemeClr>
+                </a:solidFill>
+                <a:latin typeface="+mn-lt"/>
+                <a:ea typeface="+mn-ea"/>
+                <a:cs typeface="+mn-cs"/>
+              </a:defRPr>
+            </a:lvl3pPr>
+            <a:lvl4pPr marL="749808" indent="-182880" algn="l" defTabSz="914400" rtl="0" eaLnBrk="1" latinLnBrk="0" hangingPunct="1">
+              <a:lnSpc>
+                <a:spcPct val="100000"/>
+              </a:lnSpc>
+              <a:spcBef>
+                <a:spcPts val="200"/>
+              </a:spcBef>
+              <a:spcAft>
+                <a:spcPts val="400"/>
+              </a:spcAft>
+              <a:buClrTx/>
+              <a:buFont typeface="Calibri" pitchFamily="34" charset="0"/>
+              <a:buChar char="◦"/>
+              <a:defRPr sz="1300" kern="1200">
+                <a:solidFill>
+                  <a:schemeClr val="tx1">
+                    <a:lumMod val="75000"/>
+                    <a:lumOff val="25000"/>
+                  </a:schemeClr>
+                </a:solidFill>
+                <a:latin typeface="+mn-lt"/>
+                <a:ea typeface="+mn-ea"/>
+                <a:cs typeface="+mn-cs"/>
+              </a:defRPr>
+            </a:lvl4pPr>
+            <a:lvl5pPr marL="932688" indent="-182880" algn="l" defTabSz="914400" rtl="0" eaLnBrk="1" latinLnBrk="0" hangingPunct="1">
+              <a:lnSpc>
+                <a:spcPct val="100000"/>
+              </a:lnSpc>
+              <a:spcBef>
+                <a:spcPts val="200"/>
+              </a:spcBef>
+              <a:spcAft>
+                <a:spcPts val="400"/>
+              </a:spcAft>
+              <a:buClrTx/>
+              <a:buFont typeface="Calibri" pitchFamily="34" charset="0"/>
+              <a:buChar char="◦"/>
+              <a:defRPr sz="1300" kern="1200">
+                <a:solidFill>
+                  <a:schemeClr val="tx1">
+                    <a:lumMod val="75000"/>
+                    <a:lumOff val="25000"/>
+                  </a:schemeClr>
+                </a:solidFill>
+                <a:latin typeface="+mn-lt"/>
+                <a:ea typeface="+mn-ea"/>
+                <a:cs typeface="+mn-cs"/>
+              </a:defRPr>
+            </a:lvl5pPr>
+            <a:lvl6pPr marL="1100000" indent="-228600" algn="l" defTabSz="914400" rtl="0" eaLnBrk="1" latinLnBrk="0" hangingPunct="1">
+              <a:lnSpc>
+                <a:spcPct val="90000"/>
+              </a:lnSpc>
+              <a:spcBef>
+                <a:spcPts val="200"/>
+              </a:spcBef>
+              <a:spcAft>
+                <a:spcPts val="400"/>
+              </a:spcAft>
+              <a:buClr>
+                <a:schemeClr val="accent1"/>
+              </a:buClr>
+              <a:buFont typeface="Calibri" pitchFamily="34" charset="0"/>
+              <a:buChar char="◦"/>
+              <a:defRPr sz="1400" kern="1200">
+                <a:solidFill>
+                  <a:schemeClr val="tx1">
+                    <a:lumMod val="75000"/>
+                    <a:lumOff val="25000"/>
+                  </a:schemeClr>
+                </a:solidFill>
+                <a:latin typeface="+mn-lt"/>
+                <a:ea typeface="+mn-ea"/>
+                <a:cs typeface="+mn-cs"/>
+              </a:defRPr>
+            </a:lvl6pPr>
+            <a:lvl7pPr marL="1300000" indent="-228600" algn="l" defTabSz="914400" rtl="0" eaLnBrk="1" latinLnBrk="0" hangingPunct="1">
+              <a:lnSpc>
+                <a:spcPct val="90000"/>
+              </a:lnSpc>
+              <a:spcBef>
+                <a:spcPts val="200"/>
+              </a:spcBef>
+              <a:spcAft>
+                <a:spcPts val="400"/>
+              </a:spcAft>
+              <a:buClr>
+                <a:schemeClr val="accent1"/>
+              </a:buClr>
+              <a:buFont typeface="Calibri" pitchFamily="34" charset="0"/>
+              <a:buChar char="◦"/>
+              <a:defRPr sz="1400" kern="1200">
+                <a:solidFill>
+                  <a:schemeClr val="tx1">
+                    <a:lumMod val="75000"/>
+                    <a:lumOff val="25000"/>
+                  </a:schemeClr>
+                </a:solidFill>
+                <a:latin typeface="+mn-lt"/>
+                <a:ea typeface="+mn-ea"/>
+                <a:cs typeface="+mn-cs"/>
+              </a:defRPr>
+            </a:lvl7pPr>
+            <a:lvl8pPr marL="1500000" indent="-228600" algn="l" defTabSz="914400" rtl="0" eaLnBrk="1" latinLnBrk="0" hangingPunct="1">
+              <a:lnSpc>
+                <a:spcPct val="90000"/>
+              </a:lnSpc>
+              <a:spcBef>
+                <a:spcPts val="200"/>
+              </a:spcBef>
+              <a:spcAft>
+                <a:spcPts val="400"/>
+              </a:spcAft>
+              <a:buClr>
+                <a:schemeClr val="accent1"/>
+              </a:buClr>
+              <a:buFont typeface="Calibri" pitchFamily="34" charset="0"/>
+              <a:buChar char="◦"/>
+              <a:defRPr sz="1400" kern="1200">
+                <a:solidFill>
+                  <a:schemeClr val="tx1">
+                    <a:lumMod val="75000"/>
+                    <a:lumOff val="25000"/>
+                  </a:schemeClr>
+                </a:solidFill>
+                <a:latin typeface="+mn-lt"/>
+                <a:ea typeface="+mn-ea"/>
+                <a:cs typeface="+mn-cs"/>
+              </a:defRPr>
+            </a:lvl8pPr>
+            <a:lvl9pPr marL="1700000" indent="-228600" algn="l" defTabSz="914400" rtl="0" eaLnBrk="1" latinLnBrk="0" hangingPunct="1">
+              <a:lnSpc>
+                <a:spcPct val="90000"/>
+              </a:lnSpc>
+              <a:spcBef>
+                <a:spcPts val="200"/>
+              </a:spcBef>
+              <a:spcAft>
+                <a:spcPts val="400"/>
+              </a:spcAft>
+              <a:buClr>
+                <a:schemeClr val="accent1"/>
+              </a:buClr>
+              <a:buFont typeface="Calibri" pitchFamily="34" charset="0"/>
+              <a:buChar char="◦"/>
+              <a:defRPr sz="1400" kern="1200">
+                <a:solidFill>
+                  <a:schemeClr val="tx1">
+                    <a:lumMod val="75000"/>
+                    <a:lumOff val="25000"/>
+                  </a:schemeClr>
+                </a:solidFill>
+                <a:latin typeface="+mn-lt"/>
+                <a:ea typeface="+mn-ea"/>
+                <a:cs typeface="+mn-cs"/>
+              </a:defRPr>
+            </a:lvl9pPr>
+          </a:lstStyle>
+          <a:p>
+            <a:pPr>
+              <a:buFont typeface="Wingdings" panose="05000000000000000000" pitchFamily="2" charset="2"/>
+              <a:buChar char="q"/>
+            </a:pPr>
+            <a:r>
+              <a:rPr lang="fr-CA" sz="1800" b="0" i="0" dirty="0">
+                <a:solidFill>
+                  <a:srgbClr val="404040"/>
+                </a:solidFill>
+                <a:effectLst/>
+                <a:latin typeface="Franklin Gothic Book" panose="020B0503020102020204" pitchFamily="34" charset="0"/>
+              </a:rPr>
+              <a:t>Prévisions selon le </a:t>
+            </a:r>
+            <a:r>
+              <a:rPr lang="fr-CA" sz="1800" b="0" i="0" dirty="0" err="1">
+                <a:solidFill>
+                  <a:srgbClr val="404040"/>
+                </a:solidFill>
+                <a:effectLst/>
+                <a:latin typeface="Franklin Gothic Book" panose="020B0503020102020204" pitchFamily="34" charset="0"/>
+              </a:rPr>
+              <a:t>totalCoverage</a:t>
+            </a:r>
+            <a:r>
+              <a:rPr lang="fr-CA" sz="1800" b="0" i="0" dirty="0">
+                <a:solidFill>
+                  <a:srgbClr val="404040"/>
+                </a:solidFill>
+                <a:effectLst/>
+                <a:latin typeface="Franklin Gothic Book" panose="020B0503020102020204" pitchFamily="34" charset="0"/>
+              </a:rPr>
+              <a:t> sont plus élevés pour les immeubles non-résidentiels</a:t>
+            </a:r>
+          </a:p>
+          <a:p>
+            <a:pPr>
+              <a:buFont typeface="Wingdings" panose="05000000000000000000" pitchFamily="2" charset="2"/>
+              <a:buChar char="q"/>
+            </a:pPr>
+            <a:r>
+              <a:rPr lang="fr-CA" sz="1800" b="0" i="0" dirty="0">
+                <a:solidFill>
+                  <a:srgbClr val="404040"/>
+                </a:solidFill>
+                <a:effectLst/>
+                <a:latin typeface="Franklin Gothic Book" panose="020B0503020102020204" pitchFamily="34" charset="0"/>
+              </a:rPr>
+              <a:t>immeubles non </a:t>
+            </a:r>
+            <a:r>
+              <a:rPr lang="fr-CA" sz="1800" b="0" i="0" dirty="0" err="1">
+                <a:solidFill>
+                  <a:srgbClr val="404040"/>
+                </a:solidFill>
+                <a:effectLst/>
+                <a:latin typeface="Franklin Gothic Book" panose="020B0503020102020204" pitchFamily="34" charset="0"/>
+              </a:rPr>
+              <a:t>résidentiels</a:t>
+            </a:r>
+            <a:r>
+              <a:rPr lang="fr-CA" sz="1800" dirty="0" err="1">
+                <a:solidFill>
+                  <a:srgbClr val="404040"/>
+                </a:solidFill>
+                <a:latin typeface="Franklin Gothic Book" panose="020B0503020102020204" pitchFamily="34" charset="0"/>
+              </a:rPr>
+              <a:t>Légende</a:t>
+            </a:r>
+            <a:endParaRPr lang="fr-CA" sz="1800" dirty="0">
+              <a:solidFill>
+                <a:srgbClr val="404040"/>
+              </a:solidFill>
+              <a:latin typeface="Franklin Gothic Book" panose="020B0503020102020204" pitchFamily="34" charset="0"/>
+            </a:endParaRPr>
+          </a:p>
+          <a:p>
+            <a:pPr lvl="1">
+              <a:buClr>
+                <a:srgbClr val="9BA8B7"/>
+              </a:buClr>
+              <a:buFont typeface="Arial" panose="020B0604020202020204" pitchFamily="34" charset="0"/>
+              <a:buChar char="•"/>
+            </a:pPr>
+            <a:r>
+              <a:rPr lang="fr-CA" dirty="0">
+                <a:solidFill>
+                  <a:srgbClr val="404040"/>
+                </a:solidFill>
+                <a:latin typeface="Franklin Gothic Book" panose="020B0503020102020204" pitchFamily="34" charset="0"/>
+              </a:rPr>
+              <a:t>1 : Résidence familiale</a:t>
+            </a:r>
+          </a:p>
+          <a:p>
+            <a:pPr lvl="1">
+              <a:buClr>
+                <a:srgbClr val="9BA8B7"/>
+              </a:buClr>
+              <a:buFont typeface="Arial" panose="020B0604020202020204" pitchFamily="34" charset="0"/>
+              <a:buChar char="•"/>
+            </a:pPr>
+            <a:r>
+              <a:rPr lang="fr-CA" dirty="0">
+                <a:solidFill>
+                  <a:srgbClr val="404040"/>
+                </a:solidFill>
+                <a:latin typeface="Franklin Gothic Book" panose="020B0503020102020204" pitchFamily="34" charset="0"/>
+              </a:rPr>
+              <a:t>2 : Copropriété résidentielle</a:t>
+            </a:r>
+          </a:p>
+          <a:p>
+            <a:pPr lvl="1">
+              <a:buClr>
+                <a:srgbClr val="9BA8B7"/>
+              </a:buClr>
+              <a:buFont typeface="Arial" panose="020B0604020202020204" pitchFamily="34" charset="0"/>
+              <a:buChar char="•"/>
+            </a:pPr>
+            <a:r>
+              <a:rPr lang="fr-CA" dirty="0">
+                <a:solidFill>
+                  <a:srgbClr val="404040"/>
+                </a:solidFill>
+                <a:latin typeface="Franklin Gothic Book" panose="020B0503020102020204" pitchFamily="34" charset="0"/>
+              </a:rPr>
+              <a:t>3 : Non-résidentiel</a:t>
+            </a:r>
+            <a:endParaRPr lang="en-CA" dirty="0"/>
+          </a:p>
+        </p:txBody>
+      </p:sp>
+    </p:spTree>
+    <p:extLst>
+      <p:ext uri="{BB962C8B-B14F-4D97-AF65-F5344CB8AC3E}">
+        <p14:creationId xmlns:p14="http://schemas.microsoft.com/office/powerpoint/2010/main" val="2138755947"/>
+      </p:ext>
+    </p:extLst>
+  </p:cSld>
+  <p:clrMapOvr>
+    <a:masterClrMapping/>
+  </p:clrMapOvr>
+</p:sld>
+</file>
+
+<file path=ppt/slides/slide31.xml><?xml version="1.0" encoding="utf-8"?>
+<p:sld xmlns:a="http://schemas.openxmlformats.org/drawingml/2006/main" xmlns:r="http://schemas.openxmlformats.org/officeDocument/2006/relationships" xmlns:p="http://schemas.openxmlformats.org/presentationml/2006/main">
+  <p:cSld>
+    <p:spTree>
+      <p:nvGrpSpPr>
+        <p:cNvPr id="1" name=""/>
+        <p:cNvGrpSpPr/>
+        <p:nvPr/>
+      </p:nvGrpSpPr>
+      <p:grpSpPr>
+        <a:xfrm>
+          <a:off x="0" y="0"/>
+          <a:ext cx="0" cy="0"/>
+          <a:chOff x="0" y="0"/>
+          <a:chExt cx="0" cy="0"/>
+        </a:xfrm>
+      </p:grpSpPr>
+      <p:sp>
+        <p:nvSpPr>
+          <p:cNvPr id="2" name="Title 1">
+            <a:extLst>
+              <a:ext uri="{FF2B5EF4-FFF2-40B4-BE49-F238E27FC236}">
+                <a16:creationId xmlns:a16="http://schemas.microsoft.com/office/drawing/2014/main" id="{94951D72-9FC3-B808-3CC4-B291E4C2CC30}"/>
+              </a:ext>
+            </a:extLst>
+          </p:cNvPr>
+          <p:cNvSpPr>
+            <a:spLocks noGrp="1"/>
+          </p:cNvSpPr>
+          <p:nvPr>
+            <p:ph type="title"/>
+          </p:nvPr>
+        </p:nvSpPr>
+        <p:spPr/>
+        <p:txBody>
+          <a:bodyPr/>
+          <a:lstStyle/>
+          <a:p>
+            <a:r>
+              <a:rPr lang="fr-CA" dirty="0"/>
+              <a:t>Conclusion</a:t>
+            </a:r>
+            <a:endParaRPr lang="en-CA" dirty="0"/>
+          </a:p>
+        </p:txBody>
+      </p:sp>
+      <p:sp>
+        <p:nvSpPr>
+          <p:cNvPr id="3" name="Text Placeholder 2">
+            <a:extLst>
+              <a:ext uri="{FF2B5EF4-FFF2-40B4-BE49-F238E27FC236}">
+                <a16:creationId xmlns:a16="http://schemas.microsoft.com/office/drawing/2014/main" id="{397E5634-2FEB-D3EA-B3E3-4BCB908672E1}"/>
+              </a:ext>
+            </a:extLst>
+          </p:cNvPr>
+          <p:cNvSpPr>
+            <a:spLocks noGrp="1"/>
+          </p:cNvSpPr>
+          <p:nvPr>
+            <p:ph type="body" idx="1"/>
+          </p:nvPr>
+        </p:nvSpPr>
+        <p:spPr/>
+        <p:txBody>
+          <a:bodyPr/>
+          <a:lstStyle/>
+          <a:p>
+            <a:endParaRPr lang="en-CA"/>
+          </a:p>
+        </p:txBody>
+      </p:sp>
+    </p:spTree>
+    <p:extLst>
+      <p:ext uri="{BB962C8B-B14F-4D97-AF65-F5344CB8AC3E}">
+        <p14:creationId xmlns:p14="http://schemas.microsoft.com/office/powerpoint/2010/main" val="1717889379"/>
+      </p:ext>
+    </p:extLst>
+  </p:cSld>
+  <p:clrMapOvr>
+    <a:masterClrMapping/>
+  </p:clrMapOvr>
+</p:sld>
+</file>
+
+<file path=ppt/slides/slide32.xml><?xml version="1.0" encoding="utf-8"?>
+<p:sld xmlns:a="http://schemas.openxmlformats.org/drawingml/2006/main" xmlns:r="http://schemas.openxmlformats.org/officeDocument/2006/relationships" xmlns:p="http://schemas.openxmlformats.org/presentationml/2006/main">
+  <p:cSld>
+    <p:spTree>
+      <p:nvGrpSpPr>
+        <p:cNvPr id="1" name=""/>
+        <p:cNvGrpSpPr/>
+        <p:nvPr/>
+      </p:nvGrpSpPr>
+      <p:grpSpPr>
+        <a:xfrm>
+          <a:off x="0" y="0"/>
+          <a:ext cx="0" cy="0"/>
+          <a:chOff x="0" y="0"/>
+          <a:chExt cx="0" cy="0"/>
+        </a:xfrm>
+      </p:grpSpPr>
+      <p:sp>
+        <p:nvSpPr>
+          <p:cNvPr id="2" name="Title 1">
+            <a:extLst>
+              <a:ext uri="{FF2B5EF4-FFF2-40B4-BE49-F238E27FC236}">
+                <a16:creationId xmlns:a16="http://schemas.microsoft.com/office/drawing/2014/main" id="{2972E3D2-B3C5-FB56-6BD1-0BD8DD76CCA3}"/>
+              </a:ext>
+            </a:extLst>
+          </p:cNvPr>
+          <p:cNvSpPr>
+            <a:spLocks noGrp="1"/>
+          </p:cNvSpPr>
+          <p:nvPr>
+            <p:ph type="title"/>
+          </p:nvPr>
+        </p:nvSpPr>
+        <p:spPr/>
+        <p:txBody>
+          <a:bodyPr/>
+          <a:lstStyle/>
+          <a:p>
+            <a:r>
+              <a:rPr lang="fr-CA" dirty="0"/>
+              <a:t>Bibliographie</a:t>
+            </a:r>
+            <a:endParaRPr lang="en-CA" dirty="0"/>
+          </a:p>
+        </p:txBody>
+      </p:sp>
+      <p:sp>
+        <p:nvSpPr>
+          <p:cNvPr id="3" name="Content Placeholder 2">
+            <a:extLst>
+              <a:ext uri="{FF2B5EF4-FFF2-40B4-BE49-F238E27FC236}">
+                <a16:creationId xmlns:a16="http://schemas.microsoft.com/office/drawing/2014/main" id="{9983E910-59CB-7ECB-46A9-68D73D0A7492}"/>
+              </a:ext>
+            </a:extLst>
+          </p:cNvPr>
+          <p:cNvSpPr>
+            <a:spLocks noGrp="1"/>
+          </p:cNvSpPr>
+          <p:nvPr>
+            <p:ph idx="1"/>
+          </p:nvPr>
+        </p:nvSpPr>
+        <p:spPr/>
+        <p:txBody>
+          <a:bodyPr/>
+          <a:lstStyle/>
+          <a:p>
+            <a:r>
+              <a:rPr lang="en-US" sz="2000" b="0" i="0" u="none" strike="noStrike" dirty="0">
+                <a:solidFill>
+                  <a:srgbClr val="404040"/>
+                </a:solidFill>
+                <a:effectLst/>
+                <a:latin typeface="Franklin Gothic Book" panose="020B0503020102020204" pitchFamily="34" charset="0"/>
+              </a:rPr>
+              <a:t>The Federal Emergency Management Agency (2023). FIMA NFIP Redacted Claims - v1.</a:t>
+            </a:r>
+            <a:r>
+              <a:rPr lang="en-CA" sz="2000" b="0" i="0" dirty="0">
+                <a:solidFill>
+                  <a:srgbClr val="404040"/>
+                </a:solidFill>
+                <a:effectLst/>
+                <a:latin typeface="Franklin Gothic Book" panose="020B0503020102020204" pitchFamily="34" charset="0"/>
+              </a:rPr>
+              <a:t>​</a:t>
+            </a:r>
+            <a:br>
+              <a:rPr lang="en-CA" sz="2000" b="0" i="0" dirty="0">
+                <a:solidFill>
+                  <a:srgbClr val="404040"/>
+                </a:solidFill>
+                <a:effectLst/>
+                <a:latin typeface="Franklin Gothic Book" panose="020B0503020102020204" pitchFamily="34" charset="0"/>
+              </a:rPr>
+            </a:br>
+            <a:r>
+              <a:rPr lang="en-US" sz="2000" b="0" i="0" u="none" strike="noStrike" dirty="0" err="1">
+                <a:solidFill>
+                  <a:srgbClr val="404040"/>
+                </a:solidFill>
+                <a:effectLst/>
+                <a:latin typeface="Franklin Gothic Book" panose="020B0503020102020204" pitchFamily="34" charset="0"/>
+              </a:rPr>
+              <a:t>Récupéré</a:t>
+            </a:r>
+            <a:r>
+              <a:rPr lang="en-US" sz="2000" b="0" i="0" u="none" strike="noStrike" dirty="0">
+                <a:solidFill>
+                  <a:srgbClr val="404040"/>
+                </a:solidFill>
+                <a:effectLst/>
+                <a:latin typeface="Franklin Gothic Book" panose="020B0503020102020204" pitchFamily="34" charset="0"/>
+              </a:rPr>
+              <a:t> de &lt;</a:t>
+            </a:r>
+            <a:r>
+              <a:rPr lang="en-US" sz="2000" b="0" i="1" u="sng" dirty="0">
+                <a:solidFill>
+                  <a:srgbClr val="0070C0"/>
+                </a:solidFill>
+                <a:effectLst/>
+                <a:latin typeface="Franklin Gothic Book" panose="020B0503020102020204" pitchFamily="34" charset="0"/>
+              </a:rPr>
+              <a:t>https://www.fema.gov/openfema-data-page/fima-nfip-redacted-claims-v1</a:t>
+            </a:r>
+            <a:r>
+              <a:rPr lang="en-US" sz="2000" b="0" i="0" u="none" strike="noStrike" dirty="0">
+                <a:solidFill>
+                  <a:srgbClr val="404040"/>
+                </a:solidFill>
+                <a:effectLst/>
+                <a:latin typeface="Franklin Gothic Book" panose="020B0503020102020204" pitchFamily="34" charset="0"/>
+              </a:rPr>
+              <a:t>&gt;</a:t>
+            </a:r>
+            <a:r>
+              <a:rPr lang="en-CA" sz="2000" b="0" i="0" dirty="0">
+                <a:solidFill>
+                  <a:srgbClr val="404040"/>
+                </a:solidFill>
+                <a:effectLst/>
+                <a:latin typeface="Franklin Gothic Book" panose="020B0503020102020204" pitchFamily="34" charset="0"/>
+              </a:rPr>
+              <a:t>​</a:t>
+            </a:r>
+            <a:endParaRPr lang="en-CA" sz="2000" b="0" i="0" dirty="0">
+              <a:solidFill>
+                <a:srgbClr val="000000"/>
+              </a:solidFill>
+              <a:effectLst/>
+              <a:latin typeface="Arial" panose="020B0604020202020204" pitchFamily="34" charset="0"/>
+            </a:endParaRPr>
+          </a:p>
+          <a:p>
+            <a:endParaRPr lang="en-CA" dirty="0"/>
+          </a:p>
+        </p:txBody>
+      </p:sp>
+    </p:spTree>
+    <p:extLst>
+      <p:ext uri="{BB962C8B-B14F-4D97-AF65-F5344CB8AC3E}">
+        <p14:creationId xmlns:p14="http://schemas.microsoft.com/office/powerpoint/2010/main" val="1537499175"/>
       </p:ext>
     </p:extLst>
   </p:cSld>
@@ -8894,7 +11926,7 @@
           <a:p>
             <a:pPr>
               <a:buClr>
-                <a:schemeClr val="tx1"/>
+                <a:srgbClr val="9BA8B7"/>
               </a:buClr>
               <a:buFont typeface="Wingdings" panose="05000000000000000000" pitchFamily="2" charset="2"/>
               <a:buChar char="q"/>
@@ -8927,8 +11959,10 @@
           <a:p>
             <a:pPr>
               <a:buClr>
-                <a:schemeClr val="tx1"/>
+                <a:srgbClr val="9BA8B7"/>
               </a:buClr>
+              <a:buFont typeface="Wingdings" panose="05000000000000000000" pitchFamily="2" charset="2"/>
+              <a:buChar char="q"/>
             </a:pPr>
             <a:endParaRPr lang="fr-CA" sz="2400" dirty="0">
               <a:solidFill>
@@ -8939,7 +11973,7 @@
           <a:p>
             <a:pPr>
               <a:buClr>
-                <a:schemeClr val="tx1"/>
+                <a:srgbClr val="9BA8B7"/>
               </a:buClr>
               <a:buFont typeface="Wingdings" panose="05000000000000000000" pitchFamily="2" charset="2"/>
               <a:buChar char="q"/>
@@ -9050,7 +12084,9 @@
               <a:spcAft>
                 <a:spcPts val="0"/>
               </a:spcAft>
-              <a:buClrTx/>
+              <a:buClr>
+                <a:srgbClr val="9BA8B7"/>
+              </a:buClr>
               <a:buSzTx/>
               <a:buFont typeface="Wingdings" panose="05000000000000000000" pitchFamily="2" charset="2"/>
               <a:buChar char="q"/>
@@ -9076,8 +12112,11 @@
               <a:spcAft>
                 <a:spcPts val="0"/>
               </a:spcAft>
-              <a:buFont typeface="Wingdings" panose="05000000000000000000" pitchFamily="2" charset="2"/>
-              <a:buChar char="§"/>
+              <a:buClr>
+                <a:srgbClr val="9BA8B7"/>
+              </a:buClr>
+              <a:buFont typeface="Arial" panose="020B0604020202020204" pitchFamily="34" charset="0"/>
+              <a:buChar char="•"/>
               <a:defRPr/>
             </a:pPr>
             <a:r>
@@ -9105,8 +12144,11 @@
               <a:spcAft>
                 <a:spcPts val="0"/>
               </a:spcAft>
-              <a:buFont typeface="Wingdings" panose="05000000000000000000" pitchFamily="2" charset="2"/>
-              <a:buChar char="§"/>
+              <a:buClr>
+                <a:srgbClr val="9BA8B7"/>
+              </a:buClr>
+              <a:buFont typeface="Arial" panose="020B0604020202020204" pitchFamily="34" charset="0"/>
+              <a:buChar char="•"/>
               <a:defRPr/>
             </a:pPr>
             <a:r>
@@ -9118,6 +12160,312 @@
                 <a:latin typeface="Franklin Gothic Book" panose="020B0503020102020204" pitchFamily="34" charset="0"/>
               </a:rPr>
               <a:t>Peu de grande réclamations</a:t>
+            </a:r>
+            <a:endParaRPr kumimoji="0" lang="en-CA" sz="2200" b="0" i="0" u="none" strike="noStrike" kern="1200" cap="none" spc="0" normalizeH="0" baseline="0" noProof="0" dirty="0">
+              <a:ln>
+                <a:noFill/>
+              </a:ln>
+              <a:solidFill>
+                <a:srgbClr val="000000"/>
+              </a:solidFill>
+              <a:effectLst/>
+              <a:uLnTx/>
+              <a:uFillTx/>
+              <a:latin typeface="Franklin Gothic Book" panose="020F0502020204030204"/>
+              <a:ea typeface="+mn-ea"/>
+              <a:cs typeface="+mn-cs"/>
+            </a:endParaRPr>
+          </a:p>
+          <a:p>
+            <a:pPr marL="285750" marR="0" lvl="0" indent="-285750" algn="l" defTabSz="914400" rtl="0" eaLnBrk="1" fontAlgn="auto" latinLnBrk="0" hangingPunct="1">
+              <a:lnSpc>
+                <a:spcPct val="100000"/>
+              </a:lnSpc>
+              <a:spcBef>
+                <a:spcPts val="0"/>
+              </a:spcBef>
+              <a:spcAft>
+                <a:spcPts val="0"/>
+              </a:spcAft>
+              <a:buClr>
+                <a:srgbClr val="9BA8B7"/>
+              </a:buClr>
+              <a:buSzTx/>
+              <a:buFont typeface="Wingdings" panose="05000000000000000000" pitchFamily="2" charset="2"/>
+              <a:buChar char="q"/>
+              <a:tabLst/>
+              <a:defRPr/>
+            </a:pPr>
+            <a:endParaRPr kumimoji="0" lang="en-CA" sz="2400" b="0" i="0" u="none" strike="noStrike" kern="1200" cap="none" spc="0" normalizeH="0" baseline="0" noProof="0" dirty="0">
+              <a:ln>
+                <a:noFill/>
+              </a:ln>
+              <a:solidFill>
+                <a:srgbClr val="000000"/>
+              </a:solidFill>
+              <a:effectLst/>
+              <a:uLnTx/>
+              <a:uFillTx/>
+              <a:latin typeface="Franklin Gothic Book" panose="020F0502020204030204"/>
+              <a:ea typeface="+mn-ea"/>
+              <a:cs typeface="+mn-cs"/>
+            </a:endParaRPr>
+          </a:p>
+          <a:p>
+            <a:pPr marL="285750" marR="0" lvl="0" indent="-285750" algn="l" defTabSz="914400" rtl="0" eaLnBrk="1" fontAlgn="auto" latinLnBrk="0" hangingPunct="1">
+              <a:lnSpc>
+                <a:spcPct val="100000"/>
+              </a:lnSpc>
+              <a:spcBef>
+                <a:spcPts val="0"/>
+              </a:spcBef>
+              <a:spcAft>
+                <a:spcPts val="0"/>
+              </a:spcAft>
+              <a:buClr>
+                <a:srgbClr val="9BA8B7"/>
+              </a:buClr>
+              <a:buSzTx/>
+              <a:buFont typeface="Wingdings" panose="05000000000000000000" pitchFamily="2" charset="2"/>
+              <a:buChar char="q"/>
+              <a:tabLst/>
+              <a:defRPr/>
+            </a:pPr>
+            <a:r>
+              <a:rPr lang="fr-CA" sz="2400" b="0" i="0" dirty="0">
+                <a:solidFill>
+                  <a:srgbClr val="404040"/>
+                </a:solidFill>
+                <a:effectLst/>
+                <a:latin typeface="Franklin Gothic Book" panose="020B0503020102020204" pitchFamily="34" charset="0"/>
+              </a:rPr>
+              <a:t>Variables explicatives</a:t>
+            </a:r>
+          </a:p>
+          <a:p>
+            <a:pPr marL="635508" lvl="1" indent="-342900">
+              <a:spcBef>
+                <a:spcPts val="0"/>
+              </a:spcBef>
+              <a:spcAft>
+                <a:spcPts val="0"/>
+              </a:spcAft>
+              <a:buClr>
+                <a:srgbClr val="9BA8B7"/>
+              </a:buClr>
+              <a:buFont typeface="Arial" panose="020B0604020202020204" pitchFamily="34" charset="0"/>
+              <a:buChar char="•"/>
+              <a:defRPr/>
+            </a:pPr>
+            <a:r>
+              <a:rPr kumimoji="0" lang="fr-CA" sz="2200" u="none" strike="noStrike" kern="1200" cap="none" spc="0" normalizeH="0" baseline="0" noProof="0" dirty="0">
+                <a:ln>
+                  <a:noFill/>
+                </a:ln>
+                <a:solidFill>
+                  <a:srgbClr val="404040"/>
+                </a:solidFill>
+                <a:uLnTx/>
+                <a:uFillTx/>
+                <a:latin typeface="Franklin Gothic Book" panose="020B0503020102020204" pitchFamily="34" charset="0"/>
+                <a:ea typeface="+mn-ea"/>
+                <a:cs typeface="+mn-cs"/>
+              </a:rPr>
+              <a:t>Redondantes</a:t>
+            </a:r>
+          </a:p>
+          <a:p>
+            <a:pPr marL="635508" lvl="1" indent="-342900">
+              <a:spcBef>
+                <a:spcPts val="0"/>
+              </a:spcBef>
+              <a:spcAft>
+                <a:spcPts val="0"/>
+              </a:spcAft>
+              <a:buClr>
+                <a:srgbClr val="9BA8B7"/>
+              </a:buClr>
+              <a:buFont typeface="Arial" panose="020B0604020202020204" pitchFamily="34" charset="0"/>
+              <a:buChar char="•"/>
+              <a:defRPr/>
+            </a:pPr>
+            <a:r>
+              <a:rPr lang="fr-CA" sz="2200" b="0" i="0" dirty="0">
+                <a:solidFill>
+                  <a:srgbClr val="404040"/>
+                </a:solidFill>
+                <a:effectLst/>
+                <a:latin typeface="Franklin Gothic Book" panose="020B0503020102020204" pitchFamily="34" charset="0"/>
+              </a:rPr>
+              <a:t>Manquantes en grande partie</a:t>
+            </a:r>
+            <a:endParaRPr kumimoji="0" lang="en-CA" sz="2200" b="0" i="0" u="none" strike="noStrike" kern="1200" cap="none" spc="0" normalizeH="0" baseline="0" noProof="0" dirty="0">
+              <a:ln>
+                <a:noFill/>
+              </a:ln>
+              <a:solidFill>
+                <a:srgbClr val="000000"/>
+              </a:solidFill>
+              <a:effectLst/>
+              <a:uLnTx/>
+              <a:uFillTx/>
+              <a:latin typeface="Franklin Gothic Book" panose="020F0502020204030204"/>
+              <a:ea typeface="+mn-ea"/>
+              <a:cs typeface="+mn-cs"/>
+            </a:endParaRPr>
+          </a:p>
+          <a:p>
+            <a:endParaRPr lang="en-CA" dirty="0"/>
+          </a:p>
+        </p:txBody>
+      </p:sp>
+    </p:spTree>
+    <p:extLst>
+      <p:ext uri="{BB962C8B-B14F-4D97-AF65-F5344CB8AC3E}">
+        <p14:creationId xmlns:p14="http://schemas.microsoft.com/office/powerpoint/2010/main" val="3955697919"/>
+      </p:ext>
+    </p:extLst>
+  </p:cSld>
+  <p:clrMapOvr>
+    <a:masterClrMapping/>
+  </p:clrMapOvr>
+</p:sld>
+</file>
+
+<file path=ppt/slides/slide7.xml><?xml version="1.0" encoding="utf-8"?>
+<p:sld xmlns:a="http://schemas.openxmlformats.org/drawingml/2006/main" xmlns:r="http://schemas.openxmlformats.org/officeDocument/2006/relationships" xmlns:p="http://schemas.openxmlformats.org/presentationml/2006/main">
+  <p:cSld>
+    <p:spTree>
+      <p:nvGrpSpPr>
+        <p:cNvPr id="1" name=""/>
+        <p:cNvGrpSpPr/>
+        <p:nvPr/>
+      </p:nvGrpSpPr>
+      <p:grpSpPr>
+        <a:xfrm>
+          <a:off x="0" y="0"/>
+          <a:ext cx="0" cy="0"/>
+          <a:chOff x="0" y="0"/>
+          <a:chExt cx="0" cy="0"/>
+        </a:xfrm>
+      </p:grpSpPr>
+      <p:sp>
+        <p:nvSpPr>
+          <p:cNvPr id="2" name="Title 1">
+            <a:extLst>
+              <a:ext uri="{FF2B5EF4-FFF2-40B4-BE49-F238E27FC236}">
+                <a16:creationId xmlns:a16="http://schemas.microsoft.com/office/drawing/2014/main" id="{2972E3D2-B3C5-FB56-6BD1-0BD8DD76CCA3}"/>
+              </a:ext>
+            </a:extLst>
+          </p:cNvPr>
+          <p:cNvSpPr>
+            <a:spLocks noGrp="1"/>
+          </p:cNvSpPr>
+          <p:nvPr>
+            <p:ph type="title"/>
+          </p:nvPr>
+        </p:nvSpPr>
+        <p:spPr/>
+        <p:txBody>
+          <a:bodyPr/>
+          <a:lstStyle/>
+          <a:p>
+            <a:r>
+              <a:rPr lang="fr-CA" dirty="0"/>
+              <a:t>Prétraitement</a:t>
+            </a:r>
+            <a:endParaRPr lang="en-CA" dirty="0"/>
+          </a:p>
+        </p:txBody>
+      </p:sp>
+      <p:sp>
+        <p:nvSpPr>
+          <p:cNvPr id="3" name="Content Placeholder 2">
+            <a:extLst>
+              <a:ext uri="{FF2B5EF4-FFF2-40B4-BE49-F238E27FC236}">
+                <a16:creationId xmlns:a16="http://schemas.microsoft.com/office/drawing/2014/main" id="{9983E910-59CB-7ECB-46A9-68D73D0A7492}"/>
+              </a:ext>
+            </a:extLst>
+          </p:cNvPr>
+          <p:cNvSpPr>
+            <a:spLocks noGrp="1"/>
+          </p:cNvSpPr>
+          <p:nvPr>
+            <p:ph idx="1"/>
+          </p:nvPr>
+        </p:nvSpPr>
+        <p:spPr/>
+        <p:txBody>
+          <a:bodyPr/>
+          <a:lstStyle/>
+          <a:p>
+            <a:pPr marL="285750" marR="0" lvl="0" indent="-285750" algn="l" defTabSz="914400" rtl="0" eaLnBrk="1" fontAlgn="auto" latinLnBrk="0" hangingPunct="1">
+              <a:lnSpc>
+                <a:spcPct val="100000"/>
+              </a:lnSpc>
+              <a:spcBef>
+                <a:spcPts val="0"/>
+              </a:spcBef>
+              <a:spcAft>
+                <a:spcPts val="0"/>
+              </a:spcAft>
+              <a:buClr>
+                <a:srgbClr val="9BA8B7"/>
+              </a:buClr>
+              <a:buSzTx/>
+              <a:buFont typeface="Wingdings" panose="05000000000000000000" pitchFamily="2" charset="2"/>
+              <a:buChar char="q"/>
+              <a:tabLst/>
+              <a:defRPr/>
+            </a:pPr>
+            <a:r>
+              <a:rPr lang="fr-CA" sz="2400" b="0" i="0" dirty="0">
+                <a:solidFill>
+                  <a:srgbClr val="404040"/>
+                </a:solidFill>
+                <a:effectLst/>
+                <a:latin typeface="Franklin Gothic Book" panose="020B0503020102020204" pitchFamily="34" charset="0"/>
+              </a:rPr>
+              <a:t>Sélection des observations californiennes</a:t>
+            </a:r>
+            <a:endParaRPr kumimoji="0" lang="fr-CA" sz="2200" u="none" strike="noStrike" kern="1200" cap="none" spc="0" normalizeH="0" baseline="0" noProof="0" dirty="0">
+              <a:ln>
+                <a:noFill/>
+              </a:ln>
+              <a:solidFill>
+                <a:srgbClr val="404040"/>
+              </a:solidFill>
+              <a:uLnTx/>
+              <a:uFillTx/>
+              <a:latin typeface="Franklin Gothic Book" panose="020B0503020102020204" pitchFamily="34" charset="0"/>
+              <a:ea typeface="+mn-ea"/>
+              <a:cs typeface="+mn-cs"/>
+            </a:endParaRPr>
+          </a:p>
+          <a:p>
+            <a:pPr marL="635508" lvl="1" indent="-342900">
+              <a:spcBef>
+                <a:spcPts val="0"/>
+              </a:spcBef>
+              <a:spcAft>
+                <a:spcPts val="0"/>
+              </a:spcAft>
+              <a:buClr>
+                <a:srgbClr val="9BA8B7"/>
+              </a:buClr>
+              <a:buFont typeface="Arial" panose="020B0604020202020204" pitchFamily="34" charset="0"/>
+              <a:buChar char="•"/>
+              <a:defRPr/>
+            </a:pPr>
+            <a:r>
+              <a:rPr lang="fr-CA" sz="2200" b="0" i="0" dirty="0">
+                <a:solidFill>
+                  <a:srgbClr val="404040"/>
+                </a:solidFill>
+                <a:effectLst/>
+                <a:latin typeface="Franklin Gothic Book" panose="020B0503020102020204" pitchFamily="34" charset="0"/>
+              </a:rPr>
+              <a:t>50 000 données</a:t>
             </a:r>
             <a:endParaRPr kumimoji="0" lang="en-CA" sz="2200" b="0" i="0" u="none" strike="noStrike" kern="1200" cap="none" spc="0" normalizeH="0" baseline="0" noProof="0" dirty="0">
               <a:ln>
@@ -9178,7 +12526,9 @@
               <a:spcAft>
                 <a:spcPts val="0"/>
               </a:spcAft>
-              <a:buClrTx/>
+              <a:buClr>
+                <a:srgbClr val="9BA8B7"/>
+              </a:buClr>
               <a:buSzTx/>
               <a:buFont typeface="Wingdings" panose="05000000000000000000" pitchFamily="2" charset="2"/>
               <a:buChar char="q"/>
@@ -9193,7 +12543,7 @@
                 <a:effectLst/>
                 <a:latin typeface="Franklin Gothic Book" panose="020B0503020102020204" pitchFamily="34" charset="0"/>
               </a:rPr>
-              <a:t>Variables explicatives</a:t>
+              <a:t>Réduction du nombre de variables</a:t>
             </a:r>
           </a:p>
           <a:p>
@@ -9204,8 +12554,11 @@
               <a:spcAft>
                 <a:spcPts val="0"/>
               </a:spcAft>
-              <a:buFont typeface="Wingdings" panose="05000000000000000000" pitchFamily="2" charset="2"/>
-              <a:buChar char="§"/>
+              <a:buClr>
+                <a:srgbClr val="9BA8B7"/>
+              </a:buClr>
+              <a:buFont typeface="Arial" panose="020B0604020202020204" pitchFamily="34" charset="0"/>
+              <a:buChar char="•"/>
               <a:defRPr/>
             </a:pPr>
             <a:r>
@@ -9222,7 +12575,7 @@
                 <a:ea typeface="+mn-ea"/>
                 <a:cs typeface="+mn-cs"/>
               </a:rPr>
-              <a:t>Redondantes</a:t>
+              <a:t>Élimination de certaines variables</a:t>
             </a:r>
           </a:p>
           <a:p>
@@ -9233,8 +12586,11 @@
               <a:spcAft>
                 <a:spcPts val="0"/>
               </a:spcAft>
-              <a:buFont typeface="Wingdings" panose="05000000000000000000" pitchFamily="2" charset="2"/>
-              <a:buChar char="§"/>
+              <a:buClr>
+                <a:srgbClr val="9BA8B7"/>
+              </a:buClr>
+              <a:buFont typeface="Arial" panose="020B0604020202020204" pitchFamily="34" charset="0"/>
+              <a:buChar char="•"/>
               <a:defRPr/>
             </a:pPr>
             <a:r>
@@ -9245,7 +12601,7 @@
                 <a:effectLst/>
                 <a:latin typeface="Franklin Gothic Book" panose="020B0503020102020204" pitchFamily="34" charset="0"/>
               </a:rPr>
-              <a:t>Manquantes en grande partie</a:t>
+              <a:t>Tri et réduction des niveaux</a:t>
             </a:r>
             <a:endParaRPr kumimoji="0" lang="en-CA" sz="2200" b="0" i="0" u="none" strike="noStrike" kern="1200" cap="none" spc="0" normalizeH="0" baseline="0" noProof="0" dirty="0">
               <a:ln>
@@ -9265,87 +12621,6 @@
           <a:p>
             <a:endParaRPr lang="en-CA" dirty="0"/>
           </a:p>
-        </p:txBody>
-      </p:sp>
-    </p:spTree>
-    <p:extLst>
-      <p:ext uri="{BB962C8B-B14F-4D97-AF65-F5344CB8AC3E}">
-        <p14:creationId xmlns:p14="http://schemas.microsoft.com/office/powerpoint/2010/main" val="3955697919"/>
-      </p:ext>
-    </p:extLst>
-  </p:cSld>
-  <p:clrMapOvr>
-    <a:masterClrMapping/>
-  </p:clrMapOvr>
-</p:sld>
-</file>
-
-<file path=ppt/slides/slide7.xml><?xml version="1.0" encoding="utf-8"?>
-<p:sld xmlns:a="http://schemas.openxmlformats.org/drawingml/2006/main" xmlns:r="http://schemas.openxmlformats.org/officeDocument/2006/relationships" xmlns:p="http://schemas.openxmlformats.org/presentationml/2006/main">
-  <p:cSld>
-    <p:spTree>
-      <p:nvGrpSpPr>
-        <p:cNvPr id="1" name=""/>
-        <p:cNvGrpSpPr/>
-        <p:nvPr/>
-      </p:nvGrpSpPr>
-      <p:grpSpPr>
-        <a:xfrm>
-          <a:off x="0" y="0"/>
-          <a:ext cx="0" cy="0"/>
-          <a:chOff x="0" y="0"/>
-          <a:chExt cx="0" cy="0"/>
-        </a:xfrm>
-      </p:grpSpPr>
-      <p:sp>
-        <p:nvSpPr>
-          <p:cNvPr id="2" name="Title 1">
-            <a:extLst>
-              <a:ext uri="{FF2B5EF4-FFF2-40B4-BE49-F238E27FC236}">
-                <a16:creationId xmlns:a16="http://schemas.microsoft.com/office/drawing/2014/main" id="{2972E3D2-B3C5-FB56-6BD1-0BD8DD76CCA3}"/>
-              </a:ext>
-            </a:extLst>
-          </p:cNvPr>
-          <p:cNvSpPr>
-            <a:spLocks noGrp="1"/>
-          </p:cNvSpPr>
-          <p:nvPr>
-            <p:ph type="title"/>
-          </p:nvPr>
-        </p:nvSpPr>
-        <p:spPr/>
-        <p:txBody>
-          <a:bodyPr/>
-          <a:lstStyle/>
-          <a:p>
-            <a:r>
-              <a:rPr lang="fr-CA" dirty="0"/>
-              <a:t>Prétraitement</a:t>
-            </a:r>
-            <a:endParaRPr lang="en-CA" dirty="0"/>
-          </a:p>
-        </p:txBody>
-      </p:sp>
-      <p:sp>
-        <p:nvSpPr>
-          <p:cNvPr id="3" name="Content Placeholder 2">
-            <a:extLst>
-              <a:ext uri="{FF2B5EF4-FFF2-40B4-BE49-F238E27FC236}">
-                <a16:creationId xmlns:a16="http://schemas.microsoft.com/office/drawing/2014/main" id="{9983E910-59CB-7ECB-46A9-68D73D0A7492}"/>
-              </a:ext>
-            </a:extLst>
-          </p:cNvPr>
-          <p:cNvSpPr>
-            <a:spLocks noGrp="1"/>
-          </p:cNvSpPr>
-          <p:nvPr>
-            <p:ph idx="1"/>
-          </p:nvPr>
-        </p:nvSpPr>
-        <p:spPr/>
-        <p:txBody>
-          <a:bodyPr/>
-          <a:lstStyle/>
           <a:p>
             <a:pPr marL="285750" marR="0" lvl="0" indent="-285750" algn="l" defTabSz="914400" rtl="0" eaLnBrk="1" fontAlgn="auto" latinLnBrk="0" hangingPunct="1">
               <a:lnSpc>
@@ -9357,217 +12632,9 @@
               <a:spcAft>
                 <a:spcPts val="0"/>
               </a:spcAft>
-              <a:buClrTx/>
-              <a:buSzTx/>
-              <a:buFont typeface="Wingdings" panose="05000000000000000000" pitchFamily="2" charset="2"/>
-              <a:buChar char="q"/>
-              <a:tabLst/>
-              <a:defRPr/>
-            </a:pPr>
-            <a:r>
-              <a:rPr lang="fr-CA" sz="2400" b="0" i="0" dirty="0">
-                <a:solidFill>
-                  <a:srgbClr val="404040"/>
-                </a:solidFill>
-                <a:effectLst/>
-                <a:latin typeface="Franklin Gothic Book" panose="020B0503020102020204" pitchFamily="34" charset="0"/>
-              </a:rPr>
-              <a:t>Sélection des observations californiennes</a:t>
-            </a:r>
-            <a:endParaRPr kumimoji="0" lang="fr-CA" sz="2200" u="none" strike="noStrike" kern="1200" cap="none" spc="0" normalizeH="0" baseline="0" noProof="0" dirty="0">
-              <a:ln>
-                <a:noFill/>
-              </a:ln>
-              <a:solidFill>
-                <a:srgbClr val="404040"/>
-              </a:solidFill>
-              <a:uLnTx/>
-              <a:uFillTx/>
-              <a:latin typeface="Franklin Gothic Book" panose="020B0503020102020204" pitchFamily="34" charset="0"/>
-              <a:ea typeface="+mn-ea"/>
-              <a:cs typeface="+mn-cs"/>
-            </a:endParaRPr>
-          </a:p>
-          <a:p>
-            <a:pPr marL="635508" lvl="1" indent="-342900">
-              <a:spcBef>
-                <a:spcPts val="0"/>
-              </a:spcBef>
-              <a:spcAft>
-                <a:spcPts val="0"/>
-              </a:spcAft>
-              <a:buFont typeface="Wingdings" panose="05000000000000000000" pitchFamily="2" charset="2"/>
-              <a:buChar char="§"/>
-              <a:defRPr/>
-            </a:pPr>
-            <a:r>
-              <a:rPr lang="fr-CA" sz="2200" b="0" i="0" dirty="0">
-                <a:solidFill>
-                  <a:srgbClr val="404040"/>
-                </a:solidFill>
-                <a:effectLst/>
-                <a:latin typeface="Franklin Gothic Book" panose="020B0503020102020204" pitchFamily="34" charset="0"/>
-              </a:rPr>
-              <a:t>50 000 données</a:t>
-            </a:r>
-            <a:endParaRPr kumimoji="0" lang="en-CA" sz="2200" b="0" i="0" u="none" strike="noStrike" kern="1200" cap="none" spc="0" normalizeH="0" baseline="0" noProof="0" dirty="0">
-              <a:ln>
-                <a:noFill/>
-              </a:ln>
-              <a:solidFill>
-                <a:srgbClr val="000000"/>
-              </a:solidFill>
-              <a:effectLst/>
-              <a:uLnTx/>
-              <a:uFillTx/>
-              <a:latin typeface="Franklin Gothic Book" panose="020F0502020204030204"/>
-              <a:ea typeface="+mn-ea"/>
-              <a:cs typeface="+mn-cs"/>
-            </a:endParaRPr>
-          </a:p>
-          <a:p>
-            <a:pPr marL="285750" marR="0" lvl="0" indent="-285750" algn="l" defTabSz="914400" rtl="0" eaLnBrk="1" fontAlgn="auto" latinLnBrk="0" hangingPunct="1">
-              <a:lnSpc>
-                <a:spcPct val="100000"/>
-              </a:lnSpc>
-              <a:spcBef>
-                <a:spcPts val="0"/>
-              </a:spcBef>
-              <a:spcAft>
-                <a:spcPts val="0"/>
-              </a:spcAft>
-              <a:buClrTx/>
-              <a:buSzTx/>
-              <a:buFont typeface="Wingdings" panose="05000000000000000000" pitchFamily="2" charset="2"/>
-              <a:buChar char="q"/>
-              <a:tabLst/>
-              <a:defRPr/>
-            </a:pPr>
-            <a:endParaRPr kumimoji="0" lang="en-CA" sz="2400" b="0" i="0" u="none" strike="noStrike" kern="1200" cap="none" spc="0" normalizeH="0" baseline="0" noProof="0" dirty="0">
-              <a:ln>
-                <a:noFill/>
-              </a:ln>
-              <a:solidFill>
-                <a:srgbClr val="000000"/>
-              </a:solidFill>
-              <a:effectLst/>
-              <a:uLnTx/>
-              <a:uFillTx/>
-              <a:latin typeface="Franklin Gothic Book" panose="020F0502020204030204"/>
-              <a:ea typeface="+mn-ea"/>
-              <a:cs typeface="+mn-cs"/>
-            </a:endParaRPr>
-          </a:p>
-          <a:p>
-            <a:pPr marL="285750" marR="0" lvl="0" indent="-285750" algn="l" defTabSz="914400" rtl="0" eaLnBrk="1" fontAlgn="auto" latinLnBrk="0" hangingPunct="1">
-              <a:lnSpc>
-                <a:spcPct val="100000"/>
-              </a:lnSpc>
-              <a:spcBef>
-                <a:spcPts val="0"/>
-              </a:spcBef>
-              <a:spcAft>
-                <a:spcPts val="0"/>
-              </a:spcAft>
-              <a:buClrTx/>
-              <a:buSzTx/>
-              <a:buFont typeface="Wingdings" panose="05000000000000000000" pitchFamily="2" charset="2"/>
-              <a:buChar char="q"/>
-              <a:tabLst/>
-              <a:defRPr/>
-            </a:pPr>
-            <a:r>
-              <a:rPr lang="fr-CA" sz="2400" b="0" i="0" dirty="0">
-                <a:solidFill>
-                  <a:srgbClr val="404040"/>
-                </a:solidFill>
-                <a:effectLst/>
-                <a:latin typeface="Franklin Gothic Book" panose="020B0503020102020204" pitchFamily="34" charset="0"/>
-              </a:rPr>
-              <a:t>Réduction du nombre de variables</a:t>
-            </a:r>
-          </a:p>
-          <a:p>
-            <a:pPr marL="635508" lvl="1" indent="-342900">
-              <a:spcBef>
-                <a:spcPts val="0"/>
-              </a:spcBef>
-              <a:spcAft>
-                <a:spcPts val="0"/>
-              </a:spcAft>
-              <a:buFont typeface="Wingdings" panose="05000000000000000000" pitchFamily="2" charset="2"/>
-              <a:buChar char="§"/>
-              <a:defRPr/>
-            </a:pPr>
-            <a:r>
-              <a:rPr kumimoji="0" lang="fr-CA" sz="2200" u="none" strike="noStrike" kern="1200" cap="none" spc="0" normalizeH="0" baseline="0" noProof="0" dirty="0">
-                <a:ln>
-                  <a:noFill/>
-                </a:ln>
-                <a:solidFill>
-                  <a:srgbClr val="404040"/>
-                </a:solidFill>
-                <a:uLnTx/>
-                <a:uFillTx/>
-                <a:latin typeface="Franklin Gothic Book" panose="020B0503020102020204" pitchFamily="34" charset="0"/>
-                <a:ea typeface="+mn-ea"/>
-                <a:cs typeface="+mn-cs"/>
-              </a:rPr>
-              <a:t>Élimination de certaines variables</a:t>
-            </a:r>
-          </a:p>
-          <a:p>
-            <a:pPr marL="635508" lvl="1" indent="-342900">
-              <a:spcBef>
-                <a:spcPts val="0"/>
-              </a:spcBef>
-              <a:spcAft>
-                <a:spcPts val="0"/>
-              </a:spcAft>
-              <a:buFont typeface="Wingdings" panose="05000000000000000000" pitchFamily="2" charset="2"/>
-              <a:buChar char="§"/>
-              <a:defRPr/>
-            </a:pPr>
-            <a:r>
-              <a:rPr lang="fr-CA" sz="2200" b="0" i="0" dirty="0">
-                <a:solidFill>
-                  <a:srgbClr val="404040"/>
-                </a:solidFill>
-                <a:effectLst/>
-                <a:latin typeface="Franklin Gothic Book" panose="020B0503020102020204" pitchFamily="34" charset="0"/>
-              </a:rPr>
-              <a:t>Tri et réduction des niveaux</a:t>
-            </a:r>
-            <a:endParaRPr kumimoji="0" lang="en-CA" sz="2200" b="0" i="0" u="none" strike="noStrike" kern="1200" cap="none" spc="0" normalizeH="0" baseline="0" noProof="0" dirty="0">
-              <a:ln>
-                <a:noFill/>
-              </a:ln>
-              <a:solidFill>
-                <a:srgbClr val="000000"/>
-              </a:solidFill>
-              <a:effectLst/>
-              <a:uLnTx/>
-              <a:uFillTx/>
-              <a:latin typeface="Franklin Gothic Book" panose="020F0502020204030204"/>
-              <a:ea typeface="+mn-ea"/>
-              <a:cs typeface="+mn-cs"/>
-            </a:endParaRPr>
-          </a:p>
-          <a:p>
-            <a:endParaRPr lang="en-CA" dirty="0"/>
-          </a:p>
-          <a:p>
-            <a:pPr marL="285750" marR="0" lvl="0" indent="-285750" algn="l" defTabSz="914400" rtl="0" eaLnBrk="1" fontAlgn="auto" latinLnBrk="0" hangingPunct="1">
-              <a:lnSpc>
-                <a:spcPct val="100000"/>
-              </a:lnSpc>
-              <a:spcBef>
-                <a:spcPts val="0"/>
-              </a:spcBef>
-              <a:spcAft>
-                <a:spcPts val="0"/>
-              </a:spcAft>
-              <a:buClrTx/>
+              <a:buClr>
+                <a:srgbClr val="9BA8B7"/>
+              </a:buClr>
               <a:buSzTx/>
               <a:buFont typeface="Wingdings" panose="05000000000000000000" pitchFamily="2" charset="2"/>
               <a:buChar char="q"/>
@@ -9838,7 +12905,7 @@
             </a:endParaRPr>
           </a:p>
           <a:p>
-            <a:pPr marL="285750" marR="0" lvl="0" indent="-285750" algn="l" defTabSz="914400" rtl="0" eaLnBrk="1" fontAlgn="auto" latinLnBrk="0" hangingPunct="1">
+            <a:pPr marR="0" lvl="0" algn="l" defTabSz="914400" rtl="0" eaLnBrk="1" fontAlgn="auto" latinLnBrk="0" hangingPunct="1">
               <a:lnSpc>
                 <a:spcPct val="100000"/>
               </a:lnSpc>
@@ -9848,7 +12915,9 @@
               <a:spcAft>
                 <a:spcPts val="0"/>
               </a:spcAft>
-              <a:buClrTx/>
+              <a:buClr>
+                <a:srgbClr val="9BA8B7"/>
+              </a:buClr>
               <a:buSzTx/>
               <a:buFont typeface="Wingdings" panose="05000000000000000000" pitchFamily="2" charset="2"/>
               <a:buChar char="q"/>
@@ -9874,8 +12943,11 @@
               <a:spcAft>
                 <a:spcPts val="0"/>
               </a:spcAft>
-              <a:buFont typeface="Wingdings" panose="05000000000000000000" pitchFamily="2" charset="2"/>
-              <a:buChar char="§"/>
+              <a:buClr>
+                <a:srgbClr val="9BA8B7"/>
+              </a:buClr>
+              <a:buFont typeface="Arial" panose="020B0604020202020204" pitchFamily="34" charset="0"/>
+              <a:buChar char="•"/>
               <a:defRPr/>
             </a:pPr>
             <a:r>
@@ -9932,8 +13004,11 @@
               <a:spcAft>
                 <a:spcPts val="0"/>
               </a:spcAft>
-              <a:buFont typeface="Wingdings" panose="05000000000000000000" pitchFamily="2" charset="2"/>
-              <a:buChar char="§"/>
+              <a:buClr>
+                <a:srgbClr val="9BA8B7"/>
+              </a:buClr>
+              <a:buFont typeface="Arial" panose="020B0604020202020204" pitchFamily="34" charset="0"/>
+              <a:buChar char="•"/>
               <a:defRPr/>
             </a:pPr>
             <a:r>
